--- a/Semester 2/Applied Cyber Security/Lecture/L3.pptx
+++ b/Semester 2/Applied Cyber Security/Lecture/L3.pptx
@@ -5,7 +5,7 @@
     <p:sldMasterId id="2147483648" r:id="rId1"/>
   </p:sldMasterIdLst>
   <p:notesMasterIdLst>
-    <p:notesMasterId r:id="rId56"/>
+    <p:notesMasterId r:id="rId54"/>
   </p:notesMasterIdLst>
   <p:sldIdLst>
     <p:sldId id="256" r:id="rId2"/>
@@ -37,31 +37,29 @@
     <p:sldId id="280" r:id="rId28"/>
     <p:sldId id="281" r:id="rId29"/>
     <p:sldId id="282" r:id="rId30"/>
-    <p:sldId id="283" r:id="rId31"/>
-    <p:sldId id="284" r:id="rId32"/>
-    <p:sldId id="285" r:id="rId33"/>
-    <p:sldId id="286" r:id="rId34"/>
-    <p:sldId id="287" r:id="rId35"/>
-    <p:sldId id="288" r:id="rId36"/>
-    <p:sldId id="289" r:id="rId37"/>
-    <p:sldId id="290" r:id="rId38"/>
-    <p:sldId id="291" r:id="rId39"/>
-    <p:sldId id="292" r:id="rId40"/>
-    <p:sldId id="293" r:id="rId41"/>
-    <p:sldId id="294" r:id="rId42"/>
-    <p:sldId id="295" r:id="rId43"/>
-    <p:sldId id="296" r:id="rId44"/>
-    <p:sldId id="297" r:id="rId45"/>
-    <p:sldId id="298" r:id="rId46"/>
-    <p:sldId id="299" r:id="rId47"/>
-    <p:sldId id="300" r:id="rId48"/>
-    <p:sldId id="301" r:id="rId49"/>
-    <p:sldId id="302" r:id="rId50"/>
-    <p:sldId id="303" r:id="rId51"/>
-    <p:sldId id="304" r:id="rId52"/>
-    <p:sldId id="305" r:id="rId53"/>
-    <p:sldId id="306" r:id="rId54"/>
-    <p:sldId id="307" r:id="rId55"/>
+    <p:sldId id="284" r:id="rId31"/>
+    <p:sldId id="285" r:id="rId32"/>
+    <p:sldId id="286" r:id="rId33"/>
+    <p:sldId id="287" r:id="rId34"/>
+    <p:sldId id="288" r:id="rId35"/>
+    <p:sldId id="289" r:id="rId36"/>
+    <p:sldId id="290" r:id="rId37"/>
+    <p:sldId id="291" r:id="rId38"/>
+    <p:sldId id="292" r:id="rId39"/>
+    <p:sldId id="293" r:id="rId40"/>
+    <p:sldId id="294" r:id="rId41"/>
+    <p:sldId id="295" r:id="rId42"/>
+    <p:sldId id="296" r:id="rId43"/>
+    <p:sldId id="297" r:id="rId44"/>
+    <p:sldId id="298" r:id="rId45"/>
+    <p:sldId id="299" r:id="rId46"/>
+    <p:sldId id="300" r:id="rId47"/>
+    <p:sldId id="301" r:id="rId48"/>
+    <p:sldId id="302" r:id="rId49"/>
+    <p:sldId id="303" r:id="rId50"/>
+    <p:sldId id="305" r:id="rId51"/>
+    <p:sldId id="306" r:id="rId52"/>
+    <p:sldId id="307" r:id="rId53"/>
   </p:sldIdLst>
   <p:sldSz cx="12192000" cy="6858000"/>
   <p:notesSz cx="6858000" cy="9144000"/>
@@ -250,7 +248,7 @@
           <a:p>
             <a:fld id="{2212FDB8-DC8F-4EFC-A445-312E94EC6691}" type="datetimeFigureOut">
               <a:rPr lang="en-US" smtClean="0"/>
-              <a:t>12/24/2024</a:t>
+              <a:t>4/22/2025</a:t>
             </a:fld>
             <a:endParaRPr lang="en-US"/>
           </a:p>
@@ -582,7 +580,7 @@
           <a:p>
             <a:fld id="{C15BC84A-8967-4DC0-9256-CA3D8291388C}" type="slidenum">
               <a:rPr lang="en-US" smtClean="0"/>
-              <a:t>41</a:t>
+              <a:t>40</a:t>
             </a:fld>
             <a:endParaRPr lang="en-US"/>
           </a:p>
@@ -748,7 +746,7 @@
           <a:p>
             <a:fld id="{34279515-5CF2-4789-8868-3021C7EB39C8}" type="datetime1">
               <a:rPr lang="en-US" smtClean="0"/>
-              <a:t>12/28/2024</a:t>
+              <a:t>4/22/2025</a:t>
             </a:fld>
             <a:endParaRPr lang="en-US"/>
           </a:p>
@@ -946,7 +944,7 @@
           <a:p>
             <a:fld id="{AD91E24B-3432-4272-ACBA-1BA4F3BD40EA}" type="datetime1">
               <a:rPr lang="en-US" smtClean="0"/>
-              <a:t>12/28/2024</a:t>
+              <a:t>4/22/2025</a:t>
             </a:fld>
             <a:endParaRPr lang="en-US"/>
           </a:p>
@@ -1154,7 +1152,7 @@
           <a:p>
             <a:fld id="{EF380265-E8BE-4D67-A28E-F76ABE62A86D}" type="datetime1">
               <a:rPr lang="en-US" smtClean="0"/>
-              <a:t>12/28/2024</a:t>
+              <a:t>4/22/2025</a:t>
             </a:fld>
             <a:endParaRPr lang="en-US"/>
           </a:p>
@@ -1352,7 +1350,7 @@
           <a:p>
             <a:fld id="{10ED0B38-6EAE-4F25-86A2-9C18D127FD8B}" type="datetime1">
               <a:rPr lang="en-US" smtClean="0"/>
-              <a:t>12/28/2024</a:t>
+              <a:t>4/22/2025</a:t>
             </a:fld>
             <a:endParaRPr lang="en-US"/>
           </a:p>
@@ -1627,7 +1625,7 @@
           <a:p>
             <a:fld id="{E0C97C7B-E008-4500-8F38-51811BE57E4E}" type="datetime1">
               <a:rPr lang="en-US" smtClean="0"/>
-              <a:t>12/28/2024</a:t>
+              <a:t>4/22/2025</a:t>
             </a:fld>
             <a:endParaRPr lang="en-US"/>
           </a:p>
@@ -1892,7 +1890,7 @@
           <a:p>
             <a:fld id="{94E18265-D9E3-48F2-9BC7-E60AA2F864F4}" type="datetime1">
               <a:rPr lang="en-US" smtClean="0"/>
-              <a:t>12/28/2024</a:t>
+              <a:t>4/22/2025</a:t>
             </a:fld>
             <a:endParaRPr lang="en-US"/>
           </a:p>
@@ -2304,7 +2302,7 @@
           <a:p>
             <a:fld id="{61230A71-E005-4DE0-AD81-B2E61E465DD9}" type="datetime1">
               <a:rPr lang="en-US" smtClean="0"/>
-              <a:t>12/28/2024</a:t>
+              <a:t>4/22/2025</a:t>
             </a:fld>
             <a:endParaRPr lang="en-US"/>
           </a:p>
@@ -2445,7 +2443,7 @@
           <a:p>
             <a:fld id="{C83E5650-4802-4A5D-BD48-90032874B789}" type="datetime1">
               <a:rPr lang="en-US" smtClean="0"/>
-              <a:t>12/28/2024</a:t>
+              <a:t>4/22/2025</a:t>
             </a:fld>
             <a:endParaRPr lang="en-US"/>
           </a:p>
@@ -2558,7 +2556,7 @@
           <a:p>
             <a:fld id="{61D8CB03-FD1E-4C40-8BA7-8490B42AA416}" type="datetime1">
               <a:rPr lang="en-US" smtClean="0"/>
-              <a:t>12/28/2024</a:t>
+              <a:t>4/22/2025</a:t>
             </a:fld>
             <a:endParaRPr lang="en-US"/>
           </a:p>
@@ -2869,7 +2867,7 @@
           <a:p>
             <a:fld id="{79817E9B-69B0-4028-ADD1-F940DD107D2E}" type="datetime1">
               <a:rPr lang="en-US" smtClean="0"/>
-              <a:t>12/28/2024</a:t>
+              <a:t>4/22/2025</a:t>
             </a:fld>
             <a:endParaRPr lang="en-US"/>
           </a:p>
@@ -3157,7 +3155,7 @@
           <a:p>
             <a:fld id="{C24E05A6-A296-4618-A232-44A677FEDB50}" type="datetime1">
               <a:rPr lang="en-US" smtClean="0"/>
-              <a:t>12/28/2024</a:t>
+              <a:t>4/22/2025</a:t>
             </a:fld>
             <a:endParaRPr lang="en-US"/>
           </a:p>
@@ -3398,7 +3396,7 @@
           <a:p>
             <a:fld id="{DE10F34E-97BC-495E-82CE-53F256C84611}" type="datetime1">
               <a:rPr lang="en-US" smtClean="0"/>
-              <a:t>12/28/2024</a:t>
+              <a:t>4/22/2025</a:t>
             </a:fld>
             <a:endParaRPr lang="en-US"/>
           </a:p>
@@ -3949,31 +3947,6 @@
       </p:grpSpPr>
       <p:sp>
         <p:nvSpPr>
-          <p:cNvPr id="2" name="Title 1">
-            <a:extLst>
-              <a:ext uri="{FF2B5EF4-FFF2-40B4-BE49-F238E27FC236}">
-                <a16:creationId xmlns:a16="http://schemas.microsoft.com/office/drawing/2014/main" id="{7CB7F961-56A8-C4D1-3ED0-B23FDF853727}"/>
-              </a:ext>
-            </a:extLst>
-          </p:cNvPr>
-          <p:cNvSpPr>
-            <a:spLocks noGrp="1"/>
-          </p:cNvSpPr>
-          <p:nvPr>
-            <p:ph type="title"/>
-          </p:nvPr>
-        </p:nvSpPr>
-        <p:spPr/>
-        <p:txBody>
-          <a:bodyPr/>
-          <a:lstStyle/>
-          <a:p>
-            <a:endParaRPr lang="en-US"/>
-          </a:p>
-        </p:txBody>
-      </p:sp>
-      <p:sp>
-        <p:nvSpPr>
           <p:cNvPr id="3" name="Content Placeholder 2">
             <a:extLst>
               <a:ext uri="{FF2B5EF4-FFF2-40B4-BE49-F238E27FC236}">
@@ -3988,16 +3961,23 @@
             <p:ph idx="1"/>
           </p:nvPr>
         </p:nvSpPr>
-        <p:spPr/>
+        <p:spPr>
+          <a:xfrm>
+            <a:off x="838200" y="768006"/>
+            <a:ext cx="10515600" cy="4351338"/>
+          </a:xfrm>
+        </p:spPr>
         <p:txBody>
-          <a:bodyPr/>
+          <a:bodyPr>
+            <a:normAutofit/>
+          </a:bodyPr>
           <a:lstStyle/>
           <a:p>
             <a:pPr marL="0" indent="0">
               <a:buNone/>
             </a:pPr>
             <a:r>
-              <a:rPr lang="en-US" b="1" dirty="0"/>
+              <a:rPr lang="en-US" sz="3600" b="1" dirty="0"/>
               <a:t>2.4 Social Engineering</a:t>
             </a:r>
           </a:p>
@@ -4006,21 +3986,21 @@
               <a:buNone/>
             </a:pPr>
             <a:r>
-              <a:rPr lang="en-US" dirty="0"/>
+              <a:rPr lang="en-US" sz="3200" dirty="0"/>
               <a:t>Manipulating individuals to disclose sensitive information.</a:t>
             </a:r>
           </a:p>
           <a:p>
             <a:pPr lvl="1"/>
             <a:r>
-              <a:rPr lang="en-US" b="1" dirty="0"/>
+              <a:rPr lang="en-US" sz="3200" b="1" dirty="0"/>
               <a:t>Techniques:</a:t>
             </a:r>
           </a:p>
           <a:p>
             <a:pPr lvl="2"/>
             <a:r>
-              <a:rPr lang="en-US" dirty="0">
+              <a:rPr lang="en-US" sz="2800" dirty="0">
                 <a:solidFill>
                   <a:srgbClr val="0070C0"/>
                 </a:solidFill>
@@ -4028,14 +4008,14 @@
               <a:t>Phishing Emails:</a:t>
             </a:r>
             <a:r>
-              <a:rPr lang="en-US" dirty="0"/>
+              <a:rPr lang="en-US" sz="2800" dirty="0"/>
               <a:t> Deceptive emails to extract credentials.</a:t>
             </a:r>
           </a:p>
           <a:p>
             <a:pPr lvl="2"/>
             <a:r>
-              <a:rPr lang="en-US" dirty="0">
+              <a:rPr lang="en-US" sz="2800" dirty="0">
                 <a:solidFill>
                   <a:srgbClr val="0070C0"/>
                 </a:solidFill>
@@ -4043,14 +4023,14 @@
               <a:t>Pretexting:</a:t>
             </a:r>
             <a:r>
-              <a:rPr lang="en-US" dirty="0"/>
+              <a:rPr lang="en-US" sz="2800" dirty="0"/>
               <a:t> Pretending to be someone with authority.</a:t>
             </a:r>
           </a:p>
           <a:p>
             <a:pPr lvl="2"/>
             <a:r>
-              <a:rPr lang="en-US" dirty="0">
+              <a:rPr lang="en-US" sz="2800" dirty="0">
                 <a:solidFill>
                   <a:srgbClr val="0070C0"/>
                 </a:solidFill>
@@ -4058,13 +4038,13 @@
               <a:t>Dumpster Diving:</a:t>
             </a:r>
             <a:r>
-              <a:rPr lang="en-US" dirty="0"/>
+              <a:rPr lang="en-US" sz="2800" dirty="0"/>
               <a:t> Searching through physical or digital waste for sensitive information.</a:t>
             </a:r>
           </a:p>
           <a:p>
             <a:pPr lvl="3"/>
-            <a:endParaRPr lang="en-US" b="1" dirty="0"/>
+            <a:endParaRPr lang="en-US" sz="2400" b="1" dirty="0"/>
           </a:p>
         </p:txBody>
       </p:sp>
@@ -4509,31 +4489,6 @@
       </p:grpSpPr>
       <p:sp>
         <p:nvSpPr>
-          <p:cNvPr id="2" name="Title 1">
-            <a:extLst>
-              <a:ext uri="{FF2B5EF4-FFF2-40B4-BE49-F238E27FC236}">
-                <a16:creationId xmlns:a16="http://schemas.microsoft.com/office/drawing/2014/main" id="{1CB855FC-5437-4CEC-1F97-14DDE2F2C944}"/>
-              </a:ext>
-            </a:extLst>
-          </p:cNvPr>
-          <p:cNvSpPr>
-            <a:spLocks noGrp="1"/>
-          </p:cNvSpPr>
-          <p:nvPr>
-            <p:ph type="title"/>
-          </p:nvPr>
-        </p:nvSpPr>
-        <p:spPr/>
-        <p:txBody>
-          <a:bodyPr/>
-          <a:lstStyle/>
-          <a:p>
-            <a:endParaRPr lang="en-US"/>
-          </a:p>
-        </p:txBody>
-      </p:sp>
-      <p:sp>
-        <p:nvSpPr>
           <p:cNvPr id="3" name="Content Placeholder 2">
             <a:extLst>
               <a:ext uri="{FF2B5EF4-FFF2-40B4-BE49-F238E27FC236}">
@@ -4548,16 +4503,23 @@
             <p:ph idx="1"/>
           </p:nvPr>
         </p:nvSpPr>
-        <p:spPr/>
+        <p:spPr>
+          <a:xfrm>
+            <a:off x="728031" y="856140"/>
+            <a:ext cx="10515600" cy="5081951"/>
+          </a:xfrm>
+        </p:spPr>
         <p:txBody>
-          <a:bodyPr/>
+          <a:bodyPr>
+            <a:normAutofit/>
+          </a:bodyPr>
           <a:lstStyle/>
           <a:p>
             <a:pPr marL="0" indent="0">
               <a:buNone/>
             </a:pPr>
             <a:r>
-              <a:rPr lang="en-US" b="1" dirty="0"/>
+              <a:rPr lang="en-US" sz="3600" b="1" dirty="0"/>
               <a:t>3.2 Wireless Network Discovery</a:t>
             </a:r>
           </a:p>
@@ -4566,58 +4528,58 @@
               <a:buNone/>
             </a:pPr>
             <a:r>
-              <a:rPr lang="en-US" b="1" dirty="0"/>
+              <a:rPr lang="en-US" sz="3200" b="1" dirty="0"/>
               <a:t>Tools:</a:t>
             </a:r>
           </a:p>
           <a:p>
             <a:pPr lvl="2"/>
             <a:r>
-              <a:rPr lang="en-US" dirty="0"/>
+              <a:rPr lang="en-US" sz="2800" dirty="0"/>
               <a:t>Kismet</a:t>
             </a:r>
           </a:p>
           <a:p>
             <a:pPr lvl="2"/>
             <a:r>
-              <a:rPr lang="en-US" dirty="0" err="1"/>
+              <a:rPr lang="en-US" sz="2800" dirty="0" err="1"/>
               <a:t>Aircrack</a:t>
             </a:r>
             <a:r>
-              <a:rPr lang="en-US" dirty="0"/>
+              <a:rPr lang="en-US" sz="2800" dirty="0"/>
               <a:t>-ng</a:t>
             </a:r>
           </a:p>
           <a:p>
             <a:pPr lvl="1"/>
             <a:r>
-              <a:rPr lang="en-US" b="1" dirty="0"/>
+              <a:rPr lang="en-US" sz="3200" b="1" dirty="0"/>
               <a:t>Purpose:</a:t>
             </a:r>
           </a:p>
           <a:p>
             <a:pPr lvl="2"/>
             <a:r>
-              <a:rPr lang="en-US" dirty="0"/>
+              <a:rPr lang="en-US" sz="2800" dirty="0"/>
               <a:t>Identifying Wi-Fi networks and their security protocols.</a:t>
             </a:r>
           </a:p>
           <a:p>
             <a:pPr lvl="2"/>
             <a:r>
-              <a:rPr lang="en-US" dirty="0"/>
+              <a:rPr lang="en-US" sz="2800" dirty="0"/>
               <a:t>Detecting potential vulnerabilities in wireless configurations.</a:t>
             </a:r>
           </a:p>
           <a:p>
             <a:pPr lvl="2"/>
-            <a:endParaRPr lang="en-US" dirty="0"/>
+            <a:endParaRPr lang="en-US" sz="2800" dirty="0"/>
           </a:p>
           <a:p>
             <a:pPr marL="457200" lvl="1" indent="0">
               <a:buNone/>
             </a:pPr>
-            <a:endParaRPr lang="en-US" b="1" dirty="0"/>
+            <a:endParaRPr lang="en-US" sz="3200" b="1" dirty="0"/>
           </a:p>
         </p:txBody>
       </p:sp>
@@ -4682,31 +4644,6 @@
       </p:grpSpPr>
       <p:sp>
         <p:nvSpPr>
-          <p:cNvPr id="2" name="Title 1">
-            <a:extLst>
-              <a:ext uri="{FF2B5EF4-FFF2-40B4-BE49-F238E27FC236}">
-                <a16:creationId xmlns:a16="http://schemas.microsoft.com/office/drawing/2014/main" id="{CC80B9B5-4CC5-AFB0-48D4-A3CAFCBCE70D}"/>
-              </a:ext>
-            </a:extLst>
-          </p:cNvPr>
-          <p:cNvSpPr>
-            <a:spLocks noGrp="1"/>
-          </p:cNvSpPr>
-          <p:nvPr>
-            <p:ph type="title"/>
-          </p:nvPr>
-        </p:nvSpPr>
-        <p:spPr/>
-        <p:txBody>
-          <a:bodyPr/>
-          <a:lstStyle/>
-          <a:p>
-            <a:endParaRPr lang="en-US"/>
-          </a:p>
-        </p:txBody>
-      </p:sp>
-      <p:sp>
-        <p:nvSpPr>
           <p:cNvPr id="3" name="Content Placeholder 2">
             <a:extLst>
               <a:ext uri="{FF2B5EF4-FFF2-40B4-BE49-F238E27FC236}">
@@ -4721,10 +4658,15 @@
             <p:ph idx="1"/>
           </p:nvPr>
         </p:nvSpPr>
-        <p:spPr/>
+        <p:spPr>
+          <a:xfrm>
+            <a:off x="728031" y="944275"/>
+            <a:ext cx="10515600" cy="5566693"/>
+          </a:xfrm>
+        </p:spPr>
         <p:txBody>
           <a:bodyPr>
-            <a:normAutofit fontScale="85000" lnSpcReduction="20000"/>
+            <a:normAutofit fontScale="92500" lnSpcReduction="10000"/>
           </a:bodyPr>
           <a:lstStyle/>
           <a:p>
@@ -5172,7 +5114,12 @@
             <p:ph type="title"/>
           </p:nvPr>
         </p:nvSpPr>
-        <p:spPr/>
+        <p:spPr>
+          <a:xfrm>
+            <a:off x="838200" y="38922"/>
+            <a:ext cx="10515600" cy="1325563"/>
+          </a:xfrm>
+        </p:spPr>
         <p:txBody>
           <a:bodyPr/>
           <a:lstStyle/>
@@ -5200,15 +5147,20 @@
             <p:ph idx="1"/>
           </p:nvPr>
         </p:nvSpPr>
-        <p:spPr/>
+        <p:spPr>
+          <a:xfrm>
+            <a:off x="449855" y="1109529"/>
+            <a:ext cx="11292289" cy="5324322"/>
+          </a:xfrm>
+        </p:spPr>
         <p:txBody>
           <a:bodyPr>
-            <a:normAutofit fontScale="92500" lnSpcReduction="10000"/>
+            <a:normAutofit fontScale="85000" lnSpcReduction="10000"/>
           </a:bodyPr>
           <a:lstStyle/>
           <a:p>
             <a:r>
-              <a:rPr lang="en-US" sz="1800" b="0" i="0" u="none" strike="noStrike" baseline="0" dirty="0">
+              <a:rPr lang="en-US" sz="2400" b="0" i="0" u="none" strike="noStrike" baseline="0" dirty="0">
                 <a:solidFill>
                   <a:srgbClr val="000000"/>
                 </a:solidFill>
@@ -5217,7 +5169,7 @@
               <a:t>When gathering information, you will need a place to keep track of it, some form of </a:t>
             </a:r>
             <a:r>
-              <a:rPr lang="en-US" sz="1800" b="1" i="0" u="none" strike="noStrike" baseline="0" dirty="0">
+              <a:rPr lang="en-US" sz="2400" b="1" i="0" u="none" strike="noStrike" baseline="0" dirty="0">
                 <a:solidFill>
                   <a:srgbClr val="000000"/>
                 </a:solidFill>
@@ -5226,7 +5178,7 @@
               <a:t>inventory</a:t>
             </a:r>
             <a:r>
-              <a:rPr lang="en-US" sz="1800" b="0" i="0" u="none" strike="noStrike" baseline="0" dirty="0">
+              <a:rPr lang="en-US" sz="2400" b="0" i="0" u="none" strike="noStrike" baseline="0" dirty="0">
                 <a:solidFill>
                   <a:srgbClr val="000000"/>
                 </a:solidFill>
@@ -5237,7 +5189,7 @@
           </a:p>
           <a:p>
             <a:r>
-              <a:rPr lang="en-US" sz="1800" b="0" i="0" u="none" strike="noStrike" baseline="0" dirty="0">
+              <a:rPr lang="en-US" sz="2400" b="0" i="0" u="none" strike="noStrike" baseline="0" dirty="0">
                 <a:solidFill>
                   <a:srgbClr val="000000"/>
                 </a:solidFill>
@@ -5248,7 +5200,7 @@
           </a:p>
           <a:p>
             <a:r>
-              <a:rPr lang="en-US" sz="1800" b="0" i="0" u="none" strike="noStrike" baseline="0" dirty="0">
+              <a:rPr lang="en-US" sz="2400" b="0" i="0" u="none" strike="noStrike" baseline="0" dirty="0">
                 <a:solidFill>
                   <a:srgbClr val="000000"/>
                 </a:solidFill>
@@ -5259,7 +5211,7 @@
           </a:p>
           <a:p>
             <a:r>
-              <a:rPr lang="en-US" sz="1800" b="0" i="0" u="none" strike="noStrike" baseline="0" dirty="0">
+              <a:rPr lang="en-US" sz="2400" b="0" i="0" u="none" strike="noStrike" baseline="0" dirty="0">
                 <a:solidFill>
                   <a:srgbClr val="000000"/>
                 </a:solidFill>
@@ -5270,7 +5222,7 @@
           </a:p>
           <a:p>
             <a:r>
-              <a:rPr lang="en-US" sz="1800" b="0" i="0" u="none" strike="noStrike" baseline="0" dirty="0">
+              <a:rPr lang="en-US" sz="2400" b="0" i="0" u="none" strike="noStrike" baseline="0" dirty="0">
                 <a:solidFill>
                   <a:srgbClr val="000000"/>
                 </a:solidFill>
@@ -5281,7 +5233,7 @@
           </a:p>
           <a:p>
             <a:r>
-              <a:rPr lang="en-US" sz="1800" b="0" i="0" u="none" strike="noStrike" baseline="0" dirty="0">
+              <a:rPr lang="en-US" sz="2400" b="0" i="0" u="none" strike="noStrike" baseline="0" dirty="0">
                 <a:solidFill>
                   <a:srgbClr val="000000"/>
                 </a:solidFill>
@@ -5292,7 +5244,7 @@
           </a:p>
           <a:p>
             <a:r>
-              <a:rPr lang="en-US" sz="1800" b="0" i="0" u="none" strike="noStrike" baseline="0" dirty="0">
+              <a:rPr lang="en-US" sz="2400" b="0" i="0" u="none" strike="noStrike" baseline="0" dirty="0">
                 <a:solidFill>
                   <a:srgbClr val="000000"/>
                 </a:solidFill>
@@ -5301,7 +5253,7 @@
               <a:t>Starting with web searches and ending with </a:t>
             </a:r>
             <a:r>
-              <a:rPr lang="en-US" sz="1800" b="0" i="0" u="none" strike="noStrike" baseline="0" dirty="0" err="1">
+              <a:rPr lang="en-US" sz="2400" b="0" i="0" u="none" strike="noStrike" baseline="0" dirty="0" err="1">
                 <a:solidFill>
                   <a:srgbClr val="000000"/>
                 </a:solidFill>
@@ -5310,7 +5262,7 @@
               <a:t>footprinting</a:t>
             </a:r>
             <a:r>
-              <a:rPr lang="en-US" sz="1800" b="0" i="0" u="none" strike="noStrike" baseline="0" dirty="0">
+              <a:rPr lang="en-US" sz="2400" b="0" i="0" u="none" strike="noStrike" baseline="0" dirty="0">
                 <a:solidFill>
                   <a:srgbClr val="000000"/>
                 </a:solidFill>
@@ -5321,7 +5273,7 @@
           </a:p>
           <a:p>
             <a:r>
-              <a:rPr lang="en-US" sz="1800" b="0" i="0" u="none" strike="noStrike" baseline="0" dirty="0">
+              <a:rPr lang="en-US" sz="2400" b="0" i="0" u="none" strike="noStrike" baseline="0" dirty="0">
                 <a:solidFill>
                   <a:srgbClr val="000000"/>
                 </a:solidFill>
@@ -5332,7 +5284,7 @@
           </a:p>
           <a:p>
             <a:r>
-              <a:rPr lang="en-US" sz="1800" b="0" i="0" u="none" strike="noStrike" baseline="0" dirty="0">
+              <a:rPr lang="en-US" sz="2400" b="0" i="0" u="none" strike="noStrike" baseline="0" dirty="0">
                 <a:solidFill>
                   <a:srgbClr val="000000"/>
                 </a:solidFill>
@@ -5343,7 +5295,7 @@
           </a:p>
           <a:p>
             <a:r>
-              <a:rPr lang="en-US" sz="1800" b="0" i="0" u="none" strike="noStrike" baseline="0" dirty="0">
+              <a:rPr lang="en-US" sz="2400" b="0" i="0" u="none" strike="noStrike" baseline="0" dirty="0">
                 <a:solidFill>
                   <a:srgbClr val="000000"/>
                 </a:solidFill>
@@ -5352,7 +5304,7 @@
               <a:t>. In many cases, the attackers know more about an organization and how it operates than the internal personnel. Let’s get started exploring the tools and techniques of </a:t>
             </a:r>
             <a:r>
-              <a:rPr lang="en-US" sz="1800" b="0" i="0" u="none" strike="noStrike" baseline="0" dirty="0" err="1">
+              <a:rPr lang="en-US" sz="2400" b="0" i="0" u="none" strike="noStrike" baseline="0" dirty="0" err="1">
                 <a:solidFill>
                   <a:srgbClr val="000000"/>
                 </a:solidFill>
@@ -5361,7 +5313,7 @@
               <a:t>footprinting</a:t>
             </a:r>
             <a:r>
-              <a:rPr lang="en-US" sz="1800" b="0" i="0" u="none" strike="noStrike" baseline="0" dirty="0">
+              <a:rPr lang="en-US" sz="2400" b="0" i="0" u="none" strike="noStrike" baseline="0" dirty="0">
                 <a:solidFill>
                   <a:srgbClr val="000000"/>
                 </a:solidFill>
@@ -5369,7 +5321,7 @@
               </a:rPr>
               <a:t> and reconnaissance.</a:t>
             </a:r>
-            <a:endParaRPr lang="en-US" dirty="0"/>
+            <a:endParaRPr lang="en-US" sz="3200" dirty="0"/>
           </a:p>
         </p:txBody>
       </p:sp>
@@ -7828,7 +7780,12 @@
             <p:ph type="title"/>
           </p:nvPr>
         </p:nvSpPr>
-        <p:spPr/>
+        <p:spPr>
+          <a:xfrm>
+            <a:off x="838200" y="0"/>
+            <a:ext cx="10515600" cy="1325563"/>
+          </a:xfrm>
+        </p:spPr>
         <p:txBody>
           <a:bodyPr/>
           <a:lstStyle/>
@@ -7856,7 +7813,12 @@
             <p:ph idx="1"/>
           </p:nvPr>
         </p:nvSpPr>
-        <p:spPr/>
+        <p:spPr>
+          <a:xfrm>
+            <a:off x="451693" y="1253331"/>
+            <a:ext cx="11325338" cy="5191536"/>
+          </a:xfrm>
+        </p:spPr>
         <p:txBody>
           <a:bodyPr>
             <a:normAutofit/>
@@ -7865,7 +7827,7 @@
           <a:p>
             <a:pPr algn="just"/>
             <a:r>
-              <a:rPr lang="en-US" sz="2000" b="0" i="0" u="none" strike="noStrike" baseline="0" dirty="0">
+              <a:rPr lang="en-US" sz="2400" b="0" i="0" u="none" strike="noStrike" baseline="0" dirty="0">
                 <a:solidFill>
                   <a:srgbClr val="000000"/>
                 </a:solidFill>
@@ -7874,7 +7836,7 @@
               <a:t>The first tools we’re discussing </a:t>
             </a:r>
             <a:r>
-              <a:rPr lang="en-US" sz="2000" dirty="0">
+              <a:rPr lang="en-US" sz="2400" dirty="0">
                 <a:solidFill>
                   <a:srgbClr val="000000"/>
                 </a:solidFill>
@@ -7883,7 +7845,7 @@
               <a:t>is</a:t>
             </a:r>
             <a:r>
-              <a:rPr lang="en-US" sz="2000" b="0" i="0" u="none" strike="noStrike" baseline="0" dirty="0">
+              <a:rPr lang="en-US" sz="2400" b="0" i="0" u="none" strike="noStrike" baseline="0" dirty="0">
                 <a:solidFill>
                   <a:srgbClr val="000000"/>
                 </a:solidFill>
@@ -7892,7 +7854,7 @@
               <a:t> </a:t>
             </a:r>
             <a:r>
-              <a:rPr lang="en-US" sz="2000" b="1" i="0" u="none" strike="noStrike" baseline="0" dirty="0">
+              <a:rPr lang="en-US" sz="2400" b="1" i="0" u="none" strike="noStrike" baseline="0" dirty="0">
                 <a:solidFill>
                   <a:srgbClr val="000000"/>
                 </a:solidFill>
@@ -7901,7 +7863,7 @@
               <a:t>web searches </a:t>
             </a:r>
             <a:r>
-              <a:rPr lang="en-US" sz="2000" b="0" i="0" u="none" strike="noStrike" baseline="0" dirty="0">
+              <a:rPr lang="en-US" sz="2400" b="0" i="0" u="none" strike="noStrike" baseline="0" dirty="0">
                 <a:solidFill>
                   <a:srgbClr val="000000"/>
                 </a:solidFill>
@@ -7910,7 +7872,7 @@
               <a:t>and </a:t>
             </a:r>
             <a:r>
-              <a:rPr lang="en-US" sz="2000" b="1" i="0" u="none" strike="noStrike" baseline="0" dirty="0">
+              <a:rPr lang="en-US" sz="2400" b="1" i="0" u="none" strike="noStrike" baseline="0" dirty="0">
                 <a:solidFill>
                   <a:srgbClr val="000000"/>
                 </a:solidFill>
@@ -7919,7 +7881,7 @@
               <a:t>Google hacks</a:t>
             </a:r>
             <a:r>
-              <a:rPr lang="en-US" sz="2000" b="0" i="0" u="none" strike="noStrike" baseline="0" dirty="0">
+              <a:rPr lang="en-US" sz="2400" b="0" i="0" u="none" strike="noStrike" baseline="0" dirty="0">
                 <a:solidFill>
                   <a:srgbClr val="000000"/>
                 </a:solidFill>
@@ -7931,7 +7893,7 @@
           <a:p>
             <a:pPr algn="just"/>
             <a:r>
-              <a:rPr lang="en-US" sz="2000" b="0" i="0" u="none" strike="noStrike" baseline="0" dirty="0">
+              <a:rPr lang="en-US" sz="2400" b="0" i="0" u="none" strike="noStrike" baseline="0" dirty="0">
                 <a:solidFill>
                   <a:srgbClr val="000000"/>
                 </a:solidFill>
@@ -7943,7 +7905,7 @@
           <a:p>
             <a:pPr algn="just"/>
             <a:r>
-              <a:rPr lang="en-US" sz="2000" b="0" i="0" u="none" strike="noStrike" baseline="0" dirty="0">
+              <a:rPr lang="en-US" sz="2400" b="0" i="0" u="none" strike="noStrike" baseline="0" dirty="0">
                 <a:solidFill>
                   <a:srgbClr val="000000"/>
                 </a:solidFill>
@@ -7955,7 +7917,7 @@
           <a:p>
             <a:pPr algn="just"/>
             <a:r>
-              <a:rPr lang="en-US" sz="2000" b="0" i="0" u="none" strike="noStrike" baseline="0" dirty="0">
+              <a:rPr lang="en-US" sz="2400" b="0" i="0" u="none" strike="noStrike" baseline="0" dirty="0">
                 <a:solidFill>
                   <a:srgbClr val="000000"/>
                 </a:solidFill>
@@ -7967,7 +7929,7 @@
           <a:p>
             <a:pPr algn="just"/>
             <a:r>
-              <a:rPr lang="en-US" sz="2000" b="0" i="0" u="none" strike="noStrike" baseline="0" dirty="0">
+              <a:rPr lang="en-US" sz="2400" b="0" i="0" u="none" strike="noStrike" baseline="0" dirty="0">
                 <a:solidFill>
                   <a:srgbClr val="000000"/>
                 </a:solidFill>
@@ -7979,7 +7941,7 @@
           <a:p>
             <a:pPr algn="just"/>
             <a:r>
-              <a:rPr lang="en-US" sz="2000" b="0" i="0" u="none" strike="noStrike" baseline="0" dirty="0">
+              <a:rPr lang="en-US" sz="2400" b="0" i="0" u="none" strike="noStrike" baseline="0" dirty="0">
                 <a:solidFill>
                   <a:srgbClr val="000000"/>
                 </a:solidFill>
@@ -7987,7 +7949,7 @@
               </a:rPr>
               <a:t>The security teams also use this information to see the same things but from a security perspective. They are interested in what countries requests are coming from, what browsers are being used, and whether there is anything unusual about the requests coming in. </a:t>
             </a:r>
-            <a:endParaRPr lang="en-US" sz="2000" dirty="0"/>
+            <a:endParaRPr lang="en-US" sz="2400" dirty="0"/>
           </a:p>
         </p:txBody>
       </p:sp>
@@ -8066,7 +8028,12 @@
             <p:ph type="title"/>
           </p:nvPr>
         </p:nvSpPr>
-        <p:spPr/>
+        <p:spPr>
+          <a:xfrm>
+            <a:off x="838200" y="0"/>
+            <a:ext cx="10515600" cy="1325563"/>
+          </a:xfrm>
+        </p:spPr>
         <p:txBody>
           <a:bodyPr/>
           <a:lstStyle/>
@@ -8094,13 +8061,20 @@
             <p:ph idx="1"/>
           </p:nvPr>
         </p:nvSpPr>
-        <p:spPr/>
+        <p:spPr>
+          <a:xfrm>
+            <a:off x="385589" y="1253330"/>
+            <a:ext cx="11391441" cy="5103019"/>
+          </a:xfrm>
+        </p:spPr>
         <p:txBody>
-          <a:bodyPr/>
+          <a:bodyPr>
+            <a:normAutofit lnSpcReduction="10000"/>
+          </a:bodyPr>
           <a:lstStyle/>
           <a:p>
             <a:r>
-              <a:rPr lang="en-US" sz="1800" b="0" i="0" u="none" strike="noStrike" baseline="0" dirty="0">
+              <a:rPr lang="en-US" b="0" i="0" u="none" strike="noStrike" baseline="0" dirty="0">
                 <a:solidFill>
                   <a:srgbClr val="000000"/>
                 </a:solidFill>
@@ -8109,7 +8083,7 @@
               <a:t>There are many search engines available for your use, however, </a:t>
             </a:r>
             <a:r>
-              <a:rPr lang="en-US" sz="1800" b="1" i="0" u="none" strike="noStrike" baseline="0" dirty="0">
+              <a:rPr lang="en-US" b="1" i="0" u="none" strike="noStrike" baseline="0" dirty="0">
                 <a:solidFill>
                   <a:srgbClr val="000000"/>
                 </a:solidFill>
@@ -8118,7 +8092,7 @@
               <a:t>Google </a:t>
             </a:r>
             <a:r>
-              <a:rPr lang="en-US" sz="1800" b="0" i="0" u="none" strike="noStrike" baseline="0" dirty="0">
+              <a:rPr lang="en-US" b="0" i="0" u="none" strike="noStrike" baseline="0" dirty="0">
                 <a:solidFill>
                   <a:srgbClr val="000000"/>
                 </a:solidFill>
@@ -8129,7 +8103,7 @@
           </a:p>
           <a:p>
             <a:r>
-              <a:rPr lang="en-US" sz="1800" b="0" i="0" u="none" strike="noStrike" baseline="0" dirty="0">
+              <a:rPr lang="en-US" b="0" i="0" u="none" strike="noStrike" baseline="0" dirty="0">
                 <a:solidFill>
                   <a:srgbClr val="000000"/>
                 </a:solidFill>
@@ -8140,7 +8114,7 @@
           </a:p>
           <a:p>
             <a:r>
-              <a:rPr lang="en-US" sz="1800" b="0" i="0" u="none" strike="noStrike" baseline="0" dirty="0">
+              <a:rPr lang="en-US" b="0" i="0" u="none" strike="noStrike" baseline="0" dirty="0">
                 <a:solidFill>
                   <a:srgbClr val="000000"/>
                 </a:solidFill>
@@ -8152,7 +8126,7 @@
           <a:p>
             <a:pPr algn="just"/>
             <a:r>
-              <a:rPr lang="en-US" sz="1800" b="1" i="0" u="none" strike="noStrike" baseline="0" dirty="0">
+              <a:rPr lang="en-US" b="1" i="0" u="none" strike="noStrike" baseline="0" dirty="0">
                 <a:solidFill>
                   <a:srgbClr val="000000"/>
                 </a:solidFill>
@@ -8161,7 +8135,7 @@
               <a:t>Directives</a:t>
             </a:r>
             <a:r>
-              <a:rPr lang="en-US" sz="1800" b="0" i="0" u="none" strike="noStrike" baseline="0" dirty="0">
+              <a:rPr lang="en-US" b="0" i="0" u="none" strike="noStrike" baseline="0" dirty="0">
                 <a:solidFill>
                   <a:srgbClr val="000000"/>
                 </a:solidFill>
@@ -8170,7 +8144,7 @@
               <a:t>: Google directives are searches where keywords are introduced to the query to change the nature of the search. Examples include </a:t>
             </a:r>
             <a:r>
-              <a:rPr lang="en-US" sz="1800" b="0" i="0" u="none" strike="noStrike" baseline="0" dirty="0">
+              <a:rPr lang="en-US" b="0" i="0" u="none" strike="noStrike" baseline="0" dirty="0">
                 <a:solidFill>
                   <a:srgbClr val="000000"/>
                 </a:solidFill>
@@ -8179,7 +8153,7 @@
               <a:t>Jaguar -car </a:t>
             </a:r>
             <a:r>
-              <a:rPr lang="en-US" sz="1800" b="0" i="0" u="none" strike="noStrike" baseline="0" dirty="0">
+              <a:rPr lang="en-US" b="0" i="0" u="none" strike="noStrike" baseline="0" dirty="0">
                 <a:solidFill>
                   <a:srgbClr val="000000"/>
                 </a:solidFill>
@@ -8188,7 +8162,7 @@
               <a:t>to filter out cars, or </a:t>
             </a:r>
             <a:r>
-              <a:rPr lang="en-US" sz="1800" b="0" i="0" u="none" strike="noStrike" baseline="0" dirty="0" err="1">
+              <a:rPr lang="en-US" b="0" i="0" u="none" strike="noStrike" baseline="0" dirty="0" err="1">
                 <a:solidFill>
                   <a:srgbClr val="000000"/>
                 </a:solidFill>
@@ -8197,7 +8171,7 @@
               <a:t>site:wikipedia.org</a:t>
             </a:r>
             <a:r>
-              <a:rPr lang="en-US" sz="1800" b="0" i="0" u="none" strike="noStrike" baseline="0" dirty="0">
+              <a:rPr lang="en-US" b="0" i="0" u="none" strike="noStrike" baseline="0" dirty="0">
                 <a:solidFill>
                   <a:srgbClr val="000000"/>
                 </a:solidFill>
@@ -8206,7 +8180,7 @@
               <a:t> </a:t>
             </a:r>
             <a:r>
-              <a:rPr lang="en-US" sz="1800" b="0" i="0" u="none" strike="noStrike" baseline="0" dirty="0" err="1">
+              <a:rPr lang="en-US" b="0" i="0" u="none" strike="noStrike" baseline="0" dirty="0" err="1">
                 <a:solidFill>
                   <a:srgbClr val="000000"/>
                 </a:solidFill>
@@ -8215,7 +8189,7 @@
               <a:t>arp</a:t>
             </a:r>
             <a:r>
-              <a:rPr lang="en-US" sz="1800" b="0" i="0" u="none" strike="noStrike" baseline="0" dirty="0">
+              <a:rPr lang="en-US" b="0" i="0" u="none" strike="noStrike" baseline="0" dirty="0">
                 <a:solidFill>
                   <a:srgbClr val="000000"/>
                 </a:solidFill>
@@ -8227,7 +8201,7 @@
           <a:p>
             <a:pPr algn="just"/>
             <a:r>
-              <a:rPr lang="en-US" sz="1800" b="1" i="0" u="none" strike="noStrike" baseline="0" dirty="0">
+              <a:rPr lang="en-US" b="1" i="0" u="none" strike="noStrike" baseline="0" dirty="0">
                 <a:solidFill>
                   <a:srgbClr val="000000"/>
                 </a:solidFill>
@@ -8236,7 +8210,7 @@
               <a:t>Google Hacks</a:t>
             </a:r>
             <a:r>
-              <a:rPr lang="en-US" sz="1800" b="0" i="0" u="none" strike="noStrike" baseline="0" dirty="0">
+              <a:rPr lang="en-US" b="0" i="0" u="none" strike="noStrike" baseline="0" dirty="0">
                 <a:solidFill>
                   <a:srgbClr val="000000"/>
                 </a:solidFill>
@@ -8244,19 +8218,6 @@
               </a:rPr>
               <a:t>: Google Hacks use specific search techniques or search order operations to uncover information. </a:t>
             </a:r>
-          </a:p>
-          <a:p>
-            <a:pPr algn="just"/>
-            <a:r>
-              <a:rPr lang="en-US" sz="1800" b="0" i="0" u="none" strike="noStrike" baseline="0" dirty="0">
-                <a:solidFill>
-                  <a:srgbClr val="000000"/>
-                </a:solidFill>
-                <a:latin typeface="Minion Pro"/>
-              </a:rPr>
-              <a:t> </a:t>
-            </a:r>
-            <a:endParaRPr lang="en-US" dirty="0"/>
           </a:p>
         </p:txBody>
       </p:sp>
@@ -8704,11 +8665,14 @@
         </p:nvSpPr>
         <p:spPr/>
         <p:txBody>
-          <a:bodyPr/>
+          <a:bodyPr>
+            <a:normAutofit lnSpcReduction="10000"/>
+          </a:bodyPr>
           <a:lstStyle/>
           <a:p>
-            <a:r>
-              <a:rPr lang="en-US" sz="1800" b="1" i="0" u="none" strike="noStrike" baseline="0" dirty="0">
+            <a:pPr algn="just"/>
+            <a:r>
+              <a:rPr lang="en-US" b="1" i="0" u="none" strike="noStrike" baseline="0" dirty="0">
                 <a:solidFill>
                   <a:srgbClr val="000000"/>
                 </a:solidFill>
@@ -8717,7 +8681,7 @@
               <a:t>Google Dorks</a:t>
             </a:r>
             <a:r>
-              <a:rPr lang="en-US" sz="1800" b="0" i="0" u="none" strike="noStrike" baseline="0" dirty="0">
+              <a:rPr lang="en-US" b="0" i="0" u="none" strike="noStrike" baseline="0" dirty="0">
                 <a:solidFill>
                   <a:srgbClr val="000000"/>
                 </a:solidFill>
@@ -8726,7 +8690,7 @@
               <a:t>: Google Dork is a hacker term that refers to using </a:t>
             </a:r>
             <a:r>
-              <a:rPr lang="en-US" sz="1800" b="0" i="1" u="none" strike="noStrike" baseline="0" dirty="0">
+              <a:rPr lang="en-US" b="0" i="1" u="none" strike="noStrike" baseline="0" dirty="0">
                 <a:solidFill>
                   <a:srgbClr val="000000"/>
                 </a:solidFill>
@@ -8735,7 +8699,7 @@
               <a:t>Google Advanced Search </a:t>
             </a:r>
             <a:r>
-              <a:rPr lang="en-US" sz="1800" b="0" i="0" u="none" strike="noStrike" baseline="0" dirty="0">
+              <a:rPr lang="en-US" b="0" i="0" u="none" strike="noStrike" baseline="0" dirty="0">
                 <a:solidFill>
                   <a:srgbClr val="000000"/>
                 </a:solidFill>
@@ -8745,9 +8709,9 @@
             </a:r>
           </a:p>
           <a:p>
-            <a:pPr lvl="1"/>
-            <a:r>
-              <a:rPr lang="en-US" sz="1800" b="0" i="0" u="none" strike="noStrike" baseline="0" dirty="0">
+            <a:pPr lvl="1" algn="just"/>
+            <a:r>
+              <a:rPr lang="en-US" sz="2800" b="0" i="0" u="none" strike="noStrike" baseline="0" dirty="0">
                 <a:solidFill>
                   <a:srgbClr val="000000"/>
                 </a:solidFill>
@@ -8757,9 +8721,9 @@
             </a:r>
           </a:p>
           <a:p>
-            <a:pPr lvl="1"/>
-            <a:r>
-              <a:rPr lang="en-US" sz="1800" b="0" i="0" u="none" strike="noStrike" baseline="0" dirty="0">
+            <a:pPr lvl="1" algn="just"/>
+            <a:r>
+              <a:rPr lang="en-US" sz="2800" b="0" i="0" u="none" strike="noStrike" baseline="0" dirty="0">
                 <a:solidFill>
                   <a:srgbClr val="000000"/>
                 </a:solidFill>
@@ -8768,7 +8732,7 @@
               <a:t>He labeled these </a:t>
             </a:r>
             <a:r>
-              <a:rPr lang="en-US" sz="1800" b="1" i="1" u="none" strike="noStrike" baseline="0" dirty="0">
+              <a:rPr lang="en-US" sz="2800" b="1" i="1" u="none" strike="noStrike" baseline="0" dirty="0">
                 <a:solidFill>
                   <a:srgbClr val="FF0000"/>
                 </a:solidFill>
@@ -8777,7 +8741,7 @@
               <a:t>Google dorks</a:t>
             </a:r>
             <a:r>
-              <a:rPr lang="en-US" sz="1800" b="0" i="1" u="none" strike="noStrike" baseline="0" dirty="0">
+              <a:rPr lang="en-US" sz="2800" b="0" i="1" u="none" strike="noStrike" baseline="0" dirty="0">
                 <a:solidFill>
                   <a:srgbClr val="000000"/>
                 </a:solidFill>
@@ -8786,7 +8750,7 @@
               <a:t> </a:t>
             </a:r>
             <a:r>
-              <a:rPr lang="en-US" sz="1800" b="0" i="0" u="none" strike="noStrike" baseline="0" dirty="0">
+              <a:rPr lang="en-US" sz="2800" b="0" i="0" u="none" strike="noStrike" baseline="0" dirty="0">
                 <a:solidFill>
                   <a:srgbClr val="000000"/>
                 </a:solidFill>
@@ -8795,7 +8759,7 @@
               <a:t>and stored them in a database called the </a:t>
             </a:r>
             <a:r>
-              <a:rPr lang="en-US" sz="1800" b="1" i="0" u="none" strike="noStrike" baseline="0" dirty="0">
+              <a:rPr lang="en-US" sz="2800" b="1" i="0" u="none" strike="noStrike" baseline="0" dirty="0">
                 <a:solidFill>
                   <a:srgbClr val="000000"/>
                 </a:solidFill>
@@ -8804,7 +8768,7 @@
               <a:t>Google Hacking Database</a:t>
             </a:r>
             <a:r>
-              <a:rPr lang="en-US" sz="1800" b="0" i="0" u="none" strike="noStrike" baseline="0" dirty="0">
+              <a:rPr lang="en-US" sz="2800" b="0" i="0" u="none" strike="noStrike" baseline="0" dirty="0">
                 <a:solidFill>
                   <a:srgbClr val="000000"/>
                 </a:solidFill>
@@ -8814,9 +8778,9 @@
             </a:r>
           </a:p>
           <a:p>
-            <a:pPr lvl="1"/>
-            <a:r>
-              <a:rPr lang="en-US" sz="1800" b="0" i="0" u="none" strike="noStrike" baseline="0" dirty="0">
+            <a:pPr lvl="1" algn="just"/>
+            <a:r>
+              <a:rPr lang="en-US" sz="2800" b="0" i="0" u="none" strike="noStrike" baseline="0" dirty="0">
                 <a:solidFill>
                   <a:srgbClr val="000000"/>
                 </a:solidFill>
@@ -8825,7 +8789,7 @@
               <a:t>This database is still maintained and can be found at </a:t>
             </a:r>
             <a:r>
-              <a:rPr lang="en-US" sz="1800" b="0" i="0" u="none" strike="noStrike" baseline="0" dirty="0">
+              <a:rPr lang="en-US" sz="2800" b="0" i="0" u="none" strike="noStrike" baseline="0" dirty="0">
                 <a:solidFill>
                   <a:srgbClr val="000000"/>
                 </a:solidFill>
@@ -8834,7 +8798,7 @@
               <a:t>https://www.exploit-db.com/google-hacking-database</a:t>
             </a:r>
             <a:r>
-              <a:rPr lang="en-US" sz="1800" b="0" i="0" u="none" strike="noStrike" baseline="0" dirty="0">
+              <a:rPr lang="en-US" sz="2800" b="0" i="0" u="none" strike="noStrike" baseline="0" dirty="0">
                 <a:solidFill>
                   <a:srgbClr val="000000"/>
                 </a:solidFill>
@@ -8842,7 +8806,7 @@
               </a:rPr>
               <a:t>. </a:t>
             </a:r>
-            <a:endParaRPr lang="en-US" sz="1800" dirty="0"/>
+            <a:endParaRPr lang="en-US" sz="2800" dirty="0"/>
           </a:p>
         </p:txBody>
       </p:sp>
@@ -8951,11 +8915,14 @@
         </p:nvSpPr>
         <p:spPr/>
         <p:txBody>
-          <a:bodyPr/>
+          <a:bodyPr>
+            <a:normAutofit fontScale="92500" lnSpcReduction="10000"/>
+          </a:bodyPr>
           <a:lstStyle/>
           <a:p>
-            <a:r>
-              <a:rPr lang="en-US" sz="1800" b="1" i="0" u="none" strike="noStrike" baseline="0" dirty="0">
+            <a:pPr algn="just"/>
+            <a:r>
+              <a:rPr lang="en-US" sz="2400" b="1" i="0" u="none" strike="noStrike" baseline="0" dirty="0">
                 <a:solidFill>
                   <a:srgbClr val="00B0F0"/>
                 </a:solidFill>
@@ -8965,10 +8932,10 @@
             </a:r>
           </a:p>
           <a:p>
-            <a:pPr marL="0" indent="0">
+            <a:pPr marL="0" indent="0" algn="just">
               <a:buNone/>
             </a:pPr>
-            <a:endParaRPr lang="en-US" sz="1800" b="0" i="0" u="none" strike="noStrike" baseline="0" dirty="0">
+            <a:endParaRPr lang="en-US" sz="2400" b="0" i="0" u="none" strike="noStrike" baseline="0" dirty="0">
               <a:solidFill>
                 <a:srgbClr val="000000"/>
               </a:solidFill>
@@ -8976,8 +8943,9 @@
             </a:endParaRPr>
           </a:p>
           <a:p>
-            <a:r>
-              <a:rPr lang="en-US" sz="1800" b="0" i="0" u="none" strike="noStrike" baseline="0" dirty="0">
+            <a:pPr algn="just"/>
+            <a:r>
+              <a:rPr lang="en-US" sz="2400" b="0" i="0" u="none" strike="noStrike" baseline="0" dirty="0">
                 <a:solidFill>
                   <a:srgbClr val="000000"/>
                 </a:solidFill>
@@ -8986,7 +8954,7 @@
               <a:t> </a:t>
             </a:r>
             <a:r>
-              <a:rPr lang="en-US" sz="1800" dirty="0">
+              <a:rPr lang="en-US" sz="2400" dirty="0">
                 <a:solidFill>
                   <a:srgbClr val="000000"/>
                 </a:solidFill>
@@ -8995,7 +8963,7 @@
               <a:t>I</a:t>
             </a:r>
             <a:r>
-              <a:rPr lang="en-US" sz="1800" b="0" i="0" u="none" strike="noStrike" baseline="0" dirty="0">
+              <a:rPr lang="en-US" sz="2400" b="0" i="0" u="none" strike="noStrike" baseline="0" dirty="0">
                 <a:solidFill>
                   <a:srgbClr val="000000"/>
                 </a:solidFill>
@@ -9004,7 +8972,7 @@
               <a:t>n search vernacular, </a:t>
             </a:r>
             <a:r>
-              <a:rPr lang="en-US" sz="1800" b="1" i="0" u="none" strike="noStrike" baseline="0" dirty="0">
+              <a:rPr lang="en-US" sz="2400" b="1" i="0" u="none" strike="noStrike" baseline="0" dirty="0">
                 <a:solidFill>
                   <a:srgbClr val="00B050"/>
                 </a:solidFill>
@@ -9013,7 +8981,7 @@
               <a:t>the use of quotation marks</a:t>
             </a:r>
             <a:r>
-              <a:rPr lang="en-US" sz="1800" b="0" i="0" u="none" strike="noStrike" baseline="0" dirty="0">
+              <a:rPr lang="en-US" sz="2400" b="0" i="0" u="none" strike="noStrike" baseline="0" dirty="0">
                 <a:solidFill>
                   <a:srgbClr val="000000"/>
                 </a:solidFill>
@@ -9022,7 +8990,7 @@
               <a:t> means </a:t>
             </a:r>
             <a:r>
-              <a:rPr lang="en-US" sz="1800" b="1" i="0" u="none" strike="noStrike" baseline="0" dirty="0">
+              <a:rPr lang="en-US" sz="2400" b="1" i="0" u="none" strike="noStrike" baseline="0" dirty="0">
                 <a:solidFill>
                   <a:srgbClr val="000000"/>
                 </a:solidFill>
@@ -9031,7 +8999,7 @@
               <a:t>exact or whole phase match</a:t>
             </a:r>
             <a:r>
-              <a:rPr lang="en-US" sz="1800" b="0" i="0" u="none" strike="noStrike" baseline="0" dirty="0">
+              <a:rPr lang="en-US" sz="2400" b="0" i="0" u="none" strike="noStrike" baseline="0" dirty="0">
                 <a:solidFill>
                   <a:srgbClr val="000000"/>
                 </a:solidFill>
@@ -9043,7 +9011,7 @@
           <a:p>
             <a:pPr algn="just"/>
             <a:r>
-              <a:rPr lang="en-US" sz="2000" b="1" i="0" u="none" strike="noStrike" baseline="0" dirty="0">
+              <a:rPr lang="en-US" b="1" i="0" u="none" strike="noStrike" baseline="0" dirty="0">
                 <a:solidFill>
                   <a:srgbClr val="000000"/>
                 </a:solidFill>
@@ -9052,7 +9020,7 @@
               <a:t>link</a:t>
             </a:r>
             <a:r>
-              <a:rPr lang="en-US" sz="2000" b="0" i="0" u="none" strike="noStrike" baseline="0" dirty="0">
+              <a:rPr lang="en-US" b="0" i="0" u="none" strike="noStrike" baseline="0" dirty="0">
                 <a:solidFill>
                   <a:srgbClr val="000000"/>
                 </a:solidFill>
@@ -9061,7 +9029,7 @@
               <a:t>:</a:t>
             </a:r>
             <a:r>
-              <a:rPr lang="en-US" sz="1800" b="0" i="0" u="none" strike="noStrike" baseline="0" dirty="0">
+              <a:rPr lang="en-US" sz="2400" b="0" i="0" u="none" strike="noStrike" baseline="0" dirty="0">
                 <a:solidFill>
                   <a:srgbClr val="000000"/>
                 </a:solidFill>
@@ -9070,7 +9038,7 @@
               <a:t> This finds sites that link to the specified domain. For example, a link can be </a:t>
             </a:r>
             <a:r>
-              <a:rPr lang="en-US" sz="1800" b="1" i="0" u="none" strike="noStrike" baseline="0" dirty="0" err="1">
+              <a:rPr lang="en-US" sz="2400" b="1" i="0" u="none" strike="noStrike" baseline="0" dirty="0" err="1">
                 <a:solidFill>
                   <a:srgbClr val="00B050"/>
                 </a:solidFill>
@@ -9079,7 +9047,7 @@
               <a:t>link:starbucks.com</a:t>
             </a:r>
             <a:r>
-              <a:rPr lang="en-US" sz="1800" b="1" i="0" u="none" strike="noStrike" baseline="0" dirty="0">
+              <a:rPr lang="en-US" sz="2400" b="1" i="0" u="none" strike="noStrike" baseline="0" dirty="0">
                 <a:solidFill>
                   <a:srgbClr val="00B050"/>
                 </a:solidFill>
@@ -9088,7 +9056,7 @@
               <a:t>.</a:t>
             </a:r>
             <a:r>
-              <a:rPr lang="en-US" sz="1800" b="0" i="0" u="none" strike="noStrike" baseline="0" dirty="0">
+              <a:rPr lang="en-US" sz="2400" b="0" i="0" u="none" strike="noStrike" baseline="0" dirty="0">
                 <a:solidFill>
                   <a:srgbClr val="000000"/>
                 </a:solidFill>
@@ -9097,7 +9065,7 @@
               <a:t> It is a search operator that finds </a:t>
             </a:r>
             <a:r>
-              <a:rPr lang="en-US" sz="1800" dirty="0">
+              <a:rPr lang="en-US" sz="2400" dirty="0">
                 <a:solidFill>
                   <a:srgbClr val="000000"/>
                 </a:solidFill>
@@ -9109,7 +9077,7 @@
           <a:p>
             <a:pPr algn="just"/>
             <a:r>
-              <a:rPr lang="en-US" sz="2000" b="1" i="0" u="none" strike="noStrike" baseline="0" dirty="0" err="1">
+              <a:rPr lang="en-US" b="1" i="0" u="none" strike="noStrike" baseline="0" dirty="0" err="1">
                 <a:solidFill>
                   <a:srgbClr val="000000"/>
                 </a:solidFill>
@@ -9118,7 +9086,7 @@
               <a:t>Numrange</a:t>
             </a:r>
             <a:r>
-              <a:rPr lang="en-US" sz="2000" b="0" i="0" u="none" strike="noStrike" baseline="0" dirty="0">
+              <a:rPr lang="en-US" b="0" i="0" u="none" strike="noStrike" baseline="0" dirty="0">
                 <a:solidFill>
                   <a:srgbClr val="000000"/>
                 </a:solidFill>
@@ -9127,7 +9095,7 @@
               <a:t>:</a:t>
             </a:r>
             <a:r>
-              <a:rPr lang="en-US" sz="1800" b="0" i="0" u="none" strike="noStrike" baseline="0" dirty="0">
+              <a:rPr lang="en-US" sz="2400" b="0" i="0" u="none" strike="noStrike" baseline="0" dirty="0">
                 <a:solidFill>
                   <a:srgbClr val="000000"/>
                 </a:solidFill>
@@ -9135,7 +9103,7 @@
               </a:rPr>
               <a:t> Finds a range of numbers in a query up to 5 digits. At one time, this was considered one of the most dangerous searches. It could be used to harvest phone numbers and credit cards. It still works but limitations have been placed on it. </a:t>
             </a:r>
-            <a:endParaRPr lang="en-US" dirty="0"/>
+            <a:endParaRPr lang="en-US" sz="3600" dirty="0"/>
           </a:p>
         </p:txBody>
       </p:sp>
@@ -9214,7 +9182,12 @@
             <p:ph type="title"/>
           </p:nvPr>
         </p:nvSpPr>
-        <p:spPr/>
+        <p:spPr>
+          <a:xfrm>
+            <a:off x="838200" y="0"/>
+            <a:ext cx="10515600" cy="1325563"/>
+          </a:xfrm>
+        </p:spPr>
         <p:txBody>
           <a:bodyPr/>
           <a:lstStyle/>
@@ -9244,22 +9217,79 @@
         </p:nvSpPr>
         <p:spPr>
           <a:xfrm>
-            <a:off x="838200" y="1825625"/>
-            <a:ext cx="10515600" cy="4351338"/>
+            <a:off x="451692" y="1253330"/>
+            <a:ext cx="11358390" cy="5103019"/>
           </a:xfrm>
         </p:spPr>
         <p:txBody>
-          <a:bodyPr/>
+          <a:bodyPr>
+            <a:normAutofit/>
+          </a:bodyPr>
           <a:lstStyle/>
           <a:p>
+            <a:pPr algn="just"/>
+            <a:r>
+              <a:rPr lang="en-US" sz="2400" b="1" i="0" u="none" strike="noStrike" baseline="0" dirty="0">
+                <a:solidFill>
+                  <a:srgbClr val="000000"/>
+                </a:solidFill>
+                <a:latin typeface="Minion Pro"/>
+              </a:rPr>
+              <a:t>&lt;number&gt;..&lt;number&gt;</a:t>
+            </a:r>
+            <a:r>
+              <a:rPr lang="en-US" sz="2400" b="0" i="0" u="none" strike="noStrike" baseline="0" dirty="0">
+                <a:solidFill>
+                  <a:srgbClr val="000000"/>
+                </a:solidFill>
+                <a:latin typeface="Minion Pro"/>
+              </a:rPr>
+              <a:t>:</a:t>
+            </a:r>
+            <a:r>
+              <a:rPr lang="en-US" sz="2000" b="0" i="0" u="none" strike="noStrike" baseline="0" dirty="0">
+                <a:solidFill>
+                  <a:srgbClr val="000000"/>
+                </a:solidFill>
+                <a:latin typeface="Minion Pro"/>
+              </a:rPr>
+              <a:t> Same as the </a:t>
+            </a:r>
+            <a:r>
+              <a:rPr lang="en-US" sz="2000" b="0" i="1" u="none" strike="noStrike" baseline="0" dirty="0" err="1">
+                <a:solidFill>
+                  <a:srgbClr val="000000"/>
+                </a:solidFill>
+                <a:latin typeface="Minion Pro"/>
+              </a:rPr>
+              <a:t>Numrange</a:t>
+            </a:r>
+            <a:r>
+              <a:rPr lang="en-US" sz="2000" b="0" i="1" u="none" strike="noStrike" baseline="0" dirty="0">
+                <a:solidFill>
+                  <a:srgbClr val="000000"/>
+                </a:solidFill>
+                <a:latin typeface="Minion Pro"/>
+              </a:rPr>
+              <a:t> </a:t>
+            </a:r>
+            <a:r>
+              <a:rPr lang="en-US" sz="2000" b="0" i="0" u="none" strike="noStrike" baseline="0" dirty="0">
+                <a:solidFill>
+                  <a:srgbClr val="000000"/>
+                </a:solidFill>
+                <a:latin typeface="Minion Pro"/>
+              </a:rPr>
+              <a:t>search without operator – for example, </a:t>
+            </a:r>
             <a:r>
               <a:rPr lang="en-US" sz="2000" b="1" i="0" u="none" strike="noStrike" baseline="0" dirty="0">
                 <a:solidFill>
-                  <a:srgbClr val="000000"/>
-                </a:solidFill>
-                <a:latin typeface="Minion Pro"/>
-              </a:rPr>
-              <a:t>&lt;number&gt;..&lt;number&gt;</a:t>
+                  <a:srgbClr val="0070C0"/>
+                </a:solidFill>
+                <a:latin typeface="Courier Std"/>
+              </a:rPr>
+              <a:t>hack 2015..2020</a:t>
             </a:r>
             <a:r>
               <a:rPr lang="en-US" sz="2000" b="0" i="0" u="none" strike="noStrike" baseline="0" dirty="0">
@@ -9268,92 +9298,93 @@
                 </a:solidFill>
                 <a:latin typeface="Minion Pro"/>
               </a:rPr>
+              <a:t>. i</a:t>
+            </a:r>
+            <a:r>
+              <a:rPr lang="en-US" sz="2000" dirty="0"/>
+              <a:t>s an example of a </a:t>
+            </a:r>
+            <a:r>
+              <a:rPr lang="en-US" sz="2000" b="1" dirty="0"/>
+              <a:t>range search operator</a:t>
+            </a:r>
+            <a:r>
+              <a:rPr lang="en-US" sz="2000" dirty="0"/>
+              <a:t>, commonly used in </a:t>
+            </a:r>
+            <a:r>
+              <a:rPr lang="en-US" sz="2000" b="1" dirty="0"/>
+              <a:t>Google</a:t>
+            </a:r>
+            <a:r>
+              <a:rPr lang="en-US" sz="2000" dirty="0"/>
+              <a:t> and some other search engines. It instructs the search engine to find results containing the word "hack" and any references to numbers (like years) within the range of 2015 to 2020.</a:t>
+            </a:r>
+          </a:p>
+          <a:p>
+            <a:pPr algn="just"/>
+            <a:r>
+              <a:rPr lang="en-US" sz="2400" b="1" i="0" u="none" strike="noStrike" baseline="0" dirty="0">
+                <a:solidFill>
+                  <a:srgbClr val="000000"/>
+                </a:solidFill>
+                <a:latin typeface="Minion Pro"/>
+              </a:rPr>
+              <a:t>site</a:t>
+            </a:r>
+            <a:r>
+              <a:rPr lang="en-US" sz="2400" b="0" i="0" u="none" strike="noStrike" baseline="0" dirty="0">
+                <a:solidFill>
+                  <a:srgbClr val="000000"/>
+                </a:solidFill>
+                <a:latin typeface="Minion Pro"/>
+              </a:rPr>
               <a:t>:</a:t>
             </a:r>
             <a:r>
-              <a:rPr lang="en-US" sz="1800" b="0" i="0" u="none" strike="noStrike" baseline="0" dirty="0">
-                <a:solidFill>
-                  <a:srgbClr val="000000"/>
-                </a:solidFill>
-                <a:latin typeface="Minion Pro"/>
-              </a:rPr>
-              <a:t> Same as the </a:t>
-            </a:r>
-            <a:r>
-              <a:rPr lang="en-US" sz="1800" b="0" i="1" u="none" strike="noStrike" baseline="0" dirty="0" err="1">
-                <a:solidFill>
-                  <a:srgbClr val="000000"/>
-                </a:solidFill>
-                <a:latin typeface="Minion Pro"/>
-              </a:rPr>
-              <a:t>Numrange</a:t>
-            </a:r>
-            <a:r>
-              <a:rPr lang="en-US" sz="1800" b="0" i="1" u="none" strike="noStrike" baseline="0" dirty="0">
-                <a:solidFill>
-                  <a:srgbClr val="000000"/>
-                </a:solidFill>
-                <a:latin typeface="Minion Pro"/>
+              <a:rPr lang="en-US" sz="2000" b="0" i="0" u="none" strike="noStrike" baseline="0" dirty="0">
+                <a:solidFill>
+                  <a:srgbClr val="000000"/>
+                </a:solidFill>
+                <a:latin typeface="Minion Pro"/>
+              </a:rPr>
+              <a:t> Show your searched term within a specific site – for example, </a:t>
+            </a:r>
+            <a:r>
+              <a:rPr lang="en-US" sz="2000" b="1" i="0" u="none" strike="noStrike" baseline="0" dirty="0" err="1">
+                <a:solidFill>
+                  <a:srgbClr val="0070C0"/>
+                </a:solidFill>
+                <a:latin typeface="Courier Std"/>
+              </a:rPr>
+              <a:t>site:darkreading.com</a:t>
+            </a:r>
+            <a:r>
+              <a:rPr lang="en-US" sz="2000" b="1" i="0" u="none" strike="noStrike" baseline="0" dirty="0">
+                <a:solidFill>
+                  <a:srgbClr val="0070C0"/>
+                </a:solidFill>
+                <a:latin typeface="Courier Std"/>
               </a:rPr>
               <a:t> </a:t>
             </a:r>
             <a:r>
-              <a:rPr lang="en-US" sz="1800" b="0" i="0" u="none" strike="noStrike" baseline="0" dirty="0">
-                <a:solidFill>
-                  <a:srgbClr val="000000"/>
-                </a:solidFill>
-                <a:latin typeface="Minion Pro"/>
-              </a:rPr>
-              <a:t>search without operator – for example, </a:t>
-            </a:r>
-            <a:r>
-              <a:rPr lang="en-US" sz="1800" b="1" i="0" u="none" strike="noStrike" baseline="0" dirty="0">
+              <a:rPr lang="en-US" sz="2000" b="1" i="0" u="none" strike="noStrike" baseline="0" dirty="0" err="1">
                 <a:solidFill>
                   <a:srgbClr val="0070C0"/>
                 </a:solidFill>
                 <a:latin typeface="Courier Std"/>
               </a:rPr>
-              <a:t>hack 2015..2020</a:t>
-            </a:r>
-            <a:r>
-              <a:rPr lang="en-US" sz="1800" b="0" i="0" u="none" strike="noStrike" baseline="0" dirty="0">
-                <a:solidFill>
-                  <a:srgbClr val="000000"/>
-                </a:solidFill>
-                <a:latin typeface="Minion Pro"/>
-              </a:rPr>
-              <a:t>. i</a:t>
-            </a:r>
-            <a:r>
-              <a:rPr lang="en-US" sz="1800" dirty="0"/>
-              <a:t>s an example of a </a:t>
-            </a:r>
-            <a:r>
-              <a:rPr lang="en-US" sz="1800" b="1" dirty="0"/>
-              <a:t>range search operator</a:t>
-            </a:r>
-            <a:r>
-              <a:rPr lang="en-US" sz="1800" dirty="0"/>
-              <a:t>, commonly used in </a:t>
-            </a:r>
-            <a:r>
-              <a:rPr lang="en-US" sz="1800" b="1" dirty="0"/>
-              <a:t>Google</a:t>
-            </a:r>
-            <a:r>
-              <a:rPr lang="en-US" sz="1800" dirty="0"/>
-              <a:t> and some other search engines. It instructs the search engine to find results containing the word "hack" and any references to numbers (like years) within the range of 2015 to 2020.</a:t>
-            </a:r>
-          </a:p>
-          <a:p>
+              <a:t>Netwire</a:t>
+            </a:r>
             <a:r>
               <a:rPr lang="en-US" sz="2000" b="1" i="0" u="none" strike="noStrike" baseline="0" dirty="0">
                 <a:solidFill>
-                  <a:srgbClr val="000000"/>
-                </a:solidFill>
-                <a:latin typeface="Minion Pro"/>
-              </a:rPr>
-              <a:t>site</a:t>
+                  <a:srgbClr val="0070C0"/>
+                </a:solidFill>
+                <a:latin typeface="Minion Pro"/>
+              </a:rPr>
+              <a:t>.</a:t>
             </a:r>
             <a:r>
               <a:rPr lang="en-US" sz="2000" b="0" i="0" u="none" strike="noStrike" baseline="0" dirty="0">
@@ -9362,109 +9393,257 @@
                 </a:solidFill>
                 <a:latin typeface="Minion Pro"/>
               </a:rPr>
+              <a:t> </a:t>
+            </a:r>
+            <a:r>
+              <a:rPr lang="en-US" sz="2000" dirty="0">
+                <a:solidFill>
+                  <a:srgbClr val="000000"/>
+                </a:solidFill>
+                <a:latin typeface="Minion Pro"/>
+              </a:rPr>
+              <a:t>is a search query used on search engines like Google to find pages that contain the term "</a:t>
+            </a:r>
+            <a:r>
+              <a:rPr lang="en-US" sz="2000" dirty="0" err="1">
+                <a:solidFill>
+                  <a:srgbClr val="000000"/>
+                </a:solidFill>
+                <a:latin typeface="Minion Pro"/>
+              </a:rPr>
+              <a:t>Netwire</a:t>
+            </a:r>
+            <a:r>
+              <a:rPr lang="en-US" sz="2000" dirty="0">
+                <a:solidFill>
+                  <a:srgbClr val="000000"/>
+                </a:solidFill>
+                <a:latin typeface="Minion Pro"/>
+              </a:rPr>
+              <a:t>" on the website "darkreading.com."</a:t>
+            </a:r>
+          </a:p>
+          <a:p>
+            <a:pPr algn="just"/>
+            <a:r>
+              <a:rPr lang="en-US" sz="2400" b="1" i="0" u="none" strike="noStrike" baseline="0" dirty="0">
+                <a:solidFill>
+                  <a:srgbClr val="000000"/>
+                </a:solidFill>
+                <a:latin typeface="Minion Pro"/>
+              </a:rPr>
+              <a:t>intitle </a:t>
+            </a:r>
+            <a:r>
+              <a:rPr lang="en-US" sz="2400" b="0" i="0" u="none" strike="noStrike" baseline="0" dirty="0">
+                <a:solidFill>
+                  <a:srgbClr val="000000"/>
+                </a:solidFill>
+                <a:latin typeface="Minion Pro"/>
+              </a:rPr>
+              <a:t>and </a:t>
+            </a:r>
+            <a:r>
+              <a:rPr lang="en-US" sz="2400" b="1" i="0" u="none" strike="noStrike" baseline="0" dirty="0" err="1">
+                <a:solidFill>
+                  <a:srgbClr val="000000"/>
+                </a:solidFill>
+                <a:latin typeface="Minion Pro"/>
+              </a:rPr>
+              <a:t>allintitle</a:t>
+            </a:r>
+            <a:r>
+              <a:rPr lang="en-US" sz="2400" b="0" i="0" u="none" strike="noStrike" baseline="0" dirty="0">
+                <a:solidFill>
+                  <a:srgbClr val="000000"/>
+                </a:solidFill>
+                <a:latin typeface="Minion Pro"/>
+              </a:rPr>
               <a:t>:</a:t>
             </a:r>
             <a:r>
-              <a:rPr lang="en-US" sz="1800" b="0" i="0" u="none" strike="noStrike" baseline="0" dirty="0">
-                <a:solidFill>
-                  <a:srgbClr val="000000"/>
-                </a:solidFill>
-                <a:latin typeface="Minion Pro"/>
-              </a:rPr>
-              <a:t> Show your searched term within a specific site – for example, </a:t>
-            </a:r>
-            <a:r>
-              <a:rPr lang="en-US" sz="1800" b="1" i="0" u="none" strike="noStrike" baseline="0" dirty="0" err="1">
+              <a:rPr lang="en-US" sz="2000" b="0" i="0" u="none" strike="noStrike" baseline="0" dirty="0">
+                <a:solidFill>
+                  <a:srgbClr val="000000"/>
+                </a:solidFill>
+                <a:latin typeface="Minion Pro"/>
+              </a:rPr>
+              <a:t> This command </a:t>
+            </a:r>
+            <a:r>
+              <a:rPr lang="en-US" sz="2000" dirty="0">
+                <a:solidFill>
+                  <a:srgbClr val="000000"/>
+                </a:solidFill>
+                <a:latin typeface="Minion Pro"/>
+              </a:rPr>
+              <a:t>s</a:t>
+            </a:r>
+            <a:r>
+              <a:rPr lang="en-US" sz="2000" b="0" i="0" u="none" strike="noStrike" baseline="0" dirty="0">
+                <a:solidFill>
+                  <a:srgbClr val="000000"/>
+                </a:solidFill>
+                <a:latin typeface="Minion Pro"/>
+              </a:rPr>
+              <a:t>hows results with the specific searched phrase in the title of a web page. For example, </a:t>
+            </a:r>
+            <a:r>
+              <a:rPr lang="en-US" sz="2000" b="1" i="0" u="none" strike="noStrike" baseline="0" dirty="0">
                 <a:solidFill>
                   <a:srgbClr val="0070C0"/>
                 </a:solidFill>
                 <a:latin typeface="Courier Std"/>
               </a:rPr>
-              <a:t>site:darkreading.com</a:t>
-            </a:r>
-            <a:r>
-              <a:rPr lang="en-US" sz="1800" b="1" i="0" u="none" strike="noStrike" baseline="0" dirty="0">
+              <a:t>Intitle "Index of" "backup files"</a:t>
+            </a:r>
+            <a:r>
+              <a:rPr lang="en-US" sz="2000" b="0" i="0" u="none" strike="noStrike" baseline="0" dirty="0">
+                <a:solidFill>
+                  <a:srgbClr val="000000"/>
+                </a:solidFill>
+                <a:latin typeface="Courier Std"/>
+              </a:rPr>
+              <a:t> </a:t>
+            </a:r>
+            <a:r>
+              <a:rPr lang="en-US" sz="2000" b="0" i="0" u="none" strike="noStrike" baseline="0" dirty="0">
+                <a:solidFill>
+                  <a:srgbClr val="000000"/>
+                </a:solidFill>
+                <a:latin typeface="Minion Pro"/>
+              </a:rPr>
+              <a:t>returns results with </a:t>
+            </a:r>
+            <a:r>
+              <a:rPr lang="en-US" sz="2000" b="0" i="0" u="none" strike="noStrike" baseline="0" dirty="0">
                 <a:solidFill>
                   <a:srgbClr val="0070C0"/>
                 </a:solidFill>
                 <a:latin typeface="Courier Std"/>
               </a:rPr>
+              <a:t>Index of</a:t>
+            </a:r>
+            <a:r>
+              <a:rPr lang="en-US" sz="2000" b="0" i="0" u="none" strike="noStrike" baseline="0" dirty="0">
+                <a:solidFill>
+                  <a:srgbClr val="000000"/>
+                </a:solidFill>
+                <a:latin typeface="Courier Std"/>
+              </a:rPr>
               <a:t> </a:t>
             </a:r>
             <a:r>
-              <a:rPr lang="en-US" sz="1800" b="1" i="0" u="none" strike="noStrike" baseline="0" dirty="0" err="1">
+              <a:rPr lang="en-US" sz="2000" b="0" i="0" u="none" strike="noStrike" baseline="0" dirty="0">
+                <a:solidFill>
+                  <a:srgbClr val="000000"/>
+                </a:solidFill>
+                <a:latin typeface="Minion Pro"/>
+              </a:rPr>
+              <a:t>and/or </a:t>
+            </a:r>
+            <a:r>
+              <a:rPr lang="en-US" sz="2000" b="0" i="0" u="none" strike="noStrike" baseline="0" dirty="0">
                 <a:solidFill>
                   <a:srgbClr val="0070C0"/>
                 </a:solidFill>
                 <a:latin typeface="Courier Std"/>
               </a:rPr>
-              <a:t>Netwire</a:t>
-            </a:r>
-            <a:r>
-              <a:rPr lang="en-US" sz="1800" b="1" i="0" u="none" strike="noStrike" baseline="0" dirty="0">
+              <a:t>backup files</a:t>
+            </a:r>
+            <a:r>
+              <a:rPr lang="en-US" sz="2000" b="0" i="0" u="none" strike="noStrike" baseline="0" dirty="0">
+                <a:solidFill>
+                  <a:srgbClr val="000000"/>
+                </a:solidFill>
+                <a:latin typeface="Courier Std"/>
+              </a:rPr>
+              <a:t> </a:t>
+            </a:r>
+            <a:r>
+              <a:rPr lang="en-US" sz="2000" b="0" i="0" u="none" strike="noStrike" baseline="0" dirty="0">
+                <a:solidFill>
+                  <a:srgbClr val="000000"/>
+                </a:solidFill>
+                <a:latin typeface="Minion Pro"/>
+              </a:rPr>
+              <a:t>in the title. An example of </a:t>
+            </a:r>
+            <a:r>
+              <a:rPr lang="en-US" sz="2000" b="1" i="0" u="none" strike="noStrike" baseline="0" dirty="0" err="1">
                 <a:solidFill>
                   <a:srgbClr val="0070C0"/>
                 </a:solidFill>
-                <a:latin typeface="Minion Pro"/>
-              </a:rPr>
-              <a:t>.</a:t>
-            </a:r>
-            <a:r>
-              <a:rPr lang="en-US" sz="1800" b="0" i="0" u="none" strike="noStrike" baseline="0" dirty="0">
-                <a:solidFill>
-                  <a:srgbClr val="000000"/>
-                </a:solidFill>
-                <a:latin typeface="Minion Pro"/>
+                <a:latin typeface="Courier Std"/>
+              </a:rPr>
+              <a:t>allintitle</a:t>
+            </a:r>
+            <a:r>
+              <a:rPr lang="en-US" sz="2000" b="1" dirty="0" err="1">
+                <a:solidFill>
+                  <a:srgbClr val="0070C0"/>
+                </a:solidFill>
+                <a:latin typeface="Courier Std"/>
+              </a:rPr>
+              <a:t>:</a:t>
+            </a:r>
+            <a:r>
+              <a:rPr lang="en-US" sz="2000" b="1" i="0" u="none" strike="noStrike" baseline="0" dirty="0" err="1">
+                <a:solidFill>
+                  <a:srgbClr val="0070C0"/>
+                </a:solidFill>
+                <a:latin typeface="Courier Std"/>
+              </a:rPr>
+              <a:t>juniv</a:t>
+            </a:r>
+            <a:r>
+              <a:rPr lang="en-US" sz="2000" b="0" i="0" u="none" strike="noStrike" baseline="0" dirty="0">
+                <a:solidFill>
+                  <a:srgbClr val="000000"/>
+                </a:solidFill>
+                <a:latin typeface="Courier Std"/>
               </a:rPr>
               <a:t> </a:t>
             </a:r>
             <a:r>
-              <a:rPr lang="en-US" sz="1800" dirty="0">
-                <a:solidFill>
-                  <a:srgbClr val="000000"/>
-                </a:solidFill>
-                <a:latin typeface="Minion Pro"/>
-              </a:rPr>
-              <a:t>is a search query used on search engines like Google to find pages that contain the term "</a:t>
-            </a:r>
-            <a:r>
-              <a:rPr lang="en-US" sz="1800" dirty="0" err="1">
-                <a:solidFill>
-                  <a:srgbClr val="000000"/>
-                </a:solidFill>
-                <a:latin typeface="Minion Pro"/>
-              </a:rPr>
-              <a:t>Netwire</a:t>
-            </a:r>
-            <a:r>
-              <a:rPr lang="en-US" sz="1800" dirty="0">
-                <a:solidFill>
-                  <a:srgbClr val="000000"/>
-                </a:solidFill>
-                <a:latin typeface="Minion Pro"/>
-              </a:rPr>
-              <a:t>" on the website "darkreading.com."</a:t>
-            </a:r>
-          </a:p>
-          <a:p>
-            <a:r>
-              <a:rPr lang="en-US" sz="2000" b="1" i="0" u="none" strike="noStrike" baseline="0" dirty="0">
-                <a:solidFill>
-                  <a:srgbClr val="000000"/>
-                </a:solidFill>
-                <a:latin typeface="Minion Pro"/>
-              </a:rPr>
-              <a:t>intitle </a:t>
-            </a:r>
-            <a:r>
               <a:rPr lang="en-US" sz="2000" b="0" i="0" u="none" strike="noStrike" baseline="0" dirty="0">
                 <a:solidFill>
                   <a:srgbClr val="000000"/>
                 </a:solidFill>
                 <a:latin typeface="Minion Pro"/>
               </a:rPr>
-              <a:t>and </a:t>
-            </a:r>
+              <a:t>returns results with </a:t>
+            </a:r>
+            <a:r>
+              <a:rPr lang="en-US" sz="2000" dirty="0" err="1">
+                <a:solidFill>
+                  <a:srgbClr val="000000"/>
+                </a:solidFill>
+                <a:latin typeface="Courier Std"/>
+              </a:rPr>
+              <a:t>juniv</a:t>
+            </a:r>
+            <a:r>
+              <a:rPr lang="en-US" sz="2000" b="0" i="0" u="none" strike="noStrike" baseline="0" dirty="0">
+                <a:solidFill>
+                  <a:srgbClr val="000000"/>
+                </a:solidFill>
+                <a:latin typeface="Courier Std"/>
+              </a:rPr>
+              <a:t> </a:t>
+            </a:r>
+            <a:r>
+              <a:rPr lang="en-US" sz="2000" b="0" i="0" u="none" strike="noStrike" baseline="0" dirty="0">
+                <a:solidFill>
+                  <a:srgbClr val="000000"/>
+                </a:solidFill>
+                <a:latin typeface="Minion Pro"/>
+              </a:rPr>
+              <a:t>in the title tag.</a:t>
+            </a:r>
+          </a:p>
+          <a:p>
+            <a:pPr algn="just"/>
             <a:r>
               <a:rPr lang="en-US" sz="2000" b="1" i="0" u="none" strike="noStrike" baseline="0" dirty="0" err="1">
                 <a:solidFill>
@@ -9472,7 +9651,7 @@
                 </a:solidFill>
                 <a:latin typeface="Minion Pro"/>
               </a:rPr>
-              <a:t>allintitle</a:t>
+              <a:t>allintext</a:t>
             </a:r>
             <a:r>
               <a:rPr lang="en-US" sz="2000" b="0" i="0" u="none" strike="noStrike" baseline="0" dirty="0">
@@ -9481,299 +9660,99 @@
                 </a:solidFill>
                 <a:latin typeface="Minion Pro"/>
               </a:rPr>
-              <a:t>:</a:t>
-            </a:r>
-            <a:r>
-              <a:rPr lang="en-US" sz="1800" b="0" i="0" u="none" strike="noStrike" baseline="0" dirty="0">
-                <a:solidFill>
-                  <a:srgbClr val="000000"/>
-                </a:solidFill>
-                <a:latin typeface="Minion Pro"/>
-              </a:rPr>
-              <a:t> This command </a:t>
-            </a:r>
-            <a:r>
-              <a:rPr lang="en-US" sz="1800" dirty="0">
-                <a:solidFill>
-                  <a:srgbClr val="000000"/>
-                </a:solidFill>
-                <a:latin typeface="Minion Pro"/>
-              </a:rPr>
-              <a:t>s</a:t>
-            </a:r>
-            <a:r>
-              <a:rPr lang="en-US" sz="1800" b="0" i="0" u="none" strike="noStrike" baseline="0" dirty="0">
-                <a:solidFill>
-                  <a:srgbClr val="000000"/>
-                </a:solidFill>
-                <a:latin typeface="Minion Pro"/>
-              </a:rPr>
-              <a:t>hows results with the specific searched phrase in the title of a web page. For example, </a:t>
-            </a:r>
-            <a:r>
-              <a:rPr lang="en-US" sz="1800" b="1" i="0" u="none" strike="noStrike" baseline="0" dirty="0">
-                <a:solidFill>
-                  <a:srgbClr val="0070C0"/>
+              <a:t>: </a:t>
+            </a:r>
+            <a:r>
+              <a:rPr lang="en-US" altLang="en-US" sz="2000" dirty="0">
+                <a:solidFill>
+                  <a:srgbClr val="000000"/>
+                </a:solidFill>
+                <a:latin typeface="Minion Pro"/>
+              </a:rPr>
+              <a:t>The </a:t>
+            </a:r>
+            <a:r>
+              <a:rPr lang="en-US" altLang="en-US" sz="2000" dirty="0" err="1">
+                <a:solidFill>
+                  <a:srgbClr val="000000"/>
+                </a:solidFill>
+                <a:latin typeface="Minion Pro"/>
+              </a:rPr>
+              <a:t>allintext</a:t>
+            </a:r>
+            <a:r>
+              <a:rPr lang="en-US" altLang="en-US" sz="2000" dirty="0">
+                <a:solidFill>
+                  <a:srgbClr val="000000"/>
+                </a:solidFill>
+                <a:latin typeface="Minion Pro"/>
+              </a:rPr>
+              <a:t> command in search engines like Google helps refine searches by returning results where</a:t>
+            </a:r>
+            <a:r>
+              <a:rPr lang="en-US" sz="2000" dirty="0">
+                <a:solidFill>
+                  <a:srgbClr val="000000"/>
+                </a:solidFill>
+                <a:latin typeface="Minion Pro"/>
+              </a:rPr>
+              <a:t> </a:t>
+            </a:r>
+            <a:r>
+              <a:rPr lang="en-US" altLang="en-US" sz="2000" dirty="0">
+                <a:solidFill>
+                  <a:srgbClr val="000000"/>
+                </a:solidFill>
+                <a:latin typeface="Minion Pro"/>
+              </a:rPr>
+              <a:t>all the specified keywords are found in the body text of the web pages, not just in the title, URL, or other metadata</a:t>
+            </a:r>
+            <a:r>
+              <a:rPr lang="en-US" altLang="en-US" sz="2000" dirty="0">
+                <a:solidFill>
+                  <a:srgbClr val="000000"/>
+                </a:solidFill>
+                <a:latin typeface="Arial" panose="020B0604020202020204" pitchFamily="34" charset="0"/>
+              </a:rPr>
+              <a:t>. For example: </a:t>
+            </a:r>
+            <a:r>
+              <a:rPr lang="en-US" sz="2000" b="0" i="0" u="none" strike="noStrike" baseline="0" dirty="0" err="1">
+                <a:solidFill>
+                  <a:srgbClr val="000000"/>
                 </a:solidFill>
                 <a:latin typeface="Courier Std"/>
               </a:rPr>
-              <a:t>Intitle "Index of" "backup files"</a:t>
-            </a:r>
-            <a:r>
-              <a:rPr lang="en-US" sz="1800" b="0" i="0" u="none" strike="noStrike" baseline="0" dirty="0">
+              <a:t>allintext</a:t>
+            </a:r>
+            <a:r>
+              <a:rPr lang="en-US" sz="2000" b="0" i="0" u="none" strike="noStrike" baseline="0" dirty="0">
                 <a:solidFill>
                   <a:srgbClr val="000000"/>
                 </a:solidFill>
                 <a:latin typeface="Courier Std"/>
               </a:rPr>
-              <a:t> </a:t>
-            </a:r>
-            <a:r>
-              <a:rPr lang="en-US" sz="1800" b="0" i="0" u="none" strike="noStrike" baseline="0" dirty="0">
-                <a:solidFill>
-                  <a:srgbClr val="000000"/>
-                </a:solidFill>
-                <a:latin typeface="Minion Pro"/>
-              </a:rPr>
-              <a:t>returns results with </a:t>
-            </a:r>
-            <a:r>
-              <a:rPr lang="en-US" sz="1800" b="0" i="0" u="none" strike="noStrike" baseline="0" dirty="0">
-                <a:solidFill>
-                  <a:srgbClr val="0070C0"/>
+              <a:t>: "Index of" "sftp-</a:t>
+            </a:r>
+            <a:r>
+              <a:rPr lang="en-US" sz="2000" b="0" i="0" u="none" strike="noStrike" baseline="0" dirty="0" err="1">
+                <a:solidFill>
+                  <a:srgbClr val="000000"/>
                 </a:solidFill>
                 <a:latin typeface="Courier Std"/>
               </a:rPr>
-              <a:t>Index of</a:t>
-            </a:r>
-            <a:r>
-              <a:rPr lang="en-US" sz="1800" b="0" i="0" u="none" strike="noStrike" baseline="0" dirty="0">
+              <a:t>config.json</a:t>
+            </a:r>
+            <a:r>
+              <a:rPr lang="en-US" sz="2000" b="0" i="0" u="none" strike="noStrike" baseline="0" dirty="0">
                 <a:solidFill>
                   <a:srgbClr val="000000"/>
                 </a:solidFill>
                 <a:latin typeface="Courier Std"/>
               </a:rPr>
-              <a:t> </a:t>
-            </a:r>
-            <a:r>
-              <a:rPr lang="en-US" sz="1800" b="0" i="0" u="none" strike="noStrike" baseline="0" dirty="0">
-                <a:solidFill>
-                  <a:srgbClr val="000000"/>
-                </a:solidFill>
-                <a:latin typeface="Minion Pro"/>
-              </a:rPr>
-              <a:t>and/or </a:t>
-            </a:r>
-            <a:r>
-              <a:rPr lang="en-US" sz="1800" b="0" i="0" u="none" strike="noStrike" baseline="0" dirty="0">
-                <a:solidFill>
-                  <a:srgbClr val="0070C0"/>
-                </a:solidFill>
-                <a:latin typeface="Courier Std"/>
-              </a:rPr>
-              <a:t>backup files</a:t>
-            </a:r>
-            <a:r>
-              <a:rPr lang="en-US" sz="1800" b="0" i="0" u="none" strike="noStrike" baseline="0" dirty="0">
-                <a:solidFill>
-                  <a:srgbClr val="000000"/>
-                </a:solidFill>
-                <a:latin typeface="Courier Std"/>
-              </a:rPr>
-              <a:t> </a:t>
-            </a:r>
-            <a:r>
-              <a:rPr lang="en-US" sz="1800" b="0" i="0" u="none" strike="noStrike" baseline="0" dirty="0">
-                <a:solidFill>
-                  <a:srgbClr val="000000"/>
-                </a:solidFill>
-                <a:latin typeface="Minion Pro"/>
-              </a:rPr>
-              <a:t>in the title. An example of </a:t>
-            </a:r>
-            <a:r>
-              <a:rPr lang="en-US" sz="1800" b="1" i="0" u="none" strike="noStrike" baseline="0" dirty="0" err="1">
-                <a:solidFill>
-                  <a:srgbClr val="0070C0"/>
-                </a:solidFill>
-                <a:latin typeface="Courier Std"/>
-              </a:rPr>
-              <a:t>allintitle</a:t>
-            </a:r>
-            <a:r>
-              <a:rPr lang="en-US" sz="1800" b="1" dirty="0" err="1">
-                <a:solidFill>
-                  <a:srgbClr val="0070C0"/>
-                </a:solidFill>
-                <a:latin typeface="Courier Std"/>
-              </a:rPr>
-              <a:t>:</a:t>
-            </a:r>
-            <a:r>
-              <a:rPr lang="en-US" sz="1800" b="1" i="0" u="none" strike="noStrike" baseline="0" dirty="0" err="1">
-                <a:solidFill>
-                  <a:srgbClr val="0070C0"/>
-                </a:solidFill>
-                <a:latin typeface="Courier Std"/>
-              </a:rPr>
-              <a:t>juniv</a:t>
-            </a:r>
-            <a:r>
-              <a:rPr lang="en-US" sz="1800" b="0" i="0" u="none" strike="noStrike" baseline="0" dirty="0">
-                <a:solidFill>
-                  <a:srgbClr val="000000"/>
-                </a:solidFill>
-                <a:latin typeface="Courier Std"/>
-              </a:rPr>
-              <a:t> </a:t>
-            </a:r>
-            <a:r>
-              <a:rPr lang="en-US" sz="1800" b="0" i="0" u="none" strike="noStrike" baseline="0" dirty="0">
-                <a:solidFill>
-                  <a:srgbClr val="000000"/>
-                </a:solidFill>
-                <a:latin typeface="Minion Pro"/>
-              </a:rPr>
-              <a:t>returns results with </a:t>
-            </a:r>
-            <a:r>
-              <a:rPr lang="en-US" sz="1800" dirty="0" err="1">
-                <a:solidFill>
-                  <a:srgbClr val="000000"/>
-                </a:solidFill>
-                <a:latin typeface="Courier Std"/>
-              </a:rPr>
-              <a:t>juniv</a:t>
-            </a:r>
-            <a:r>
-              <a:rPr lang="en-US" sz="1800" b="0" i="0" u="none" strike="noStrike" baseline="0" dirty="0">
-                <a:solidFill>
-                  <a:srgbClr val="000000"/>
-                </a:solidFill>
-                <a:latin typeface="Courier Std"/>
-              </a:rPr>
-              <a:t> </a:t>
-            </a:r>
-            <a:r>
-              <a:rPr lang="en-US" sz="1800" b="0" i="0" u="none" strike="noStrike" baseline="0" dirty="0">
-                <a:solidFill>
-                  <a:srgbClr val="000000"/>
-                </a:solidFill>
-                <a:latin typeface="Minion Pro"/>
-              </a:rPr>
-              <a:t>in the title tag.</a:t>
-            </a:r>
-          </a:p>
-          <a:p>
-            <a:r>
-              <a:rPr lang="en-US" sz="1800" b="1" i="0" u="none" strike="noStrike" baseline="0" dirty="0" err="1">
-                <a:solidFill>
-                  <a:srgbClr val="000000"/>
-                </a:solidFill>
-                <a:latin typeface="Minion Pro"/>
-              </a:rPr>
-              <a:t>allintext</a:t>
-            </a:r>
-            <a:r>
-              <a:rPr lang="en-US" sz="1800" b="0" i="0" u="none" strike="noStrike" baseline="0" dirty="0">
-                <a:solidFill>
-                  <a:srgbClr val="000000"/>
-                </a:solidFill>
-                <a:latin typeface="Minion Pro"/>
-              </a:rPr>
-              <a:t>: </a:t>
-            </a:r>
-            <a:r>
-              <a:rPr lang="en-US" altLang="en-US" sz="1800" dirty="0">
-                <a:solidFill>
-                  <a:srgbClr val="000000"/>
-                </a:solidFill>
-                <a:latin typeface="Minion Pro"/>
-              </a:rPr>
-              <a:t>The </a:t>
-            </a:r>
-            <a:r>
-              <a:rPr lang="en-US" altLang="en-US" sz="1800" dirty="0" err="1">
-                <a:solidFill>
-                  <a:srgbClr val="000000"/>
-                </a:solidFill>
-                <a:latin typeface="Minion Pro"/>
-              </a:rPr>
-              <a:t>allintext</a:t>
-            </a:r>
-            <a:r>
-              <a:rPr lang="en-US" altLang="en-US" sz="1800" dirty="0">
-                <a:solidFill>
-                  <a:srgbClr val="000000"/>
-                </a:solidFill>
-                <a:latin typeface="Minion Pro"/>
-              </a:rPr>
-              <a:t> command in search engines like Google helps refine searches by returning results where</a:t>
-            </a:r>
-            <a:r>
-              <a:rPr lang="en-US" sz="1800" dirty="0">
-                <a:solidFill>
-                  <a:srgbClr val="000000"/>
-                </a:solidFill>
-                <a:latin typeface="Minion Pro"/>
-              </a:rPr>
-              <a:t> </a:t>
-            </a:r>
-            <a:r>
-              <a:rPr lang="en-US" altLang="en-US" sz="1800" dirty="0">
-                <a:solidFill>
-                  <a:srgbClr val="000000"/>
-                </a:solidFill>
-                <a:latin typeface="Minion Pro"/>
-              </a:rPr>
-              <a:t>all the specified keywords are found in the body text of the web pages, not just in the title, URL, or other metadata</a:t>
-            </a:r>
-            <a:r>
-              <a:rPr lang="en-US" altLang="en-US" sz="1800" dirty="0">
-                <a:solidFill>
-                  <a:srgbClr val="000000"/>
-                </a:solidFill>
-                <a:latin typeface="Arial" panose="020B0604020202020204" pitchFamily="34" charset="0"/>
-              </a:rPr>
-              <a:t>. For example: </a:t>
-            </a:r>
-            <a:r>
-              <a:rPr lang="en-US" sz="1800" b="0" i="0" u="none" strike="noStrike" baseline="0" dirty="0" err="1">
-                <a:solidFill>
-                  <a:srgbClr val="000000"/>
-                </a:solidFill>
-                <a:latin typeface="Courier Std"/>
-              </a:rPr>
-              <a:t>allintext</a:t>
-            </a:r>
-            <a:r>
-              <a:rPr lang="en-US" sz="1800" b="0" i="0" u="none" strike="noStrike" baseline="0" dirty="0">
-                <a:solidFill>
-                  <a:srgbClr val="000000"/>
-                </a:solidFill>
-                <a:latin typeface="Courier Std"/>
-              </a:rPr>
-              <a:t>: "Index of" "sftp-</a:t>
-            </a:r>
-            <a:r>
-              <a:rPr lang="en-US" sz="1800" b="0" i="0" u="none" strike="noStrike" baseline="0" dirty="0" err="1">
-                <a:solidFill>
-                  <a:srgbClr val="000000"/>
-                </a:solidFill>
-                <a:latin typeface="Courier Std"/>
-              </a:rPr>
-              <a:t>config.json</a:t>
-            </a:r>
-            <a:r>
-              <a:rPr lang="en-US" sz="1800" b="0" i="0" u="none" strike="noStrike" baseline="0" dirty="0">
-                <a:solidFill>
-                  <a:srgbClr val="000000"/>
-                </a:solidFill>
-                <a:latin typeface="Courier Std"/>
-              </a:rPr>
-              <a:t>" </a:t>
-            </a:r>
-            <a:endParaRPr kumimoji="0" lang="en-US" altLang="en-US" sz="1800" b="0" i="0" u="none" strike="noStrike" cap="none" normalizeH="0" baseline="0" dirty="0">
+              <a:t>"</a:t>
+            </a:r>
+            <a:endParaRPr kumimoji="0" lang="en-US" altLang="en-US" sz="2000" b="0" i="0" u="none" strike="noStrike" cap="none" normalizeH="0" baseline="0" dirty="0">
               <a:ln>
                 <a:noFill/>
               </a:ln>
@@ -9783,17 +9762,6 @@
               <a:effectLst/>
               <a:latin typeface="Arial" panose="020B0604020202020204" pitchFamily="34" charset="0"/>
             </a:endParaRPr>
-          </a:p>
-          <a:p>
-            <a:endParaRPr lang="en-US" sz="1800" b="0" i="0" u="none" strike="noStrike" baseline="0" dirty="0">
-              <a:solidFill>
-                <a:srgbClr val="000000"/>
-              </a:solidFill>
-              <a:latin typeface="Minion Pro"/>
-            </a:endParaRPr>
-          </a:p>
-          <a:p>
-            <a:endParaRPr lang="en-US" sz="1800" dirty="0"/>
           </a:p>
         </p:txBody>
       </p:sp>
@@ -9966,7 +9934,12 @@
             <p:ph type="title"/>
           </p:nvPr>
         </p:nvSpPr>
-        <p:spPr/>
+        <p:spPr>
+          <a:xfrm>
+            <a:off x="838200" y="18255"/>
+            <a:ext cx="10515600" cy="1325563"/>
+          </a:xfrm>
+        </p:spPr>
         <p:txBody>
           <a:bodyPr/>
           <a:lstStyle/>
@@ -9994,13 +9967,20 @@
             <p:ph idx="1"/>
           </p:nvPr>
         </p:nvSpPr>
-        <p:spPr/>
+        <p:spPr>
+          <a:xfrm>
+            <a:off x="484742" y="1253330"/>
+            <a:ext cx="11270256" cy="5103019"/>
+          </a:xfrm>
+        </p:spPr>
         <p:txBody>
-          <a:bodyPr/>
+          <a:bodyPr>
+            <a:normAutofit fontScale="92500"/>
+          </a:bodyPr>
           <a:lstStyle/>
           <a:p>
             <a:r>
-              <a:rPr lang="en-US" sz="2000" b="1" i="0" u="none" strike="noStrike" baseline="0" dirty="0" err="1">
+              <a:rPr lang="en-US" b="1" i="0" u="none" strike="noStrike" baseline="0" dirty="0" err="1">
                 <a:solidFill>
                   <a:srgbClr val="000000"/>
                 </a:solidFill>
@@ -10009,7 +9989,7 @@
               <a:t>inurl</a:t>
             </a:r>
             <a:r>
-              <a:rPr lang="en-US" sz="2000" b="1" i="0" u="none" strike="noStrike" baseline="0" dirty="0">
+              <a:rPr lang="en-US" b="1" i="0" u="none" strike="noStrike" baseline="0" dirty="0">
                 <a:solidFill>
                   <a:srgbClr val="000000"/>
                 </a:solidFill>
@@ -10018,7 +9998,7 @@
               <a:t> and </a:t>
             </a:r>
             <a:r>
-              <a:rPr lang="en-US" sz="2000" b="1" i="0" u="none" strike="noStrike" baseline="0" dirty="0" err="1">
+              <a:rPr lang="en-US" b="1" i="0" u="none" strike="noStrike" baseline="0" dirty="0" err="1">
                 <a:solidFill>
                   <a:srgbClr val="000000"/>
                 </a:solidFill>
@@ -10027,7 +10007,7 @@
               <a:t>allinurl</a:t>
             </a:r>
             <a:r>
-              <a:rPr lang="en-US" sz="2000" b="0" i="0" u="none" strike="noStrike" baseline="0" dirty="0">
+              <a:rPr lang="en-US" b="0" i="0" u="none" strike="noStrike" baseline="0" dirty="0">
                 <a:solidFill>
                   <a:srgbClr val="000000"/>
                 </a:solidFill>
@@ -10036,7 +10016,7 @@
               <a:t>:</a:t>
             </a:r>
             <a:r>
-              <a:rPr kumimoji="0" lang="en-US" altLang="en-US" sz="4800" b="0" i="0" u="none" strike="noStrike" cap="none" normalizeH="0" baseline="0" dirty="0">
+              <a:rPr kumimoji="0" lang="en-US" altLang="en-US" sz="6000" b="0" i="0" u="none" strike="noStrike" cap="none" normalizeH="0" baseline="0" dirty="0">
                 <a:ln>
                   <a:noFill/>
                 </a:ln>
@@ -10049,7 +10029,7 @@
               <a:t> </a:t>
             </a:r>
             <a:r>
-              <a:rPr kumimoji="0" lang="en-US" altLang="en-US" sz="1600" b="0" i="0" u="none" strike="noStrike" cap="none" normalizeH="0" baseline="0" dirty="0">
+              <a:rPr kumimoji="0" lang="en-US" altLang="en-US" sz="2000" b="0" i="0" u="none" strike="noStrike" cap="none" normalizeH="0" baseline="0" dirty="0">
                 <a:ln>
                   <a:noFill/>
                 </a:ln>
@@ -10062,7 +10042,7 @@
               <a:t>The </a:t>
             </a:r>
             <a:r>
-              <a:rPr kumimoji="0" lang="en-US" altLang="en-US" sz="1600" b="0" i="0" u="none" strike="noStrike" cap="none" normalizeH="0" baseline="0" dirty="0" err="1">
+              <a:rPr kumimoji="0" lang="en-US" altLang="en-US" sz="2000" b="0" i="0" u="none" strike="noStrike" cap="none" normalizeH="0" baseline="0" dirty="0" err="1">
                 <a:ln>
                   <a:noFill/>
                 </a:ln>
@@ -10075,7 +10055,7 @@
               <a:t>inurl</a:t>
             </a:r>
             <a:r>
-              <a:rPr kumimoji="0" lang="en-US" altLang="en-US" sz="1600" b="0" i="0" u="none" strike="noStrike" cap="none" normalizeH="0" baseline="0" dirty="0">
+              <a:rPr kumimoji="0" lang="en-US" altLang="en-US" sz="2000" b="0" i="0" u="none" strike="noStrike" cap="none" normalizeH="0" baseline="0" dirty="0">
                 <a:ln>
                   <a:noFill/>
                 </a:ln>
@@ -10087,7 +10067,7 @@
               <a:t> and </a:t>
             </a:r>
             <a:r>
-              <a:rPr kumimoji="0" lang="en-US" altLang="en-US" sz="1600" b="0" i="0" u="none" strike="noStrike" cap="none" normalizeH="0" baseline="0" dirty="0" err="1">
+              <a:rPr kumimoji="0" lang="en-US" altLang="en-US" sz="2000" b="0" i="0" u="none" strike="noStrike" cap="none" normalizeH="0" baseline="0" dirty="0" err="1">
                 <a:ln>
                   <a:noFill/>
                 </a:ln>
@@ -10100,7 +10080,7 @@
               <a:t>allinurl</a:t>
             </a:r>
             <a:r>
-              <a:rPr kumimoji="0" lang="en-US" altLang="en-US" sz="1600" b="0" i="0" u="none" strike="noStrike" cap="none" normalizeH="0" baseline="0" dirty="0">
+              <a:rPr kumimoji="0" lang="en-US" altLang="en-US" sz="2000" b="0" i="0" u="none" strike="noStrike" cap="none" normalizeH="0" baseline="0" dirty="0">
                 <a:ln>
                   <a:noFill/>
                 </a:ln>
@@ -10112,7 +10092,7 @@
               <a:t> commands are advanced search operators that help refine your search by focusing on the presence of specific keywords in the </a:t>
             </a:r>
             <a:r>
-              <a:rPr kumimoji="0" lang="en-US" altLang="en-US" sz="1600" b="1" i="0" u="none" strike="noStrike" cap="none" normalizeH="0" baseline="0" dirty="0">
+              <a:rPr kumimoji="0" lang="en-US" altLang="en-US" sz="2000" b="1" i="0" u="none" strike="noStrike" cap="none" normalizeH="0" baseline="0" dirty="0">
                 <a:ln>
                   <a:noFill/>
                 </a:ln>
@@ -10125,7 +10105,7 @@
               <a:t>URL</a:t>
             </a:r>
             <a:r>
-              <a:rPr kumimoji="0" lang="en-US" altLang="en-US" sz="1600" b="0" i="0" u="none" strike="noStrike" cap="none" normalizeH="0" baseline="0" dirty="0">
+              <a:rPr kumimoji="0" lang="en-US" altLang="en-US" sz="2000" b="0" i="0" u="none" strike="noStrike" cap="none" normalizeH="0" baseline="0" dirty="0">
                 <a:ln>
                   <a:noFill/>
                 </a:ln>
@@ -10138,13 +10118,13 @@
               <a:t> (web address) of a webpage. </a:t>
             </a:r>
             <a:r>
-              <a:rPr lang="en-US" altLang="en-US" sz="1600" dirty="0">
+              <a:rPr lang="en-US" altLang="en-US" sz="2000" dirty="0">
                 <a:latin typeface="Arial" panose="020B0604020202020204" pitchFamily="34" charset="0"/>
               </a:rPr>
               <a:t>For example: </a:t>
             </a:r>
             <a:r>
-              <a:rPr lang="en-US" altLang="en-US" sz="1600" b="1" dirty="0" err="1">
+              <a:rPr lang="en-US" altLang="en-US" sz="2000" b="1" dirty="0" err="1">
                 <a:solidFill>
                   <a:srgbClr val="0070C0"/>
                 </a:solidFill>
@@ -10153,7 +10133,7 @@
               <a:t>inurl</a:t>
             </a:r>
             <a:r>
-              <a:rPr lang="en-US" altLang="en-US" sz="1600" b="1" dirty="0">
+              <a:rPr lang="en-US" altLang="en-US" sz="2000" b="1" dirty="0">
                 <a:solidFill>
                   <a:srgbClr val="0070C0"/>
                 </a:solidFill>
@@ -10162,7 +10142,7 @@
               <a:t>: </a:t>
             </a:r>
             <a:r>
-              <a:rPr lang="en-US" altLang="en-US" sz="1600" b="1" dirty="0" err="1">
+              <a:rPr lang="en-US" altLang="en-US" sz="2000" b="1" dirty="0" err="1">
                 <a:solidFill>
                   <a:srgbClr val="0070C0"/>
                 </a:solidFill>
@@ -10171,7 +10151,7 @@
               <a:t>login.security</a:t>
             </a:r>
             <a:r>
-              <a:rPr lang="en-US" altLang="en-US" sz="1600" b="1" dirty="0">
+              <a:rPr lang="en-US" altLang="en-US" sz="2000" b="1" dirty="0">
                 <a:solidFill>
                   <a:srgbClr val="0070C0"/>
                 </a:solidFill>
@@ -10180,13 +10160,13 @@
               <a:t> </a:t>
             </a:r>
             <a:r>
-              <a:rPr lang="en-US" altLang="en-US" sz="1600" dirty="0">
+              <a:rPr lang="en-US" altLang="en-US" sz="2000" dirty="0">
                 <a:latin typeface="Arial" panose="020B0604020202020204" pitchFamily="34" charset="0"/>
               </a:rPr>
               <a:t>finds pages where the URL includes “</a:t>
             </a:r>
             <a:r>
-              <a:rPr lang="en-US" altLang="en-US" sz="1600" dirty="0">
+              <a:rPr lang="en-US" altLang="en-US" sz="2000" dirty="0">
                 <a:solidFill>
                   <a:srgbClr val="0070C0"/>
                 </a:solidFill>
@@ -10195,25 +10175,25 @@
               <a:t>login</a:t>
             </a:r>
             <a:r>
-              <a:rPr lang="en-US" altLang="en-US" sz="1600" dirty="0">
+              <a:rPr lang="en-US" altLang="en-US" sz="2000" dirty="0">
                 <a:latin typeface="Arial" panose="020B0604020202020204" pitchFamily="34" charset="0"/>
               </a:rPr>
               <a:t>” (e.g. example.com/login) and the keyword “security” may appear in the URL or anywhere in the page content. On the </a:t>
             </a:r>
             <a:r>
-              <a:rPr lang="en-US" altLang="en-US" sz="1600" dirty="0" err="1">
+              <a:rPr lang="en-US" altLang="en-US" sz="2000" dirty="0" err="1">
                 <a:latin typeface="Arial" panose="020B0604020202020204" pitchFamily="34" charset="0"/>
               </a:rPr>
               <a:t>otherhand</a:t>
             </a:r>
             <a:r>
-              <a:rPr lang="en-US" altLang="en-US" sz="1600" dirty="0">
+              <a:rPr lang="en-US" altLang="en-US" sz="2000" dirty="0">
                 <a:latin typeface="Arial" panose="020B0604020202020204" pitchFamily="34" charset="0"/>
               </a:rPr>
               <a:t> </a:t>
             </a:r>
             <a:r>
-              <a:rPr lang="en-US" altLang="en-US" sz="1600" b="1" dirty="0" err="1">
+              <a:rPr lang="en-US" altLang="en-US" sz="2000" b="1" dirty="0" err="1">
                 <a:solidFill>
                   <a:srgbClr val="0070C0"/>
                 </a:solidFill>
@@ -10222,20 +10202,20 @@
               <a:t>allinurl</a:t>
             </a:r>
             <a:r>
-              <a:rPr lang="en-US" altLang="en-US" sz="1600" dirty="0">
+              <a:rPr lang="en-US" altLang="en-US" sz="2000" dirty="0">
                 <a:latin typeface="Arial" panose="020B0604020202020204" pitchFamily="34" charset="0"/>
               </a:rPr>
               <a:t> ensure all the specified keywords are present only in the URL of the web page.</a:t>
             </a:r>
           </a:p>
           <a:p>
-            <a:endParaRPr lang="en-US" altLang="en-US" sz="1600" dirty="0">
+            <a:endParaRPr lang="en-US" altLang="en-US" sz="2000" dirty="0">
               <a:latin typeface="Arial" panose="020B0604020202020204" pitchFamily="34" charset="0"/>
             </a:endParaRPr>
           </a:p>
           <a:p>
             <a:r>
-              <a:rPr lang="en-US" sz="2400" b="1" i="0" u="none" strike="noStrike" baseline="0" dirty="0">
+              <a:rPr lang="en-US" sz="3200" b="1" i="0" u="none" strike="noStrike" baseline="0" dirty="0">
                 <a:solidFill>
                   <a:srgbClr val="000000"/>
                 </a:solidFill>
@@ -10244,54 +10224,101 @@
               <a:t>related</a:t>
             </a:r>
             <a:r>
+              <a:rPr lang="en-US" sz="3200" b="0" i="0" u="none" strike="noStrike" baseline="0" dirty="0">
+                <a:solidFill>
+                  <a:srgbClr val="000000"/>
+                </a:solidFill>
+                <a:latin typeface="Minion Pro"/>
+              </a:rPr>
+              <a:t>:</a:t>
+            </a:r>
+            <a:r>
               <a:rPr lang="en-US" sz="2400" b="0" i="0" u="none" strike="noStrike" baseline="0" dirty="0">
                 <a:solidFill>
                   <a:srgbClr val="000000"/>
                 </a:solidFill>
                 <a:latin typeface="Minion Pro"/>
               </a:rPr>
+              <a:t> Shows searched results that are similar or related to your searched URL, such as </a:t>
+            </a:r>
+            <a:r>
+              <a:rPr lang="en-US" sz="2400" b="0" i="0" u="none" strike="noStrike" baseline="0" dirty="0" err="1">
+                <a:solidFill>
+                  <a:srgbClr val="000000"/>
+                </a:solidFill>
+                <a:latin typeface="Courier Std"/>
+              </a:rPr>
+              <a:t>related:cnn.com</a:t>
+            </a:r>
+            <a:r>
+              <a:rPr lang="en-US" sz="2400" b="0" i="0" u="none" strike="noStrike" baseline="0" dirty="0">
+                <a:solidFill>
+                  <a:srgbClr val="000000"/>
+                </a:solidFill>
+                <a:latin typeface="Minion Pro"/>
+              </a:rPr>
+              <a:t>.  When you use related command the search engine looks for websites that it determines to have similar contents, structure or purpose as the specified site. But this command only works with full URL or domain name.</a:t>
+            </a:r>
+          </a:p>
+          <a:p>
+            <a:r>
+              <a:rPr lang="en-US" b="1" i="0" u="none" strike="noStrike" baseline="0" dirty="0">
+                <a:solidFill>
+                  <a:srgbClr val="000000"/>
+                </a:solidFill>
+                <a:latin typeface="Minion Pro"/>
+              </a:rPr>
+              <a:t>Info</a:t>
+            </a:r>
+            <a:r>
+              <a:rPr lang="en-US" b="0" i="0" u="none" strike="noStrike" baseline="0" dirty="0">
+                <a:solidFill>
+                  <a:srgbClr val="000000"/>
+                </a:solidFill>
+                <a:latin typeface="Minion Pro"/>
+              </a:rPr>
               <a:t>:</a:t>
             </a:r>
             <a:r>
-              <a:rPr lang="en-US" sz="1800" b="0" i="0" u="none" strike="noStrike" baseline="0" dirty="0">
-                <a:solidFill>
-                  <a:srgbClr val="000000"/>
-                </a:solidFill>
-                <a:latin typeface="Minion Pro"/>
-              </a:rPr>
-              <a:t> Shows searched results that are similar or related to your searched URL, such as </a:t>
-            </a:r>
-            <a:r>
-              <a:rPr lang="en-US" sz="1800" b="0" i="0" u="none" strike="noStrike" baseline="0" dirty="0" err="1">
+              <a:rPr lang="en-US" sz="2400" b="0" i="0" u="none" strike="noStrike" baseline="0" dirty="0">
+                <a:solidFill>
+                  <a:srgbClr val="000000"/>
+                </a:solidFill>
+                <a:latin typeface="Minion Pro"/>
+              </a:rPr>
+              <a:t> Shows information about any searched domain, such as </a:t>
+            </a:r>
+            <a:r>
+              <a:rPr lang="en-US" sz="2400" b="0" i="0" u="none" strike="noStrike" baseline="0" dirty="0" err="1">
                 <a:solidFill>
                   <a:srgbClr val="000000"/>
                 </a:solidFill>
                 <a:latin typeface="Courier Std"/>
               </a:rPr>
-              <a:t>related:cnn.com</a:t>
-            </a:r>
-            <a:r>
-              <a:rPr lang="en-US" sz="1800" b="0" i="0" u="none" strike="noStrike" baseline="0" dirty="0">
-                <a:solidFill>
-                  <a:srgbClr val="000000"/>
-                </a:solidFill>
-                <a:latin typeface="Minion Pro"/>
-              </a:rPr>
-              <a:t>.  When you use related command the search engine looks for websites that it determines to have similar contents, structure or purpose as the specified site. But this command only works with full URL or domain name.</a:t>
-            </a:r>
-          </a:p>
-          <a:p>
-            <a:r>
-              <a:rPr lang="en-US" sz="2000" b="1" i="0" u="none" strike="noStrike" baseline="0" dirty="0">
-                <a:solidFill>
-                  <a:srgbClr val="000000"/>
-                </a:solidFill>
-                <a:latin typeface="Minion Pro"/>
-              </a:rPr>
-              <a:t>Info</a:t>
-            </a:r>
-            <a:r>
-              <a:rPr lang="en-US" sz="2000" b="0" i="0" u="none" strike="noStrike" baseline="0" dirty="0">
+              <a:t>Info:starbucks.com</a:t>
+            </a:r>
+            <a:r>
+              <a:rPr lang="en-US" sz="2400" b="0" i="0" u="none" strike="noStrike" baseline="0" dirty="0">
+                <a:solidFill>
+                  <a:srgbClr val="000000"/>
+                </a:solidFill>
+                <a:latin typeface="Minion Pro"/>
+              </a:rPr>
+              <a:t>.</a:t>
+            </a:r>
+          </a:p>
+          <a:p>
+            <a:r>
+              <a:rPr lang="en-US" b="1" i="0" u="none" strike="noStrike" baseline="0" dirty="0">
+                <a:solidFill>
+                  <a:srgbClr val="000000"/>
+                </a:solidFill>
+                <a:latin typeface="Minion Pro"/>
+              </a:rPr>
+              <a:t>filetype</a:t>
+            </a:r>
+            <a:r>
+              <a:rPr lang="en-US" b="0" i="0" u="none" strike="noStrike" baseline="0" dirty="0">
                 <a:solidFill>
                   <a:srgbClr val="000000"/>
                 </a:solidFill>
@@ -10300,99 +10327,52 @@
               <a:t>:</a:t>
             </a:r>
             <a:r>
-              <a:rPr lang="en-US" sz="1800" b="0" i="0" u="none" strike="noStrike" baseline="0" dirty="0">
-                <a:solidFill>
-                  <a:srgbClr val="000000"/>
-                </a:solidFill>
-                <a:latin typeface="Minion Pro"/>
-              </a:rPr>
-              <a:t> Shows information about any searched domain, such as </a:t>
-            </a:r>
-            <a:r>
-              <a:rPr lang="en-US" sz="1800" b="0" i="0" u="none" strike="noStrike" baseline="0" dirty="0" err="1">
+              <a:rPr lang="en-US" sz="2400" b="0" i="0" u="none" strike="noStrike" baseline="0" dirty="0">
+                <a:solidFill>
+                  <a:srgbClr val="000000"/>
+                </a:solidFill>
+                <a:latin typeface="Minion Pro"/>
+              </a:rPr>
+              <a:t> Find documents of the specified type – for example, </a:t>
+            </a:r>
+            <a:r>
+              <a:rPr lang="en-US" sz="2400" b="0" i="0" u="none" strike="noStrike" baseline="0" dirty="0" err="1">
                 <a:solidFill>
                   <a:srgbClr val="000000"/>
                 </a:solidFill>
                 <a:latin typeface="Courier Std"/>
               </a:rPr>
-              <a:t>Info:starbucks.com</a:t>
-            </a:r>
-            <a:r>
-              <a:rPr lang="en-US" sz="1800" b="0" i="0" u="none" strike="noStrike" baseline="0" dirty="0">
-                <a:solidFill>
-                  <a:srgbClr val="000000"/>
-                </a:solidFill>
-                <a:latin typeface="Minion Pro"/>
-              </a:rPr>
-              <a:t>.</a:t>
-            </a:r>
-          </a:p>
-          <a:p>
-            <a:r>
-              <a:rPr lang="en-US" sz="2000" b="1" i="0" u="none" strike="noStrike" baseline="0" dirty="0">
-                <a:solidFill>
-                  <a:srgbClr val="000000"/>
-                </a:solidFill>
-                <a:latin typeface="Minion Pro"/>
-              </a:rPr>
-              <a:t>filetype</a:t>
-            </a:r>
-            <a:r>
-              <a:rPr lang="en-US" sz="2000" b="0" i="0" u="none" strike="noStrike" baseline="0" dirty="0">
-                <a:solidFill>
-                  <a:srgbClr val="000000"/>
-                </a:solidFill>
-                <a:latin typeface="Minion Pro"/>
-              </a:rPr>
-              <a:t>:</a:t>
-            </a:r>
-            <a:r>
-              <a:rPr lang="en-US" sz="1800" b="0" i="0" u="none" strike="noStrike" baseline="0" dirty="0">
-                <a:solidFill>
-                  <a:srgbClr val="000000"/>
-                </a:solidFill>
-                <a:latin typeface="Minion Pro"/>
-              </a:rPr>
-              <a:t> Find documents of the specified type – for example, </a:t>
-            </a:r>
-            <a:r>
-              <a:rPr lang="en-US" sz="1800" b="0" i="0" u="none" strike="noStrike" baseline="0" dirty="0" err="1">
+              <a:t>filetype:pdf</a:t>
+            </a:r>
+            <a:r>
+              <a:rPr lang="en-US" sz="2400" b="0" i="0" u="none" strike="noStrike" baseline="0" dirty="0">
                 <a:solidFill>
                   <a:srgbClr val="000000"/>
                 </a:solidFill>
                 <a:latin typeface="Courier Std"/>
               </a:rPr>
-              <a:t>filetype:pdf</a:t>
-            </a:r>
-            <a:r>
-              <a:rPr lang="en-US" sz="1800" b="0" i="0" u="none" strike="noStrike" baseline="0" dirty="0">
+              <a:t> policy</a:t>
+            </a:r>
+            <a:r>
+              <a:rPr lang="en-US" sz="2400" b="0" i="0" u="none" strike="noStrike" baseline="0" dirty="0">
+                <a:solidFill>
+                  <a:srgbClr val="000000"/>
+                </a:solidFill>
+                <a:latin typeface="Minion Pro"/>
+              </a:rPr>
+              <a:t>. This will return PDF documents with the word </a:t>
+            </a:r>
+            <a:r>
+              <a:rPr lang="en-US" sz="2400" b="0" i="0" u="none" strike="noStrike" baseline="0" dirty="0">
                 <a:solidFill>
                   <a:srgbClr val="000000"/>
                 </a:solidFill>
                 <a:latin typeface="Courier Std"/>
               </a:rPr>
-              <a:t> policy</a:t>
-            </a:r>
-            <a:r>
-              <a:rPr lang="en-US" sz="1800" b="0" i="0" u="none" strike="noStrike" baseline="0" dirty="0">
-                <a:solidFill>
-                  <a:srgbClr val="000000"/>
-                </a:solidFill>
-                <a:latin typeface="Minion Pro"/>
-              </a:rPr>
-              <a:t>. This will return PDF documents with the word </a:t>
-            </a:r>
-            <a:r>
-              <a:rPr lang="en-US" sz="1800" b="0" i="0" u="none" strike="noStrike" baseline="0" dirty="0">
-                <a:solidFill>
-                  <a:srgbClr val="000000"/>
-                </a:solidFill>
-                <a:latin typeface="Courier Std"/>
-              </a:rPr>
               <a:t>policy </a:t>
             </a:r>
             <a:r>
-              <a:rPr lang="en-US" sz="1800" b="0" i="0" u="none" strike="noStrike" baseline="0" dirty="0">
+              <a:rPr lang="en-US" sz="2400" b="0" i="0" u="none" strike="noStrike" baseline="0" dirty="0">
                 <a:solidFill>
                   <a:srgbClr val="000000"/>
                 </a:solidFill>
@@ -10400,12 +10380,12 @@
               </a:rPr>
               <a:t>in the title.</a:t>
             </a:r>
-            <a:endParaRPr lang="en-US" altLang="en-US" sz="1600" dirty="0">
+            <a:endParaRPr lang="en-US" altLang="en-US" sz="2000" dirty="0">
               <a:latin typeface="Arial" panose="020B0604020202020204" pitchFamily="34" charset="0"/>
             </a:endParaRPr>
           </a:p>
           <a:p>
-            <a:endParaRPr lang="en-US" sz="1600" dirty="0"/>
+            <a:endParaRPr lang="en-US" sz="2000" dirty="0"/>
           </a:p>
         </p:txBody>
       </p:sp>
@@ -10581,7 +10561,12 @@
             <p:ph type="title"/>
           </p:nvPr>
         </p:nvSpPr>
-        <p:spPr/>
+        <p:spPr>
+          <a:xfrm>
+            <a:off x="838200" y="18255"/>
+            <a:ext cx="10515600" cy="1325563"/>
+          </a:xfrm>
+        </p:spPr>
         <p:txBody>
           <a:bodyPr/>
           <a:lstStyle/>
@@ -10609,7 +10594,12 @@
             <p:ph idx="1"/>
           </p:nvPr>
         </p:nvSpPr>
-        <p:spPr/>
+        <p:spPr>
+          <a:xfrm>
+            <a:off x="429658" y="1343818"/>
+            <a:ext cx="11358390" cy="5012532"/>
+          </a:xfrm>
+        </p:spPr>
         <p:txBody>
           <a:bodyPr>
             <a:normAutofit/>
@@ -10617,7 +10607,7 @@
           <a:lstStyle/>
           <a:p>
             <a:r>
-              <a:rPr lang="en-US" sz="2000" b="1" i="0" u="none" strike="noStrike" baseline="0" dirty="0" err="1">
+              <a:rPr lang="en-US" b="1" i="0" u="none" strike="noStrike" baseline="0" dirty="0" err="1">
                 <a:solidFill>
                   <a:srgbClr val="000000"/>
                 </a:solidFill>
@@ -10626,7 +10616,7 @@
               <a:t>ext</a:t>
             </a:r>
             <a:r>
-              <a:rPr lang="en-US" sz="2000" b="0" i="0" u="none" strike="noStrike" baseline="0" dirty="0">
+              <a:rPr lang="en-US" b="0" i="0" u="none" strike="noStrike" baseline="0" dirty="0">
                 <a:solidFill>
                   <a:srgbClr val="000000"/>
                 </a:solidFill>
@@ -10635,7 +10625,7 @@
               <a:t>:</a:t>
             </a:r>
             <a:r>
-              <a:rPr lang="en-US" sz="1800" b="0" i="0" u="none" strike="noStrike" baseline="0" dirty="0">
+              <a:rPr lang="en-US" sz="2400" b="0" i="0" u="none" strike="noStrike" baseline="0" dirty="0">
                 <a:solidFill>
                   <a:srgbClr val="000000"/>
                 </a:solidFill>
@@ -10644,7 +10634,7 @@
               <a:t> Very similar to </a:t>
             </a:r>
             <a:r>
-              <a:rPr lang="en-US" sz="1800" b="0" i="0" u="none" strike="noStrike" baseline="0" dirty="0">
+              <a:rPr lang="en-US" sz="2400" b="0" i="0" u="none" strike="noStrike" baseline="0" dirty="0">
                 <a:solidFill>
                   <a:srgbClr val="000000"/>
                 </a:solidFill>
@@ -10653,7 +10643,7 @@
               <a:t>filetype </a:t>
             </a:r>
             <a:r>
-              <a:rPr lang="en-US" sz="1800" b="0" i="0" u="none" strike="noStrike" baseline="0" dirty="0">
+              <a:rPr lang="en-US" sz="2400" b="0" i="0" u="none" strike="noStrike" baseline="0" dirty="0">
                 <a:solidFill>
                   <a:srgbClr val="000000"/>
                 </a:solidFill>
@@ -10662,7 +10652,7 @@
               <a:t>but we can seek uncommon extensions for more accurate results. An example is </a:t>
             </a:r>
             <a:r>
-              <a:rPr lang="en-US" sz="1800" b="0" i="0" u="none" strike="noStrike" baseline="0" dirty="0" err="1">
+              <a:rPr lang="en-US" sz="2400" b="0" i="0" u="none" strike="noStrike" baseline="0" dirty="0" err="1">
                 <a:solidFill>
                   <a:srgbClr val="000000"/>
                 </a:solidFill>
@@ -10671,7 +10661,7 @@
               <a:t>ext:log</a:t>
             </a:r>
             <a:r>
-              <a:rPr lang="en-US" sz="1800" b="0" i="0" u="none" strike="noStrike" baseline="0" dirty="0">
+              <a:rPr lang="en-US" sz="2400" b="0" i="0" u="none" strike="noStrike" baseline="0" dirty="0">
                 <a:solidFill>
                   <a:srgbClr val="000000"/>
                 </a:solidFill>
@@ -10682,7 +10672,7 @@
           </a:p>
           <a:p>
             <a:r>
-              <a:rPr lang="en-US" sz="2000" b="1" i="0" u="none" strike="noStrike" baseline="0" dirty="0">
+              <a:rPr lang="en-US" b="1" i="0" u="none" strike="noStrike" baseline="0" dirty="0">
                 <a:solidFill>
                   <a:srgbClr val="000000"/>
                 </a:solidFill>
@@ -10691,7 +10681,7 @@
               <a:t>cache</a:t>
             </a:r>
             <a:r>
-              <a:rPr lang="en-US" sz="2000" b="0" i="0" u="none" strike="noStrike" baseline="0" dirty="0">
+              <a:rPr lang="en-US" b="0" i="0" u="none" strike="noStrike" baseline="0" dirty="0">
                 <a:solidFill>
                   <a:srgbClr val="000000"/>
                 </a:solidFill>
@@ -10700,7 +10690,7 @@
               <a:t>:</a:t>
             </a:r>
             <a:r>
-              <a:rPr lang="en-US" sz="1800" b="0" i="0" u="none" strike="noStrike" baseline="0" dirty="0">
+              <a:rPr lang="en-US" sz="2400" b="0" i="0" u="none" strike="noStrike" baseline="0" dirty="0">
                 <a:solidFill>
                   <a:srgbClr val="000000"/>
                 </a:solidFill>
@@ -10709,7 +10699,7 @@
               <a:t> Can show cached contents – for example, </a:t>
             </a:r>
             <a:r>
-              <a:rPr lang="en-US" sz="1800" b="0" i="0" u="none" strike="noStrike" baseline="0" dirty="0" err="1">
+              <a:rPr lang="en-US" sz="2400" b="0" i="0" u="none" strike="noStrike" baseline="0" dirty="0" err="1">
                 <a:solidFill>
                   <a:srgbClr val="000000"/>
                 </a:solidFill>
@@ -10718,7 +10708,7 @@
               <a:t>cache:https</a:t>
             </a:r>
             <a:r>
-              <a:rPr lang="en-US" sz="1800" b="0" i="0" u="none" strike="noStrike" baseline="0" dirty="0">
+              <a:rPr lang="en-US" sz="2400" b="0" i="0" u="none" strike="noStrike" baseline="0" dirty="0">
                 <a:solidFill>
                   <a:srgbClr val="000000"/>
                 </a:solidFill>
@@ -10727,7 +10717,7 @@
               <a:t>://starbucks.com</a:t>
             </a:r>
             <a:r>
-              <a:rPr lang="en-US" sz="1800" b="0" i="0" u="none" strike="noStrike" baseline="0" dirty="0">
+              <a:rPr lang="en-US" sz="2400" b="0" i="0" u="none" strike="noStrike" baseline="0" dirty="0">
                 <a:solidFill>
                   <a:srgbClr val="000000"/>
                 </a:solidFill>
@@ -10735,7 +10725,7 @@
               </a:rPr>
               <a:t>.</a:t>
             </a:r>
-            <a:endParaRPr lang="en-US" sz="1800" dirty="0">
+            <a:endParaRPr lang="en-US" sz="2400" dirty="0">
               <a:solidFill>
                 <a:srgbClr val="000000"/>
               </a:solidFill>
@@ -10747,7 +10737,7 @@
               <a:buNone/>
             </a:pPr>
             <a:r>
-              <a:rPr lang="en-US" sz="1800" b="0" i="0" u="none" strike="noStrike" baseline="0" dirty="0">
+              <a:rPr lang="en-US" sz="2400" b="0" i="0" u="none" strike="noStrike" baseline="0" dirty="0">
                 <a:solidFill>
                   <a:srgbClr val="000000"/>
                 </a:solidFill>
@@ -10759,7 +10749,7 @@
           <a:p>
             <a:pPr algn="just"/>
             <a:r>
-              <a:rPr lang="en-US" sz="2000" b="1" i="0" u="none" strike="noStrike" baseline="0" dirty="0">
+              <a:rPr lang="en-US" b="1" i="0" u="none" strike="noStrike" baseline="0" dirty="0">
                 <a:solidFill>
                   <a:srgbClr val="000000"/>
                 </a:solidFill>
@@ -10768,7 +10758,7 @@
               <a:t>Finding usernames</a:t>
             </a:r>
             <a:r>
-              <a:rPr lang="en-US" sz="2000" b="0" i="0" u="none" strike="noStrike" baseline="0" dirty="0">
+              <a:rPr lang="en-US" b="0" i="0" u="none" strike="noStrike" baseline="0" dirty="0">
                 <a:solidFill>
                   <a:srgbClr val="000000"/>
                 </a:solidFill>
@@ -10777,7 +10767,7 @@
               <a:t>:</a:t>
             </a:r>
             <a:r>
-              <a:rPr lang="en-US" sz="1800" b="0" i="0" u="none" strike="noStrike" baseline="0" dirty="0">
+              <a:rPr lang="en-US" sz="2400" b="0" i="0" u="none" strike="noStrike" baseline="0" dirty="0">
                 <a:solidFill>
                   <a:srgbClr val="000000"/>
                 </a:solidFill>
@@ -10786,7 +10776,7 @@
               <a:t> </a:t>
             </a:r>
             <a:r>
-              <a:rPr lang="en-US" sz="1800" b="0" i="0" u="none" strike="noStrike" baseline="0" dirty="0" err="1">
+              <a:rPr lang="en-US" sz="2400" b="0" i="0" u="none" strike="noStrike" baseline="0" dirty="0" err="1">
                 <a:solidFill>
                   <a:srgbClr val="000000"/>
                 </a:solidFill>
@@ -10795,7 +10785,7 @@
               <a:t>allintext:username</a:t>
             </a:r>
             <a:r>
-              <a:rPr lang="en-US" sz="1800" b="0" i="0" u="none" strike="noStrike" baseline="0" dirty="0">
+              <a:rPr lang="en-US" sz="2400" b="0" i="0" u="none" strike="noStrike" baseline="0" dirty="0">
                 <a:solidFill>
                   <a:srgbClr val="000000"/>
                 </a:solidFill>
@@ -10804,7 +10794,7 @@
               <a:t> </a:t>
             </a:r>
             <a:r>
-              <a:rPr lang="en-US" sz="1800" b="0" i="0" u="none" strike="noStrike" baseline="0" dirty="0" err="1">
+              <a:rPr lang="en-US" sz="2400" b="0" i="0" u="none" strike="noStrike" baseline="0" dirty="0" err="1">
                 <a:solidFill>
                   <a:srgbClr val="000000"/>
                 </a:solidFill>
@@ -10813,7 +10803,7 @@
               <a:t>filetype:log</a:t>
             </a:r>
             <a:r>
-              <a:rPr lang="en-US" sz="1800" b="0" i="0" u="none" strike="noStrike" baseline="0" dirty="0">
+              <a:rPr lang="en-US" sz="2400" b="0" i="0" u="none" strike="noStrike" baseline="0" dirty="0">
                 <a:solidFill>
                   <a:srgbClr val="000000"/>
                 </a:solidFill>
@@ -10822,7 +10812,7 @@
               <a:t> : </a:t>
             </a:r>
             <a:r>
-              <a:rPr lang="en-US" sz="1800" dirty="0">
+              <a:rPr lang="en-US" sz="2400" dirty="0">
                 <a:solidFill>
                   <a:srgbClr val="000000"/>
                 </a:solidFill>
@@ -10831,7 +10821,7 @@
               <a:t>this command will help to find specific types of file</a:t>
             </a:r>
             <a:r>
-              <a:rPr lang="en-US" sz="1800" b="0" i="0" u="none" strike="noStrike" baseline="0" dirty="0">
+              <a:rPr lang="en-US" sz="2400" b="0" i="0" u="none" strike="noStrike" baseline="0" dirty="0">
                 <a:solidFill>
                   <a:srgbClr val="000000"/>
                 </a:solidFill>
@@ -10840,7 +10830,7 @@
               <a:t> (in this case log file)</a:t>
             </a:r>
             <a:r>
-              <a:rPr lang="en-US" sz="1800" dirty="0">
+              <a:rPr lang="en-US" sz="2400" dirty="0">
                 <a:solidFill>
                   <a:srgbClr val="000000"/>
                 </a:solidFill>
@@ -10849,7 +10839,7 @@
               <a:t>containing a particular keyword </a:t>
             </a:r>
             <a:r>
-              <a:rPr lang="en-US" sz="1800" b="0" i="0" u="none" strike="noStrike" baseline="0" dirty="0">
+              <a:rPr lang="en-US" sz="2400" b="0" i="0" u="none" strike="noStrike" baseline="0" dirty="0">
                 <a:solidFill>
                   <a:srgbClr val="000000"/>
                 </a:solidFill>
@@ -10861,7 +10851,7 @@
           <a:p>
             <a:pPr algn="just"/>
             <a:r>
-              <a:rPr lang="en-US" sz="2000" b="1" i="0" u="none" strike="noStrike" baseline="0" dirty="0">
+              <a:rPr lang="en-US" b="1" i="0" u="none" strike="noStrike" baseline="0" dirty="0">
                 <a:solidFill>
                   <a:srgbClr val="000000"/>
                 </a:solidFill>
@@ -10870,7 +10860,7 @@
               <a:t>Finding email addresses</a:t>
             </a:r>
             <a:r>
-              <a:rPr lang="en-US" sz="2000" b="0" i="0" u="none" strike="noStrike" baseline="0" dirty="0">
+              <a:rPr lang="en-US" b="0" i="0" u="none" strike="noStrike" baseline="0" dirty="0">
                 <a:solidFill>
                   <a:srgbClr val="000000"/>
                 </a:solidFill>
@@ -10879,7 +10869,7 @@
               <a:t>:</a:t>
             </a:r>
             <a:r>
-              <a:rPr lang="en-US" sz="1800" b="0" i="0" u="none" strike="noStrike" baseline="0" dirty="0">
+              <a:rPr lang="en-US" sz="2400" b="0" i="0" u="none" strike="noStrike" baseline="0" dirty="0">
                 <a:solidFill>
                   <a:srgbClr val="000000"/>
                 </a:solidFill>
@@ -10888,7 +10878,7 @@
               <a:t> </a:t>
             </a:r>
             <a:r>
-              <a:rPr lang="en-US" sz="1800" b="0" i="0" u="none" strike="noStrike" baseline="0" dirty="0" err="1">
+              <a:rPr lang="en-US" sz="2400" b="0" i="0" u="none" strike="noStrike" baseline="0" dirty="0" err="1">
                 <a:solidFill>
                   <a:srgbClr val="000000"/>
                 </a:solidFill>
@@ -10897,7 +10887,7 @@
               <a:t>allintext:email</a:t>
             </a:r>
             <a:r>
-              <a:rPr lang="en-US" sz="1800" b="0" i="0" u="none" strike="noStrike" baseline="0" dirty="0">
+              <a:rPr lang="en-US" sz="2400" b="0" i="0" u="none" strike="noStrike" baseline="0" dirty="0">
                 <a:solidFill>
                   <a:srgbClr val="000000"/>
                 </a:solidFill>
@@ -10906,7 +10896,7 @@
               <a:t> OR mail +*gmail.com </a:t>
             </a:r>
             <a:r>
-              <a:rPr lang="en-US" sz="1800" b="0" i="0" u="none" strike="noStrike" baseline="0" dirty="0" err="1">
+              <a:rPr lang="en-US" sz="2400" b="0" i="0" u="none" strike="noStrike" baseline="0" dirty="0" err="1">
                 <a:solidFill>
                   <a:srgbClr val="000000"/>
                 </a:solidFill>
@@ -10915,7 +10905,7 @@
               <a:t>filetype:txt</a:t>
             </a:r>
             <a:r>
-              <a:rPr lang="en-US" sz="1800" b="0" i="0" u="none" strike="noStrike" baseline="0" dirty="0">
+              <a:rPr lang="en-US" sz="2400" b="0" i="0" u="none" strike="noStrike" baseline="0" dirty="0">
                 <a:solidFill>
                   <a:srgbClr val="000000"/>
                 </a:solidFill>
@@ -10927,7 +10917,7 @@
           <a:p>
             <a:pPr algn="just"/>
             <a:r>
-              <a:rPr lang="en-US" sz="2000" b="1" i="0" u="none" strike="noStrike" baseline="0" dirty="0">
+              <a:rPr lang="en-US" b="1" i="0" u="none" strike="noStrike" baseline="0" dirty="0">
                 <a:solidFill>
                   <a:srgbClr val="000000"/>
                 </a:solidFill>
@@ -10936,7 +10926,7 @@
               <a:t>Finding Putty logs</a:t>
             </a:r>
             <a:r>
-              <a:rPr lang="en-US" sz="2000" b="0" i="0" u="none" strike="noStrike" baseline="0" dirty="0">
+              <a:rPr lang="en-US" b="0" i="0" u="none" strike="noStrike" baseline="0" dirty="0">
                 <a:solidFill>
                   <a:srgbClr val="000000"/>
                 </a:solidFill>
@@ -10945,7 +10935,7 @@
               <a:t>:</a:t>
             </a:r>
             <a:r>
-              <a:rPr lang="en-US" sz="1800" b="0" i="0" u="none" strike="noStrike" baseline="0" dirty="0">
+              <a:rPr lang="en-US" sz="2400" b="0" i="0" u="none" strike="noStrike" baseline="0" dirty="0">
                 <a:solidFill>
                   <a:srgbClr val="000000"/>
                 </a:solidFill>
@@ -10954,7 +10944,7 @@
               <a:t> </a:t>
             </a:r>
             <a:r>
-              <a:rPr lang="en-US" sz="1800" b="0" i="0" u="none" strike="noStrike" baseline="0" dirty="0" err="1">
+              <a:rPr lang="en-US" sz="2400" b="0" i="0" u="none" strike="noStrike" baseline="0" dirty="0" err="1">
                 <a:solidFill>
                   <a:srgbClr val="000000"/>
                 </a:solidFill>
@@ -10963,7 +10953,7 @@
               <a:t>filetype:log</a:t>
             </a:r>
             <a:r>
-              <a:rPr lang="en-US" sz="1800" b="0" i="0" u="none" strike="noStrike" baseline="0" dirty="0">
+              <a:rPr lang="en-US" sz="2400" b="0" i="0" u="none" strike="noStrike" baseline="0" dirty="0">
                 <a:solidFill>
                   <a:srgbClr val="000000"/>
                 </a:solidFill>
@@ -10971,11 +10961,11 @@
               </a:rPr>
               <a:t> username putty</a:t>
             </a:r>
-            <a:endParaRPr lang="en-US" sz="1800" dirty="0"/>
+            <a:endParaRPr lang="en-US" sz="2400" dirty="0"/>
           </a:p>
           <a:p>
             <a:pPr algn="just"/>
-            <a:endParaRPr lang="en-US" sz="1800" b="0" i="0" u="none" strike="noStrike" baseline="0" dirty="0">
+            <a:endParaRPr lang="en-US" sz="2400" b="0" i="0" u="none" strike="noStrike" baseline="0" dirty="0">
               <a:solidFill>
                 <a:srgbClr val="000000"/>
               </a:solidFill>
@@ -11059,7 +11049,12 @@
             <p:ph type="title"/>
           </p:nvPr>
         </p:nvSpPr>
-        <p:spPr/>
+        <p:spPr>
+          <a:xfrm>
+            <a:off x="838200" y="0"/>
+            <a:ext cx="10515600" cy="1325563"/>
+          </a:xfrm>
+        </p:spPr>
         <p:txBody>
           <a:bodyPr/>
           <a:lstStyle/>
@@ -11087,13 +11082,21 @@
             <p:ph idx="1"/>
           </p:nvPr>
         </p:nvSpPr>
-        <p:spPr/>
+        <p:spPr>
+          <a:xfrm>
+            <a:off x="374573" y="1253330"/>
+            <a:ext cx="11347374" cy="5103019"/>
+          </a:xfrm>
+        </p:spPr>
         <p:txBody>
-          <a:bodyPr/>
+          <a:bodyPr>
+            <a:normAutofit fontScale="92500" lnSpcReduction="10000"/>
+          </a:bodyPr>
           <a:lstStyle/>
           <a:p>
-            <a:r>
-              <a:rPr lang="en-US" sz="1800" b="1" i="0" u="none" strike="noStrike" baseline="0" dirty="0">
+            <a:pPr algn="just"/>
+            <a:r>
+              <a:rPr lang="en-US" b="1" i="0" u="none" strike="noStrike" baseline="0" dirty="0">
                 <a:solidFill>
                   <a:srgbClr val="000000"/>
                 </a:solidFill>
@@ -11102,7 +11105,7 @@
               <a:t>Finding SSH private keys</a:t>
             </a:r>
             <a:r>
-              <a:rPr lang="en-US" sz="1800" b="0" i="0" u="none" strike="noStrike" baseline="0" dirty="0">
+              <a:rPr lang="en-US" b="0" i="0" u="none" strike="noStrike" baseline="0" dirty="0">
                 <a:solidFill>
                   <a:srgbClr val="000000"/>
                 </a:solidFill>
@@ -11111,7 +11114,7 @@
               <a:t>: </a:t>
             </a:r>
             <a:r>
-              <a:rPr lang="en-US" sz="1800" b="1" i="0" u="none" strike="noStrike" baseline="0" dirty="0" err="1">
+              <a:rPr lang="en-US" b="1" i="0" u="none" strike="noStrike" baseline="0" dirty="0" err="1">
                 <a:solidFill>
                   <a:srgbClr val="0070C0"/>
                 </a:solidFill>
@@ -11120,7 +11123,7 @@
               <a:t>intitle:index.of</a:t>
             </a:r>
             <a:r>
-              <a:rPr lang="en-US" sz="1800" b="1" i="0" u="none" strike="noStrike" baseline="0" dirty="0">
+              <a:rPr lang="en-US" b="1" i="0" u="none" strike="noStrike" baseline="0" dirty="0">
                 <a:solidFill>
                   <a:srgbClr val="0070C0"/>
                 </a:solidFill>
@@ -11129,7 +11132,7 @@
               <a:t> </a:t>
             </a:r>
             <a:r>
-              <a:rPr lang="en-US" sz="1800" b="1" i="0" u="none" strike="noStrike" baseline="0" dirty="0" err="1">
+              <a:rPr lang="en-US" b="1" i="0" u="none" strike="noStrike" baseline="0" dirty="0" err="1">
                 <a:solidFill>
                   <a:srgbClr val="0070C0"/>
                 </a:solidFill>
@@ -11138,7 +11141,7 @@
               <a:t>id_rsa</a:t>
             </a:r>
             <a:r>
-              <a:rPr lang="en-US" sz="1800" b="1" i="0" u="none" strike="noStrike" baseline="0" dirty="0">
+              <a:rPr lang="en-US" b="1" i="0" u="none" strike="noStrike" baseline="0" dirty="0">
                 <a:solidFill>
                   <a:srgbClr val="0070C0"/>
                 </a:solidFill>
@@ -11147,7 +11150,7 @@
               <a:t> -id_rsa.pub: </a:t>
             </a:r>
             <a:r>
-              <a:rPr lang="en-US" sz="1800" b="0" i="0" u="none" strike="noStrike" baseline="0" dirty="0">
+              <a:rPr lang="en-US" b="0" i="0" u="none" strike="noStrike" baseline="0" dirty="0">
                 <a:solidFill>
                   <a:srgbClr val="000000"/>
                 </a:solidFill>
@@ -11156,7 +11159,7 @@
               <a:t>this is a Google search query </a:t>
             </a:r>
             <a:r>
-              <a:rPr lang="en-US" sz="1800" b="0" i="0" u="none" strike="noStrike" baseline="0" dirty="0" err="1">
+              <a:rPr lang="en-US" b="0" i="0" u="none" strike="noStrike" baseline="0" dirty="0" err="1">
                 <a:solidFill>
                   <a:srgbClr val="000000"/>
                 </a:solidFill>
@@ -11165,7 +11168,7 @@
               <a:t>leaverging</a:t>
             </a:r>
             <a:r>
-              <a:rPr lang="en-US" sz="1800" b="0" i="0" u="none" strike="noStrike" baseline="0" dirty="0">
+              <a:rPr lang="en-US" b="0" i="0" u="none" strike="noStrike" baseline="0" dirty="0">
                 <a:solidFill>
                   <a:srgbClr val="000000"/>
                 </a:solidFill>
@@ -11175,8 +11178,9 @@
             </a:r>
           </a:p>
           <a:p>
-            <a:r>
-              <a:rPr lang="en-US" sz="2000" b="1" dirty="0">
+            <a:pPr algn="just"/>
+            <a:r>
+              <a:rPr lang="en-US" sz="3200" b="1" dirty="0">
                 <a:solidFill>
                   <a:srgbClr val="00B050"/>
                 </a:solidFill>
@@ -11186,9 +11190,9 @@
             </a:r>
           </a:p>
           <a:p>
-            <a:pPr lvl="1"/>
-            <a:r>
-              <a:rPr lang="en-US" sz="1400" b="0" i="0" u="none" strike="noStrike" baseline="0" dirty="0" err="1">
+            <a:pPr lvl="1" algn="just"/>
+            <a:r>
+              <a:rPr lang="en-US" sz="2000" b="0" i="0" u="none" strike="noStrike" baseline="0" dirty="0" err="1">
                 <a:solidFill>
                   <a:srgbClr val="000000"/>
                 </a:solidFill>
@@ -11197,7 +11201,7 @@
               <a:t>intitle:index.of</a:t>
             </a:r>
             <a:r>
-              <a:rPr lang="en-US" sz="1400" b="0" i="0" u="none" strike="noStrike" baseline="0" dirty="0">
+              <a:rPr lang="en-US" sz="2000" b="0" i="0" u="none" strike="noStrike" baseline="0" dirty="0">
                 <a:solidFill>
                   <a:srgbClr val="000000"/>
                 </a:solidFill>
@@ -11206,28 +11210,28 @@
               <a:t>: </a:t>
             </a:r>
             <a:r>
-              <a:rPr lang="en-US" sz="1800" dirty="0">
+              <a:rPr lang="en-US" sz="2800" dirty="0">
                 <a:latin typeface="Arial Unicode MS"/>
               </a:rPr>
               <a:t>this specifies that the page title must include “</a:t>
             </a:r>
             <a:r>
-              <a:rPr lang="en-US" sz="1800" dirty="0" err="1">
+              <a:rPr lang="en-US" sz="2800" dirty="0" err="1">
                 <a:latin typeface="Arial Unicode MS"/>
               </a:rPr>
               <a:t>index.of</a:t>
             </a:r>
             <a:r>
-              <a:rPr lang="en-US" sz="1800" dirty="0">
+              <a:rPr lang="en-US" sz="2800" dirty="0">
                 <a:latin typeface="Arial Unicode MS"/>
               </a:rPr>
               <a:t>”</a:t>
             </a:r>
           </a:p>
           <a:p>
-            <a:pPr lvl="1"/>
-            <a:r>
-              <a:rPr lang="en-US" sz="1400" b="0" i="0" u="none" strike="noStrike" baseline="0" dirty="0" err="1">
+            <a:pPr lvl="1" algn="just"/>
+            <a:r>
+              <a:rPr lang="en-US" sz="2000" b="0" i="0" u="none" strike="noStrike" baseline="0" dirty="0" err="1">
                 <a:solidFill>
                   <a:srgbClr val="000000"/>
                 </a:solidFill>
@@ -11236,7 +11240,7 @@
               <a:t>id_rsa</a:t>
             </a:r>
             <a:r>
-              <a:rPr lang="en-US" sz="1400" dirty="0">
+              <a:rPr lang="en-US" sz="2000" dirty="0">
                 <a:solidFill>
                   <a:srgbClr val="000000"/>
                 </a:solidFill>
@@ -11245,16 +11249,16 @@
               <a:t>: </a:t>
             </a:r>
             <a:r>
-              <a:rPr lang="en-US" sz="1800" dirty="0">
+              <a:rPr lang="en-US" sz="2800" dirty="0">
                 <a:latin typeface="Arial Unicode MS"/>
               </a:rPr>
               <a:t>this is the keyword being searched for within the directory list.</a:t>
             </a:r>
           </a:p>
           <a:p>
-            <a:pPr lvl="1"/>
-            <a:r>
-              <a:rPr lang="en-US" sz="1400" b="0" i="0" u="none" strike="noStrike" baseline="0" dirty="0">
+            <a:pPr lvl="1" algn="just"/>
+            <a:r>
+              <a:rPr lang="en-US" sz="2000" b="0" i="0" u="none" strike="noStrike" baseline="0" dirty="0">
                 <a:solidFill>
                   <a:srgbClr val="000000"/>
                 </a:solidFill>
@@ -11263,16 +11267,16 @@
               <a:t>-id_rsa.pub: </a:t>
             </a:r>
             <a:r>
-              <a:rPr lang="en-US" sz="1800" dirty="0">
+              <a:rPr lang="en-US" sz="2800" dirty="0">
                 <a:latin typeface="Arial Unicode MS"/>
               </a:rPr>
               <a:t>this (-) is a negation operator that excludes results containing the specified term.</a:t>
             </a:r>
           </a:p>
           <a:p>
-            <a:pPr lvl="1"/>
-            <a:r>
-              <a:rPr kumimoji="0" lang="en-US" altLang="en-US" sz="1800" b="0" i="0" u="none" strike="noStrike" cap="none" normalizeH="0" baseline="0" dirty="0">
+            <a:pPr lvl="1" algn="just"/>
+            <a:r>
+              <a:rPr kumimoji="0" lang="en-US" altLang="en-US" sz="2800" b="0" i="0" u="none" strike="noStrike" cap="none" normalizeH="0" baseline="0" dirty="0">
                 <a:ln>
                   <a:noFill/>
                 </a:ln>
@@ -11285,7 +11289,7 @@
               <a:t>id_rsa.pub</a:t>
             </a:r>
             <a:r>
-              <a:rPr kumimoji="0" lang="en-US" altLang="en-US" sz="1800" b="0" i="0" u="none" strike="noStrike" cap="none" normalizeH="0" baseline="0" dirty="0">
+              <a:rPr kumimoji="0" lang="en-US" altLang="en-US" sz="2800" b="0" i="0" u="none" strike="noStrike" cap="none" normalizeH="0" baseline="0" dirty="0">
                 <a:ln>
                   <a:noFill/>
                 </a:ln>
@@ -11296,7 +11300,7 @@
               </a:rPr>
               <a:t> refers to the public counterpart of the SSH key, which is less sensitive and intended to be shared.</a:t>
             </a:r>
-            <a:endParaRPr lang="en-US" sz="1800" dirty="0">
+            <a:endParaRPr lang="en-US" sz="2800" dirty="0">
               <a:solidFill>
                 <a:srgbClr val="000000"/>
               </a:solidFill>
@@ -11304,8 +11308,8 @@
             </a:endParaRPr>
           </a:p>
           <a:p>
-            <a:pPr lvl="1"/>
-            <a:endParaRPr lang="en-US" sz="1400" dirty="0">
+            <a:pPr lvl="1" algn="just"/>
+            <a:endParaRPr lang="en-US" sz="2000" dirty="0">
               <a:solidFill>
                 <a:srgbClr val="000000"/>
               </a:solidFill>
@@ -11313,9 +11317,9 @@
             </a:endParaRPr>
           </a:p>
           <a:p>
-            <a:pPr lvl="1"/>
-            <a:r>
-              <a:rPr kumimoji="0" lang="en-US" altLang="en-US" sz="1600" b="0" i="0" u="none" strike="noStrike" cap="none" normalizeH="0" baseline="0" dirty="0">
+            <a:pPr lvl="1" algn="just"/>
+            <a:r>
+              <a:rPr kumimoji="0" lang="en-US" altLang="en-US" b="0" i="0" u="none" strike="noStrike" cap="none" normalizeH="0" baseline="0" dirty="0">
                 <a:ln>
                   <a:noFill/>
                 </a:ln>
@@ -11328,7 +11332,7 @@
               <a:t>This exclusion ensures that the results focus only on the private key files (</a:t>
             </a:r>
             <a:r>
-              <a:rPr kumimoji="0" lang="en-US" altLang="en-US" sz="1600" b="0" i="0" u="none" strike="noStrike" cap="none" normalizeH="0" baseline="0" dirty="0" err="1">
+              <a:rPr kumimoji="0" lang="en-US" altLang="en-US" b="0" i="0" u="none" strike="noStrike" cap="none" normalizeH="0" baseline="0" dirty="0" err="1">
                 <a:ln>
                   <a:noFill/>
                 </a:ln>
@@ -11341,7 +11345,7 @@
               <a:t>id_rsa</a:t>
             </a:r>
             <a:r>
-              <a:rPr kumimoji="0" lang="en-US" altLang="en-US" sz="1600" b="0" i="0" u="none" strike="noStrike" cap="none" normalizeH="0" baseline="0" dirty="0">
+              <a:rPr kumimoji="0" lang="en-US" altLang="en-US" b="0" i="0" u="none" strike="noStrike" cap="none" normalizeH="0" baseline="0" dirty="0">
                 <a:ln>
                   <a:noFill/>
                 </a:ln>
@@ -11353,7 +11357,7 @@
               <a:t>) and not their public counterparts (</a:t>
             </a:r>
             <a:r>
-              <a:rPr kumimoji="0" lang="en-US" altLang="en-US" sz="1600" b="0" i="0" u="none" strike="noStrike" cap="none" normalizeH="0" baseline="0" dirty="0">
+              <a:rPr kumimoji="0" lang="en-US" altLang="en-US" b="0" i="0" u="none" strike="noStrike" cap="none" normalizeH="0" baseline="0" dirty="0">
                 <a:ln>
                   <a:noFill/>
                 </a:ln>
@@ -11366,7 +11370,7 @@
               <a:t>id_rsa.pub</a:t>
             </a:r>
             <a:r>
-              <a:rPr kumimoji="0" lang="en-US" altLang="en-US" sz="1600" b="0" i="0" u="none" strike="noStrike" cap="none" normalizeH="0" baseline="0" dirty="0">
+              <a:rPr kumimoji="0" lang="en-US" altLang="en-US" b="0" i="0" u="none" strike="noStrike" cap="none" normalizeH="0" baseline="0" dirty="0">
                 <a:ln>
                   <a:noFill/>
                 </a:ln>
@@ -11377,28 +11381,7 @@
               </a:rPr>
               <a:t>).</a:t>
             </a:r>
-          </a:p>
-          <a:p>
-            <a:pPr lvl="1"/>
-            <a:endParaRPr lang="en-US" sz="1600" dirty="0">
-              <a:solidFill>
-                <a:srgbClr val="000000"/>
-              </a:solidFill>
-              <a:latin typeface="Courier Std"/>
-            </a:endParaRPr>
-          </a:p>
-          <a:p>
-            <a:pPr lvl="1"/>
-            <a:endParaRPr lang="en-US" sz="1400" dirty="0">
-              <a:solidFill>
-                <a:srgbClr val="000000"/>
-              </a:solidFill>
-              <a:latin typeface="Courier Std"/>
-            </a:endParaRPr>
-          </a:p>
-          <a:p>
-            <a:pPr lvl="1"/>
-            <a:endParaRPr lang="en-US" sz="1400" b="0" i="0" u="none" strike="noStrike" baseline="0" dirty="0">
+            <a:endParaRPr lang="en-US" sz="2000" b="0" i="0" u="none" strike="noStrike" baseline="0" dirty="0">
               <a:solidFill>
                 <a:srgbClr val="000000"/>
               </a:solidFill>
@@ -11406,7 +11389,8 @@
             </a:endParaRPr>
           </a:p>
           <a:p>
-            <a:endParaRPr lang="en-US" dirty="0"/>
+            <a:pPr algn="just"/>
+            <a:endParaRPr lang="en-US" sz="4000" dirty="0"/>
           </a:p>
         </p:txBody>
       </p:sp>
@@ -11699,11 +11683,13 @@
         </p:nvSpPr>
         <p:spPr/>
         <p:txBody>
-          <a:bodyPr/>
+          <a:bodyPr>
+            <a:normAutofit/>
+          </a:bodyPr>
           <a:lstStyle/>
           <a:p>
             <a:r>
-              <a:rPr lang="en-US" dirty="0"/>
+              <a:rPr lang="en-US" sz="4000" dirty="0"/>
               <a:t>Preventing Exploitation through Google Searches</a:t>
             </a:r>
           </a:p>
@@ -11725,13 +11711,21 @@
             <p:ph sz="half" idx="1"/>
           </p:nvPr>
         </p:nvSpPr>
-        <p:spPr/>
+        <p:spPr>
+          <a:xfrm>
+            <a:off x="363557" y="1825625"/>
+            <a:ext cx="11424491" cy="4351338"/>
+          </a:xfrm>
+        </p:spPr>
         <p:txBody>
-          <a:bodyPr/>
+          <a:bodyPr>
+            <a:normAutofit fontScale="92500" lnSpcReduction="10000"/>
+          </a:bodyPr>
           <a:lstStyle/>
           <a:p>
-            <a:r>
-              <a:rPr lang="en-US" sz="1800" b="0" i="0" u="none" strike="noStrike" baseline="0" dirty="0">
+            <a:pPr algn="just"/>
+            <a:r>
+              <a:rPr lang="en-US" b="0" i="0" u="none" strike="noStrike" baseline="0" dirty="0">
                 <a:solidFill>
                   <a:srgbClr val="000000"/>
                 </a:solidFill>
@@ -11741,8 +11735,9 @@
             </a:r>
           </a:p>
           <a:p>
-            <a:r>
-              <a:rPr lang="en-US" sz="1800" b="0" i="0" u="none" strike="noStrike" baseline="0" dirty="0">
+            <a:pPr algn="just"/>
+            <a:r>
+              <a:rPr lang="en-US" b="0" i="0" u="none" strike="noStrike" baseline="0" dirty="0">
                 <a:solidFill>
                   <a:srgbClr val="000000"/>
                 </a:solidFill>
@@ -11751,7 +11746,7 @@
               <a:t>The first place to start with is a file called </a:t>
             </a:r>
             <a:r>
-              <a:rPr lang="en-US" sz="1800" b="0" i="0" u="none" strike="noStrike" baseline="0" dirty="0">
+              <a:rPr lang="en-US" b="0" i="0" u="none" strike="noStrike" baseline="0" dirty="0">
                 <a:solidFill>
                   <a:srgbClr val="000000"/>
                 </a:solidFill>
@@ -11760,7 +11755,7 @@
               <a:t>robots.txt</a:t>
             </a:r>
             <a:r>
-              <a:rPr lang="en-US" sz="1800" b="0" i="0" u="none" strike="noStrike" baseline="0" dirty="0">
+              <a:rPr lang="en-US" b="0" i="0" u="none" strike="noStrike" baseline="0" dirty="0">
                 <a:solidFill>
                   <a:srgbClr val="000000"/>
                 </a:solidFill>
@@ -11770,8 +11765,9 @@
             </a:r>
           </a:p>
           <a:p>
-            <a:r>
-              <a:rPr lang="en-US" sz="1800" b="0" i="0" u="none" strike="noStrike" baseline="0" dirty="0">
+            <a:pPr algn="just"/>
+            <a:r>
+              <a:rPr lang="en-US" b="0" i="0" u="none" strike="noStrike" baseline="0" dirty="0">
                 <a:solidFill>
                   <a:srgbClr val="000000"/>
                 </a:solidFill>
@@ -11781,8 +11777,9 @@
             </a:r>
           </a:p>
           <a:p>
-            <a:r>
-              <a:rPr lang="en-US" sz="1800" b="0" i="0" u="none" strike="noStrike" baseline="0" dirty="0">
+            <a:pPr algn="just"/>
+            <a:r>
+              <a:rPr lang="en-US" b="0" i="0" u="none" strike="noStrike" baseline="0" dirty="0">
                 <a:solidFill>
                   <a:srgbClr val="000000"/>
                 </a:solidFill>
@@ -11791,7 +11788,7 @@
               <a:t> </a:t>
             </a:r>
             <a:r>
-              <a:rPr lang="en-US" sz="1800" b="0" i="0" u="none" strike="noStrike" baseline="0" dirty="0">
+              <a:rPr lang="en-US" b="0" i="0" u="none" strike="noStrike" baseline="0" dirty="0">
                 <a:solidFill>
                   <a:srgbClr val="FF0000"/>
                 </a:solidFill>
@@ -11800,7 +11797,7 @@
               <a:t>The </a:t>
             </a:r>
             <a:r>
-              <a:rPr lang="en-US" sz="1800" b="0" i="0" u="none" strike="noStrike" baseline="0" dirty="0">
+              <a:rPr lang="en-US" b="0" i="0" u="none" strike="noStrike" baseline="0" dirty="0">
                 <a:solidFill>
                   <a:srgbClr val="FF0000"/>
                 </a:solidFill>
@@ -11809,7 +11806,7 @@
               <a:t>robots.txt </a:t>
             </a:r>
             <a:r>
-              <a:rPr lang="en-US" sz="1800" b="0" i="0" u="none" strike="noStrike" baseline="0" dirty="0">
+              <a:rPr lang="en-US" b="0" i="0" u="none" strike="noStrike" baseline="0" dirty="0">
                 <a:solidFill>
                   <a:srgbClr val="FF0000"/>
                 </a:solidFill>
@@ -11819,8 +11816,9 @@
             </a:r>
           </a:p>
           <a:p>
-            <a:r>
-              <a:rPr lang="en-US" sz="1800" b="0" i="0" u="none" strike="noStrike" baseline="0" dirty="0">
+            <a:pPr algn="just"/>
+            <a:r>
+              <a:rPr lang="en-US" b="0" i="0" u="none" strike="noStrike" baseline="0" dirty="0">
                 <a:solidFill>
                   <a:srgbClr val="000000"/>
                 </a:solidFill>
@@ -11830,8 +11828,9 @@
             </a:r>
           </a:p>
           <a:p>
-            <a:r>
-              <a:rPr lang="en-US" sz="1800" b="0" i="0" u="none" strike="noStrike" baseline="0" dirty="0">
+            <a:pPr algn="just"/>
+            <a:r>
+              <a:rPr lang="en-US" b="0" i="0" u="none" strike="noStrike" baseline="0" dirty="0">
                 <a:solidFill>
                   <a:srgbClr val="000000"/>
                 </a:solidFill>
@@ -11840,7 +11839,7 @@
               <a:t>An example of using </a:t>
             </a:r>
             <a:r>
-              <a:rPr lang="en-US" sz="1800" b="0" i="0" u="none" strike="noStrike" baseline="0" dirty="0">
+              <a:rPr lang="en-US" b="0" i="0" u="none" strike="noStrike" baseline="0" dirty="0">
                 <a:solidFill>
                   <a:srgbClr val="000000"/>
                 </a:solidFill>
@@ -11849,7 +11848,7 @@
               <a:t>robots. txt </a:t>
             </a:r>
             <a:r>
-              <a:rPr lang="en-US" sz="1800" b="0" i="0" u="none" strike="noStrike" baseline="0" dirty="0">
+              <a:rPr lang="en-US" b="0" i="0" u="none" strike="noStrike" baseline="0" dirty="0">
                 <a:solidFill>
                   <a:srgbClr val="000000"/>
                 </a:solidFill>
@@ -11857,39 +11856,10 @@
               </a:rPr>
               <a:t>to prevent the indexing of an entire site is as follows:</a:t>
             </a:r>
-            <a:endParaRPr lang="en-US" dirty="0"/>
+            <a:endParaRPr lang="en-US" sz="4000" dirty="0"/>
           </a:p>
         </p:txBody>
       </p:sp>
-      <p:pic>
-        <p:nvPicPr>
-          <p:cNvPr id="6" name="Content Placeholder 5">
-            <a:extLst>
-              <a:ext uri="{FF2B5EF4-FFF2-40B4-BE49-F238E27FC236}">
-                <a16:creationId xmlns:a16="http://schemas.microsoft.com/office/drawing/2014/main" id="{68BA62CB-85B3-C000-6E7F-BB338BF0A2CF}"/>
-              </a:ext>
-            </a:extLst>
-          </p:cNvPr>
-          <p:cNvPicPr>
-            <a:picLocks noGrp="1" noChangeAspect="1"/>
-          </p:cNvPicPr>
-          <p:nvPr>
-            <p:ph sz="half" idx="2"/>
-          </p:nvPr>
-        </p:nvPicPr>
-        <p:blipFill>
-          <a:blip r:embed="rId2"/>
-          <a:stretch>
-            <a:fillRect/>
-          </a:stretch>
-        </p:blipFill>
-        <p:spPr>
-          <a:xfrm>
-            <a:off x="6172200" y="2122067"/>
-            <a:ext cx="5181600" cy="3758454"/>
-          </a:xfrm>
-        </p:spPr>
-      </p:pic>
       <p:sp>
         <p:nvSpPr>
           <p:cNvPr id="7" name="Slide Number Placeholder 6">
@@ -11967,12 +11937,14 @@
         </p:nvSpPr>
         <p:spPr/>
         <p:txBody>
-          <a:bodyPr/>
+          <a:bodyPr>
+            <a:normAutofit/>
+          </a:bodyPr>
           <a:lstStyle/>
           <a:p>
             <a:r>
-              <a:rPr lang="en-US" dirty="0"/>
-              <a:t>Preventing Exploitation through Google Searches(Cont..)</a:t>
+              <a:rPr lang="en-US" sz="4000" dirty="0"/>
+              <a:t>Preventing Exploitation through Google Searches</a:t>
             </a:r>
           </a:p>
         </p:txBody>
@@ -11993,13 +11965,21 @@
             <p:ph idx="1"/>
           </p:nvPr>
         </p:nvSpPr>
-        <p:spPr/>
+        <p:spPr>
+          <a:xfrm>
+            <a:off x="429658" y="1825625"/>
+            <a:ext cx="11325340" cy="4351338"/>
+          </a:xfrm>
+        </p:spPr>
         <p:txBody>
-          <a:bodyPr/>
+          <a:bodyPr>
+            <a:normAutofit fontScale="92500" lnSpcReduction="20000"/>
+          </a:bodyPr>
           <a:lstStyle/>
           <a:p>
-            <a:r>
-              <a:rPr lang="en-US" sz="1800" b="0" i="0" u="none" strike="noStrike" baseline="0" dirty="0">
+            <a:pPr algn="just"/>
+            <a:r>
+              <a:rPr lang="en-US" sz="2400" b="0" i="0" u="none" strike="noStrike" baseline="0" dirty="0">
                 <a:solidFill>
                   <a:srgbClr val="000000"/>
                 </a:solidFill>
@@ -12008,7 +11988,7 @@
               <a:t>This </a:t>
             </a:r>
             <a:r>
-              <a:rPr lang="en-US" sz="1800" b="0" i="0" u="none" strike="noStrike" baseline="0" dirty="0">
+              <a:rPr lang="en-US" sz="2400" b="0" i="0" u="none" strike="noStrike" baseline="0" dirty="0">
                 <a:solidFill>
                   <a:srgbClr val="000000"/>
                 </a:solidFill>
@@ -12017,7 +11997,7 @@
               <a:t>robots.txt </a:t>
             </a:r>
             <a:r>
-              <a:rPr lang="en-US" sz="1800" b="0" i="0" u="none" strike="noStrike" baseline="0" dirty="0">
+              <a:rPr lang="en-US" sz="2400" b="0" i="0" u="none" strike="noStrike" baseline="0" dirty="0">
                 <a:solidFill>
                   <a:srgbClr val="000000"/>
                 </a:solidFill>
@@ -12026,7 +12006,7 @@
               <a:t>file tells all search bots that they can index the </a:t>
             </a:r>
             <a:r>
-              <a:rPr lang="en-US" sz="1800" b="0" i="1" u="none" strike="noStrike" baseline="0" dirty="0">
+              <a:rPr lang="en-US" sz="2400" b="0" i="1" u="none" strike="noStrike" baseline="0" dirty="0">
                 <a:solidFill>
                   <a:srgbClr val="000000"/>
                 </a:solidFill>
@@ -12035,7 +12015,7 @@
               <a:t>Home Depot </a:t>
             </a:r>
             <a:r>
-              <a:rPr lang="en-US" sz="1800" b="0" i="0" u="none" strike="noStrike" baseline="0" dirty="0">
+              <a:rPr lang="en-US" sz="2400" b="0" i="0" u="none" strike="noStrike" baseline="0" dirty="0">
                 <a:solidFill>
                   <a:srgbClr val="000000"/>
                 </a:solidFill>
@@ -12045,8 +12025,9 @@
             </a:r>
           </a:p>
           <a:p>
-            <a:r>
-              <a:rPr lang="en-US" sz="1800" b="0" i="0" u="none" strike="noStrike" baseline="0" dirty="0">
+            <a:pPr algn="just"/>
+            <a:r>
+              <a:rPr lang="en-US" sz="2400" b="0" i="0" u="none" strike="noStrike" baseline="0" dirty="0">
                 <a:solidFill>
                   <a:srgbClr val="000000"/>
                 </a:solidFill>
@@ -12056,8 +12037,9 @@
             </a:r>
           </a:p>
           <a:p>
-            <a:r>
-              <a:rPr lang="en-US" sz="1800" b="0" i="0" u="none" strike="noStrike" baseline="0" dirty="0">
+            <a:pPr algn="just"/>
+            <a:r>
+              <a:rPr lang="en-US" sz="2400" b="0" i="0" u="none" strike="noStrike" baseline="0" dirty="0">
                 <a:solidFill>
                   <a:srgbClr val="000000"/>
                 </a:solidFill>
@@ -12067,8 +12049,9 @@
             </a:r>
           </a:p>
           <a:p>
-            <a:r>
-              <a:rPr lang="en-US" sz="1800" b="0" i="0" u="none" strike="noStrike" baseline="0" dirty="0">
+            <a:pPr algn="just"/>
+            <a:r>
+              <a:rPr lang="en-US" sz="2400" b="0" i="0" u="none" strike="noStrike" baseline="0" dirty="0">
                 <a:solidFill>
                   <a:srgbClr val="000000"/>
                 </a:solidFill>
@@ -12078,8 +12061,9 @@
             </a:r>
           </a:p>
           <a:p>
-            <a:r>
-              <a:rPr lang="en-US" sz="1800" b="0" i="0" u="none" strike="noStrike" baseline="0" dirty="0">
+            <a:pPr algn="just"/>
+            <a:r>
+              <a:rPr lang="en-US" sz="2400" b="0" i="0" u="none" strike="noStrike" baseline="0" dirty="0">
                 <a:solidFill>
                   <a:srgbClr val="000000"/>
                 </a:solidFill>
@@ -12089,8 +12073,9 @@
             </a:r>
           </a:p>
           <a:p>
-            <a:r>
-              <a:rPr lang="en-US" sz="1800" b="0" i="0" u="none" strike="noStrike" baseline="0" dirty="0">
+            <a:pPr algn="just"/>
+            <a:r>
+              <a:rPr lang="en-US" sz="2400" b="0" i="0" u="none" strike="noStrike" baseline="0" dirty="0">
                 <a:solidFill>
                   <a:srgbClr val="000000"/>
                 </a:solidFill>
@@ -12100,8 +12085,9 @@
             </a:r>
           </a:p>
           <a:p>
-            <a:r>
-              <a:rPr lang="en-US" sz="1800" b="0" i="0" u="none" strike="noStrike" baseline="0" dirty="0">
+            <a:pPr algn="just"/>
+            <a:r>
+              <a:rPr lang="en-US" sz="2400" b="0" i="0" u="none" strike="noStrike" baseline="0" dirty="0">
                 <a:solidFill>
                   <a:srgbClr val="000000"/>
                 </a:solidFill>
@@ -12109,7 +12095,7 @@
               </a:rPr>
               <a:t> Have a penetration test performed. A pen test will expose much of the information that is leaking from your organization as the pen testers will use the same techniques as attackers to turn over this information.</a:t>
             </a:r>
-            <a:endParaRPr lang="en-US" dirty="0"/>
+            <a:endParaRPr lang="en-US" sz="3600" dirty="0"/>
           </a:p>
         </p:txBody>
       </p:sp>
@@ -12216,13 +12202,21 @@
             <p:ph idx="1"/>
           </p:nvPr>
         </p:nvSpPr>
-        <p:spPr/>
+        <p:spPr>
+          <a:xfrm>
+            <a:off x="440675" y="1825624"/>
+            <a:ext cx="11358390" cy="4530725"/>
+          </a:xfrm>
+        </p:spPr>
         <p:txBody>
-          <a:bodyPr/>
+          <a:bodyPr>
+            <a:normAutofit lnSpcReduction="10000"/>
+          </a:bodyPr>
           <a:lstStyle/>
           <a:p>
-            <a:r>
-              <a:rPr lang="en-US" sz="1800" b="0" i="0" u="none" strike="noStrike" baseline="0" dirty="0">
+            <a:pPr algn="just"/>
+            <a:r>
+              <a:rPr lang="en-US" sz="2400" b="0" i="0" u="none" strike="noStrike" baseline="0" dirty="0">
                 <a:solidFill>
                   <a:srgbClr val="000000"/>
                 </a:solidFill>
@@ -12231,7 +12225,7 @@
               <a:t>The </a:t>
             </a:r>
             <a:r>
-              <a:rPr lang="en-US" sz="1800" b="1" i="0" u="none" strike="noStrike" baseline="0" dirty="0">
+              <a:rPr lang="en-US" sz="2400" b="1" i="0" u="none" strike="noStrike" baseline="0" dirty="0">
                 <a:solidFill>
                   <a:srgbClr val="000000"/>
                 </a:solidFill>
@@ -12240,7 +12234,7 @@
               <a:t>WHOIS </a:t>
             </a:r>
             <a:r>
-              <a:rPr lang="en-US" sz="1800" b="0" i="0" u="none" strike="noStrike" baseline="0" dirty="0">
+              <a:rPr lang="en-US" sz="2400" b="0" i="0" u="none" strike="noStrike" baseline="0" dirty="0">
                 <a:solidFill>
                   <a:srgbClr val="000000"/>
                 </a:solidFill>
@@ -12250,8 +12244,9 @@
             </a:r>
           </a:p>
           <a:p>
-            <a:r>
-              <a:rPr lang="en-US" sz="1800" b="0" i="0" u="none" strike="noStrike" baseline="0" dirty="0">
+            <a:pPr algn="just"/>
+            <a:r>
+              <a:rPr lang="en-US" sz="2400" b="0" i="0" u="none" strike="noStrike" baseline="0" dirty="0">
                 <a:solidFill>
                   <a:srgbClr val="000000"/>
                 </a:solidFill>
@@ -12261,8 +12256,9 @@
             </a:r>
           </a:p>
           <a:p>
-            <a:r>
-              <a:rPr lang="en-US" sz="1800" b="0" i="0" u="none" strike="noStrike" baseline="0" dirty="0">
+            <a:pPr algn="just"/>
+            <a:r>
+              <a:rPr lang="en-US" sz="2400" b="0" i="0" u="none" strike="noStrike" baseline="0" dirty="0">
                 <a:solidFill>
                   <a:srgbClr val="000000"/>
                 </a:solidFill>
@@ -12271,7 +12267,7 @@
               <a:t> This database is maintained by domain registrars and overseen by international governing bodies such as the </a:t>
             </a:r>
             <a:r>
-              <a:rPr lang="en-US" sz="1800" b="1" i="0" u="none" strike="noStrike" baseline="0" dirty="0">
+              <a:rPr lang="en-US" sz="2400" b="1" i="0" u="none" strike="noStrike" baseline="0" dirty="0">
                 <a:solidFill>
                   <a:srgbClr val="000000"/>
                 </a:solidFill>
@@ -12280,7 +12276,7 @@
               <a:t>Internet Corporation for Assigned Names and Numbers </a:t>
             </a:r>
             <a:r>
-              <a:rPr lang="en-US" sz="1800" b="0" i="0" u="none" strike="noStrike" baseline="0" dirty="0">
+              <a:rPr lang="en-US" sz="2400" b="0" i="0" u="none" strike="noStrike" baseline="0" dirty="0">
                 <a:solidFill>
                   <a:srgbClr val="000000"/>
                 </a:solidFill>
@@ -12289,7 +12285,7 @@
               <a:t>(</a:t>
             </a:r>
             <a:r>
-              <a:rPr lang="en-US" sz="1800" b="1" i="0" u="none" strike="noStrike" baseline="0" dirty="0">
+              <a:rPr lang="en-US" sz="2400" b="1" i="0" u="none" strike="noStrike" baseline="0" dirty="0">
                 <a:solidFill>
                   <a:srgbClr val="000000"/>
                 </a:solidFill>
@@ -12298,7 +12294,7 @@
               <a:t>ICANN</a:t>
             </a:r>
             <a:r>
-              <a:rPr lang="en-US" sz="1800" b="0" i="0" u="none" strike="noStrike" baseline="0" dirty="0">
+              <a:rPr lang="en-US" sz="2400" b="0" i="0" u="none" strike="noStrike" baseline="0" dirty="0">
                 <a:solidFill>
                   <a:srgbClr val="000000"/>
                 </a:solidFill>
@@ -12308,8 +12304,9 @@
             </a:r>
           </a:p>
           <a:p>
-            <a:r>
-              <a:rPr lang="en-US" sz="1800" b="0" i="0" u="none" strike="noStrike" baseline="0" dirty="0">
+            <a:pPr algn="just"/>
+            <a:r>
+              <a:rPr lang="en-US" sz="2400" b="0" i="0" u="none" strike="noStrike" baseline="0" dirty="0">
                 <a:solidFill>
                   <a:srgbClr val="000000"/>
                 </a:solidFill>
@@ -12319,8 +12316,9 @@
             </a:r>
           </a:p>
           <a:p>
-            <a:r>
-              <a:rPr lang="en-US" sz="1800" b="0" i="0" u="none" strike="noStrike" baseline="0" dirty="0">
+            <a:pPr algn="just"/>
+            <a:r>
+              <a:rPr lang="en-US" sz="2400" b="0" i="0" u="none" strike="noStrike" baseline="0" dirty="0">
                 <a:solidFill>
                   <a:srgbClr val="000000"/>
                 </a:solidFill>
@@ -12328,7 +12326,7 @@
               </a:rPr>
               <a:t>There is still a great deal of information available.</a:t>
             </a:r>
-            <a:endParaRPr lang="en-US" dirty="0"/>
+            <a:endParaRPr lang="en-US" sz="3600" dirty="0"/>
           </a:p>
         </p:txBody>
       </p:sp>
@@ -12407,7 +12405,12 @@
             <p:ph type="title"/>
           </p:nvPr>
         </p:nvSpPr>
-        <p:spPr/>
+        <p:spPr>
+          <a:xfrm>
+            <a:off x="838200" y="0"/>
+            <a:ext cx="10515600" cy="1325563"/>
+          </a:xfrm>
+        </p:spPr>
         <p:txBody>
           <a:bodyPr/>
           <a:lstStyle/>
@@ -12435,15 +12438,21 @@
             <p:ph idx="1"/>
           </p:nvPr>
         </p:nvSpPr>
-        <p:spPr/>
+        <p:spPr>
+          <a:xfrm>
+            <a:off x="438838" y="1325563"/>
+            <a:ext cx="11314323" cy="5030787"/>
+          </a:xfrm>
+        </p:spPr>
         <p:txBody>
           <a:bodyPr>
             <a:normAutofit fontScale="92500" lnSpcReduction="10000"/>
           </a:bodyPr>
           <a:lstStyle/>
           <a:p>
-            <a:r>
-              <a:rPr lang="en-US" sz="1800" b="0" i="0" u="none" strike="noStrike" baseline="0" dirty="0">
+            <a:pPr algn="just"/>
+            <a:r>
+              <a:rPr lang="en-US" sz="2000" b="0" i="0" u="none" strike="noStrike" baseline="0" dirty="0">
                 <a:solidFill>
                   <a:srgbClr val="000000"/>
                 </a:solidFill>
@@ -12453,8 +12462,9 @@
             </a:r>
           </a:p>
           <a:p>
-            <a:r>
-              <a:rPr lang="en-US" sz="1800" b="0" i="0" u="none" strike="noStrike" baseline="0" dirty="0">
+            <a:pPr algn="just"/>
+            <a:r>
+              <a:rPr lang="en-US" sz="2000" b="0" i="0" u="none" strike="noStrike" baseline="0" dirty="0">
                 <a:solidFill>
                   <a:srgbClr val="000000"/>
                 </a:solidFill>
@@ -12464,8 +12474,9 @@
             </a:r>
           </a:p>
           <a:p>
-            <a:r>
-              <a:rPr lang="en-US" sz="1800" b="0" i="0" u="none" strike="noStrike" baseline="0" dirty="0">
+            <a:pPr algn="just"/>
+            <a:r>
+              <a:rPr lang="en-US" sz="2000" b="0" i="0" u="none" strike="noStrike" baseline="0" dirty="0">
                 <a:solidFill>
                   <a:srgbClr val="000000"/>
                 </a:solidFill>
@@ -12474,7 +12485,7 @@
               <a:t> The registrar then contacts a </a:t>
             </a:r>
             <a:r>
-              <a:rPr lang="en-US" sz="1800" b="1" i="0" u="none" strike="noStrike" baseline="0" dirty="0">
+              <a:rPr lang="en-US" sz="2000" b="1" i="0" u="none" strike="noStrike" baseline="0" dirty="0">
                 <a:solidFill>
                   <a:srgbClr val="000000"/>
                 </a:solidFill>
@@ -12483,7 +12494,7 @@
               <a:t>Regional Internet Registry </a:t>
             </a:r>
             <a:r>
-              <a:rPr lang="en-US" sz="1800" b="0" i="0" u="none" strike="noStrike" baseline="0" dirty="0">
+              <a:rPr lang="en-US" sz="2000" b="0" i="0" u="none" strike="noStrike" baseline="0" dirty="0">
                 <a:solidFill>
                   <a:srgbClr val="000000"/>
                 </a:solidFill>
@@ -12492,7 +12503,7 @@
               <a:t>(</a:t>
             </a:r>
             <a:r>
-              <a:rPr lang="en-US" sz="1800" b="1" i="0" u="none" strike="noStrike" baseline="0" dirty="0">
+              <a:rPr lang="en-US" sz="2000" b="1" i="0" u="none" strike="noStrike" baseline="0" dirty="0">
                 <a:solidFill>
                   <a:srgbClr val="000000"/>
                 </a:solidFill>
@@ -12501,7 +12512,7 @@
               <a:t>RIR</a:t>
             </a:r>
             <a:r>
-              <a:rPr lang="en-US" sz="1800" b="0" i="0" u="none" strike="noStrike" baseline="0" dirty="0">
+              <a:rPr lang="en-US" sz="2000" b="0" i="0" u="none" strike="noStrike" baseline="0" dirty="0">
                 <a:solidFill>
                   <a:srgbClr val="000000"/>
                 </a:solidFill>
@@ -12511,8 +12522,9 @@
             </a:r>
           </a:p>
           <a:p>
-            <a:r>
-              <a:rPr lang="en-US" sz="1800" b="0" i="0" u="none" strike="noStrike" baseline="0" dirty="0">
+            <a:pPr algn="just"/>
+            <a:r>
+              <a:rPr lang="en-US" sz="2000" b="0" i="0" u="none" strike="noStrike" baseline="0" dirty="0">
                 <a:solidFill>
                   <a:srgbClr val="000000"/>
                 </a:solidFill>
@@ -12521,7 +12533,7 @@
               <a:t> </a:t>
             </a:r>
             <a:r>
-              <a:rPr lang="en-US" sz="1800" b="1" i="0" u="none" strike="noStrike" baseline="0" dirty="0">
+              <a:rPr lang="en-US" sz="2000" b="1" i="0" u="none" strike="noStrike" baseline="0" dirty="0">
                 <a:solidFill>
                   <a:srgbClr val="FF0000"/>
                 </a:solidFill>
@@ -12530,7 +12542,7 @@
               <a:t>So, </a:t>
             </a:r>
             <a:r>
-              <a:rPr lang="en-US" sz="1800" b="1" i="1" u="none" strike="noStrike" baseline="0" dirty="0">
+              <a:rPr lang="en-US" sz="2000" b="1" i="1" u="none" strike="noStrike" baseline="0" dirty="0">
                 <a:solidFill>
                   <a:srgbClr val="FF0000"/>
                 </a:solidFill>
@@ -12539,7 +12551,7 @@
               <a:t>what exactly is in the WHOIS database and why is it good for reconnaissance</a:t>
             </a:r>
             <a:r>
-              <a:rPr lang="en-US" sz="1800" b="1" i="0" u="none" strike="noStrike" baseline="0" dirty="0">
+              <a:rPr lang="en-US" sz="2000" b="1" i="0" u="none" strike="noStrike" baseline="0" dirty="0">
                 <a:solidFill>
                   <a:srgbClr val="FF0000"/>
                 </a:solidFill>
@@ -12549,8 +12561,9 @@
             </a:r>
           </a:p>
           <a:p>
-            <a:r>
-              <a:rPr lang="en-US" sz="1800" b="0" i="0" u="none" strike="noStrike" baseline="0" dirty="0">
+            <a:pPr algn="just"/>
+            <a:r>
+              <a:rPr lang="en-US" sz="2000" b="0" i="0" u="none" strike="noStrike" baseline="0" dirty="0">
                 <a:solidFill>
                   <a:srgbClr val="000000"/>
                 </a:solidFill>
@@ -12560,8 +12573,9 @@
             </a:r>
           </a:p>
           <a:p>
-            <a:r>
-              <a:rPr lang="en-US" sz="1800" b="0" i="0" u="none" strike="noStrike" baseline="0" dirty="0">
+            <a:pPr algn="just"/>
+            <a:r>
+              <a:rPr lang="en-US" sz="2000" b="0" i="0" u="none" strike="noStrike" baseline="0" dirty="0">
                 <a:solidFill>
                   <a:srgbClr val="000000"/>
                 </a:solidFill>
@@ -12570,7 +12584,7 @@
               <a:t>In the following example, we see the registrant information for </a:t>
             </a:r>
             <a:r>
-              <a:rPr lang="en-US" sz="1800" b="0" i="0" u="none" strike="noStrike" baseline="0" dirty="0">
+              <a:rPr lang="en-US" sz="2000" b="0" i="0" u="none" strike="noStrike" baseline="0" dirty="0">
                 <a:solidFill>
                   <a:srgbClr val="000000"/>
                 </a:solidFill>
@@ -12579,7 +12593,7 @@
               <a:t>starbucks.com</a:t>
             </a:r>
             <a:r>
-              <a:rPr lang="en-US" sz="1800" b="0" i="0" u="none" strike="noStrike" baseline="0" dirty="0">
+              <a:rPr lang="en-US" sz="2000" b="0" i="0" u="none" strike="noStrike" baseline="0" dirty="0">
                 <a:solidFill>
                   <a:srgbClr val="000000"/>
                 </a:solidFill>
@@ -12589,8 +12603,9 @@
             </a:r>
           </a:p>
           <a:p>
-            <a:r>
-              <a:rPr lang="en-US" sz="1800" b="0" i="0" u="none" strike="noStrike" baseline="0" dirty="0">
+            <a:pPr algn="just"/>
+            <a:r>
+              <a:rPr lang="en-US" sz="2000" b="0" i="0" u="none" strike="noStrike" baseline="0" dirty="0">
                 <a:solidFill>
                   <a:srgbClr val="000000"/>
                 </a:solidFill>
@@ -12600,8 +12615,9 @@
             </a:r>
           </a:p>
           <a:p>
-            <a:r>
-              <a:rPr lang="en-US" sz="1800" b="0" i="0" u="none" strike="noStrike" baseline="0" dirty="0">
+            <a:pPr algn="just"/>
+            <a:r>
+              <a:rPr lang="en-US" sz="2000" b="0" i="0" u="none" strike="noStrike" baseline="0" dirty="0">
                 <a:solidFill>
                   <a:srgbClr val="000000"/>
                 </a:solidFill>
@@ -12611,8 +12627,9 @@
             </a:r>
           </a:p>
           <a:p>
-            <a:r>
-              <a:rPr lang="en-US" sz="1800" b="0" i="0" u="none" strike="noStrike" baseline="0" dirty="0">
+            <a:pPr algn="just"/>
+            <a:r>
+              <a:rPr lang="en-US" sz="2000" b="0" i="0" u="none" strike="noStrike" baseline="0" dirty="0">
                 <a:solidFill>
                   <a:srgbClr val="000000"/>
                 </a:solidFill>
@@ -12622,8 +12639,9 @@
             </a:r>
           </a:p>
           <a:p>
-            <a:r>
-              <a:rPr lang="en-US" sz="1800" b="0" i="0" u="none" strike="noStrike" baseline="0" dirty="0">
+            <a:pPr algn="just"/>
+            <a:r>
+              <a:rPr lang="en-US" sz="2000" b="0" i="0" u="none" strike="noStrike" baseline="0" dirty="0">
                 <a:solidFill>
                   <a:srgbClr val="000000"/>
                 </a:solidFill>
@@ -12632,7 +12650,7 @@
               <a:t>Attackers may be able to use this information for social engineering or other search parameters to add to their </a:t>
             </a:r>
             <a:r>
-              <a:rPr lang="en-US" sz="1800" b="0" i="0" u="none" strike="noStrike" baseline="0" dirty="0" err="1">
+              <a:rPr lang="en-US" sz="2000" b="0" i="0" u="none" strike="noStrike" baseline="0" dirty="0" err="1">
                 <a:solidFill>
                   <a:srgbClr val="000000"/>
                 </a:solidFill>
@@ -12641,7 +12659,7 @@
               <a:t>footprinting</a:t>
             </a:r>
             <a:r>
-              <a:rPr lang="en-US" sz="1800" b="0" i="0" u="none" strike="noStrike" baseline="0" dirty="0">
+              <a:rPr lang="en-US" sz="2000" b="0" i="0" u="none" strike="noStrike" baseline="0" dirty="0">
                 <a:solidFill>
                   <a:srgbClr val="000000"/>
                 </a:solidFill>
@@ -12649,7 +12667,7 @@
               </a:rPr>
               <a:t> campaign.</a:t>
             </a:r>
-            <a:endParaRPr lang="en-US" dirty="0"/>
+            <a:endParaRPr lang="en-US" sz="3200" dirty="0"/>
           </a:p>
         </p:txBody>
       </p:sp>
@@ -15078,103 +15096,6 @@
 <file path=ppt/slides/slide30.xml><?xml version="1.0" encoding="utf-8"?>
 <p:sld xmlns:a="http://schemas.openxmlformats.org/drawingml/2006/main" xmlns:r="http://schemas.openxmlformats.org/officeDocument/2006/relationships" xmlns:p="http://schemas.openxmlformats.org/presentationml/2006/main">
   <p:cSld>
-    <p:bg>
-      <p:bgPr>
-        <a:solidFill>
-          <a:schemeClr val="bg1"/>
-        </a:solidFill>
-        <a:effectLst/>
-      </p:bgPr>
-    </p:bg>
-    <p:spTree>
-      <p:nvGrpSpPr>
-        <p:cNvPr id="1" name=""/>
-        <p:cNvGrpSpPr/>
-        <p:nvPr/>
-      </p:nvGrpSpPr>
-      <p:grpSpPr>
-        <a:xfrm>
-          <a:off x="0" y="0"/>
-          <a:ext cx="0" cy="0"/>
-          <a:chOff x="0" y="0"/>
-          <a:chExt cx="0" cy="0"/>
-        </a:xfrm>
-      </p:grpSpPr>
-      <p:pic>
-        <p:nvPicPr>
-          <p:cNvPr id="5" name="Picture 4">
-            <a:extLst>
-              <a:ext uri="{FF2B5EF4-FFF2-40B4-BE49-F238E27FC236}">
-                <a16:creationId xmlns:a16="http://schemas.microsoft.com/office/drawing/2014/main" id="{BB045B34-D0A0-A131-DF32-945657E63655}"/>
-              </a:ext>
-            </a:extLst>
-          </p:cNvPr>
-          <p:cNvPicPr>
-            <a:picLocks noChangeAspect="1"/>
-          </p:cNvPicPr>
-          <p:nvPr/>
-        </p:nvPicPr>
-        <p:blipFill>
-          <a:blip r:embed="rId2"/>
-          <a:stretch>
-            <a:fillRect/>
-          </a:stretch>
-        </p:blipFill>
-        <p:spPr>
-          <a:xfrm>
-            <a:off x="3657600" y="-7620"/>
-            <a:ext cx="4414831" cy="6222153"/>
-          </a:xfrm>
-          <a:prstGeom prst="rect">
-            <a:avLst/>
-          </a:prstGeom>
-        </p:spPr>
-      </p:pic>
-      <p:sp>
-        <p:nvSpPr>
-          <p:cNvPr id="6" name="Slide Number Placeholder 5">
-            <a:extLst>
-              <a:ext uri="{FF2B5EF4-FFF2-40B4-BE49-F238E27FC236}">
-                <a16:creationId xmlns:a16="http://schemas.microsoft.com/office/drawing/2014/main" id="{07FB920D-D91E-9717-FF30-42FF25A7B0F5}"/>
-              </a:ext>
-            </a:extLst>
-          </p:cNvPr>
-          <p:cNvSpPr>
-            <a:spLocks noGrp="1"/>
-          </p:cNvSpPr>
-          <p:nvPr>
-            <p:ph type="sldNum" sz="quarter" idx="12"/>
-          </p:nvPr>
-        </p:nvSpPr>
-        <p:spPr/>
-        <p:txBody>
-          <a:bodyPr/>
-          <a:lstStyle/>
-          <a:p>
-            <a:fld id="{CEEDF3A4-9E04-435A-AB3C-4BCD61EBBCA9}" type="slidenum">
-              <a:rPr lang="en-US" smtClean="0"/>
-              <a:t>30</a:t>
-            </a:fld>
-            <a:endParaRPr lang="en-US"/>
-          </a:p>
-        </p:txBody>
-      </p:sp>
-    </p:spTree>
-    <p:extLst>
-      <p:ext uri="{BB962C8B-B14F-4D97-AF65-F5344CB8AC3E}">
-        <p14:creationId xmlns:p14="http://schemas.microsoft.com/office/powerpoint/2010/main" val="339831562"/>
-      </p:ext>
-    </p:extLst>
-  </p:cSld>
-  <p:clrMapOvr>
-    <a:masterClrMapping/>
-  </p:clrMapOvr>
-</p:sld>
-</file>
-
-<file path=ppt/slides/slide31.xml><?xml version="1.0" encoding="utf-8"?>
-<p:sld xmlns:a="http://schemas.openxmlformats.org/drawingml/2006/main" xmlns:r="http://schemas.openxmlformats.org/officeDocument/2006/relationships" xmlns:p="http://schemas.openxmlformats.org/presentationml/2006/main">
-  <p:cSld>
     <p:spTree>
       <p:nvGrpSpPr>
         <p:cNvPr id="1" name=""/>
@@ -15205,7 +15126,12 @@
             <p:ph type="title"/>
           </p:nvPr>
         </p:nvSpPr>
-        <p:spPr/>
+        <p:spPr>
+          <a:xfrm>
+            <a:off x="838200" y="0"/>
+            <a:ext cx="10515600" cy="1325563"/>
+          </a:xfrm>
+        </p:spPr>
         <p:txBody>
           <a:bodyPr/>
           <a:lstStyle/>
@@ -15233,15 +15159,21 @@
             <p:ph idx="1"/>
           </p:nvPr>
         </p:nvSpPr>
-        <p:spPr/>
+        <p:spPr>
+          <a:xfrm>
+            <a:off x="353457" y="1142580"/>
+            <a:ext cx="11500691" cy="5213770"/>
+          </a:xfrm>
+        </p:spPr>
         <p:txBody>
           <a:bodyPr>
-            <a:normAutofit fontScale="92500" lnSpcReduction="20000"/>
+            <a:normAutofit fontScale="92500" lnSpcReduction="10000"/>
           </a:bodyPr>
           <a:lstStyle/>
           <a:p>
-            <a:r>
-              <a:rPr lang="en-US" sz="1800" b="0" i="0" u="none" strike="noStrike" baseline="0" dirty="0">
+            <a:pPr algn="just"/>
+            <a:r>
+              <a:rPr lang="en-US" sz="2000" b="0" i="0" u="none" strike="noStrike" baseline="0" dirty="0">
                 <a:solidFill>
                   <a:srgbClr val="000000"/>
                 </a:solidFill>
@@ -15250,7 +15182,7 @@
               <a:t>For a WHOIS query or domain lookup, we primarily go to one of many third-party brokers, such as </a:t>
             </a:r>
             <a:r>
-              <a:rPr lang="en-US" sz="1800" b="0" i="0" u="none" strike="noStrike" baseline="0" dirty="0">
+              <a:rPr lang="en-US" sz="2000" b="0" i="0" u="none" strike="noStrike" baseline="0" dirty="0">
                 <a:solidFill>
                   <a:srgbClr val="000000"/>
                 </a:solidFill>
@@ -15259,7 +15191,7 @@
               <a:t>WHOIS.net</a:t>
             </a:r>
             <a:r>
-              <a:rPr lang="en-US" sz="1800" b="0" i="0" u="none" strike="noStrike" baseline="0" dirty="0">
+              <a:rPr lang="en-US" sz="2000" b="0" i="0" u="none" strike="noStrike" baseline="0" dirty="0">
                 <a:solidFill>
                   <a:srgbClr val="000000"/>
                 </a:solidFill>
@@ -15268,7 +15200,7 @@
               <a:t>, </a:t>
             </a:r>
             <a:r>
-              <a:rPr lang="en-US" sz="1800" b="0" i="0" u="none" strike="noStrike" baseline="0" dirty="0">
+              <a:rPr lang="en-US" sz="2000" b="0" i="0" u="none" strike="noStrike" baseline="0" dirty="0">
                 <a:solidFill>
                   <a:srgbClr val="000000"/>
                 </a:solidFill>
@@ -15277,7 +15209,7 @@
               <a:t>lookup.icann.org</a:t>
             </a:r>
             <a:r>
-              <a:rPr lang="en-US" sz="1800" b="0" i="0" u="none" strike="noStrike" baseline="0" dirty="0">
+              <a:rPr lang="en-US" sz="2000" b="0" i="0" u="none" strike="noStrike" baseline="0" dirty="0">
                 <a:solidFill>
                   <a:srgbClr val="000000"/>
                 </a:solidFill>
@@ -15286,7 +15218,7 @@
               <a:t>, and </a:t>
             </a:r>
             <a:r>
-              <a:rPr lang="en-US" sz="1800" b="0" i="0" u="none" strike="noStrike" baseline="0" dirty="0">
+              <a:rPr lang="en-US" sz="2000" b="0" i="0" u="none" strike="noStrike" baseline="0" dirty="0">
                 <a:solidFill>
                   <a:srgbClr val="000000"/>
                 </a:solidFill>
@@ -15295,7 +15227,7 @@
               <a:t>domaintools.com</a:t>
             </a:r>
             <a:r>
-              <a:rPr lang="en-US" sz="1800" b="0" i="0" u="none" strike="noStrike" baseline="0" dirty="0">
+              <a:rPr lang="en-US" sz="2000" b="0" i="0" u="none" strike="noStrike" baseline="0" dirty="0">
                 <a:solidFill>
                   <a:srgbClr val="000000"/>
                 </a:solidFill>
@@ -15305,8 +15237,9 @@
             </a:r>
           </a:p>
           <a:p>
-            <a:r>
-              <a:rPr lang="en-US" sz="1800" b="0" i="0" u="none" strike="noStrike" baseline="0" dirty="0">
+            <a:pPr algn="just"/>
+            <a:r>
+              <a:rPr lang="en-US" sz="2000" b="0" i="0" u="none" strike="noStrike" baseline="0" dirty="0">
                 <a:solidFill>
                   <a:srgbClr val="000000"/>
                 </a:solidFill>
@@ -15315,7 +15248,7 @@
               <a:t>They will provide basic WHOIS information for collection; however, </a:t>
             </a:r>
             <a:r>
-              <a:rPr lang="en-US" sz="1800" b="0" i="0" u="none" strike="noStrike" baseline="0" dirty="0" err="1">
+              <a:rPr lang="en-US" sz="2000" b="0" i="0" u="none" strike="noStrike" baseline="0" dirty="0" err="1">
                 <a:solidFill>
                   <a:srgbClr val="000000"/>
                 </a:solidFill>
@@ -15324,7 +15257,7 @@
               <a:t>DomainTools</a:t>
             </a:r>
             <a:r>
-              <a:rPr lang="en-US" sz="1800" b="0" i="0" u="none" strike="noStrike" baseline="0" dirty="0">
+              <a:rPr lang="en-US" sz="2000" b="0" i="0" u="none" strike="noStrike" baseline="0" dirty="0">
                 <a:solidFill>
                   <a:srgbClr val="000000"/>
                 </a:solidFill>
@@ -15334,8 +15267,9 @@
             </a:r>
           </a:p>
           <a:p>
-            <a:r>
-              <a:rPr lang="en-US" sz="1800" b="0" i="0" u="none" strike="noStrike" baseline="0" dirty="0">
+            <a:pPr algn="just"/>
+            <a:r>
+              <a:rPr lang="en-US" sz="2000" b="0" i="0" u="none" strike="noStrike" baseline="0" dirty="0">
                 <a:solidFill>
                   <a:srgbClr val="000000"/>
                 </a:solidFill>
@@ -15345,8 +15279,9 @@
             </a:r>
           </a:p>
           <a:p>
-            <a:r>
-              <a:rPr lang="en-US" sz="1800" b="0" i="0" u="none" strike="noStrike" baseline="0" dirty="0">
+            <a:pPr algn="just"/>
+            <a:r>
+              <a:rPr lang="en-US" sz="2000" b="0" i="0" u="none" strike="noStrike" baseline="0" dirty="0">
                 <a:solidFill>
                   <a:srgbClr val="000000"/>
                 </a:solidFill>
@@ -15356,8 +15291,9 @@
             </a:r>
           </a:p>
           <a:p>
-            <a:r>
-              <a:rPr lang="en-US" sz="1800" b="0" i="0" u="none" strike="noStrike" baseline="0" dirty="0">
+            <a:pPr algn="just"/>
+            <a:r>
+              <a:rPr lang="en-US" sz="2000" b="0" i="0" u="none" strike="noStrike" baseline="0" dirty="0">
                 <a:solidFill>
                   <a:srgbClr val="000000"/>
                 </a:solidFill>
@@ -15369,7 +15305,7 @@
           <a:p>
             <a:pPr algn="just"/>
             <a:r>
-              <a:rPr lang="en-US" sz="1800" b="1" i="0" u="none" strike="noStrike" baseline="0" dirty="0">
+              <a:rPr lang="en-US" sz="2000" b="1" i="0" u="none" strike="noStrike" baseline="0" dirty="0">
                 <a:solidFill>
                   <a:srgbClr val="000000"/>
                 </a:solidFill>
@@ -15378,7 +15314,7 @@
               <a:t>American Registry for Internet Numbers </a:t>
             </a:r>
             <a:r>
-              <a:rPr lang="en-US" sz="1800" b="0" i="0" u="none" strike="noStrike" baseline="0" dirty="0">
+              <a:rPr lang="en-US" sz="2000" b="0" i="0" u="none" strike="noStrike" baseline="0" dirty="0">
                 <a:solidFill>
                   <a:srgbClr val="000000"/>
                 </a:solidFill>
@@ -15387,7 +15323,7 @@
               <a:t>(</a:t>
             </a:r>
             <a:r>
-              <a:rPr lang="en-US" sz="1800" b="1" i="0" u="none" strike="noStrike" baseline="0" dirty="0">
+              <a:rPr lang="en-US" sz="2000" b="1" i="0" u="none" strike="noStrike" baseline="0" dirty="0">
                 <a:solidFill>
                   <a:srgbClr val="000000"/>
                 </a:solidFill>
@@ -15396,7 +15332,7 @@
               <a:t>ARIN</a:t>
             </a:r>
             <a:r>
-              <a:rPr lang="en-US" sz="1800" b="0" i="0" u="none" strike="noStrike" baseline="0" dirty="0">
+              <a:rPr lang="en-US" sz="2000" b="0" i="0" u="none" strike="noStrike" baseline="0" dirty="0">
                 <a:solidFill>
                   <a:srgbClr val="000000"/>
                 </a:solidFill>
@@ -15405,7 +15341,7 @@
               <a:t>), which is found at </a:t>
             </a:r>
             <a:r>
-              <a:rPr lang="en-US" sz="1800" b="0" i="0" u="none" strike="noStrike" baseline="0" dirty="0">
+              <a:rPr lang="en-US" sz="2000" b="0" i="0" u="none" strike="noStrike" baseline="0" dirty="0">
                 <a:solidFill>
                   <a:srgbClr val="000000"/>
                 </a:solidFill>
@@ -15414,7 +15350,7 @@
               <a:t>https://www.arin. net/</a:t>
             </a:r>
             <a:r>
-              <a:rPr lang="en-US" sz="1800" b="0" i="0" u="none" strike="noStrike" baseline="0" dirty="0">
+              <a:rPr lang="en-US" sz="2000" b="0" i="0" u="none" strike="noStrike" baseline="0" dirty="0">
                 <a:solidFill>
                   <a:srgbClr val="000000"/>
                 </a:solidFill>
@@ -15426,7 +15362,7 @@
           <a:p>
             <a:pPr algn="just"/>
             <a:r>
-              <a:rPr lang="en-US" sz="1800" b="1" i="0" u="none" strike="noStrike" baseline="0" dirty="0">
+              <a:rPr lang="en-US" sz="2000" b="1" i="0" u="none" strike="noStrike" baseline="0" dirty="0">
                 <a:solidFill>
                   <a:srgbClr val="000000"/>
                 </a:solidFill>
@@ -15435,7 +15371,7 @@
               <a:t>The Réseaux IP </a:t>
             </a:r>
             <a:r>
-              <a:rPr lang="en-US" sz="1800" b="1" i="0" u="none" strike="noStrike" baseline="0" dirty="0" err="1">
+              <a:rPr lang="en-US" sz="2000" b="1" i="0" u="none" strike="noStrike" baseline="0" dirty="0" err="1">
                 <a:solidFill>
                   <a:srgbClr val="000000"/>
                 </a:solidFill>
@@ -15444,7 +15380,7 @@
               <a:t>Européens</a:t>
             </a:r>
             <a:r>
-              <a:rPr lang="en-US" sz="1800" b="1" i="0" u="none" strike="noStrike" baseline="0" dirty="0">
+              <a:rPr lang="en-US" sz="2000" b="1" i="0" u="none" strike="noStrike" baseline="0" dirty="0">
                 <a:solidFill>
                   <a:srgbClr val="000000"/>
                 </a:solidFill>
@@ -15453,7 +15389,7 @@
               <a:t> Network Coordination Centre </a:t>
             </a:r>
             <a:r>
-              <a:rPr lang="en-US" sz="1800" b="0" i="0" u="none" strike="noStrike" baseline="0" dirty="0">
+              <a:rPr lang="en-US" sz="2000" b="0" i="0" u="none" strike="noStrike" baseline="0" dirty="0">
                 <a:solidFill>
                   <a:srgbClr val="000000"/>
                 </a:solidFill>
@@ -15462,7 +15398,7 @@
               <a:t>(</a:t>
             </a:r>
             <a:r>
-              <a:rPr lang="en-US" sz="1800" b="1" i="0" u="none" strike="noStrike" baseline="0" dirty="0">
+              <a:rPr lang="en-US" sz="2000" b="1" i="0" u="none" strike="noStrike" baseline="0" dirty="0">
                 <a:solidFill>
                   <a:srgbClr val="000000"/>
                 </a:solidFill>
@@ -15471,7 +15407,7 @@
               <a:t>RIPE</a:t>
             </a:r>
             <a:r>
-              <a:rPr lang="en-US" sz="1800" b="0" i="0" u="none" strike="noStrike" baseline="0" dirty="0">
+              <a:rPr lang="en-US" sz="2000" b="0" i="0" u="none" strike="noStrike" baseline="0" dirty="0">
                 <a:solidFill>
                   <a:srgbClr val="000000"/>
                 </a:solidFill>
@@ -15480,7 +15416,7 @@
               <a:t>), which can be found at </a:t>
             </a:r>
             <a:r>
-              <a:rPr lang="en-US" sz="1800" b="0" i="0" u="none" strike="noStrike" baseline="0" dirty="0">
+              <a:rPr lang="en-US" sz="2000" b="0" i="0" u="none" strike="noStrike" baseline="0" dirty="0">
                 <a:solidFill>
                   <a:srgbClr val="000000"/>
                 </a:solidFill>
@@ -15489,7 +15425,7 @@
               <a:t>https://www.ripe.net/</a:t>
             </a:r>
             <a:r>
-              <a:rPr lang="en-US" sz="1800" b="0" i="0" u="none" strike="noStrike" baseline="0" dirty="0">
+              <a:rPr lang="en-US" sz="2000" b="0" i="0" u="none" strike="noStrike" baseline="0" dirty="0">
                 <a:solidFill>
                   <a:srgbClr val="000000"/>
                 </a:solidFill>
@@ -15501,7 +15437,7 @@
           <a:p>
             <a:pPr algn="just"/>
             <a:r>
-              <a:rPr lang="en-US" sz="1800" b="1" i="0" u="none" strike="noStrike" baseline="0" dirty="0">
+              <a:rPr lang="en-US" sz="2000" b="1" i="0" u="none" strike="noStrike" baseline="0" dirty="0">
                 <a:solidFill>
                   <a:srgbClr val="000000"/>
                 </a:solidFill>
@@ -15510,7 +15446,7 @@
               <a:t>The Asian Pacific Network Information Centre </a:t>
             </a:r>
             <a:r>
-              <a:rPr lang="en-US" sz="1800" b="0" i="0" u="none" strike="noStrike" baseline="0" dirty="0">
+              <a:rPr lang="en-US" sz="2000" b="0" i="0" u="none" strike="noStrike" baseline="0" dirty="0">
                 <a:solidFill>
                   <a:srgbClr val="000000"/>
                 </a:solidFill>
@@ -15519,7 +15455,7 @@
               <a:t>(</a:t>
             </a:r>
             <a:r>
-              <a:rPr lang="en-US" sz="1800" b="1" i="0" u="none" strike="noStrike" baseline="0" dirty="0">
+              <a:rPr lang="en-US" sz="2000" b="1" i="0" u="none" strike="noStrike" baseline="0" dirty="0">
                 <a:solidFill>
                   <a:srgbClr val="000000"/>
                 </a:solidFill>
@@ -15528,7 +15464,7 @@
               <a:t>APNIC</a:t>
             </a:r>
             <a:r>
-              <a:rPr lang="en-US" sz="1800" b="0" i="0" u="none" strike="noStrike" baseline="0" dirty="0">
+              <a:rPr lang="en-US" sz="2000" b="0" i="0" u="none" strike="noStrike" baseline="0" dirty="0">
                 <a:solidFill>
                   <a:srgbClr val="000000"/>
                 </a:solidFill>
@@ -15537,7 +15473,7 @@
               <a:t>), which you can find at </a:t>
             </a:r>
             <a:r>
-              <a:rPr lang="en-US" sz="1800" b="0" i="0" u="none" strike="noStrike" baseline="0" dirty="0">
+              <a:rPr lang="en-US" sz="2000" b="0" i="0" u="none" strike="noStrike" baseline="0" dirty="0">
                 <a:solidFill>
                   <a:srgbClr val="000000"/>
                 </a:solidFill>
@@ -15546,7 +15482,7 @@
               <a:t>https:// www.apnic.net/</a:t>
             </a:r>
             <a:r>
-              <a:rPr lang="en-US" sz="1800" b="0" i="0" u="none" strike="noStrike" baseline="0" dirty="0">
+              <a:rPr lang="en-US" sz="2000" b="0" i="0" u="none" strike="noStrike" baseline="0" dirty="0">
                 <a:solidFill>
                   <a:srgbClr val="000000"/>
                 </a:solidFill>
@@ -15558,7 +15494,7 @@
           <a:p>
             <a:pPr algn="just"/>
             <a:r>
-              <a:rPr lang="en-US" sz="1800" b="1" i="0" u="none" strike="noStrike" baseline="0" dirty="0">
+              <a:rPr lang="en-US" sz="2000" b="1" i="0" u="none" strike="noStrike" baseline="0" dirty="0">
                 <a:solidFill>
                   <a:srgbClr val="000000"/>
                 </a:solidFill>
@@ -15567,7 +15503,7 @@
               <a:t>The Latin American and Caribbean Internet Address Registry </a:t>
             </a:r>
             <a:r>
-              <a:rPr lang="en-US" sz="1800" b="0" i="0" u="none" strike="noStrike" baseline="0" dirty="0">
+              <a:rPr lang="en-US" sz="2000" b="0" i="0" u="none" strike="noStrike" baseline="0" dirty="0">
                 <a:solidFill>
                   <a:srgbClr val="000000"/>
                 </a:solidFill>
@@ -15576,7 +15512,7 @@
               <a:t>(</a:t>
             </a:r>
             <a:r>
-              <a:rPr lang="en-US" sz="1800" b="1" i="0" u="none" strike="noStrike" baseline="0" dirty="0">
+              <a:rPr lang="en-US" sz="2000" b="1" i="0" u="none" strike="noStrike" baseline="0" dirty="0">
                 <a:solidFill>
                   <a:srgbClr val="000000"/>
                 </a:solidFill>
@@ -15585,7 +15521,7 @@
               <a:t>LACNIC</a:t>
             </a:r>
             <a:r>
-              <a:rPr lang="en-US" sz="1800" b="0" i="0" u="none" strike="noStrike" baseline="0" dirty="0">
+              <a:rPr lang="en-US" sz="2000" b="0" i="0" u="none" strike="noStrike" baseline="0" dirty="0">
                 <a:solidFill>
                   <a:srgbClr val="000000"/>
                 </a:solidFill>
@@ -15594,7 +15530,7 @@
               <a:t>), which is found at </a:t>
             </a:r>
             <a:r>
-              <a:rPr lang="en-US" sz="1800" b="0" i="0" u="none" strike="noStrike" baseline="0" dirty="0">
+              <a:rPr lang="en-US" sz="2000" b="0" i="0" u="none" strike="noStrike" baseline="0" dirty="0">
                 <a:solidFill>
                   <a:srgbClr val="000000"/>
                 </a:solidFill>
@@ -15603,7 +15539,7 @@
               <a:t>https://www.lacnic.net/</a:t>
             </a:r>
             <a:r>
-              <a:rPr lang="en-US" sz="1800" b="0" i="0" u="none" strike="noStrike" baseline="0" dirty="0">
+              <a:rPr lang="en-US" sz="2000" b="0" i="0" u="none" strike="noStrike" baseline="0" dirty="0">
                 <a:solidFill>
                   <a:srgbClr val="000000"/>
                 </a:solidFill>
@@ -15615,7 +15551,7 @@
           <a:p>
             <a:pPr algn="just"/>
             <a:r>
-              <a:rPr lang="en-US" sz="1800" b="1" i="0" u="none" strike="noStrike" baseline="0" dirty="0" err="1">
+              <a:rPr lang="en-US" sz="2000" b="1" i="0" u="none" strike="noStrike" baseline="0" dirty="0" err="1">
                 <a:solidFill>
                   <a:srgbClr val="000000"/>
                 </a:solidFill>
@@ -15624,7 +15560,7 @@
               <a:t>AfriNIC</a:t>
             </a:r>
             <a:r>
-              <a:rPr lang="en-US" sz="1800" b="0" i="0" u="none" strike="noStrike" baseline="0" dirty="0">
+              <a:rPr lang="en-US" sz="2000" b="0" i="0" u="none" strike="noStrike" baseline="0" dirty="0">
                 <a:solidFill>
                   <a:srgbClr val="000000"/>
                 </a:solidFill>
@@ -15633,7 +15569,7 @@
               <a:t>, which is at </a:t>
             </a:r>
             <a:r>
-              <a:rPr lang="en-US" sz="1800" b="0" i="0" u="none" strike="noStrike" baseline="0" dirty="0">
+              <a:rPr lang="en-US" sz="2000" b="0" i="0" u="none" strike="noStrike" baseline="0" dirty="0">
                 <a:solidFill>
                   <a:srgbClr val="000000"/>
                 </a:solidFill>
@@ -15642,7 +15578,7 @@
               <a:t>https://afrinic.net/</a:t>
             </a:r>
             <a:r>
-              <a:rPr lang="en-US" sz="1800" b="0" i="0" u="none" strike="noStrike" baseline="0" dirty="0">
+              <a:rPr lang="en-US" sz="2000" b="0" i="0" u="none" strike="noStrike" baseline="0" dirty="0">
                 <a:solidFill>
                   <a:srgbClr val="000000"/>
                 </a:solidFill>
@@ -15650,7 +15586,7 @@
               </a:rPr>
               <a:t>: This RIR covers all of Africa </a:t>
             </a:r>
-            <a:endParaRPr lang="en-US" dirty="0"/>
+            <a:endParaRPr lang="en-US" sz="3200" dirty="0"/>
           </a:p>
         </p:txBody>
       </p:sp>
@@ -15677,7 +15613,7 @@
           <a:p>
             <a:fld id="{CEEDF3A4-9E04-435A-AB3C-4BCD61EBBCA9}" type="slidenum">
               <a:rPr lang="en-US" smtClean="0"/>
-              <a:t>31</a:t>
+              <a:t>30</a:t>
             </a:fld>
             <a:endParaRPr lang="en-US"/>
           </a:p>
@@ -15696,7 +15632,7 @@
 </p:sld>
 </file>
 
-<file path=ppt/slides/slide32.xml><?xml version="1.0" encoding="utf-8"?>
+<file path=ppt/slides/slide31.xml><?xml version="1.0" encoding="utf-8"?>
 <p:sld xmlns:a="http://schemas.openxmlformats.org/drawingml/2006/main" xmlns:r="http://schemas.openxmlformats.org/officeDocument/2006/relationships" xmlns:p="http://schemas.openxmlformats.org/presentationml/2006/main">
   <p:cSld>
     <p:spTree>
@@ -15729,7 +15665,12 @@
             <p:ph type="title"/>
           </p:nvPr>
         </p:nvSpPr>
-        <p:spPr/>
+        <p:spPr>
+          <a:xfrm>
+            <a:off x="838200" y="0"/>
+            <a:ext cx="10515600" cy="1325563"/>
+          </a:xfrm>
+        </p:spPr>
         <p:txBody>
           <a:bodyPr/>
           <a:lstStyle/>
@@ -15757,13 +15698,21 @@
             <p:ph idx="1"/>
           </p:nvPr>
         </p:nvSpPr>
-        <p:spPr/>
+        <p:spPr>
+          <a:xfrm>
+            <a:off x="418641" y="1041385"/>
+            <a:ext cx="11347373" cy="2146949"/>
+          </a:xfrm>
+        </p:spPr>
         <p:txBody>
-          <a:bodyPr/>
+          <a:bodyPr>
+            <a:normAutofit fontScale="92500" lnSpcReduction="10000"/>
+          </a:bodyPr>
           <a:lstStyle/>
           <a:p>
-            <a:r>
-              <a:rPr lang="en-US" sz="1800" b="1" i="0" u="none" strike="noStrike" baseline="0" dirty="0">
+            <a:pPr algn="just"/>
+            <a:r>
+              <a:rPr lang="en-US" sz="2400" b="1" i="0" u="none" strike="noStrike" baseline="0" dirty="0">
                 <a:solidFill>
                   <a:srgbClr val="000000"/>
                 </a:solidFill>
@@ -15772,7 +15721,7 @@
               <a:t>Nameservers </a:t>
             </a:r>
             <a:r>
-              <a:rPr lang="en-US" sz="1800" b="0" i="0" u="none" strike="noStrike" baseline="0" dirty="0">
+              <a:rPr lang="en-US" sz="2400" b="0" i="0" u="none" strike="noStrike" baseline="0" dirty="0">
                 <a:solidFill>
                   <a:srgbClr val="000000"/>
                 </a:solidFill>
@@ -15782,8 +15731,9 @@
             </a:r>
           </a:p>
           <a:p>
-            <a:r>
-              <a:rPr lang="en-US" sz="1800" b="0" i="0" u="none" strike="noStrike" baseline="0" dirty="0">
+            <a:pPr algn="just"/>
+            <a:r>
+              <a:rPr lang="en-US" sz="2400" b="0" i="0" u="none" strike="noStrike" baseline="0" dirty="0">
                 <a:solidFill>
                   <a:srgbClr val="000000"/>
                 </a:solidFill>
@@ -15792,7 +15742,7 @@
               <a:t>Besides just knowing what servers hold the records, you can also derive some of the underlying services driving the website such as a service provider (for example, </a:t>
             </a:r>
             <a:r>
-              <a:rPr lang="en-US" sz="1800" b="1" i="0" u="none" strike="noStrike" baseline="0" dirty="0">
+              <a:rPr lang="en-US" sz="2400" b="1" i="0" u="none" strike="noStrike" baseline="0" dirty="0">
                 <a:solidFill>
                   <a:srgbClr val="000000"/>
                 </a:solidFill>
@@ -15801,7 +15751,7 @@
               <a:t>AT&amp;T </a:t>
             </a:r>
             <a:r>
-              <a:rPr lang="en-US" sz="1800" b="0" i="0" u="none" strike="noStrike" baseline="0" dirty="0">
+              <a:rPr lang="en-US" sz="2400" b="0" i="0" u="none" strike="noStrike" baseline="0" dirty="0">
                 <a:solidFill>
                   <a:srgbClr val="000000"/>
                 </a:solidFill>
@@ -15810,7 +15760,7 @@
               <a:t>or </a:t>
             </a:r>
             <a:r>
-              <a:rPr lang="en-US" sz="1800" b="1" i="0" u="none" strike="noStrike" baseline="0" dirty="0">
+              <a:rPr lang="en-US" sz="2400" b="1" i="0" u="none" strike="noStrike" baseline="0" dirty="0">
                 <a:solidFill>
                   <a:srgbClr val="000000"/>
                 </a:solidFill>
@@ -15819,7 +15769,7 @@
               <a:t>Amazon Web Services </a:t>
             </a:r>
             <a:r>
-              <a:rPr lang="en-US" sz="1800" b="0" i="0" u="none" strike="noStrike" baseline="0" dirty="0">
+              <a:rPr lang="en-US" sz="2400" b="0" i="0" u="none" strike="noStrike" baseline="0" dirty="0">
                 <a:solidFill>
                   <a:srgbClr val="000000"/>
                 </a:solidFill>
@@ -15828,7 +15778,7 @@
               <a:t>(</a:t>
             </a:r>
             <a:r>
-              <a:rPr lang="en-US" sz="1800" b="1" i="0" u="none" strike="noStrike" baseline="0" dirty="0">
+              <a:rPr lang="en-US" sz="2400" b="1" i="0" u="none" strike="noStrike" baseline="0" dirty="0">
                 <a:solidFill>
                   <a:srgbClr val="000000"/>
                 </a:solidFill>
@@ -15837,7 +15787,7 @@
               <a:t>AWS</a:t>
             </a:r>
             <a:r>
-              <a:rPr lang="en-US" sz="1800" b="0" i="0" u="none" strike="noStrike" baseline="0" dirty="0">
+              <a:rPr lang="en-US" sz="2400" b="0" i="0" u="none" strike="noStrike" baseline="0" dirty="0">
                 <a:solidFill>
                   <a:srgbClr val="000000"/>
                 </a:solidFill>
@@ -15846,7 +15796,7 @@
               <a:t>)) or even </a:t>
             </a:r>
             <a:r>
-              <a:rPr lang="en-US" sz="1800" b="1" i="0" u="none" strike="noStrike" baseline="0" dirty="0">
+              <a:rPr lang="en-US" sz="2400" b="1" i="0" u="none" strike="noStrike" baseline="0" dirty="0">
                 <a:solidFill>
                   <a:srgbClr val="000000"/>
                 </a:solidFill>
@@ -15855,7 +15805,7 @@
               <a:t>self-hosting</a:t>
             </a:r>
             <a:r>
-              <a:rPr lang="en-US" sz="1800" b="0" i="0" u="none" strike="noStrike" baseline="0" dirty="0">
+              <a:rPr lang="en-US" sz="2400" b="0" i="0" u="none" strike="noStrike" baseline="0" dirty="0">
                 <a:solidFill>
                   <a:srgbClr val="000000"/>
                 </a:solidFill>
@@ -15867,7 +15817,7 @@
           <a:p>
             <a:pPr algn="just"/>
             <a:r>
-              <a:rPr lang="en-US" sz="1800" b="0" i="0" u="none" strike="noStrike" baseline="0" dirty="0">
+              <a:rPr lang="en-US" sz="2400" b="0" i="0" u="none" strike="noStrike" baseline="0" dirty="0">
                 <a:solidFill>
                   <a:srgbClr val="000000"/>
                 </a:solidFill>
@@ -15879,7 +15829,7 @@
           <a:p>
             <a:pPr algn="just"/>
             <a:r>
-              <a:rPr lang="en-US" sz="1800" b="1" i="0" u="none" strike="noStrike" baseline="0" dirty="0">
+              <a:rPr lang="en-US" sz="2400" b="1" i="0" u="none" strike="noStrike" baseline="0" dirty="0">
                 <a:solidFill>
                   <a:srgbClr val="000000"/>
                 </a:solidFill>
@@ -15888,7 +15838,7 @@
               <a:t>AWS</a:t>
             </a:r>
             <a:r>
-              <a:rPr lang="en-US" sz="1800" b="0" i="0" u="none" strike="noStrike" baseline="0" dirty="0">
+              <a:rPr lang="en-US" sz="2400" b="0" i="0" u="none" strike="noStrike" baseline="0" dirty="0">
                 <a:solidFill>
                   <a:srgbClr val="000000"/>
                 </a:solidFill>
@@ -15896,7 +15846,7 @@
               </a:rPr>
               <a:t>: The following record shows they are using AWS as a service provider: </a:t>
             </a:r>
-            <a:endParaRPr lang="en-US" dirty="0"/>
+            <a:endParaRPr lang="en-US" sz="3600" dirty="0"/>
           </a:p>
         </p:txBody>
       </p:sp>
@@ -15922,7 +15872,7 @@
         </p:blipFill>
         <p:spPr>
           <a:xfrm>
-            <a:off x="3719945" y="3771853"/>
+            <a:off x="3666226" y="3188334"/>
             <a:ext cx="5181599" cy="971549"/>
           </a:xfrm>
           <a:prstGeom prst="rect">
@@ -15944,8 +15894,8 @@
         </p:nvSpPr>
         <p:spPr>
           <a:xfrm>
-            <a:off x="1132937" y="4803130"/>
-            <a:ext cx="10110158" cy="923330"/>
+            <a:off x="418642" y="4333611"/>
+            <a:ext cx="11347372" cy="1200329"/>
           </a:xfrm>
           <a:prstGeom prst="rect">
             <a:avLst/>
@@ -15958,8 +15908,9 @@
           </a:bodyPr>
           <a:lstStyle/>
           <a:p>
-            <a:r>
-              <a:rPr lang="en-US" sz="1800" b="1" i="0" u="none" strike="noStrike" baseline="0" dirty="0">
+            <a:pPr algn="just"/>
+            <a:r>
+              <a:rPr lang="en-US" sz="2400" b="1" i="0" u="none" strike="noStrike" baseline="0" dirty="0">
                 <a:solidFill>
                   <a:srgbClr val="000000"/>
                 </a:solidFill>
@@ -15968,7 +15919,7 @@
               <a:t>AT&amp;T</a:t>
             </a:r>
             <a:r>
-              <a:rPr lang="en-US" sz="1800" b="0" i="0" u="none" strike="noStrike" baseline="0" dirty="0">
+              <a:rPr lang="en-US" sz="2400" b="0" i="0" u="none" strike="noStrike" baseline="0" dirty="0">
                 <a:solidFill>
                   <a:srgbClr val="000000"/>
                 </a:solidFill>
@@ -15976,7 +15927,7 @@
               </a:rPr>
               <a:t>: Here is an example excerpt from a WHOIS record showing they are using AT&amp;T as a service provider. You’ll notice the number of name servers is larger. This could mean more services are being hosted and or there is load balancing technology in place. </a:t>
             </a:r>
-            <a:endParaRPr lang="en-US" dirty="0"/>
+            <a:endParaRPr lang="en-US" sz="2400" dirty="0"/>
           </a:p>
         </p:txBody>
       </p:sp>
@@ -16033,7 +15984,7 @@
           <a:p>
             <a:fld id="{CEEDF3A4-9E04-435A-AB3C-4BCD61EBBCA9}" type="slidenum">
               <a:rPr lang="en-US" smtClean="0"/>
-              <a:t>32</a:t>
+              <a:t>31</a:t>
             </a:fld>
             <a:endParaRPr lang="en-US"/>
           </a:p>
@@ -16052,7 +16003,7 @@
 </p:sld>
 </file>
 
-<file path=ppt/slides/slide33.xml><?xml version="1.0" encoding="utf-8"?>
+<file path=ppt/slides/slide32.xml><?xml version="1.0" encoding="utf-8"?>
 <p:sld xmlns:a="http://schemas.openxmlformats.org/drawingml/2006/main" xmlns:r="http://schemas.openxmlformats.org/officeDocument/2006/relationships" xmlns:p="http://schemas.openxmlformats.org/presentationml/2006/main">
   <p:cSld>
     <p:spTree>
@@ -16085,7 +16036,12 @@
             <p:ph type="title"/>
           </p:nvPr>
         </p:nvSpPr>
-        <p:spPr/>
+        <p:spPr>
+          <a:xfrm>
+            <a:off x="838200" y="0"/>
+            <a:ext cx="10515600" cy="1325563"/>
+          </a:xfrm>
+        </p:spPr>
         <p:txBody>
           <a:bodyPr/>
           <a:lstStyle/>
@@ -16113,13 +16069,21 @@
             <p:ph idx="1"/>
           </p:nvPr>
         </p:nvSpPr>
-        <p:spPr/>
+        <p:spPr>
+          <a:xfrm>
+            <a:off x="396607" y="1131562"/>
+            <a:ext cx="11413475" cy="5224788"/>
+          </a:xfrm>
+        </p:spPr>
         <p:txBody>
-          <a:bodyPr/>
+          <a:bodyPr>
+            <a:normAutofit fontScale="85000" lnSpcReduction="10000"/>
+          </a:bodyPr>
           <a:lstStyle/>
           <a:p>
-            <a:r>
-              <a:rPr lang="en-US" sz="1800" b="0" i="0" u="none" strike="noStrike" baseline="0" dirty="0">
+            <a:pPr algn="just"/>
+            <a:r>
+              <a:rPr lang="en-US" b="0" i="0" u="none" strike="noStrike" baseline="0" dirty="0">
                 <a:solidFill>
                   <a:srgbClr val="000000"/>
                 </a:solidFill>
@@ -16129,8 +16093,9 @@
             </a:r>
           </a:p>
           <a:p>
-            <a:r>
-              <a:rPr lang="en-US" sz="1800" b="0" i="0" u="none" strike="noStrike" baseline="0" dirty="0">
+            <a:pPr algn="just"/>
+            <a:r>
+              <a:rPr lang="en-US" b="0" i="0" u="none" strike="noStrike" baseline="0" dirty="0">
                 <a:solidFill>
                   <a:srgbClr val="000000"/>
                 </a:solidFill>
@@ -16140,8 +16105,9 @@
             </a:r>
           </a:p>
           <a:p>
-            <a:r>
-              <a:rPr lang="en-US" sz="1800" b="0" i="0" u="none" strike="noStrike" baseline="0" dirty="0">
+            <a:pPr algn="just"/>
+            <a:r>
+              <a:rPr lang="en-US" b="0" i="0" u="none" strike="noStrike" baseline="0" dirty="0">
                 <a:solidFill>
                   <a:srgbClr val="000000"/>
                 </a:solidFill>
@@ -16151,8 +16117,9 @@
             </a:r>
           </a:p>
           <a:p>
-            <a:r>
-              <a:rPr lang="en-US" sz="1800" b="0" i="0" u="none" strike="noStrike" baseline="0" dirty="0">
+            <a:pPr algn="just"/>
+            <a:r>
+              <a:rPr lang="en-US" b="0" i="0" u="none" strike="noStrike" baseline="0" dirty="0">
                 <a:solidFill>
                   <a:srgbClr val="000000"/>
                 </a:solidFill>
@@ -16162,8 +16129,9 @@
             </a:r>
           </a:p>
           <a:p>
-            <a:r>
-              <a:rPr lang="en-US" sz="1800" b="0" i="0" u="none" strike="noStrike" baseline="0" dirty="0">
+            <a:pPr algn="just"/>
+            <a:r>
+              <a:rPr lang="en-US" b="0" i="0" u="none" strike="noStrike" baseline="0" dirty="0">
                 <a:solidFill>
                   <a:srgbClr val="000000"/>
                 </a:solidFill>
@@ -16172,7 +16140,7 @@
               <a:t> You can find these reports in the </a:t>
             </a:r>
             <a:r>
-              <a:rPr lang="en-US" sz="1800" b="1" i="0" u="none" strike="noStrike" baseline="0" dirty="0">
+              <a:rPr lang="en-US" b="1" i="0" u="none" strike="noStrike" baseline="0" dirty="0">
                 <a:solidFill>
                   <a:srgbClr val="000000"/>
                 </a:solidFill>
@@ -16181,7 +16149,7 @@
               <a:t>Electronic Data Gathering, Analysis, and Retrieval </a:t>
             </a:r>
             <a:r>
-              <a:rPr lang="en-US" sz="1800" b="0" i="0" u="none" strike="noStrike" baseline="0" dirty="0">
+              <a:rPr lang="en-US" b="0" i="0" u="none" strike="noStrike" baseline="0" dirty="0">
                 <a:solidFill>
                   <a:srgbClr val="000000"/>
                 </a:solidFill>
@@ -16190,7 +16158,7 @@
               <a:t>(</a:t>
             </a:r>
             <a:r>
-              <a:rPr lang="en-US" sz="1800" b="1" i="0" u="none" strike="noStrike" baseline="0" dirty="0">
+              <a:rPr lang="en-US" b="1" i="0" u="none" strike="noStrike" baseline="0" dirty="0">
                 <a:solidFill>
                   <a:srgbClr val="000000"/>
                 </a:solidFill>
@@ -16199,7 +16167,7 @@
               <a:t>EDGAR</a:t>
             </a:r>
             <a:r>
-              <a:rPr lang="en-US" sz="1800" b="0" i="0" u="none" strike="noStrike" baseline="0" dirty="0">
+              <a:rPr lang="en-US" b="0" i="0" u="none" strike="noStrike" baseline="0" dirty="0">
                 <a:solidFill>
                   <a:srgbClr val="000000"/>
                 </a:solidFill>
@@ -16208,7 +16176,7 @@
               <a:t>) database on the </a:t>
             </a:r>
             <a:r>
-              <a:rPr lang="en-US" sz="1800" b="0" i="1" u="none" strike="noStrike" baseline="0" dirty="0">
+              <a:rPr lang="en-US" b="0" i="1" u="none" strike="noStrike" baseline="0" dirty="0">
                 <a:solidFill>
                   <a:srgbClr val="000000"/>
                 </a:solidFill>
@@ -16217,7 +16185,7 @@
               <a:t>US Securities and Exchange Commission </a:t>
             </a:r>
             <a:r>
-              <a:rPr lang="en-US" sz="1800" b="0" i="0" u="none" strike="noStrike" baseline="0" dirty="0">
+              <a:rPr lang="en-US" b="0" i="0" u="none" strike="noStrike" baseline="0" dirty="0">
                 <a:solidFill>
                   <a:srgbClr val="000000"/>
                 </a:solidFill>
@@ -16226,7 +16194,7 @@
               <a:t>website at </a:t>
             </a:r>
             <a:r>
-              <a:rPr lang="en-US" sz="1800" b="0" i="0" u="none" strike="noStrike" baseline="0" dirty="0">
+              <a:rPr lang="en-US" b="0" i="0" u="none" strike="noStrike" baseline="0" dirty="0">
                 <a:solidFill>
                   <a:srgbClr val="000000"/>
                 </a:solidFill>
@@ -16235,7 +16203,7 @@
               <a:t>https://www.sec.gov/edgar/searchedgar/ companysearch.html</a:t>
             </a:r>
             <a:r>
-              <a:rPr lang="en-US" sz="1800" b="0" i="0" u="none" strike="noStrike" baseline="0" dirty="0">
+              <a:rPr lang="en-US" b="0" i="0" u="none" strike="noStrike" baseline="0" dirty="0">
                 <a:solidFill>
                   <a:srgbClr val="000000"/>
                 </a:solidFill>
@@ -16245,8 +16213,9 @@
             </a:r>
           </a:p>
           <a:p>
-            <a:r>
-              <a:rPr lang="en-US" sz="1800" b="0" i="0" u="none" strike="noStrike" baseline="0" dirty="0">
+            <a:pPr algn="just"/>
+            <a:r>
+              <a:rPr lang="en-US" b="0" i="0" u="none" strike="noStrike" baseline="0" dirty="0">
                 <a:solidFill>
                   <a:srgbClr val="000000"/>
                 </a:solidFill>
@@ -16255,7 +16224,7 @@
               <a:t> The report that usually contains the most information is the company’s annual report, also known as the </a:t>
             </a:r>
             <a:r>
-              <a:rPr lang="en-US" sz="1800" b="1" i="0" u="none" strike="noStrike" baseline="0" dirty="0">
+              <a:rPr lang="en-US" b="1" i="0" u="none" strike="noStrike" baseline="0" dirty="0">
                 <a:solidFill>
                   <a:srgbClr val="000000"/>
                 </a:solidFill>
@@ -16264,7 +16233,7 @@
               <a:t>10-K</a:t>
             </a:r>
             <a:r>
-              <a:rPr lang="en-US" sz="1800" b="0" i="0" u="none" strike="noStrike" baseline="0" dirty="0">
+              <a:rPr lang="en-US" b="0" i="0" u="none" strike="noStrike" baseline="0" dirty="0">
                 <a:solidFill>
                   <a:srgbClr val="000000"/>
                 </a:solidFill>
@@ -16274,8 +16243,9 @@
             </a:r>
           </a:p>
           <a:p>
-            <a:r>
-              <a:rPr lang="en-US" sz="1800" b="0" i="0" u="none" strike="noStrike" baseline="0" dirty="0">
+            <a:pPr algn="just"/>
+            <a:r>
+              <a:rPr lang="en-US" b="0" i="0" u="none" strike="noStrike" baseline="0" dirty="0">
                 <a:solidFill>
                   <a:srgbClr val="000000"/>
                 </a:solidFill>
@@ -16283,7 +16253,7 @@
               </a:rPr>
               <a:t>Let’s take a look at some other areas for collecting intelligence. </a:t>
             </a:r>
-            <a:endParaRPr lang="en-US" dirty="0"/>
+            <a:endParaRPr lang="en-US" sz="4000" dirty="0"/>
           </a:p>
         </p:txBody>
       </p:sp>
@@ -16310,7 +16280,7 @@
           <a:p>
             <a:fld id="{CEEDF3A4-9E04-435A-AB3C-4BCD61EBBCA9}" type="slidenum">
               <a:rPr lang="en-US" smtClean="0"/>
-              <a:t>33</a:t>
+              <a:t>32</a:t>
             </a:fld>
             <a:endParaRPr lang="en-US"/>
           </a:p>
@@ -16329,7 +16299,7 @@
 </p:sld>
 </file>
 
-<file path=ppt/slides/slide34.xml><?xml version="1.0" encoding="utf-8"?>
+<file path=ppt/slides/slide33.xml><?xml version="1.0" encoding="utf-8"?>
 <p:sld xmlns:a="http://schemas.openxmlformats.org/drawingml/2006/main" xmlns:r="http://schemas.openxmlformats.org/officeDocument/2006/relationships" xmlns:p="http://schemas.openxmlformats.org/presentationml/2006/main">
   <p:cSld>
     <p:spTree>
@@ -16348,31 +16318,6 @@
       </p:grpSpPr>
       <p:sp>
         <p:nvSpPr>
-          <p:cNvPr id="2" name="Title 1">
-            <a:extLst>
-              <a:ext uri="{FF2B5EF4-FFF2-40B4-BE49-F238E27FC236}">
-                <a16:creationId xmlns:a16="http://schemas.microsoft.com/office/drawing/2014/main" id="{D8863F0A-3F6E-722D-08EC-36C024423366}"/>
-              </a:ext>
-            </a:extLst>
-          </p:cNvPr>
-          <p:cNvSpPr>
-            <a:spLocks noGrp="1"/>
-          </p:cNvSpPr>
-          <p:nvPr>
-            <p:ph type="title"/>
-          </p:nvPr>
-        </p:nvSpPr>
-        <p:spPr/>
-        <p:txBody>
-          <a:bodyPr/>
-          <a:lstStyle/>
-          <a:p>
-            <a:endParaRPr lang="en-US"/>
-          </a:p>
-        </p:txBody>
-      </p:sp>
-      <p:sp>
-        <p:nvSpPr>
           <p:cNvPr id="3" name="Content Placeholder 2">
             <a:extLst>
               <a:ext uri="{FF2B5EF4-FFF2-40B4-BE49-F238E27FC236}">
@@ -16387,15 +16332,21 @@
             <p:ph idx="1"/>
           </p:nvPr>
         </p:nvSpPr>
-        <p:spPr/>
+        <p:spPr>
+          <a:xfrm>
+            <a:off x="551760" y="657836"/>
+            <a:ext cx="11026967" cy="5081951"/>
+          </a:xfrm>
+        </p:spPr>
         <p:txBody>
           <a:bodyPr>
             <a:normAutofit/>
           </a:bodyPr>
           <a:lstStyle/>
           <a:p>
-            <a:r>
-              <a:rPr lang="en-US" sz="2400" b="1" i="0" u="none" strike="noStrike" baseline="0" dirty="0">
+            <a:pPr algn="just"/>
+            <a:r>
+              <a:rPr lang="en-US" sz="3600" b="1" i="0" u="none" strike="noStrike" baseline="0" dirty="0">
                 <a:solidFill>
                   <a:srgbClr val="000000"/>
                 </a:solidFill>
@@ -16405,8 +16356,9 @@
             </a:r>
           </a:p>
           <a:p>
-            <a:r>
-              <a:rPr lang="en-US" sz="1800" b="0" i="0" u="none" strike="noStrike" baseline="0" dirty="0">
+            <a:pPr algn="just"/>
+            <a:r>
+              <a:rPr lang="en-US" b="0" i="0" u="none" strike="noStrike" baseline="0" dirty="0">
                 <a:solidFill>
                   <a:srgbClr val="000000"/>
                 </a:solidFill>
@@ -16416,8 +16368,9 @@
             </a:r>
           </a:p>
           <a:p>
-            <a:r>
-              <a:rPr lang="en-US" sz="1800" b="0" i="0" u="none" strike="noStrike" baseline="0" dirty="0">
+            <a:pPr algn="just"/>
+            <a:r>
+              <a:rPr lang="en-US" b="0" i="0" u="none" strike="noStrike" baseline="0" dirty="0">
                 <a:solidFill>
                   <a:srgbClr val="000000"/>
                 </a:solidFill>
@@ -16427,8 +16380,9 @@
             </a:r>
           </a:p>
           <a:p>
-            <a:r>
-              <a:rPr lang="en-US" sz="1800" b="0" i="0" u="none" strike="noStrike" baseline="0" dirty="0">
+            <a:pPr algn="just"/>
+            <a:r>
+              <a:rPr lang="en-US" b="0" i="0" u="none" strike="noStrike" baseline="0" dirty="0">
                 <a:solidFill>
                   <a:srgbClr val="FF0000"/>
                 </a:solidFill>
@@ -16438,8 +16392,9 @@
             </a:r>
           </a:p>
           <a:p>
-            <a:r>
-              <a:rPr lang="en-US" sz="1800" b="0" i="0" u="none" strike="noStrike" baseline="0" dirty="0">
+            <a:pPr algn="just"/>
+            <a:r>
+              <a:rPr lang="en-US" b="0" i="0" u="none" strike="noStrike" baseline="0" dirty="0">
                 <a:solidFill>
                   <a:srgbClr val="000000"/>
                 </a:solidFill>
@@ -16448,7 +16403,7 @@
               <a:t> Let’s look at some common online sources of this information.</a:t>
             </a:r>
             <a:r>
-              <a:rPr lang="en-US" sz="2400" b="1" i="0" u="none" strike="noStrike" baseline="0" dirty="0">
+              <a:rPr lang="en-US" sz="3600" b="1" i="0" u="none" strike="noStrike" baseline="0" dirty="0">
                 <a:solidFill>
                   <a:srgbClr val="000000"/>
                 </a:solidFill>
@@ -16456,7 +16411,7 @@
               </a:rPr>
               <a:t> </a:t>
             </a:r>
-            <a:endParaRPr lang="en-US" sz="2400" b="1" dirty="0">
+            <a:endParaRPr lang="en-US" sz="3600" b="1" dirty="0">
               <a:latin typeface="Myriad Pro "/>
             </a:endParaRPr>
           </a:p>
@@ -16485,7 +16440,7 @@
           <a:p>
             <a:fld id="{CEEDF3A4-9E04-435A-AB3C-4BCD61EBBCA9}" type="slidenum">
               <a:rPr lang="en-US" smtClean="0"/>
-              <a:t>34</a:t>
+              <a:t>33</a:t>
             </a:fld>
             <a:endParaRPr lang="en-US"/>
           </a:p>
@@ -16504,7 +16459,7 @@
 </p:sld>
 </file>
 
-<file path=ppt/slides/slide35.xml><?xml version="1.0" encoding="utf-8"?>
+<file path=ppt/slides/slide34.xml><?xml version="1.0" encoding="utf-8"?>
 <p:sld xmlns:a="http://schemas.openxmlformats.org/drawingml/2006/main" xmlns:r="http://schemas.openxmlformats.org/officeDocument/2006/relationships" xmlns:p="http://schemas.openxmlformats.org/presentationml/2006/main">
   <p:cSld>
     <p:spTree>
@@ -16537,7 +16492,12 @@
             <p:ph type="title"/>
           </p:nvPr>
         </p:nvSpPr>
-        <p:spPr/>
+        <p:spPr>
+          <a:xfrm>
+            <a:off x="838200" y="0"/>
+            <a:ext cx="10515600" cy="1325563"/>
+          </a:xfrm>
+        </p:spPr>
         <p:txBody>
           <a:bodyPr/>
           <a:lstStyle/>
@@ -16565,20 +16525,27 @@
             <p:ph idx="1"/>
           </p:nvPr>
         </p:nvSpPr>
-        <p:spPr/>
+        <p:spPr>
+          <a:xfrm>
+            <a:off x="440675" y="1010376"/>
+            <a:ext cx="11336356" cy="5345974"/>
+          </a:xfrm>
+        </p:spPr>
         <p:txBody>
-          <a:bodyPr/>
+          <a:bodyPr>
+            <a:normAutofit fontScale="92500"/>
+          </a:bodyPr>
           <a:lstStyle/>
           <a:p>
             <a:pPr marL="0" indent="0">
               <a:buNone/>
             </a:pPr>
             <a:r>
-              <a:rPr lang="en-US" dirty="0"/>
+              <a:rPr lang="en-US" sz="3600" dirty="0"/>
               <a:t>1. </a:t>
             </a:r>
             <a:r>
-              <a:rPr lang="en-US" sz="1800" b="1" i="1" u="none" strike="noStrike" baseline="0" dirty="0">
+              <a:rPr lang="en-US" sz="2400" b="1" i="1" u="none" strike="noStrike" baseline="0" dirty="0">
                 <a:solidFill>
                   <a:srgbClr val="000000"/>
                 </a:solidFill>
@@ -16587,7 +16554,7 @@
               <a:t>Social networks</a:t>
             </a:r>
             <a:r>
-              <a:rPr lang="en-US" sz="1800" b="1" i="1" u="none" strike="noStrike" baseline="0" dirty="0">
+              <a:rPr lang="en-US" sz="2400" b="1" i="1" u="none" strike="noStrike" baseline="0" dirty="0">
                 <a:solidFill>
                   <a:srgbClr val="000000"/>
                 </a:solidFill>
@@ -16595,7 +16562,7 @@
               </a:rPr>
               <a:t> </a:t>
             </a:r>
-            <a:endParaRPr lang="en-US" sz="1800" b="0" i="0" u="none" strike="noStrike" baseline="0" dirty="0">
+            <a:endParaRPr lang="en-US" sz="2400" b="0" i="0" u="none" strike="noStrike" baseline="0" dirty="0">
               <a:solidFill>
                 <a:srgbClr val="000000"/>
               </a:solidFill>
@@ -16605,7 +16572,7 @@
           <a:p>
             <a:pPr algn="just"/>
             <a:r>
-              <a:rPr lang="en-US" sz="1800" b="0" i="0" u="none" strike="noStrike" baseline="0" dirty="0">
+              <a:rPr lang="en-US" sz="2400" b="0" i="0" u="none" strike="noStrike" baseline="0" dirty="0">
                 <a:solidFill>
                   <a:srgbClr val="000000"/>
                 </a:solidFill>
@@ -16617,7 +16584,7 @@
           <a:p>
             <a:pPr algn="just"/>
             <a:r>
-              <a:rPr lang="en-US" sz="1800" b="0" i="0" u="none" strike="noStrike" baseline="0" dirty="0">
+              <a:rPr lang="en-US" sz="2400" b="0" i="0" u="none" strike="noStrike" baseline="0" dirty="0">
                 <a:solidFill>
                   <a:srgbClr val="000000"/>
                 </a:solidFill>
@@ -16629,7 +16596,7 @@
           <a:p>
             <a:pPr algn="just"/>
             <a:r>
-              <a:rPr lang="en-US" sz="1800" b="0" i="0" u="none" strike="noStrike" baseline="0" dirty="0">
+              <a:rPr lang="en-US" sz="2400" b="0" i="0" u="none" strike="noStrike" baseline="0" dirty="0">
                 <a:solidFill>
                   <a:srgbClr val="000000"/>
                 </a:solidFill>
@@ -16641,7 +16608,7 @@
           <a:p>
             <a:pPr algn="just"/>
             <a:r>
-              <a:rPr lang="en-US" sz="1800" b="0" i="0" u="none" strike="noStrike" baseline="0" dirty="0">
+              <a:rPr lang="en-US" sz="2400" b="0" i="0" u="none" strike="noStrike" baseline="0" dirty="0">
                 <a:solidFill>
                   <a:srgbClr val="000000"/>
                 </a:solidFill>
@@ -16653,7 +16620,7 @@
           <a:p>
             <a:pPr algn="just"/>
             <a:r>
-              <a:rPr lang="en-US" sz="1800" b="0" i="0" u="none" strike="noStrike" baseline="0" dirty="0">
+              <a:rPr lang="en-US" sz="2400" b="0" i="0" u="none" strike="noStrike" baseline="0" dirty="0">
                 <a:solidFill>
                   <a:srgbClr val="000000"/>
                 </a:solidFill>
@@ -16665,7 +16632,7 @@
           <a:p>
             <a:pPr algn="just"/>
             <a:r>
-              <a:rPr lang="en-US" sz="1800" b="0" i="0" u="none" strike="noStrike" baseline="0" dirty="0">
+              <a:rPr lang="en-US" sz="2400" b="0" i="0" u="none" strike="noStrike" baseline="0" dirty="0">
                 <a:solidFill>
                   <a:srgbClr val="000000"/>
                 </a:solidFill>
@@ -16673,7 +16640,7 @@
               </a:rPr>
               <a:t> This can be surprisingly efficient for gathering targets for phishing campaigns or even whaling attempts </a:t>
             </a:r>
-            <a:endParaRPr lang="en-US" dirty="0"/>
+            <a:endParaRPr lang="en-US" sz="3600" dirty="0"/>
           </a:p>
         </p:txBody>
       </p:sp>
@@ -16700,7 +16667,7 @@
           <a:p>
             <a:fld id="{CEEDF3A4-9E04-435A-AB3C-4BCD61EBBCA9}" type="slidenum">
               <a:rPr lang="en-US" smtClean="0"/>
-              <a:t>35</a:t>
+              <a:t>34</a:t>
             </a:fld>
             <a:endParaRPr lang="en-US"/>
           </a:p>
@@ -16719,7 +16686,7 @@
 </p:sld>
 </file>
 
-<file path=ppt/slides/slide36.xml><?xml version="1.0" encoding="utf-8"?>
+<file path=ppt/slides/slide35.xml><?xml version="1.0" encoding="utf-8"?>
 <p:sld xmlns:a="http://schemas.openxmlformats.org/drawingml/2006/main" xmlns:r="http://schemas.openxmlformats.org/officeDocument/2006/relationships" xmlns:p="http://schemas.openxmlformats.org/presentationml/2006/main">
   <p:cSld>
     <p:spTree>
@@ -16752,7 +16719,12 @@
             <p:ph type="title"/>
           </p:nvPr>
         </p:nvSpPr>
-        <p:spPr/>
+        <p:spPr>
+          <a:xfrm>
+            <a:off x="838200" y="0"/>
+            <a:ext cx="10515600" cy="1325563"/>
+          </a:xfrm>
+        </p:spPr>
         <p:txBody>
           <a:bodyPr/>
           <a:lstStyle/>
@@ -16780,20 +16752,27 @@
             <p:ph idx="1"/>
           </p:nvPr>
         </p:nvSpPr>
-        <p:spPr/>
+        <p:spPr>
+          <a:xfrm>
+            <a:off x="463626" y="1131562"/>
+            <a:ext cx="11225269" cy="5224788"/>
+          </a:xfrm>
+        </p:spPr>
         <p:txBody>
-          <a:bodyPr/>
+          <a:bodyPr>
+            <a:normAutofit lnSpcReduction="10000"/>
+          </a:bodyPr>
           <a:lstStyle/>
           <a:p>
-            <a:pPr marL="0" indent="0">
+            <a:pPr marL="0" indent="0" algn="just">
               <a:buNone/>
             </a:pPr>
             <a:r>
-              <a:rPr lang="en-US" dirty="0"/>
+              <a:rPr lang="en-US" sz="3600" dirty="0"/>
               <a:t>2.</a:t>
             </a:r>
             <a:r>
-              <a:rPr lang="en-US" sz="1800" b="1" i="1" u="none" strike="noStrike" baseline="0" dirty="0">
+              <a:rPr lang="en-US" sz="2400" b="1" i="1" u="none" strike="noStrike" baseline="0" dirty="0">
                 <a:solidFill>
                   <a:srgbClr val="000000"/>
                 </a:solidFill>
@@ -16802,7 +16781,7 @@
               <a:t> </a:t>
             </a:r>
             <a:r>
-              <a:rPr lang="en-US" sz="1800" b="1" i="1" u="none" strike="noStrike" baseline="0" dirty="0">
+              <a:rPr lang="en-US" sz="2400" b="1" i="1" u="none" strike="noStrike" baseline="0" dirty="0">
                 <a:solidFill>
                   <a:srgbClr val="000000"/>
                 </a:solidFill>
@@ -16814,7 +16793,7 @@
           <a:p>
             <a:pPr algn="just"/>
             <a:r>
-              <a:rPr lang="en-US" sz="1800" u="none" strike="noStrike" baseline="0" dirty="0">
+              <a:rPr lang="en-US" sz="2400" u="none" strike="noStrike" baseline="0" dirty="0">
                 <a:solidFill>
                   <a:srgbClr val="000000"/>
                 </a:solidFill>
@@ -16823,7 +16802,7 @@
               <a:t>Once accessed to the company’s website </a:t>
             </a:r>
             <a:r>
-              <a:rPr lang="en-US" sz="1800" b="0" i="0" u="none" strike="noStrike" baseline="0" dirty="0">
+              <a:rPr lang="en-US" sz="2400" b="0" i="0" u="none" strike="noStrike" baseline="0" dirty="0">
                 <a:solidFill>
                   <a:srgbClr val="000000"/>
                 </a:solidFill>
@@ -16837,7 +16816,7 @@
               <a:buNone/>
             </a:pPr>
             <a:r>
-              <a:rPr lang="en-US" sz="1400" b="0" i="0" u="none" strike="noStrike" baseline="0" dirty="0">
+              <a:rPr lang="en-US" sz="1800" b="0" i="0" u="none" strike="noStrike" baseline="0" dirty="0">
                 <a:solidFill>
                   <a:srgbClr val="000000"/>
                 </a:solidFill>
@@ -16846,7 +16825,7 @@
               <a:t>•</a:t>
             </a:r>
             <a:r>
-              <a:rPr lang="en-US" sz="1800" b="0" i="0" u="none" strike="noStrike" baseline="0" dirty="0">
+              <a:rPr lang="en-US" b="0" i="0" u="none" strike="noStrike" baseline="0" dirty="0">
                 <a:solidFill>
                   <a:srgbClr val="000000"/>
                 </a:solidFill>
@@ -16860,7 +16839,7 @@
               <a:buNone/>
             </a:pPr>
             <a:r>
-              <a:rPr lang="en-US" sz="1800" b="0" i="0" u="none" strike="noStrike" baseline="0" dirty="0">
+              <a:rPr lang="en-US" b="0" i="0" u="none" strike="noStrike" baseline="0" dirty="0">
                 <a:solidFill>
                   <a:srgbClr val="000000"/>
                 </a:solidFill>
@@ -16874,7 +16853,7 @@
               <a:buNone/>
             </a:pPr>
             <a:r>
-              <a:rPr lang="en-US" sz="1800" b="0" i="0" u="none" strike="noStrike" baseline="0" dirty="0">
+              <a:rPr lang="en-US" b="0" i="0" u="none" strike="noStrike" baseline="0" dirty="0">
                 <a:solidFill>
                   <a:srgbClr val="000000"/>
                 </a:solidFill>
@@ -16883,7 +16862,7 @@
               <a:t>• Other areas to look at would be investor information, site maps, </a:t>
             </a:r>
             <a:r>
-              <a:rPr lang="en-US" sz="1800" b="0" i="0" u="none" strike="noStrike" baseline="0" dirty="0">
+              <a:rPr lang="en-US" b="0" i="0" u="none" strike="noStrike" baseline="0" dirty="0">
                 <a:solidFill>
                   <a:srgbClr val="000000"/>
                 </a:solidFill>
@@ -16892,7 +16871,7 @@
               <a:t>robots.txt</a:t>
             </a:r>
             <a:r>
-              <a:rPr lang="en-US" sz="1800" b="0" i="0" u="none" strike="noStrike" baseline="0" dirty="0">
+              <a:rPr lang="en-US" b="0" i="0" u="none" strike="noStrike" baseline="0" dirty="0">
                 <a:solidFill>
                   <a:srgbClr val="000000"/>
                 </a:solidFill>
@@ -16901,7 +16880,7 @@
               <a:t>, and job postings. </a:t>
             </a:r>
             <a:r>
-              <a:rPr lang="en-US" sz="1800" b="1" i="1" u="none" strike="noStrike" baseline="0" dirty="0">
+              <a:rPr lang="en-US" b="1" i="1" u="none" strike="noStrike" baseline="0" dirty="0">
                 <a:solidFill>
                   <a:srgbClr val="000000"/>
                 </a:solidFill>
@@ -16913,7 +16892,7 @@
           <a:p>
             <a:pPr algn="just"/>
             <a:r>
-              <a:rPr lang="en-US" sz="1800" b="0" i="0" u="none" strike="noStrike" baseline="0" dirty="0">
+              <a:rPr lang="en-US" sz="2400" b="0" i="0" u="none" strike="noStrike" baseline="0" dirty="0">
                 <a:solidFill>
                   <a:srgbClr val="000000"/>
                 </a:solidFill>
@@ -16925,7 +16904,7 @@
           <a:p>
             <a:pPr algn="just"/>
             <a:r>
-              <a:rPr lang="en-US" sz="1800" b="0" i="0" u="none" strike="noStrike" baseline="0" dirty="0">
+              <a:rPr lang="en-US" sz="2400" b="0" i="0" u="none" strike="noStrike" baseline="0" dirty="0">
                 <a:solidFill>
                   <a:srgbClr val="000000"/>
                 </a:solidFill>
@@ -16937,7 +16916,7 @@
           <a:p>
             <a:pPr algn="just"/>
             <a:r>
-              <a:rPr lang="en-US" sz="1800" b="0" i="0" u="none" strike="noStrike" baseline="0" dirty="0">
+              <a:rPr lang="en-US" sz="2400" b="0" i="0" u="none" strike="noStrike" baseline="0" dirty="0">
                 <a:solidFill>
                   <a:srgbClr val="000000"/>
                 </a:solidFill>
@@ -16945,7 +16924,7 @@
               </a:rPr>
               <a:t> This can be used for attackers looking for vulnerabilities. </a:t>
             </a:r>
-            <a:endParaRPr lang="en-US" sz="2200" dirty="0">
+            <a:endParaRPr lang="en-US" dirty="0">
               <a:latin typeface="Myriad Pro "/>
             </a:endParaRPr>
           </a:p>
@@ -16974,7 +16953,7 @@
           <a:p>
             <a:fld id="{CEEDF3A4-9E04-435A-AB3C-4BCD61EBBCA9}" type="slidenum">
               <a:rPr lang="en-US" smtClean="0"/>
-              <a:t>36</a:t>
+              <a:t>35</a:t>
             </a:fld>
             <a:endParaRPr lang="en-US"/>
           </a:p>
@@ -16993,7 +16972,7 @@
 </p:sld>
 </file>
 
-<file path=ppt/slides/slide37.xml><?xml version="1.0" encoding="utf-8"?>
+<file path=ppt/slides/slide36.xml><?xml version="1.0" encoding="utf-8"?>
 <p:sld xmlns:a="http://schemas.openxmlformats.org/drawingml/2006/main" xmlns:r="http://schemas.openxmlformats.org/officeDocument/2006/relationships" xmlns:p="http://schemas.openxmlformats.org/presentationml/2006/main">
   <p:cSld>
     <p:bg>
@@ -17562,25 +17541,27 @@
           </a:bodyPr>
           <a:lstStyle/>
           <a:p>
-            <a:r>
-              <a:rPr lang="en-US" sz="2600" b="0" i="0" u="none" strike="noStrike" baseline="0"/>
+            <a:pPr algn="just"/>
+            <a:r>
+              <a:rPr lang="en-US" b="0" i="0" u="none" strike="noStrike" baseline="0" dirty="0"/>
               <a:t>Take, for instance, the job opening excerpt in the following figure:</a:t>
             </a:r>
           </a:p>
           <a:p>
-            <a:r>
-              <a:rPr lang="en-US" sz="2600" b="0" i="0" u="none" strike="noStrike" baseline="0"/>
+            <a:pPr algn="just"/>
+            <a:r>
+              <a:rPr lang="en-US" b="0" i="0" u="none" strike="noStrike" baseline="0" dirty="0"/>
               <a:t>In this case, they are looking for a </a:t>
             </a:r>
             <a:r>
-              <a:rPr lang="en-US" sz="2600" b="0" i="1" u="none" strike="noStrike" baseline="0"/>
+              <a:rPr lang="en-US" b="0" i="1" u="none" strike="noStrike" baseline="0" dirty="0"/>
               <a:t>Checkpoint Firewall Analyst</a:t>
             </a:r>
             <a:r>
-              <a:rPr lang="en-US" sz="2600" b="0" i="0" u="none" strike="noStrike" baseline="0"/>
+              <a:rPr lang="en-US" b="0" i="0" u="none" strike="noStrike" baseline="0" dirty="0"/>
               <a:t>, which could mean the previous analyst left or they are busy enough to require more analysts and daily security review may be lacking providing an opportunity for exploitation.</a:t>
             </a:r>
-            <a:endParaRPr lang="en-US" sz="2600"/>
+            <a:endParaRPr lang="en-US" dirty="0"/>
           </a:p>
         </p:txBody>
       </p:sp>
@@ -17607,7 +17588,7 @@
           <a:p>
             <a:fld id="{CEEDF3A4-9E04-435A-AB3C-4BCD61EBBCA9}" type="slidenum">
               <a:rPr lang="en-US" smtClean="0"/>
-              <a:t>37</a:t>
+              <a:t>36</a:t>
             </a:fld>
             <a:endParaRPr lang="en-US"/>
           </a:p>
@@ -17626,7 +17607,7 @@
 </p:sld>
 </file>
 
-<file path=ppt/slides/slide38.xml><?xml version="1.0" encoding="utf-8"?>
+<file path=ppt/slides/slide37.xml><?xml version="1.0" encoding="utf-8"?>
 <p:sld xmlns:a="http://schemas.openxmlformats.org/drawingml/2006/main" xmlns:r="http://schemas.openxmlformats.org/officeDocument/2006/relationships" xmlns:p="http://schemas.openxmlformats.org/presentationml/2006/main">
   <p:cSld>
     <p:spTree>
@@ -17705,11 +17686,14 @@
         </p:nvSpPr>
         <p:spPr/>
         <p:txBody>
-          <a:bodyPr/>
+          <a:bodyPr>
+            <a:normAutofit lnSpcReduction="10000"/>
+          </a:bodyPr>
           <a:lstStyle/>
           <a:p>
-            <a:r>
-              <a:rPr lang="en-US" sz="1800" b="0" i="0" u="none" strike="noStrike" baseline="0" dirty="0">
+            <a:pPr algn="just"/>
+            <a:r>
+              <a:rPr lang="en-US" b="0" i="0" u="none" strike="noStrike" baseline="0" dirty="0">
                 <a:solidFill>
                   <a:srgbClr val="000000"/>
                 </a:solidFill>
@@ -17719,8 +17703,9 @@
             </a:r>
           </a:p>
           <a:p>
-            <a:r>
-              <a:rPr lang="en-US" sz="1800" b="0" i="0" u="none" strike="noStrike" baseline="0" dirty="0">
+            <a:pPr algn="just"/>
+            <a:r>
+              <a:rPr lang="en-US" b="0" i="0" u="none" strike="noStrike" baseline="0" dirty="0">
                 <a:solidFill>
                   <a:srgbClr val="000000"/>
                 </a:solidFill>
@@ -17729,7 +17714,7 @@
               <a:t> This is accessed through the </a:t>
             </a:r>
             <a:r>
-              <a:rPr lang="en-US" sz="1800" b="1" i="0" u="none" strike="noStrike" baseline="0" dirty="0">
+              <a:rPr lang="en-US" b="1" i="0" u="none" strike="noStrike" baseline="0" dirty="0">
                 <a:solidFill>
                   <a:srgbClr val="000000"/>
                 </a:solidFill>
@@ -17738,7 +17723,7 @@
               <a:t>View page source </a:t>
             </a:r>
             <a:r>
-              <a:rPr lang="en-US" sz="1800" b="0" i="0" u="none" strike="noStrike" baseline="0" dirty="0">
+              <a:rPr lang="en-US" b="0" i="0" u="none" strike="noStrike" baseline="0" dirty="0">
                 <a:solidFill>
                   <a:srgbClr val="000000"/>
                 </a:solidFill>
@@ -17748,8 +17733,9 @@
             </a:r>
           </a:p>
           <a:p>
-            <a:r>
-              <a:rPr lang="en-US" sz="1800" b="0" i="0" u="none" strike="noStrike" baseline="0" dirty="0">
+            <a:pPr algn="just"/>
+            <a:r>
+              <a:rPr lang="en-US" b="0" i="0" u="none" strike="noStrike" baseline="0" dirty="0">
                 <a:solidFill>
                   <a:srgbClr val="000000"/>
                 </a:solidFill>
@@ -17759,8 +17745,9 @@
             </a:r>
           </a:p>
           <a:p>
-            <a:r>
-              <a:rPr lang="en-US" sz="1800" b="0" i="0" u="none" strike="noStrike" baseline="0" dirty="0">
+            <a:pPr algn="just"/>
+            <a:r>
+              <a:rPr lang="en-US" b="0" i="0" u="none" strike="noStrike" baseline="0" dirty="0">
                 <a:solidFill>
                   <a:srgbClr val="000000"/>
                 </a:solidFill>
@@ -17768,7 +17755,7 @@
               </a:rPr>
               <a:t> Let’s look at the excerpt from a website’s source code and see what can be surmised:</a:t>
             </a:r>
-            <a:endParaRPr lang="en-US" dirty="0"/>
+            <a:endParaRPr lang="en-US" sz="4000" dirty="0"/>
           </a:p>
         </p:txBody>
       </p:sp>
@@ -17795,7 +17782,7 @@
           <a:p>
             <a:fld id="{CEEDF3A4-9E04-435A-AB3C-4BCD61EBBCA9}" type="slidenum">
               <a:rPr lang="en-US" smtClean="0"/>
-              <a:t>38</a:t>
+              <a:t>37</a:t>
             </a:fld>
             <a:endParaRPr lang="en-US"/>
           </a:p>
@@ -17814,7 +17801,7 @@
 </p:sld>
 </file>
 
-<file path=ppt/slides/slide39.xml><?xml version="1.0" encoding="utf-8"?>
+<file path=ppt/slides/slide38.xml><?xml version="1.0" encoding="utf-8"?>
 <p:sld xmlns:a="http://schemas.openxmlformats.org/drawingml/2006/main" xmlns:r="http://schemas.openxmlformats.org/officeDocument/2006/relationships" xmlns:p="http://schemas.openxmlformats.org/presentationml/2006/main">
   <p:cSld>
     <p:spTree>
@@ -17891,13 +17878,21 @@
             <p:ph sz="half" idx="1"/>
           </p:nvPr>
         </p:nvSpPr>
-        <p:spPr/>
+        <p:spPr>
+          <a:xfrm>
+            <a:off x="838200" y="1825625"/>
+            <a:ext cx="10515600" cy="4351338"/>
+          </a:xfrm>
+        </p:spPr>
         <p:txBody>
-          <a:bodyPr/>
+          <a:bodyPr>
+            <a:normAutofit fontScale="92500"/>
+          </a:bodyPr>
           <a:lstStyle/>
           <a:p>
-            <a:r>
-              <a:rPr lang="en-US" sz="1800" b="0" i="0" u="none" strike="noStrike" baseline="0" dirty="0">
+            <a:pPr algn="just"/>
+            <a:r>
+              <a:rPr lang="en-US" b="0" i="0" u="none" strike="noStrike" baseline="0" dirty="0">
                 <a:solidFill>
                   <a:srgbClr val="000000"/>
                 </a:solidFill>
@@ -17906,7 +17901,7 @@
               <a:t>Upon a review of the code, we can see references to two separate versions of </a:t>
             </a:r>
             <a:r>
-              <a:rPr lang="en-US" sz="1800" b="1" i="0" u="none" strike="noStrike" baseline="0" dirty="0">
+              <a:rPr lang="en-US" b="1" i="0" u="none" strike="noStrike" baseline="0" dirty="0">
                 <a:solidFill>
                   <a:srgbClr val="000000"/>
                 </a:solidFill>
@@ -17915,7 +17910,7 @@
               <a:t>jQuery</a:t>
             </a:r>
             <a:r>
-              <a:rPr lang="en-US" sz="1800" b="0" i="0" u="none" strike="noStrike" baseline="0" dirty="0">
+              <a:rPr lang="en-US" b="0" i="0" u="none" strike="noStrike" baseline="0" dirty="0">
                 <a:solidFill>
                   <a:srgbClr val="000000"/>
                 </a:solidFill>
@@ -17925,8 +17920,9 @@
             </a:r>
           </a:p>
           <a:p>
-            <a:r>
-              <a:rPr lang="en-US" sz="1800" b="0" i="0" u="none" strike="noStrike" baseline="0" dirty="0">
+            <a:pPr algn="just"/>
+            <a:r>
+              <a:rPr lang="en-US" b="0" i="0" u="none" strike="noStrike" baseline="0" dirty="0">
                 <a:solidFill>
                   <a:srgbClr val="000000"/>
                 </a:solidFill>
@@ -17935,7 +17931,7 @@
               <a:t>A quick search reveals </a:t>
             </a:r>
             <a:r>
-              <a:rPr lang="en-US" sz="1800" b="0" i="0" u="none" strike="noStrike" baseline="0" dirty="0" err="1">
+              <a:rPr lang="en-US" b="0" i="0" u="none" strike="noStrike" baseline="0" dirty="0" err="1">
                 <a:solidFill>
                   <a:srgbClr val="000000"/>
                 </a:solidFill>
@@ -17944,7 +17940,7 @@
               <a:t>JQuery</a:t>
             </a:r>
             <a:r>
-              <a:rPr lang="en-US" sz="1800" b="0" i="0" u="none" strike="noStrike" baseline="0" dirty="0">
+              <a:rPr lang="en-US" b="0" i="0" u="none" strike="noStrike" baseline="0" dirty="0">
                 <a:solidFill>
                   <a:srgbClr val="000000"/>
                 </a:solidFill>
@@ -17953,7 +17949,7 @@
               <a:t> itself is up past </a:t>
             </a:r>
             <a:r>
-              <a:rPr lang="en-US" sz="1800" b="0" i="1" u="none" strike="noStrike" baseline="0" dirty="0">
+              <a:rPr lang="en-US" b="0" i="1" u="none" strike="noStrike" baseline="0" dirty="0">
                 <a:solidFill>
                   <a:srgbClr val="000000"/>
                 </a:solidFill>
@@ -17962,7 +17958,7 @@
               <a:t>version 3</a:t>
             </a:r>
             <a:r>
-              <a:rPr lang="en-US" sz="1800" b="0" i="0" u="none" strike="noStrike" baseline="0" dirty="0">
+              <a:rPr lang="en-US" b="0" i="0" u="none" strike="noStrike" baseline="0" dirty="0">
                 <a:solidFill>
                   <a:srgbClr val="000000"/>
                 </a:solidFill>
@@ -17971,7 +17967,7 @@
               <a:t>, while these are using </a:t>
             </a:r>
             <a:r>
-              <a:rPr lang="en-US" sz="1800" b="0" i="1" u="none" strike="noStrike" baseline="0" dirty="0">
+              <a:rPr lang="en-US" b="0" i="1" u="none" strike="noStrike" baseline="0" dirty="0">
                 <a:solidFill>
                   <a:srgbClr val="000000"/>
                 </a:solidFill>
@@ -17980,7 +17976,7 @@
               <a:t>version 1</a:t>
             </a:r>
             <a:r>
-              <a:rPr lang="en-US" sz="1800" b="0" i="0" u="none" strike="noStrike" baseline="0" dirty="0">
+              <a:rPr lang="en-US" b="0" i="0" u="none" strike="noStrike" baseline="0" dirty="0">
                 <a:solidFill>
                   <a:srgbClr val="000000"/>
                 </a:solidFill>
@@ -17990,8 +17986,9 @@
             </a:r>
           </a:p>
           <a:p>
-            <a:r>
-              <a:rPr lang="en-US" sz="1800" b="0" i="0" u="none" strike="noStrike" baseline="0" dirty="0">
+            <a:pPr algn="just"/>
+            <a:r>
+              <a:rPr lang="en-US" b="0" i="0" u="none" strike="noStrike" baseline="0" dirty="0">
                 <a:solidFill>
                   <a:srgbClr val="000000"/>
                 </a:solidFill>
@@ -18001,8 +17998,9 @@
             </a:r>
           </a:p>
           <a:p>
-            <a:r>
-              <a:rPr lang="en-US" sz="1800" b="0" i="0" u="none" strike="noStrike" baseline="0" dirty="0">
+            <a:pPr algn="just"/>
+            <a:r>
+              <a:rPr lang="en-US" b="0" i="0" u="none" strike="noStrike" baseline="0" dirty="0">
                 <a:solidFill>
                   <a:srgbClr val="000000"/>
                 </a:solidFill>
@@ -18011,7 +18009,7 @@
               <a:t>Next, we also see the use of a plugin called </a:t>
             </a:r>
             <a:r>
-              <a:rPr lang="en-US" sz="1800" b="0" i="1" u="none" strike="noStrike" baseline="0" dirty="0" err="1">
+              <a:rPr lang="en-US" b="0" i="1" u="none" strike="noStrike" baseline="0" dirty="0" err="1">
                 <a:solidFill>
                   <a:srgbClr val="000000"/>
                 </a:solidFill>
@@ -18020,7 +18018,7 @@
               <a:t>fancybox</a:t>
             </a:r>
             <a:r>
-              <a:rPr lang="en-US" sz="1800" b="0" i="1" u="none" strike="noStrike" baseline="0" dirty="0">
+              <a:rPr lang="en-US" b="0" i="1" u="none" strike="noStrike" baseline="0" dirty="0">
                 <a:solidFill>
                   <a:srgbClr val="000000"/>
                 </a:solidFill>
@@ -18029,7 +18027,7 @@
               <a:t> </a:t>
             </a:r>
             <a:r>
-              <a:rPr lang="en-US" sz="1800" b="0" i="0" u="none" strike="noStrike" baseline="0" dirty="0">
+              <a:rPr lang="en-US" b="0" i="0" u="none" strike="noStrike" baseline="0" dirty="0">
                 <a:solidFill>
                   <a:srgbClr val="000000"/>
                 </a:solidFill>
@@ -18038,7 +18036,7 @@
               <a:t>and </a:t>
             </a:r>
             <a:r>
-              <a:rPr lang="en-US" sz="1800" b="0" i="1" u="none" strike="noStrike" baseline="0" dirty="0">
+              <a:rPr lang="en-US" b="0" i="1" u="none" strike="noStrike" baseline="0" dirty="0">
                 <a:solidFill>
                   <a:srgbClr val="000000"/>
                 </a:solidFill>
@@ -18047,7 +18045,7 @@
               <a:t>Bootstrap </a:t>
             </a:r>
             <a:r>
-              <a:rPr lang="en-US" sz="1800" b="0" i="0" u="none" strike="noStrike" baseline="0" dirty="0">
+              <a:rPr lang="en-US" b="0" i="0" u="none" strike="noStrike" baseline="0" dirty="0">
                 <a:solidFill>
                   <a:srgbClr val="000000"/>
                 </a:solidFill>
@@ -18057,8 +18055,9 @@
             </a:r>
           </a:p>
           <a:p>
-            <a:r>
-              <a:rPr lang="en-US" sz="1800" b="0" i="0" u="none" strike="noStrike" baseline="0" dirty="0">
+            <a:pPr algn="just"/>
+            <a:r>
+              <a:rPr lang="en-US" b="0" i="0" u="none" strike="noStrike" baseline="0" dirty="0">
                 <a:solidFill>
                   <a:srgbClr val="000000"/>
                 </a:solidFill>
@@ -18066,39 +18065,10 @@
               </a:rPr>
               <a:t>All of these, in addition to any comments found in the code, could be used as potential pivot points to either gather more information or as a point of exploitation of the website.</a:t>
             </a:r>
-            <a:endParaRPr lang="en-US" dirty="0"/>
+            <a:endParaRPr lang="en-US" sz="4000" dirty="0"/>
           </a:p>
         </p:txBody>
       </p:sp>
-      <p:pic>
-        <p:nvPicPr>
-          <p:cNvPr id="6" name="Content Placeholder 5">
-            <a:extLst>
-              <a:ext uri="{FF2B5EF4-FFF2-40B4-BE49-F238E27FC236}">
-                <a16:creationId xmlns:a16="http://schemas.microsoft.com/office/drawing/2014/main" id="{5322B6BD-1D05-B99B-E617-EBBDBCDB81BE}"/>
-              </a:ext>
-            </a:extLst>
-          </p:cNvPr>
-          <p:cNvPicPr>
-            <a:picLocks noGrp="1" noChangeAspect="1"/>
-          </p:cNvPicPr>
-          <p:nvPr>
-            <p:ph sz="half" idx="2"/>
-          </p:nvPr>
-        </p:nvPicPr>
-        <p:blipFill>
-          <a:blip r:embed="rId2"/>
-          <a:stretch>
-            <a:fillRect/>
-          </a:stretch>
-        </p:blipFill>
-        <p:spPr>
-          <a:xfrm>
-            <a:off x="6172200" y="2022764"/>
-            <a:ext cx="5181600" cy="3768436"/>
-          </a:xfrm>
-        </p:spPr>
-      </p:pic>
       <p:sp>
         <p:nvSpPr>
           <p:cNvPr id="7" name="Slide Number Placeholder 6">
@@ -18122,7 +18092,7 @@
           <a:p>
             <a:fld id="{CEEDF3A4-9E04-435A-AB3C-4BCD61EBBCA9}" type="slidenum">
               <a:rPr lang="en-US" smtClean="0"/>
-              <a:t>39</a:t>
+              <a:t>38</a:t>
             </a:fld>
             <a:endParaRPr lang="en-US"/>
           </a:p>
@@ -18132,6 +18102,351 @@
     <p:extLst>
       <p:ext uri="{BB962C8B-B14F-4D97-AF65-F5344CB8AC3E}">
         <p14:creationId xmlns:p14="http://schemas.microsoft.com/office/powerpoint/2010/main" val="4184740759"/>
+      </p:ext>
+    </p:extLst>
+  </p:cSld>
+  <p:clrMapOvr>
+    <a:masterClrMapping/>
+  </p:clrMapOvr>
+</p:sld>
+</file>
+
+<file path=ppt/slides/slide39.xml><?xml version="1.0" encoding="utf-8"?>
+<p:sld xmlns:a="http://schemas.openxmlformats.org/drawingml/2006/main" xmlns:r="http://schemas.openxmlformats.org/officeDocument/2006/relationships" xmlns:p="http://schemas.openxmlformats.org/presentationml/2006/main">
+  <p:cSld>
+    <p:spTree>
+      <p:nvGrpSpPr>
+        <p:cNvPr id="1" name=""/>
+        <p:cNvGrpSpPr/>
+        <p:nvPr/>
+      </p:nvGrpSpPr>
+      <p:grpSpPr>
+        <a:xfrm>
+          <a:off x="0" y="0"/>
+          <a:ext cx="0" cy="0"/>
+          <a:chOff x="0" y="0"/>
+          <a:chExt cx="0" cy="0"/>
+        </a:xfrm>
+      </p:grpSpPr>
+      <p:sp>
+        <p:nvSpPr>
+          <p:cNvPr id="5" name="Title 4">
+            <a:extLst>
+              <a:ext uri="{FF2B5EF4-FFF2-40B4-BE49-F238E27FC236}">
+                <a16:creationId xmlns:a16="http://schemas.microsoft.com/office/drawing/2014/main" id="{09236E25-1CA6-936F-20DB-E56F2FDC6BD5}"/>
+              </a:ext>
+            </a:extLst>
+          </p:cNvPr>
+          <p:cNvSpPr>
+            <a:spLocks noGrp="1"/>
+          </p:cNvSpPr>
+          <p:nvPr>
+            <p:ph type="title"/>
+          </p:nvPr>
+        </p:nvSpPr>
+        <p:spPr>
+          <a:xfrm>
+            <a:off x="838200" y="18255"/>
+            <a:ext cx="10515600" cy="1325563"/>
+          </a:xfrm>
+        </p:spPr>
+        <p:txBody>
+          <a:bodyPr>
+            <a:normAutofit/>
+          </a:bodyPr>
+          <a:lstStyle/>
+          <a:p>
+            <a:r>
+              <a:rPr lang="en-US" sz="2400" b="1" i="1" u="none" strike="noStrike" baseline="0" dirty="0">
+                <a:solidFill>
+                  <a:srgbClr val="000000"/>
+                </a:solidFill>
+                <a:latin typeface="Myriad Pro "/>
+              </a:rPr>
+              <a:t>Organizational website information and reconnaissance tools (Cont..)</a:t>
+            </a:r>
+            <a:br>
+              <a:rPr lang="en-US" sz="2400" b="1" i="1" u="none" strike="noStrike" baseline="0" dirty="0">
+                <a:solidFill>
+                  <a:srgbClr val="000000"/>
+                </a:solidFill>
+                <a:latin typeface="Myriad Pro "/>
+              </a:rPr>
+            </a:br>
+            <a:endParaRPr lang="en-US" sz="2400" dirty="0"/>
+          </a:p>
+        </p:txBody>
+      </p:sp>
+      <p:sp>
+        <p:nvSpPr>
+          <p:cNvPr id="3" name="Content Placeholder 2">
+            <a:extLst>
+              <a:ext uri="{FF2B5EF4-FFF2-40B4-BE49-F238E27FC236}">
+                <a16:creationId xmlns:a16="http://schemas.microsoft.com/office/drawing/2014/main" id="{236A9230-38EA-CEE3-BA04-BA5848491B34}"/>
+              </a:ext>
+            </a:extLst>
+          </p:cNvPr>
+          <p:cNvSpPr>
+            <a:spLocks noGrp="1"/>
+          </p:cNvSpPr>
+          <p:nvPr>
+            <p:ph idx="1"/>
+          </p:nvPr>
+        </p:nvSpPr>
+        <p:spPr>
+          <a:xfrm>
+            <a:off x="529727" y="1054444"/>
+            <a:ext cx="11115101" cy="5301905"/>
+          </a:xfrm>
+        </p:spPr>
+        <p:txBody>
+          <a:bodyPr>
+            <a:normAutofit fontScale="92500" lnSpcReduction="10000"/>
+          </a:bodyPr>
+          <a:lstStyle/>
+          <a:p>
+            <a:pPr algn="just"/>
+            <a:r>
+              <a:rPr lang="en-US" sz="2000" b="0" i="0" u="none" strike="noStrike" baseline="0" dirty="0">
+                <a:solidFill>
+                  <a:srgbClr val="000000"/>
+                </a:solidFill>
+                <a:latin typeface="Minion Pro"/>
+              </a:rPr>
+              <a:t>The last area for collecting information from the company/target website is documents and pictures. </a:t>
+            </a:r>
+          </a:p>
+          <a:p>
+            <a:pPr algn="just"/>
+            <a:r>
+              <a:rPr lang="en-US" sz="2000" b="0" i="0" u="none" strike="noStrike" baseline="0" dirty="0">
+                <a:solidFill>
+                  <a:srgbClr val="000000"/>
+                </a:solidFill>
+                <a:latin typeface="Minion Pro"/>
+              </a:rPr>
+              <a:t>Let’s look at what we can find.</a:t>
+            </a:r>
+          </a:p>
+          <a:p>
+            <a:pPr algn="just"/>
+            <a:r>
+              <a:rPr lang="en-US" sz="2000" b="1" i="1" u="none" strike="noStrike" baseline="0" dirty="0">
+                <a:solidFill>
+                  <a:srgbClr val="000000"/>
+                </a:solidFill>
+                <a:latin typeface="Myriad Pro "/>
+              </a:rPr>
+              <a:t>Document metadata</a:t>
+            </a:r>
+            <a:r>
+              <a:rPr lang="en-US" sz="2000" b="1" i="1" u="none" strike="noStrike" baseline="0" dirty="0">
+                <a:solidFill>
+                  <a:srgbClr val="000000"/>
+                </a:solidFill>
+                <a:latin typeface="Myriad Pro Light"/>
+              </a:rPr>
+              <a:t> </a:t>
+            </a:r>
+            <a:endParaRPr lang="en-US" sz="2000" b="0" i="0" u="none" strike="noStrike" baseline="0" dirty="0">
+              <a:solidFill>
+                <a:srgbClr val="000000"/>
+              </a:solidFill>
+              <a:latin typeface="Myriad Pro Light"/>
+            </a:endParaRPr>
+          </a:p>
+          <a:p>
+            <a:pPr algn="just"/>
+            <a:r>
+              <a:rPr lang="en-US" sz="2000" b="0" i="0" u="none" strike="noStrike" baseline="0" dirty="0">
+                <a:solidFill>
+                  <a:srgbClr val="000000"/>
+                </a:solidFill>
+                <a:latin typeface="Minion Pro"/>
+              </a:rPr>
+              <a:t>When pictures and documents are created, the software that generates the file embeds a great deal of information into the files, with most of it being the expected data that represents the file. </a:t>
+            </a:r>
+          </a:p>
+          <a:p>
+            <a:pPr algn="just"/>
+            <a:r>
+              <a:rPr lang="en-US" sz="2000" b="0" i="0" u="none" strike="noStrike" baseline="0" dirty="0">
+                <a:solidFill>
+                  <a:srgbClr val="000000"/>
+                </a:solidFill>
+                <a:latin typeface="Minion Pro"/>
+              </a:rPr>
+              <a:t>However, there is a data subcomponent called </a:t>
+            </a:r>
+            <a:r>
+              <a:rPr lang="en-US" sz="2000" b="1" i="0" u="none" strike="noStrike" baseline="0" dirty="0">
+                <a:solidFill>
+                  <a:srgbClr val="000000"/>
+                </a:solidFill>
+                <a:latin typeface="Minion Pro"/>
+              </a:rPr>
+              <a:t>metadata</a:t>
+            </a:r>
+            <a:r>
+              <a:rPr lang="en-US" sz="2000" b="0" i="0" u="none" strike="noStrike" baseline="0" dirty="0">
+                <a:solidFill>
+                  <a:srgbClr val="000000"/>
+                </a:solidFill>
+                <a:latin typeface="Minion Pro"/>
+              </a:rPr>
+              <a:t>. </a:t>
+            </a:r>
+          </a:p>
+          <a:p>
+            <a:pPr algn="just"/>
+            <a:r>
+              <a:rPr lang="en-US" sz="2000" b="0" i="0" u="none" strike="noStrike" baseline="0" dirty="0">
+                <a:solidFill>
+                  <a:srgbClr val="000000"/>
+                </a:solidFill>
+                <a:latin typeface="Minion Pro"/>
+              </a:rPr>
+              <a:t>Metadata in its simplest form is </a:t>
+            </a:r>
+            <a:r>
+              <a:rPr lang="en-US" sz="2000" b="0" i="1" u="none" strike="noStrike" baseline="0" dirty="0">
+                <a:solidFill>
+                  <a:srgbClr val="000000"/>
+                </a:solidFill>
+                <a:latin typeface="Minion Pro"/>
+              </a:rPr>
+              <a:t>data about data</a:t>
+            </a:r>
+            <a:r>
+              <a:rPr lang="en-US" sz="2000" b="0" i="0" u="none" strike="noStrike" baseline="0" dirty="0">
+                <a:solidFill>
+                  <a:srgbClr val="000000"/>
+                </a:solidFill>
+                <a:latin typeface="Minion Pro"/>
+              </a:rPr>
+              <a:t>. What does that mean? Well, it is data about the file including things such as name, date created, application, and even location. </a:t>
+            </a:r>
+          </a:p>
+          <a:p>
+            <a:pPr algn="just"/>
+            <a:r>
+              <a:rPr lang="en-US" sz="2000" b="0" i="0" u="none" strike="noStrike" baseline="0" dirty="0">
+                <a:solidFill>
+                  <a:srgbClr val="000000"/>
+                </a:solidFill>
+                <a:latin typeface="Minion Pro"/>
+              </a:rPr>
+              <a:t>Almost every document type has some form of metadata in it; however, some are richer than others. For example:</a:t>
+            </a:r>
+          </a:p>
+          <a:p>
+            <a:pPr algn="just"/>
+            <a:r>
+              <a:rPr lang="en-US" sz="2000" b="1" i="0" u="none" strike="noStrike" baseline="0" dirty="0">
+                <a:solidFill>
+                  <a:srgbClr val="000000"/>
+                </a:solidFill>
+                <a:latin typeface="Minion Pro"/>
+              </a:rPr>
+              <a:t>.pdf files</a:t>
+            </a:r>
+            <a:r>
+              <a:rPr lang="en-US" sz="2000" b="0" i="0" u="none" strike="noStrike" baseline="0" dirty="0">
+                <a:solidFill>
+                  <a:srgbClr val="000000"/>
+                </a:solidFill>
+                <a:latin typeface="Minion Pro"/>
+              </a:rPr>
+              <a:t>: These files are associated with Acrobat Reader but can be created by several applications, including Microsoft Word. </a:t>
+            </a:r>
+          </a:p>
+          <a:p>
+            <a:pPr algn="just"/>
+            <a:r>
+              <a:rPr lang="en-US" sz="2000" b="0" i="0" u="none" strike="noStrike" baseline="0" dirty="0">
+                <a:solidFill>
+                  <a:srgbClr val="000000"/>
+                </a:solidFill>
+                <a:latin typeface="Minion Pro"/>
+              </a:rPr>
+              <a:t> </a:t>
+            </a:r>
+            <a:r>
+              <a:rPr lang="en-US" sz="2000" b="1" i="0" u="none" strike="noStrike" baseline="0" dirty="0">
+                <a:solidFill>
+                  <a:srgbClr val="000000"/>
+                </a:solidFill>
+                <a:latin typeface="Minion Pro"/>
+              </a:rPr>
+              <a:t>.doc, .dot, and .docx files</a:t>
+            </a:r>
+            <a:r>
+              <a:rPr lang="en-US" sz="2000" b="0" i="0" u="none" strike="noStrike" baseline="0" dirty="0">
+                <a:solidFill>
+                  <a:srgbClr val="000000"/>
+                </a:solidFill>
+                <a:latin typeface="Minion Pro"/>
+              </a:rPr>
+              <a:t>: These files are associated with Microsoft Word but can also be created by other applications, including OpenOffice and LibreOffice.</a:t>
+            </a:r>
+          </a:p>
+          <a:p>
+            <a:pPr algn="just"/>
+            <a:r>
+              <a:rPr lang="en-US" sz="2000" b="1" i="0" u="none" strike="noStrike" baseline="0" dirty="0">
+                <a:solidFill>
+                  <a:srgbClr val="000000"/>
+                </a:solidFill>
+                <a:latin typeface="Minion Pro"/>
+              </a:rPr>
+              <a:t>.jpg and .jpeg files</a:t>
+            </a:r>
+            <a:r>
+              <a:rPr lang="en-US" sz="2000" b="0" i="0" u="none" strike="noStrike" baseline="0" dirty="0">
+                <a:solidFill>
+                  <a:srgbClr val="000000"/>
+                </a:solidFill>
+                <a:latin typeface="Minion Pro"/>
+              </a:rPr>
+              <a:t>: These image files are usually related to photographs and can contain information that most files do not, including the type of camera, what imaging software processed the photo, and in some cases, the exact location where the picture was taken.</a:t>
+            </a:r>
+            <a:endParaRPr lang="en-US" sz="3200" dirty="0"/>
+          </a:p>
+        </p:txBody>
+      </p:sp>
+      <p:sp>
+        <p:nvSpPr>
+          <p:cNvPr id="6" name="Slide Number Placeholder 5">
+            <a:extLst>
+              <a:ext uri="{FF2B5EF4-FFF2-40B4-BE49-F238E27FC236}">
+                <a16:creationId xmlns:a16="http://schemas.microsoft.com/office/drawing/2014/main" id="{5DB44411-B0AF-27E8-0B82-98B16BDD20CA}"/>
+              </a:ext>
+            </a:extLst>
+          </p:cNvPr>
+          <p:cNvSpPr>
+            <a:spLocks noGrp="1"/>
+          </p:cNvSpPr>
+          <p:nvPr>
+            <p:ph type="sldNum" sz="quarter" idx="12"/>
+          </p:nvPr>
+        </p:nvSpPr>
+        <p:spPr/>
+        <p:txBody>
+          <a:bodyPr/>
+          <a:lstStyle/>
+          <a:p>
+            <a:fld id="{CEEDF3A4-9E04-435A-AB3C-4BCD61EBBCA9}" type="slidenum">
+              <a:rPr lang="en-US" smtClean="0"/>
+              <a:t>39</a:t>
+            </a:fld>
+            <a:endParaRPr lang="en-US"/>
+          </a:p>
+        </p:txBody>
+      </p:sp>
+    </p:spTree>
+    <p:extLst>
+      <p:ext uri="{BB962C8B-B14F-4D97-AF65-F5344CB8AC3E}">
+        <p14:creationId xmlns:p14="http://schemas.microsoft.com/office/powerpoint/2010/main" val="845137605"/>
       </p:ext>
     </p:extLst>
   </p:cSld>
@@ -18366,338 +18681,6 @@
       </p:grpSpPr>
       <p:sp>
         <p:nvSpPr>
-          <p:cNvPr id="5" name="Title 4">
-            <a:extLst>
-              <a:ext uri="{FF2B5EF4-FFF2-40B4-BE49-F238E27FC236}">
-                <a16:creationId xmlns:a16="http://schemas.microsoft.com/office/drawing/2014/main" id="{09236E25-1CA6-936F-20DB-E56F2FDC6BD5}"/>
-              </a:ext>
-            </a:extLst>
-          </p:cNvPr>
-          <p:cNvSpPr>
-            <a:spLocks noGrp="1"/>
-          </p:cNvSpPr>
-          <p:nvPr>
-            <p:ph type="title"/>
-          </p:nvPr>
-        </p:nvSpPr>
-        <p:spPr/>
-        <p:txBody>
-          <a:bodyPr>
-            <a:normAutofit/>
-          </a:bodyPr>
-          <a:lstStyle/>
-          <a:p>
-            <a:r>
-              <a:rPr lang="en-US" sz="2400" b="1" i="1" u="none" strike="noStrike" baseline="0" dirty="0">
-                <a:solidFill>
-                  <a:srgbClr val="000000"/>
-                </a:solidFill>
-                <a:latin typeface="Myriad Pro "/>
-              </a:rPr>
-              <a:t>Organizational website information and reconnaissance tools (Cont..)</a:t>
-            </a:r>
-            <a:br>
-              <a:rPr lang="en-US" sz="2400" b="1" i="1" u="none" strike="noStrike" baseline="0" dirty="0">
-                <a:solidFill>
-                  <a:srgbClr val="000000"/>
-                </a:solidFill>
-                <a:latin typeface="Myriad Pro "/>
-              </a:rPr>
-            </a:br>
-            <a:endParaRPr lang="en-US" sz="2400" dirty="0"/>
-          </a:p>
-        </p:txBody>
-      </p:sp>
-      <p:sp>
-        <p:nvSpPr>
-          <p:cNvPr id="3" name="Content Placeholder 2">
-            <a:extLst>
-              <a:ext uri="{FF2B5EF4-FFF2-40B4-BE49-F238E27FC236}">
-                <a16:creationId xmlns:a16="http://schemas.microsoft.com/office/drawing/2014/main" id="{236A9230-38EA-CEE3-BA04-BA5848491B34}"/>
-              </a:ext>
-            </a:extLst>
-          </p:cNvPr>
-          <p:cNvSpPr>
-            <a:spLocks noGrp="1"/>
-          </p:cNvSpPr>
-          <p:nvPr>
-            <p:ph idx="1"/>
-          </p:nvPr>
-        </p:nvSpPr>
-        <p:spPr/>
-        <p:txBody>
-          <a:bodyPr>
-            <a:normAutofit fontScale="92500" lnSpcReduction="20000"/>
-          </a:bodyPr>
-          <a:lstStyle/>
-          <a:p>
-            <a:r>
-              <a:rPr lang="en-US" sz="1800" b="0" i="0" u="none" strike="noStrike" baseline="0" dirty="0">
-                <a:solidFill>
-                  <a:srgbClr val="000000"/>
-                </a:solidFill>
-                <a:latin typeface="Minion Pro"/>
-              </a:rPr>
-              <a:t>The last area for collecting information from the company/target website is documents and pictures. </a:t>
-            </a:r>
-          </a:p>
-          <a:p>
-            <a:r>
-              <a:rPr lang="en-US" sz="1800" b="0" i="0" u="none" strike="noStrike" baseline="0" dirty="0">
-                <a:solidFill>
-                  <a:srgbClr val="000000"/>
-                </a:solidFill>
-                <a:latin typeface="Minion Pro"/>
-              </a:rPr>
-              <a:t>Let’s look at what we can find.</a:t>
-            </a:r>
-          </a:p>
-          <a:p>
-            <a:r>
-              <a:rPr lang="en-US" sz="1800" b="1" i="1" u="none" strike="noStrike" baseline="0" dirty="0">
-                <a:solidFill>
-                  <a:srgbClr val="000000"/>
-                </a:solidFill>
-                <a:latin typeface="Myriad Pro "/>
-              </a:rPr>
-              <a:t>Document metadata</a:t>
-            </a:r>
-            <a:r>
-              <a:rPr lang="en-US" sz="1800" b="1" i="1" u="none" strike="noStrike" baseline="0" dirty="0">
-                <a:solidFill>
-                  <a:srgbClr val="000000"/>
-                </a:solidFill>
-                <a:latin typeface="Myriad Pro Light"/>
-              </a:rPr>
-              <a:t> </a:t>
-            </a:r>
-            <a:endParaRPr lang="en-US" sz="1800" b="0" i="0" u="none" strike="noStrike" baseline="0" dirty="0">
-              <a:solidFill>
-                <a:srgbClr val="000000"/>
-              </a:solidFill>
-              <a:latin typeface="Myriad Pro Light"/>
-            </a:endParaRPr>
-          </a:p>
-          <a:p>
-            <a:pPr algn="just"/>
-            <a:r>
-              <a:rPr lang="en-US" sz="1800" b="0" i="0" u="none" strike="noStrike" baseline="0" dirty="0">
-                <a:solidFill>
-                  <a:srgbClr val="000000"/>
-                </a:solidFill>
-                <a:latin typeface="Minion Pro"/>
-              </a:rPr>
-              <a:t>When pictures and documents are created, the software that generates the file embeds a great deal of information into the files, with most of it being the expected data that represents the file. </a:t>
-            </a:r>
-          </a:p>
-          <a:p>
-            <a:pPr algn="just"/>
-            <a:r>
-              <a:rPr lang="en-US" sz="1800" b="0" i="0" u="none" strike="noStrike" baseline="0" dirty="0">
-                <a:solidFill>
-                  <a:srgbClr val="000000"/>
-                </a:solidFill>
-                <a:latin typeface="Minion Pro"/>
-              </a:rPr>
-              <a:t>However, there is a data subcomponent called </a:t>
-            </a:r>
-            <a:r>
-              <a:rPr lang="en-US" sz="1800" b="1" i="0" u="none" strike="noStrike" baseline="0" dirty="0">
-                <a:solidFill>
-                  <a:srgbClr val="000000"/>
-                </a:solidFill>
-                <a:latin typeface="Minion Pro"/>
-              </a:rPr>
-              <a:t>metadata</a:t>
-            </a:r>
-            <a:r>
-              <a:rPr lang="en-US" sz="1800" b="0" i="0" u="none" strike="noStrike" baseline="0" dirty="0">
-                <a:solidFill>
-                  <a:srgbClr val="000000"/>
-                </a:solidFill>
-                <a:latin typeface="Minion Pro"/>
-              </a:rPr>
-              <a:t>. </a:t>
-            </a:r>
-          </a:p>
-          <a:p>
-            <a:pPr algn="just"/>
-            <a:r>
-              <a:rPr lang="en-US" sz="1800" b="0" i="0" u="none" strike="noStrike" baseline="0" dirty="0">
-                <a:solidFill>
-                  <a:srgbClr val="000000"/>
-                </a:solidFill>
-                <a:latin typeface="Minion Pro"/>
-              </a:rPr>
-              <a:t>Metadata in its simplest form is </a:t>
-            </a:r>
-            <a:r>
-              <a:rPr lang="en-US" sz="1800" b="0" i="1" u="none" strike="noStrike" baseline="0" dirty="0">
-                <a:solidFill>
-                  <a:srgbClr val="000000"/>
-                </a:solidFill>
-                <a:latin typeface="Minion Pro"/>
-              </a:rPr>
-              <a:t>data about data</a:t>
-            </a:r>
-            <a:r>
-              <a:rPr lang="en-US" sz="1800" b="0" i="0" u="none" strike="noStrike" baseline="0" dirty="0">
-                <a:solidFill>
-                  <a:srgbClr val="000000"/>
-                </a:solidFill>
-                <a:latin typeface="Minion Pro"/>
-              </a:rPr>
-              <a:t>. What does that mean? Well, it is data about the file including things such as name, date created, application, and even location. </a:t>
-            </a:r>
-          </a:p>
-          <a:p>
-            <a:pPr algn="just"/>
-            <a:r>
-              <a:rPr lang="en-US" sz="1800" b="0" i="0" u="none" strike="noStrike" baseline="0" dirty="0">
-                <a:solidFill>
-                  <a:srgbClr val="000000"/>
-                </a:solidFill>
-                <a:latin typeface="Minion Pro"/>
-              </a:rPr>
-              <a:t>Almost every document type has some form of metadata in it; however, some are richer than others. For example:</a:t>
-            </a:r>
-          </a:p>
-          <a:p>
-            <a:pPr algn="just"/>
-            <a:r>
-              <a:rPr lang="en-US" sz="1800" b="1" i="0" u="none" strike="noStrike" baseline="0" dirty="0">
-                <a:solidFill>
-                  <a:srgbClr val="000000"/>
-                </a:solidFill>
-                <a:latin typeface="Minion Pro"/>
-              </a:rPr>
-              <a:t>.pdf files</a:t>
-            </a:r>
-            <a:r>
-              <a:rPr lang="en-US" sz="1800" b="0" i="0" u="none" strike="noStrike" baseline="0" dirty="0">
-                <a:solidFill>
-                  <a:srgbClr val="000000"/>
-                </a:solidFill>
-                <a:latin typeface="Minion Pro"/>
-              </a:rPr>
-              <a:t>: These files are associated with Acrobat Reader but can be created by several applications, including Microsoft Word. </a:t>
-            </a:r>
-          </a:p>
-          <a:p>
-            <a:pPr algn="just"/>
-            <a:r>
-              <a:rPr lang="en-US" sz="1800" b="0" i="0" u="none" strike="noStrike" baseline="0" dirty="0">
-                <a:solidFill>
-                  <a:srgbClr val="000000"/>
-                </a:solidFill>
-                <a:latin typeface="Minion Pro"/>
-              </a:rPr>
-              <a:t> </a:t>
-            </a:r>
-            <a:r>
-              <a:rPr lang="en-US" sz="1800" b="1" i="0" u="none" strike="noStrike" baseline="0" dirty="0">
-                <a:solidFill>
-                  <a:srgbClr val="000000"/>
-                </a:solidFill>
-                <a:latin typeface="Minion Pro"/>
-              </a:rPr>
-              <a:t>.doc, .dot, and .docx files</a:t>
-            </a:r>
-            <a:r>
-              <a:rPr lang="en-US" sz="1800" b="0" i="0" u="none" strike="noStrike" baseline="0" dirty="0">
-                <a:solidFill>
-                  <a:srgbClr val="000000"/>
-                </a:solidFill>
-                <a:latin typeface="Minion Pro"/>
-              </a:rPr>
-              <a:t>: These files are associated with Microsoft Word but can also be created by other applications, including OpenOffice and LibreOffice.</a:t>
-            </a:r>
-          </a:p>
-          <a:p>
-            <a:pPr algn="just"/>
-            <a:r>
-              <a:rPr lang="en-US" sz="1800" b="1" i="0" u="none" strike="noStrike" baseline="0" dirty="0">
-                <a:solidFill>
-                  <a:srgbClr val="000000"/>
-                </a:solidFill>
-                <a:latin typeface="Minion Pro"/>
-              </a:rPr>
-              <a:t>.jpg and .jpeg files</a:t>
-            </a:r>
-            <a:r>
-              <a:rPr lang="en-US" sz="1800" b="0" i="0" u="none" strike="noStrike" baseline="0" dirty="0">
-                <a:solidFill>
-                  <a:srgbClr val="000000"/>
-                </a:solidFill>
-                <a:latin typeface="Minion Pro"/>
-              </a:rPr>
-              <a:t>: These image files are usually related to photographs and can contain information that most files do not, including the type of camera, what imaging software processed the photo, and in some cases, the exact location where the picture was taken.</a:t>
-            </a:r>
-            <a:endParaRPr lang="en-US" dirty="0"/>
-          </a:p>
-        </p:txBody>
-      </p:sp>
-      <p:sp>
-        <p:nvSpPr>
-          <p:cNvPr id="6" name="Slide Number Placeholder 5">
-            <a:extLst>
-              <a:ext uri="{FF2B5EF4-FFF2-40B4-BE49-F238E27FC236}">
-                <a16:creationId xmlns:a16="http://schemas.microsoft.com/office/drawing/2014/main" id="{5DB44411-B0AF-27E8-0B82-98B16BDD20CA}"/>
-              </a:ext>
-            </a:extLst>
-          </p:cNvPr>
-          <p:cNvSpPr>
-            <a:spLocks noGrp="1"/>
-          </p:cNvSpPr>
-          <p:nvPr>
-            <p:ph type="sldNum" sz="quarter" idx="12"/>
-          </p:nvPr>
-        </p:nvSpPr>
-        <p:spPr/>
-        <p:txBody>
-          <a:bodyPr/>
-          <a:lstStyle/>
-          <a:p>
-            <a:fld id="{CEEDF3A4-9E04-435A-AB3C-4BCD61EBBCA9}" type="slidenum">
-              <a:rPr lang="en-US" smtClean="0"/>
-              <a:t>40</a:t>
-            </a:fld>
-            <a:endParaRPr lang="en-US"/>
-          </a:p>
-        </p:txBody>
-      </p:sp>
-    </p:spTree>
-    <p:extLst>
-      <p:ext uri="{BB962C8B-B14F-4D97-AF65-F5344CB8AC3E}">
-        <p14:creationId xmlns:p14="http://schemas.microsoft.com/office/powerpoint/2010/main" val="845137605"/>
-      </p:ext>
-    </p:extLst>
-  </p:cSld>
-  <p:clrMapOvr>
-    <a:masterClrMapping/>
-  </p:clrMapOvr>
-</p:sld>
-</file>
-
-<file path=ppt/slides/slide41.xml><?xml version="1.0" encoding="utf-8"?>
-<p:sld xmlns:a="http://schemas.openxmlformats.org/drawingml/2006/main" xmlns:r="http://schemas.openxmlformats.org/officeDocument/2006/relationships" xmlns:p="http://schemas.openxmlformats.org/presentationml/2006/main">
-  <p:cSld>
-    <p:spTree>
-      <p:nvGrpSpPr>
-        <p:cNvPr id="1" name=""/>
-        <p:cNvGrpSpPr/>
-        <p:nvPr/>
-      </p:nvGrpSpPr>
-      <p:grpSpPr>
-        <a:xfrm>
-          <a:off x="0" y="0"/>
-          <a:ext cx="0" cy="0"/>
-          <a:chOff x="0" y="0"/>
-          <a:chExt cx="0" cy="0"/>
-        </a:xfrm>
-      </p:grpSpPr>
-      <p:sp>
-        <p:nvSpPr>
           <p:cNvPr id="2" name="Title 1">
             <a:extLst>
               <a:ext uri="{FF2B5EF4-FFF2-40B4-BE49-F238E27FC236}">
@@ -18712,7 +18695,12 @@
             <p:ph type="title"/>
           </p:nvPr>
         </p:nvSpPr>
-        <p:spPr/>
+        <p:spPr>
+          <a:xfrm>
+            <a:off x="838200" y="0"/>
+            <a:ext cx="10515600" cy="1325563"/>
+          </a:xfrm>
+        </p:spPr>
         <p:txBody>
           <a:bodyPr>
             <a:normAutofit/>
@@ -18726,7 +18714,7 @@
                 </a:solidFill>
                 <a:latin typeface="Myriad Pro "/>
               </a:rPr>
-              <a:t>Organizational website information and reconnaissance tools (Cont..)</a:t>
+              <a:t>Organizational website information and reconnaissance tools</a:t>
             </a:r>
             <a:br>
               <a:rPr lang="en-US" sz="2800" b="1" i="1" u="none" strike="noStrike" baseline="0" dirty="0">
@@ -18756,13 +18744,21 @@
             <p:ph idx="1"/>
           </p:nvPr>
         </p:nvSpPr>
-        <p:spPr/>
+        <p:spPr>
+          <a:xfrm>
+            <a:off x="441591" y="944276"/>
+            <a:ext cx="11280355" cy="5412074"/>
+          </a:xfrm>
+        </p:spPr>
         <p:txBody>
-          <a:bodyPr/>
+          <a:bodyPr>
+            <a:normAutofit fontScale="92500" lnSpcReduction="10000"/>
+          </a:bodyPr>
           <a:lstStyle/>
           <a:p>
-            <a:r>
-              <a:rPr lang="en-US" sz="1800" b="1" i="0" u="none" strike="noStrike" baseline="0" dirty="0">
+            <a:pPr algn="just"/>
+            <a:r>
+              <a:rPr lang="en-US" b="1" i="0" u="none" strike="noStrike" baseline="0" dirty="0">
                 <a:solidFill>
                   <a:srgbClr val="000000"/>
                 </a:solidFill>
@@ -18771,7 +18767,7 @@
               <a:t>Accessing hidden information</a:t>
             </a:r>
             <a:r>
-              <a:rPr lang="en-US" sz="1800" b="1" i="0" u="none" strike="noStrike" baseline="0" dirty="0">
+              <a:rPr lang="en-US" b="1" i="0" u="none" strike="noStrike" baseline="0" dirty="0">
                 <a:solidFill>
                   <a:srgbClr val="000000"/>
                 </a:solidFill>
@@ -18779,7 +18775,7 @@
               </a:rPr>
               <a:t> </a:t>
             </a:r>
-            <a:endParaRPr lang="en-US" sz="1800" b="0" i="0" u="none" strike="noStrike" baseline="0" dirty="0">
+            <a:endParaRPr lang="en-US" b="0" i="0" u="none" strike="noStrike" baseline="0" dirty="0">
               <a:solidFill>
                 <a:srgbClr val="000000"/>
               </a:solidFill>
@@ -18789,7 +18785,7 @@
           <a:p>
             <a:pPr algn="just"/>
             <a:r>
-              <a:rPr lang="en-US" sz="1800" b="0" i="0" u="none" strike="noStrike" baseline="0" dirty="0">
+              <a:rPr lang="en-US" b="0" i="0" u="none" strike="noStrike" baseline="0" dirty="0">
                 <a:solidFill>
                   <a:srgbClr val="000000"/>
                 </a:solidFill>
@@ -18801,7 +18797,7 @@
           <a:p>
             <a:pPr algn="just"/>
             <a:r>
-              <a:rPr lang="en-US" sz="1800" b="0" i="0" u="none" strike="noStrike" baseline="0" dirty="0">
+              <a:rPr lang="en-US" b="0" i="0" u="none" strike="noStrike" baseline="0" dirty="0">
                 <a:solidFill>
                   <a:srgbClr val="000000"/>
                 </a:solidFill>
@@ -18813,7 +18809,7 @@
           <a:p>
             <a:pPr algn="just"/>
             <a:r>
-              <a:rPr lang="en-US" sz="1800" b="0" i="0" u="none" strike="noStrike" baseline="0" dirty="0">
+              <a:rPr lang="en-US" b="0" i="0" u="none" strike="noStrike" baseline="0" dirty="0">
                 <a:solidFill>
                   <a:srgbClr val="000000"/>
                 </a:solidFill>
@@ -18825,7 +18821,7 @@
           <a:p>
             <a:pPr algn="just"/>
             <a:r>
-              <a:rPr lang="en-US" sz="1800" b="0" i="0" u="none" strike="noStrike" baseline="0" dirty="0">
+              <a:rPr lang="en-US" b="0" i="0" u="none" strike="noStrike" baseline="0" dirty="0">
                 <a:solidFill>
                   <a:srgbClr val="000000"/>
                 </a:solidFill>
@@ -18837,7 +18833,7 @@
           <a:p>
             <a:pPr algn="just"/>
             <a:r>
-              <a:rPr lang="en-US" sz="1800" b="0" i="0" u="none" strike="noStrike" baseline="0" dirty="0">
+              <a:rPr lang="en-US" b="0" i="0" u="none" strike="noStrike" baseline="0" dirty="0">
                 <a:solidFill>
                   <a:srgbClr val="000000"/>
                 </a:solidFill>
@@ -18849,7 +18845,7 @@
           <a:p>
             <a:pPr algn="just"/>
             <a:r>
-              <a:rPr lang="en-US" sz="1800" b="0" i="0" u="none" strike="noStrike" baseline="0" dirty="0">
+              <a:rPr lang="en-US" b="0" i="0" u="none" strike="noStrike" baseline="0" dirty="0">
                 <a:solidFill>
                   <a:srgbClr val="000000"/>
                 </a:solidFill>
@@ -18857,7 +18853,7 @@
               </a:rPr>
               <a:t> Let’s look a little deeper at how we can access such data using two methods: file properties and EXIF tools.</a:t>
             </a:r>
-            <a:endParaRPr lang="en-US" dirty="0"/>
+            <a:endParaRPr lang="en-US" sz="4000" dirty="0"/>
           </a:p>
         </p:txBody>
       </p:sp>
@@ -18884,7 +18880,7 @@
           <a:p>
             <a:fld id="{CEEDF3A4-9E04-435A-AB3C-4BCD61EBBCA9}" type="slidenum">
               <a:rPr lang="en-US" smtClean="0"/>
-              <a:t>41</a:t>
+              <a:t>40</a:t>
             </a:fld>
             <a:endParaRPr lang="en-US"/>
           </a:p>
@@ -18903,7 +18899,7 @@
 </p:sld>
 </file>
 
-<file path=ppt/slides/slide42.xml><?xml version="1.0" encoding="utf-8"?>
+<file path=ppt/slides/slide41.xml><?xml version="1.0" encoding="utf-8"?>
 <p:sld xmlns:a="http://schemas.openxmlformats.org/drawingml/2006/main" xmlns:r="http://schemas.openxmlformats.org/officeDocument/2006/relationships" xmlns:p="http://schemas.openxmlformats.org/presentationml/2006/main">
   <p:cSld>
     <p:spTree>
@@ -18982,14 +18978,16 @@
         </p:nvSpPr>
         <p:spPr/>
         <p:txBody>
-          <a:bodyPr/>
+          <a:bodyPr>
+            <a:normAutofit lnSpcReduction="10000"/>
+          </a:bodyPr>
           <a:lstStyle/>
           <a:p>
-            <a:pPr marL="0" indent="0">
+            <a:pPr marL="0" indent="0" algn="just">
               <a:buNone/>
             </a:pPr>
             <a:r>
-              <a:rPr lang="en-US" sz="1800" b="1" i="1" u="none" strike="noStrike" baseline="0" dirty="0">
+              <a:rPr lang="en-US" b="1" i="1" u="none" strike="noStrike" baseline="0" dirty="0">
                 <a:solidFill>
                   <a:srgbClr val="000000"/>
                 </a:solidFill>
@@ -18998,7 +18996,7 @@
               <a:t>File properties</a:t>
             </a:r>
             <a:r>
-              <a:rPr lang="en-US" sz="1800" b="1" i="1" u="none" strike="noStrike" baseline="0" dirty="0">
+              <a:rPr lang="en-US" b="1" i="1" u="none" strike="noStrike" baseline="0" dirty="0">
                 <a:solidFill>
                   <a:srgbClr val="000000"/>
                 </a:solidFill>
@@ -19006,7 +19004,7 @@
               </a:rPr>
               <a:t> </a:t>
             </a:r>
-            <a:endParaRPr lang="en-US" sz="1800" b="0" i="0" u="none" strike="noStrike" baseline="0" dirty="0">
+            <a:endParaRPr lang="en-US" b="0" i="0" u="none" strike="noStrike" baseline="0" dirty="0">
               <a:solidFill>
                 <a:srgbClr val="000000"/>
               </a:solidFill>
@@ -19016,7 +19014,7 @@
           <a:p>
             <a:pPr algn="just"/>
             <a:r>
-              <a:rPr lang="en-US" sz="1800" b="0" i="0" u="none" strike="noStrike" baseline="0" dirty="0">
+              <a:rPr lang="en-US" b="0" i="0" u="none" strike="noStrike" baseline="0" dirty="0">
                 <a:solidFill>
                   <a:srgbClr val="000000"/>
                 </a:solidFill>
@@ -19025,7 +19023,7 @@
               <a:t>Windows provides the ability to look at file metadata through </a:t>
             </a:r>
             <a:r>
-              <a:rPr lang="en-US" sz="1800" b="0" i="1" u="none" strike="noStrike" baseline="0" dirty="0">
+              <a:rPr lang="en-US" b="0" i="1" u="none" strike="noStrike" baseline="0" dirty="0">
                 <a:solidFill>
                   <a:srgbClr val="000000"/>
                 </a:solidFill>
@@ -19034,7 +19032,7 @@
               <a:t>file properties</a:t>
             </a:r>
             <a:r>
-              <a:rPr lang="en-US" sz="1800" b="0" i="0" u="none" strike="noStrike" baseline="0" dirty="0">
+              <a:rPr lang="en-US" b="0" i="0" u="none" strike="noStrike" baseline="0" dirty="0">
                 <a:solidFill>
                   <a:srgbClr val="000000"/>
                 </a:solidFill>
@@ -19046,7 +19044,7 @@
           <a:p>
             <a:pPr algn="just"/>
             <a:r>
-              <a:rPr lang="en-US" sz="1800" b="0" i="0" u="none" strike="noStrike" baseline="0" dirty="0">
+              <a:rPr lang="en-US" b="0" i="0" u="none" strike="noStrike" baseline="0" dirty="0">
                 <a:solidFill>
                   <a:srgbClr val="000000"/>
                 </a:solidFill>
@@ -19055,7 +19053,7 @@
               <a:t>To access this metadata, right-click on the file and select </a:t>
             </a:r>
             <a:r>
-              <a:rPr lang="en-US" sz="1800" b="1" i="0" u="none" strike="noStrike" baseline="0" dirty="0">
+              <a:rPr lang="en-US" b="1" i="0" u="none" strike="noStrike" baseline="0" dirty="0">
                 <a:solidFill>
                   <a:srgbClr val="000000"/>
                 </a:solidFill>
@@ -19064,7 +19062,7 @@
               <a:t>Properties</a:t>
             </a:r>
             <a:r>
-              <a:rPr lang="en-US" sz="1800" b="0" i="0" u="none" strike="noStrike" baseline="0" dirty="0">
+              <a:rPr lang="en-US" b="0" i="0" u="none" strike="noStrike" baseline="0" dirty="0">
                 <a:solidFill>
                   <a:srgbClr val="000000"/>
                 </a:solidFill>
@@ -19076,7 +19074,7 @@
           <a:p>
             <a:pPr algn="just"/>
             <a:r>
-              <a:rPr lang="en-US" sz="1800" b="0" i="0" u="none" strike="noStrike" baseline="0" dirty="0">
+              <a:rPr lang="en-US" b="0" i="0" u="none" strike="noStrike" baseline="0" dirty="0">
                 <a:solidFill>
                   <a:srgbClr val="000000"/>
                 </a:solidFill>
@@ -19085,7 +19083,7 @@
               <a:t>A tabbed window is presented, where you can select the </a:t>
             </a:r>
             <a:r>
-              <a:rPr lang="en-US" sz="1800" b="1" i="0" u="none" strike="noStrike" baseline="0" dirty="0">
+              <a:rPr lang="en-US" b="1" i="0" u="none" strike="noStrike" baseline="0" dirty="0">
                 <a:solidFill>
                   <a:srgbClr val="000000"/>
                 </a:solidFill>
@@ -19094,7 +19092,7 @@
               <a:t>Details </a:t>
             </a:r>
             <a:r>
-              <a:rPr lang="en-US" sz="1800" b="0" i="0" u="none" strike="noStrike" baseline="0" dirty="0">
+              <a:rPr lang="en-US" b="0" i="0" u="none" strike="noStrike" baseline="0" dirty="0">
                 <a:solidFill>
                   <a:srgbClr val="000000"/>
                 </a:solidFill>
@@ -19106,19 +19104,37 @@
           <a:p>
             <a:pPr algn="just"/>
             <a:r>
-              <a:rPr lang="en-US" sz="1800" b="0" i="0" u="none" strike="noStrike" baseline="0" dirty="0">
-                <a:solidFill>
-                  <a:srgbClr val="000000"/>
-                </a:solidFill>
-                <a:latin typeface="Minion Pro"/>
-              </a:rPr>
-              <a:t> This can be a helpful quick check; however, it can be inconsistent and incomplete.</a:t>
+              <a:rPr lang="en-US" b="0" i="0" u="none" strike="noStrike" baseline="0" dirty="0">
+                <a:solidFill>
+                  <a:srgbClr val="000000"/>
+                </a:solidFill>
+                <a:latin typeface="Minion Pro"/>
+              </a:rPr>
+              <a:t> This can be a helpful quick </a:t>
+            </a:r>
+            <a:r>
+              <a:rPr lang="en-US" b="0" i="0" u="none" strike="noStrike" baseline="0" dirty="0" err="1">
+                <a:solidFill>
+                  <a:srgbClr val="000000"/>
+                </a:solidFill>
+                <a:latin typeface="Minion Pro"/>
+              </a:rPr>
+              <a:t>caheck</a:t>
+            </a:r>
+            <a:r>
+              <a:rPr lang="en-US" b="0" i="0" u="none" strike="noStrike" baseline="0" dirty="0">
+                <a:solidFill>
+                  <a:srgbClr val="000000"/>
+                </a:solidFill>
+                <a:latin typeface="Minion Pro"/>
+              </a:rPr>
+              <a:t>; however, it can be inconsistent and incomplete.</a:t>
             </a:r>
           </a:p>
           <a:p>
             <a:pPr algn="just"/>
             <a:r>
-              <a:rPr lang="en-US" sz="1800" b="0" i="0" u="none" strike="noStrike" baseline="0" dirty="0">
+              <a:rPr lang="en-US" b="0" i="0" u="none" strike="noStrike" baseline="0" dirty="0">
                 <a:solidFill>
                   <a:srgbClr val="000000"/>
                 </a:solidFill>
@@ -19126,7 +19142,7 @@
               </a:rPr>
               <a:t> Additionally, depending on what version of Windows is used, the data displayed can be inaccurate. </a:t>
             </a:r>
-            <a:endParaRPr lang="en-US" dirty="0"/>
+            <a:endParaRPr lang="en-US" sz="4000" dirty="0"/>
           </a:p>
         </p:txBody>
       </p:sp>
@@ -19153,7 +19169,7 @@
           <a:p>
             <a:fld id="{CEEDF3A4-9E04-435A-AB3C-4BCD61EBBCA9}" type="slidenum">
               <a:rPr lang="en-US" smtClean="0"/>
-              <a:t>42</a:t>
+              <a:t>41</a:t>
             </a:fld>
             <a:endParaRPr lang="en-US"/>
           </a:p>
@@ -19172,7 +19188,7 @@
 </p:sld>
 </file>
 
-<file path=ppt/slides/slide43.xml><?xml version="1.0" encoding="utf-8"?>
+<file path=ppt/slides/slide42.xml><?xml version="1.0" encoding="utf-8"?>
 <p:sld xmlns:a="http://schemas.openxmlformats.org/drawingml/2006/main" xmlns:r="http://schemas.openxmlformats.org/officeDocument/2006/relationships" xmlns:p="http://schemas.openxmlformats.org/presentationml/2006/main">
   <p:cSld>
     <p:bg>
@@ -19610,7 +19626,7 @@
         </p:nvSpPr>
         <p:spPr>
           <a:xfrm>
-            <a:off x="371094" y="1161288"/>
+            <a:off x="371856" y="273647"/>
             <a:ext cx="3438144" cy="1239012"/>
           </a:xfrm>
         </p:spPr>
@@ -19621,7 +19637,7 @@
           <a:lstStyle/>
           <a:p>
             <a:r>
-              <a:rPr lang="en-US" sz="1800" b="1" i="1" kern="1200" dirty="0">
+              <a:rPr lang="en-US" sz="2800" b="1" i="1" kern="1200" dirty="0">
                 <a:solidFill>
                   <a:srgbClr val="000000"/>
                 </a:solidFill>
@@ -19631,7 +19647,7 @@
               </a:rPr>
               <a:t>File Properties</a:t>
             </a:r>
-            <a:endParaRPr lang="en-US" sz="1800" kern="1200" dirty="0">
+            <a:endParaRPr lang="en-US" sz="2800" kern="1200" dirty="0">
               <a:solidFill>
                 <a:schemeClr val="tx1"/>
               </a:solidFill>
@@ -19821,8 +19837,8 @@
         </p:nvSpPr>
         <p:spPr>
           <a:xfrm>
-            <a:off x="371094" y="2718054"/>
-            <a:ext cx="3438906" cy="3207258"/>
+            <a:off x="386749" y="1314933"/>
+            <a:ext cx="4303619" cy="4750498"/>
           </a:xfrm>
         </p:spPr>
         <p:txBody>
@@ -19831,8 +19847,9 @@
           </a:bodyPr>
           <a:lstStyle/>
           <a:p>
-            <a:r>
-              <a:rPr lang="en-US" sz="1800" b="0" i="0" u="none" strike="noStrike" baseline="0" dirty="0">
+            <a:pPr algn="just"/>
+            <a:r>
+              <a:rPr lang="en-US" sz="2400" b="0" i="0" u="none" strike="noStrike" baseline="0" dirty="0">
                 <a:solidFill>
                   <a:srgbClr val="000000"/>
                 </a:solidFill>
@@ -19841,7 +19858,7 @@
               <a:t>The figure demonstrates this inconsistency, showing what is displayed in the file properties window on </a:t>
             </a:r>
             <a:r>
-              <a:rPr lang="en-US" sz="1800" b="0" i="1" u="none" strike="noStrike" baseline="0" dirty="0">
+              <a:rPr lang="en-US" sz="2400" b="0" i="1" u="none" strike="noStrike" baseline="0" dirty="0">
                 <a:solidFill>
                   <a:srgbClr val="000000"/>
                 </a:solidFill>
@@ -19850,7 +19867,7 @@
               <a:t>Windows 7 </a:t>
             </a:r>
             <a:r>
-              <a:rPr lang="en-US" sz="1800" b="0" i="0" u="none" strike="noStrike" baseline="0" dirty="0">
+              <a:rPr lang="en-US" sz="2400" b="0" i="0" u="none" strike="noStrike" baseline="0" dirty="0">
                 <a:solidFill>
                   <a:srgbClr val="000000"/>
                 </a:solidFill>
@@ -19859,7 +19876,7 @@
               <a:t>and </a:t>
             </a:r>
             <a:r>
-              <a:rPr lang="en-US" sz="1800" b="0" i="1" u="none" strike="noStrike" baseline="0" dirty="0">
+              <a:rPr lang="en-US" sz="2400" b="0" i="1" u="none" strike="noStrike" baseline="0" dirty="0">
                 <a:solidFill>
                   <a:srgbClr val="000000"/>
                 </a:solidFill>
@@ -19868,7 +19885,7 @@
               <a:t>Windows 10 </a:t>
             </a:r>
             <a:r>
-              <a:rPr lang="en-US" sz="1800" b="0" i="0" u="none" strike="noStrike" baseline="0" dirty="0">
+              <a:rPr lang="en-US" sz="2400" b="0" i="0" u="none" strike="noStrike" baseline="0" dirty="0">
                 <a:solidFill>
                   <a:srgbClr val="000000"/>
                 </a:solidFill>
@@ -19878,8 +19895,9 @@
             </a:r>
           </a:p>
           <a:p>
-            <a:r>
-              <a:rPr lang="en-US" sz="1800" b="0" i="0" u="none" strike="noStrike" baseline="0" dirty="0">
+            <a:pPr algn="just"/>
+            <a:r>
+              <a:rPr lang="en-US" sz="2400" b="0" i="0" u="none" strike="noStrike" baseline="0" dirty="0">
                 <a:solidFill>
                   <a:srgbClr val="000000"/>
                 </a:solidFill>
@@ -19888,7 +19906,7 @@
               <a:t>As can be seen here, there are inconsistencies in </a:t>
             </a:r>
             <a:r>
-              <a:rPr lang="en-US" sz="1800" b="0" i="1" u="none" strike="noStrike" baseline="0" dirty="0">
+              <a:rPr lang="en-US" sz="2400" b="0" i="1" u="none" strike="noStrike" baseline="0" dirty="0">
                 <a:solidFill>
                   <a:srgbClr val="000000"/>
                 </a:solidFill>
@@ -19897,7 +19915,7 @@
               <a:t>author names</a:t>
             </a:r>
             <a:r>
-              <a:rPr lang="en-US" sz="1800" b="0" i="0" u="none" strike="noStrike" baseline="0" dirty="0">
+              <a:rPr lang="en-US" sz="2400" b="0" i="0" u="none" strike="noStrike" baseline="0" dirty="0">
                 <a:solidFill>
                   <a:srgbClr val="000000"/>
                 </a:solidFill>
@@ -19906,7 +19924,7 @@
               <a:t>, </a:t>
             </a:r>
             <a:r>
-              <a:rPr lang="en-US" sz="1800" b="0" i="1" u="none" strike="noStrike" baseline="0" dirty="0">
+              <a:rPr lang="en-US" sz="2400" b="0" i="1" u="none" strike="noStrike" baseline="0" dirty="0">
                 <a:solidFill>
                   <a:srgbClr val="000000"/>
                 </a:solidFill>
@@ -19915,7 +19933,7 @@
               <a:t>creation dates</a:t>
             </a:r>
             <a:r>
-              <a:rPr lang="en-US" sz="1800" b="0" i="0" u="none" strike="noStrike" baseline="0" dirty="0">
+              <a:rPr lang="en-US" sz="2400" b="0" i="0" u="none" strike="noStrike" baseline="0" dirty="0">
                 <a:solidFill>
                   <a:srgbClr val="000000"/>
                 </a:solidFill>
@@ -19924,7 +19942,7 @@
               <a:t>, and </a:t>
             </a:r>
             <a:r>
-              <a:rPr lang="en-US" sz="1800" b="0" i="1" u="none" strike="noStrike" baseline="0" dirty="0">
+              <a:rPr lang="en-US" sz="2400" b="0" i="1" u="none" strike="noStrike" baseline="0" dirty="0">
                 <a:solidFill>
                   <a:srgbClr val="000000"/>
                 </a:solidFill>
@@ -19933,7 +19951,7 @@
               <a:t>saved dates</a:t>
             </a:r>
             <a:r>
-              <a:rPr lang="en-US" sz="1800" b="0" i="0" u="none" strike="noStrike" baseline="0" dirty="0">
+              <a:rPr lang="en-US" sz="2400" b="0" i="0" u="none" strike="noStrike" baseline="0" dirty="0">
                 <a:solidFill>
                   <a:srgbClr val="000000"/>
                 </a:solidFill>
@@ -19943,8 +19961,9 @@
             </a:r>
           </a:p>
           <a:p>
-            <a:r>
-              <a:rPr lang="en-US" sz="1800" b="0" i="0" u="none" strike="noStrike" baseline="0" dirty="0">
+            <a:pPr algn="just"/>
+            <a:r>
+              <a:rPr lang="en-US" sz="2400" b="0" i="0" u="none" strike="noStrike" baseline="0" dirty="0">
                 <a:solidFill>
                   <a:srgbClr val="000000"/>
                 </a:solidFill>
@@ -19953,7 +19972,7 @@
               <a:t> To get a better view of the metadata content, using an </a:t>
             </a:r>
             <a:r>
-              <a:rPr lang="en-US" sz="1800" b="1" i="0" u="none" strike="noStrike" baseline="0" dirty="0">
+              <a:rPr lang="en-US" sz="2400" b="1" i="0" u="none" strike="noStrike" baseline="0" dirty="0">
                 <a:solidFill>
                   <a:srgbClr val="000000"/>
                 </a:solidFill>
@@ -19962,7 +19981,7 @@
               <a:t>EXIF tool </a:t>
             </a:r>
             <a:r>
-              <a:rPr lang="en-US" sz="1800" b="0" i="0" u="none" strike="noStrike" baseline="0" dirty="0">
+              <a:rPr lang="en-US" sz="2400" b="0" i="0" u="none" strike="noStrike" baseline="0" dirty="0">
                 <a:solidFill>
                   <a:srgbClr val="000000"/>
                 </a:solidFill>
@@ -19970,7 +19989,7 @@
               </a:rPr>
               <a:t>is the best practice.</a:t>
             </a:r>
-            <a:endParaRPr lang="en-US" sz="1700" dirty="0"/>
+            <a:endParaRPr lang="en-US" sz="2000" dirty="0"/>
           </a:p>
         </p:txBody>
       </p:sp>
@@ -20029,7 +20048,7 @@
           <a:p>
             <a:fld id="{CEEDF3A4-9E04-435A-AB3C-4BCD61EBBCA9}" type="slidenum">
               <a:rPr lang="en-US" smtClean="0"/>
-              <a:t>43</a:t>
+              <a:t>42</a:t>
             </a:fld>
             <a:endParaRPr lang="en-US"/>
           </a:p>
@@ -20048,7 +20067,7 @@
 </p:sld>
 </file>
 
-<file path=ppt/slides/slide44.xml><?xml version="1.0" encoding="utf-8"?>
+<file path=ppt/slides/slide43.xml><?xml version="1.0" encoding="utf-8"?>
 <p:sld xmlns:a="http://schemas.openxmlformats.org/drawingml/2006/main" xmlns:r="http://schemas.openxmlformats.org/officeDocument/2006/relationships" xmlns:p="http://schemas.openxmlformats.org/presentationml/2006/main">
   <p:cSld>
     <p:bg>
@@ -20690,8 +20709,8 @@
         </p:nvSpPr>
         <p:spPr>
           <a:xfrm>
-            <a:off x="371094" y="2718054"/>
-            <a:ext cx="3438906" cy="3207258"/>
+            <a:off x="371093" y="2718054"/>
+            <a:ext cx="11405937" cy="3638296"/>
           </a:xfrm>
         </p:spPr>
         <p:txBody>
@@ -20700,88 +20719,61 @@
           </a:bodyPr>
           <a:lstStyle/>
           <a:p>
-            <a:pPr marL="0" indent="0">
+            <a:pPr marL="0" indent="0" algn="just">
               <a:buNone/>
             </a:pPr>
-            <a:endParaRPr lang="en-US" sz="1300" b="0" i="0" u="none" strike="noStrike" baseline="0" dirty="0"/>
-          </a:p>
-          <a:p>
-            <a:r>
-              <a:rPr lang="en-US" sz="1300" b="1" i="0" u="none" strike="noStrike" baseline="0" dirty="0"/>
+            <a:endParaRPr lang="en-US" sz="2400" b="0" i="0" u="none" strike="noStrike" baseline="0" dirty="0"/>
+          </a:p>
+          <a:p>
+            <a:pPr algn="just"/>
+            <a:r>
+              <a:rPr lang="en-US" sz="2400" b="1" i="0" u="none" strike="noStrike" baseline="0" dirty="0"/>
               <a:t>EXIF </a:t>
             </a:r>
             <a:r>
-              <a:rPr lang="en-US" sz="1300" b="0" i="0" u="none" strike="noStrike" baseline="0" dirty="0"/>
+              <a:rPr lang="en-US" sz="2400" b="0" i="0" u="none" strike="noStrike" baseline="0" dirty="0"/>
               <a:t>stands for </a:t>
             </a:r>
             <a:r>
-              <a:rPr lang="en-US" sz="1300" b="1" i="0" u="none" strike="noStrike" baseline="0" dirty="0"/>
+              <a:rPr lang="en-US" sz="2400" b="1" i="0" u="none" strike="noStrike" baseline="0" dirty="0"/>
               <a:t>Exchangeable Image File Format</a:t>
             </a:r>
             <a:r>
-              <a:rPr lang="en-US" sz="1300" b="0" i="0" u="none" strike="noStrike" baseline="0" dirty="0"/>
+              <a:rPr lang="en-US" sz="2400" b="0" i="0" u="none" strike="noStrike" baseline="0" dirty="0"/>
               <a:t>.</a:t>
             </a:r>
           </a:p>
           <a:p>
-            <a:r>
-              <a:rPr lang="en-US" sz="1300" b="0" i="0" u="none" strike="noStrike" baseline="0" dirty="0"/>
+            <a:pPr algn="just"/>
+            <a:r>
+              <a:rPr lang="en-US" sz="2400" b="0" i="0" u="none" strike="noStrike" baseline="0" dirty="0"/>
               <a:t> It is a standard that defines the storage of metadata information related to an image or other media. </a:t>
             </a:r>
           </a:p>
           <a:p>
-            <a:r>
-              <a:rPr lang="en-US" sz="1300" b="0" i="0" u="none" strike="noStrike" baseline="0" dirty="0"/>
+            <a:pPr algn="just"/>
+            <a:r>
+              <a:rPr lang="en-US" sz="2400" b="0" i="0" u="none" strike="noStrike" baseline="0" dirty="0"/>
               <a:t>While it is commonly associated with images, it applies to documents as well. </a:t>
             </a:r>
           </a:p>
           <a:p>
-            <a:r>
-              <a:rPr lang="en-US" sz="1300" b="0" i="0" u="none" strike="noStrike" baseline="0" dirty="0"/>
+            <a:pPr algn="just"/>
+            <a:r>
+              <a:rPr lang="en-US" sz="2400" b="0" i="0" u="none" strike="noStrike" baseline="0" dirty="0"/>
               <a:t>Using this tool, you can not only get items such as the creation and modification dates but also what application created it and who created it.</a:t>
             </a:r>
           </a:p>
           <a:p>
-            <a:r>
-              <a:rPr lang="en-US" sz="1300" b="0" i="0" u="none" strike="noStrike" baseline="0" dirty="0"/>
+            <a:pPr algn="just"/>
+            <a:r>
+              <a:rPr lang="en-US" sz="2400" b="0" i="0" u="none" strike="noStrike" baseline="0" dirty="0"/>
               <a:t> Let’s look at the output of the EXIF tool:</a:t>
             </a:r>
-            <a:endParaRPr lang="en-US" sz="1300" dirty="0"/>
+            <a:endParaRPr lang="en-US" sz="2400" dirty="0"/>
           </a:p>
         </p:txBody>
       </p:sp>
-      <p:pic>
-        <p:nvPicPr>
-          <p:cNvPr id="6" name="Content Placeholder 5">
-            <a:extLst>
-              <a:ext uri="{FF2B5EF4-FFF2-40B4-BE49-F238E27FC236}">
-                <a16:creationId xmlns:a16="http://schemas.microsoft.com/office/drawing/2014/main" id="{BE24B288-B766-3FBC-06F1-CDCC4F234645}"/>
-              </a:ext>
-            </a:extLst>
-          </p:cNvPr>
-          <p:cNvPicPr>
-            <a:picLocks noGrp="1" noChangeAspect="1"/>
-          </p:cNvPicPr>
-          <p:nvPr>
-            <p:ph sz="half" idx="2"/>
-          </p:nvPr>
-        </p:nvPicPr>
-        <p:blipFill>
-          <a:blip r:embed="rId2"/>
-          <a:stretch>
-            <a:fillRect/>
-          </a:stretch>
-        </p:blipFill>
-        <p:spPr>
-          <a:xfrm>
-            <a:off x="4901184" y="1565928"/>
-            <a:ext cx="6922008" cy="3826728"/>
-          </a:xfrm>
-          <a:prstGeom prst="rect">
-            <a:avLst/>
-          </a:prstGeom>
-        </p:spPr>
-      </p:pic>
       <p:sp>
         <p:nvSpPr>
           <p:cNvPr id="7" name="Slide Number Placeholder 6">
@@ -20805,7 +20797,7 @@
           <a:p>
             <a:fld id="{CEEDF3A4-9E04-435A-AB3C-4BCD61EBBCA9}" type="slidenum">
               <a:rPr lang="en-US" smtClean="0"/>
-              <a:t>44</a:t>
+              <a:t>43</a:t>
             </a:fld>
             <a:endParaRPr lang="en-US"/>
           </a:p>
@@ -20824,7 +20816,7 @@
 </p:sld>
 </file>
 
-<file path=ppt/slides/slide45.xml><?xml version="1.0" encoding="utf-8"?>
+<file path=ppt/slides/slide44.xml><?xml version="1.0" encoding="utf-8"?>
 <p:sld xmlns:a="http://schemas.openxmlformats.org/drawingml/2006/main" xmlns:r="http://schemas.openxmlformats.org/officeDocument/2006/relationships" xmlns:p="http://schemas.openxmlformats.org/presentationml/2006/main">
   <p:cSld>
     <p:spTree>
@@ -20843,31 +20835,6 @@
       </p:grpSpPr>
       <p:sp>
         <p:nvSpPr>
-          <p:cNvPr id="5" name="Title 4">
-            <a:extLst>
-              <a:ext uri="{FF2B5EF4-FFF2-40B4-BE49-F238E27FC236}">
-                <a16:creationId xmlns:a16="http://schemas.microsoft.com/office/drawing/2014/main" id="{21B4EEC9-5517-1014-3889-B9E956DBD30E}"/>
-              </a:ext>
-            </a:extLst>
-          </p:cNvPr>
-          <p:cNvSpPr>
-            <a:spLocks noGrp="1"/>
-          </p:cNvSpPr>
-          <p:nvPr>
-            <p:ph type="title"/>
-          </p:nvPr>
-        </p:nvSpPr>
-        <p:spPr/>
-        <p:txBody>
-          <a:bodyPr/>
-          <a:lstStyle/>
-          <a:p>
-            <a:endParaRPr lang="en-US"/>
-          </a:p>
-        </p:txBody>
-      </p:sp>
-      <p:sp>
-        <p:nvSpPr>
           <p:cNvPr id="6" name="Content Placeholder 5">
             <a:extLst>
               <a:ext uri="{FF2B5EF4-FFF2-40B4-BE49-F238E27FC236}">
@@ -20882,13 +20849,21 @@
             <p:ph idx="1"/>
           </p:nvPr>
         </p:nvSpPr>
-        <p:spPr/>
+        <p:spPr>
+          <a:xfrm>
+            <a:off x="761082" y="812073"/>
+            <a:ext cx="10515600" cy="4351338"/>
+          </a:xfrm>
+        </p:spPr>
         <p:txBody>
-          <a:bodyPr/>
+          <a:bodyPr>
+            <a:normAutofit/>
+          </a:bodyPr>
           <a:lstStyle/>
           <a:p>
-            <a:r>
-              <a:rPr lang="en-US" sz="1800" b="0" i="0" u="none" strike="noStrike" baseline="0" dirty="0">
+            <a:pPr algn="just"/>
+            <a:r>
+              <a:rPr lang="en-US" sz="2400" b="0" i="0" u="none" strike="noStrike" baseline="0" dirty="0">
                 <a:solidFill>
                   <a:srgbClr val="000000"/>
                 </a:solidFill>
@@ -20897,7 +20872,7 @@
               <a:t>Using the same file shown in </a:t>
             </a:r>
             <a:r>
-              <a:rPr lang="en-US" sz="1800" b="0" i="1" u="none" strike="noStrike" baseline="0" dirty="0">
+              <a:rPr lang="en-US" sz="2400" b="0" i="1" u="none" strike="noStrike" baseline="0" dirty="0">
                 <a:solidFill>
                   <a:srgbClr val="000000"/>
                 </a:solidFill>
@@ -20906,7 +20881,7 @@
               <a:t>File properties</a:t>
             </a:r>
             <a:r>
-              <a:rPr lang="en-US" sz="1800" b="0" i="0" u="none" strike="noStrike" baseline="0" dirty="0">
+              <a:rPr lang="en-US" sz="2400" b="0" i="0" u="none" strike="noStrike" baseline="0" dirty="0">
                 <a:solidFill>
                   <a:srgbClr val="000000"/>
                 </a:solidFill>
@@ -20916,8 +20891,9 @@
             </a:r>
           </a:p>
           <a:p>
-            <a:r>
-              <a:rPr lang="en-US" sz="1800" b="0" i="0" u="none" strike="noStrike" baseline="0" dirty="0">
+            <a:pPr algn="just"/>
+            <a:r>
+              <a:rPr lang="en-US" sz="2400" b="0" i="0" u="none" strike="noStrike" baseline="0" dirty="0">
                 <a:solidFill>
                   <a:srgbClr val="000000"/>
                 </a:solidFill>
@@ -20927,8 +20903,9 @@
             </a:r>
           </a:p>
           <a:p>
-            <a:r>
-              <a:rPr lang="en-US" sz="1800" b="0" i="0" u="none" strike="noStrike" baseline="0" dirty="0">
+            <a:pPr algn="just"/>
+            <a:r>
+              <a:rPr lang="en-US" sz="2400" b="0" i="0" u="none" strike="noStrike" baseline="0" dirty="0">
                 <a:solidFill>
                   <a:srgbClr val="000000"/>
                 </a:solidFill>
@@ -20938,8 +20915,9 @@
             </a:r>
           </a:p>
           <a:p>
-            <a:r>
-              <a:rPr lang="en-US" sz="1800" b="0" i="0" u="none" strike="noStrike" baseline="0" dirty="0">
+            <a:pPr algn="just"/>
+            <a:r>
+              <a:rPr lang="en-US" sz="2400" b="0" i="0" u="none" strike="noStrike" baseline="0" dirty="0">
                 <a:solidFill>
                   <a:srgbClr val="000000"/>
                 </a:solidFill>
@@ -20949,8 +20927,9 @@
             </a:r>
           </a:p>
           <a:p>
-            <a:r>
-              <a:rPr lang="en-US" sz="1800" b="0" i="0" u="none" strike="noStrike" baseline="0" dirty="0">
+            <a:pPr algn="just"/>
+            <a:r>
+              <a:rPr lang="en-US" sz="2400" b="0" i="0" u="none" strike="noStrike" baseline="0" dirty="0">
                 <a:solidFill>
                   <a:srgbClr val="000000"/>
                 </a:solidFill>
@@ -20959,7 +20938,7 @@
               <a:t> Now that we have looked at what we can get out of documents and files, let’s turn to some other tools for collecting information – starting with </a:t>
             </a:r>
             <a:r>
-              <a:rPr lang="en-US" sz="1800" b="1" i="0" u="none" strike="noStrike" baseline="0" dirty="0" err="1">
+              <a:rPr lang="en-US" sz="2400" b="1" i="0" u="none" strike="noStrike" baseline="0" dirty="0" err="1">
                 <a:solidFill>
                   <a:srgbClr val="000000"/>
                 </a:solidFill>
@@ -20968,7 +20947,7 @@
               <a:t>Maltego</a:t>
             </a:r>
             <a:r>
-              <a:rPr lang="en-US" sz="1800" b="0" i="0" u="none" strike="noStrike" baseline="0" dirty="0">
+              <a:rPr lang="en-US" sz="2400" b="0" i="0" u="none" strike="noStrike" baseline="0" dirty="0">
                 <a:solidFill>
                   <a:srgbClr val="000000"/>
                 </a:solidFill>
@@ -20976,7 +20955,7 @@
               </a:rPr>
               <a:t>.</a:t>
             </a:r>
-            <a:endParaRPr lang="en-US" dirty="0"/>
+            <a:endParaRPr lang="en-US" sz="3600" dirty="0"/>
           </a:p>
         </p:txBody>
       </p:sp>
@@ -21003,7 +20982,7 @@
           <a:p>
             <a:fld id="{CEEDF3A4-9E04-435A-AB3C-4BCD61EBBCA9}" type="slidenum">
               <a:rPr lang="en-US" smtClean="0"/>
-              <a:t>45</a:t>
+              <a:t>44</a:t>
             </a:fld>
             <a:endParaRPr lang="en-US"/>
           </a:p>
@@ -21022,7 +21001,7 @@
 </p:sld>
 </file>
 
-<file path=ppt/slides/slide46.xml><?xml version="1.0" encoding="utf-8"?>
+<file path=ppt/slides/slide45.xml><?xml version="1.0" encoding="utf-8"?>
 <p:sld xmlns:a="http://schemas.openxmlformats.org/drawingml/2006/main" xmlns:r="http://schemas.openxmlformats.org/officeDocument/2006/relationships" xmlns:p="http://schemas.openxmlformats.org/presentationml/2006/main">
   <p:cSld>
     <p:bg>
@@ -21125,7 +21104,7 @@
         </p:nvSpPr>
         <p:spPr>
           <a:xfrm>
-            <a:off x="411480" y="991443"/>
+            <a:off x="1371598" y="0"/>
             <a:ext cx="4443154" cy="1087819"/>
           </a:xfrm>
         </p:spPr>
@@ -21300,8 +21279,8 @@
         </p:nvSpPr>
         <p:spPr>
           <a:xfrm>
-            <a:off x="411480" y="2684095"/>
-            <a:ext cx="4443154" cy="3492868"/>
+            <a:off x="411479" y="910697"/>
+            <a:ext cx="4914485" cy="5610954"/>
           </a:xfrm>
         </p:spPr>
         <p:txBody>
@@ -21310,58 +21289,62 @@
           </a:bodyPr>
           <a:lstStyle/>
           <a:p>
-            <a:pPr marL="0" indent="0">
+            <a:pPr marL="0" indent="0" algn="just">
               <a:buNone/>
             </a:pPr>
-            <a:endParaRPr lang="en-US" sz="1800" b="0" i="0" u="none" strike="noStrike" baseline="0" dirty="0">
+            <a:endParaRPr lang="en-US" sz="2400" b="0" i="0" u="none" strike="noStrike" baseline="0" dirty="0">
               <a:latin typeface="Myriad Pro Light"/>
             </a:endParaRPr>
           </a:p>
           <a:p>
-            <a:r>
-              <a:rPr lang="en-US" sz="1800" b="0" i="0" u="none" strike="noStrike" baseline="0" dirty="0" err="1">
+            <a:pPr algn="just"/>
+            <a:r>
+              <a:rPr lang="en-US" sz="2400" b="0" i="0" u="none" strike="noStrike" baseline="0" dirty="0" err="1">
                 <a:latin typeface="Minion Pro"/>
               </a:rPr>
               <a:t>Maltego</a:t>
             </a:r>
             <a:r>
-              <a:rPr lang="en-US" sz="1800" b="0" i="0" u="none" strike="noStrike" baseline="0" dirty="0">
+              <a:rPr lang="en-US" sz="2400" b="0" i="0" u="none" strike="noStrike" baseline="0" dirty="0">
                 <a:latin typeface="Minion Pro"/>
               </a:rPr>
               <a:t> is a visual tool that takes data points and, by using  </a:t>
             </a:r>
             <a:r>
-              <a:rPr lang="en-US" sz="1800" b="1" i="0" u="none" strike="noStrike" baseline="0" dirty="0">
+              <a:rPr lang="en-US" sz="2400" b="1" i="0" u="none" strike="noStrike" baseline="0" dirty="0">
                 <a:latin typeface="Minion Pro"/>
               </a:rPr>
               <a:t>transforms</a:t>
             </a:r>
             <a:r>
-              <a:rPr lang="en-US" sz="1800" b="0" i="0" u="none" strike="noStrike" baseline="0" dirty="0">
+              <a:rPr lang="en-US" sz="2400" b="0" i="0" u="none" strike="noStrike" baseline="0" dirty="0">
                 <a:latin typeface="Minion Pro"/>
               </a:rPr>
               <a:t>, tries to collect and/or connect data to draw a bigger picture. </a:t>
             </a:r>
           </a:p>
           <a:p>
-            <a:r>
-              <a:rPr lang="en-US" sz="1800" b="0" i="0" u="none" strike="noStrike" baseline="0" dirty="0">
+            <a:pPr algn="just"/>
+            <a:r>
+              <a:rPr lang="en-US" sz="2400" b="0" i="0" u="none" strike="noStrike" baseline="0" dirty="0">
                 <a:latin typeface="Minion Pro"/>
               </a:rPr>
               <a:t>Visual representations of data sometimes show unexpected correlations that otherwise might not be made just by looking at the data alone.</a:t>
             </a:r>
           </a:p>
           <a:p>
-            <a:r>
-              <a:rPr lang="en-US" sz="1800" b="0" i="0" u="none" strike="noStrike" baseline="0" dirty="0">
+            <a:pPr algn="just"/>
+            <a:r>
+              <a:rPr lang="en-US" sz="2400" b="0" i="0" u="none" strike="noStrike" baseline="0" dirty="0">
                 <a:latin typeface="Minion Pro"/>
               </a:rPr>
               <a:t> An example of what the data visualization looks like can be seen in the following figure:</a:t>
             </a:r>
           </a:p>
           <a:p>
-            <a:r>
-              <a:rPr lang="en-US" sz="1800" b="0" i="0" u="none" strike="noStrike" baseline="0" dirty="0">
+            <a:pPr algn="just"/>
+            <a:r>
+              <a:rPr lang="en-US" sz="2400" b="0" i="0" u="none" strike="noStrike" baseline="0" dirty="0">
                 <a:solidFill>
                   <a:srgbClr val="000000"/>
                 </a:solidFill>
@@ -21369,7 +21352,7 @@
               </a:rPr>
               <a:t>Once you have all the visuals you wish to have in place, you can save the file for later review or export it as an XML or CSV file that can then be incorporated into your inventory spreadsheet. </a:t>
             </a:r>
-            <a:endParaRPr lang="en-US" sz="1800" dirty="0"/>
+            <a:endParaRPr lang="en-US" sz="2400" dirty="0"/>
           </a:p>
         </p:txBody>
       </p:sp>
@@ -21426,7 +21409,7 @@
           <a:p>
             <a:fld id="{CEEDF3A4-9E04-435A-AB3C-4BCD61EBBCA9}" type="slidenum">
               <a:rPr lang="en-US" smtClean="0"/>
-              <a:t>46</a:t>
+              <a:t>45</a:t>
             </a:fld>
             <a:endParaRPr lang="en-US"/>
           </a:p>
@@ -21445,7 +21428,7 @@
 </p:sld>
 </file>
 
-<file path=ppt/slides/slide47.xml><?xml version="1.0" encoding="utf-8"?>
+<file path=ppt/slides/slide46.xml><?xml version="1.0" encoding="utf-8"?>
 <p:sld xmlns:a="http://schemas.openxmlformats.org/drawingml/2006/main" xmlns:r="http://schemas.openxmlformats.org/officeDocument/2006/relationships" xmlns:p="http://schemas.openxmlformats.org/presentationml/2006/main">
   <p:cSld>
     <p:spTree>
@@ -21478,7 +21461,12 @@
             <p:ph type="title"/>
           </p:nvPr>
         </p:nvSpPr>
-        <p:spPr/>
+        <p:spPr>
+          <a:xfrm>
+            <a:off x="750065" y="0"/>
+            <a:ext cx="10515600" cy="1325563"/>
+          </a:xfrm>
+        </p:spPr>
         <p:txBody>
           <a:bodyPr/>
           <a:lstStyle/>
@@ -21506,13 +21494,21 @@
             <p:ph idx="1"/>
           </p:nvPr>
         </p:nvSpPr>
-        <p:spPr/>
+        <p:spPr>
+          <a:xfrm>
+            <a:off x="375492" y="1109528"/>
+            <a:ext cx="11390522" cy="5246822"/>
+          </a:xfrm>
+        </p:spPr>
         <p:txBody>
-          <a:bodyPr/>
+          <a:bodyPr>
+            <a:normAutofit fontScale="92500" lnSpcReduction="20000"/>
+          </a:bodyPr>
           <a:lstStyle/>
           <a:p>
-            <a:r>
-              <a:rPr lang="en-US" sz="1800" b="0" i="0" u="none" strike="noStrike" baseline="0" dirty="0">
+            <a:pPr algn="just"/>
+            <a:r>
+              <a:rPr lang="en-US" b="0" i="0" u="none" strike="noStrike" baseline="0" dirty="0">
                 <a:solidFill>
                   <a:srgbClr val="000000"/>
                 </a:solidFill>
@@ -21522,8 +21518,9 @@
             </a:r>
           </a:p>
           <a:p>
-            <a:r>
-              <a:rPr lang="en-US" sz="1800" b="0" i="0" u="none" strike="noStrike" baseline="0" dirty="0">
+            <a:pPr algn="just"/>
+            <a:r>
+              <a:rPr lang="en-US" b="0" i="0" u="none" strike="noStrike" baseline="0" dirty="0">
                 <a:solidFill>
                   <a:srgbClr val="000000"/>
                 </a:solidFill>
@@ -21533,8 +21530,9 @@
             </a:r>
           </a:p>
           <a:p>
-            <a:r>
-              <a:rPr lang="en-US" sz="1800" b="0" i="0" u="none" strike="noStrike" baseline="0" dirty="0">
+            <a:pPr algn="just"/>
+            <a:r>
+              <a:rPr lang="en-US" b="0" i="0" u="none" strike="noStrike" baseline="0" dirty="0">
                 <a:solidFill>
                   <a:srgbClr val="000000"/>
                 </a:solidFill>
@@ -21543,7 +21541,7 @@
               <a:t> Simultaneously, on social media platforms such as X, Reddit, </a:t>
             </a:r>
             <a:r>
-              <a:rPr lang="en-US" sz="1800" b="0" i="0" u="none" strike="noStrike" baseline="0" dirty="0" err="1">
+              <a:rPr lang="en-US" b="0" i="0" u="none" strike="noStrike" baseline="0" dirty="0" err="1">
                 <a:solidFill>
                   <a:srgbClr val="000000"/>
                 </a:solidFill>
@@ -21552,7 +21550,7 @@
               <a:t>StackOverflow</a:t>
             </a:r>
             <a:r>
-              <a:rPr lang="en-US" sz="1800" b="0" i="0" u="none" strike="noStrike" baseline="0" dirty="0">
+              <a:rPr lang="en-US" b="0" i="0" u="none" strike="noStrike" baseline="0" dirty="0">
                 <a:solidFill>
                   <a:srgbClr val="000000"/>
                 </a:solidFill>
@@ -21562,8 +21560,9 @@
             </a:r>
           </a:p>
           <a:p>
-            <a:r>
-              <a:rPr lang="en-US" sz="1800" b="0" i="0" u="none" strike="noStrike" baseline="0" dirty="0">
+            <a:pPr algn="just"/>
+            <a:r>
+              <a:rPr lang="en-US" b="0" i="0" u="none" strike="noStrike" baseline="0" dirty="0">
                 <a:solidFill>
                   <a:srgbClr val="000000"/>
                 </a:solidFill>
@@ -21573,8 +21572,9 @@
             </a:r>
           </a:p>
           <a:p>
-            <a:r>
-              <a:rPr lang="en-US" sz="1800" b="0" i="0" u="none" strike="noStrike" baseline="0" dirty="0">
+            <a:pPr algn="just"/>
+            <a:r>
+              <a:rPr lang="en-US" b="0" i="0" u="none" strike="noStrike" baseline="0" dirty="0">
                 <a:solidFill>
                   <a:srgbClr val="000000"/>
                 </a:solidFill>
@@ -21584,8 +21584,9 @@
             </a:r>
           </a:p>
           <a:p>
-            <a:r>
-              <a:rPr lang="en-US" sz="1800" b="0" i="0" u="none" strike="noStrike" baseline="0" dirty="0">
+            <a:pPr algn="just"/>
+            <a:r>
+              <a:rPr lang="en-US" b="0" i="0" u="none" strike="noStrike" baseline="0" dirty="0">
                 <a:solidFill>
                   <a:srgbClr val="000000"/>
                 </a:solidFill>
@@ -21594,7 +21595,7 @@
               <a:t>One example is the recent exposure of Mercedes source code. For information on this, you can refer to the following article: </a:t>
             </a:r>
             <a:r>
-              <a:rPr lang="en-US" sz="1800" b="0" i="0" u="none" strike="noStrike" baseline="0" dirty="0">
+              <a:rPr lang="en-US" b="0" i="0" u="none" strike="noStrike" baseline="0" dirty="0">
                 <a:solidFill>
                   <a:srgbClr val="000000"/>
                 </a:solidFill>
@@ -21602,7 +21603,7 @@
               </a:rPr>
               <a:t>https://www.securityweek.com/leaked-github-token-exposed-mercedes-source-code/</a:t>
             </a:r>
-            <a:endParaRPr lang="en-US" dirty="0"/>
+            <a:endParaRPr lang="en-US" sz="4000" dirty="0"/>
           </a:p>
         </p:txBody>
       </p:sp>
@@ -21629,7 +21630,7 @@
           <a:p>
             <a:fld id="{CEEDF3A4-9E04-435A-AB3C-4BCD61EBBCA9}" type="slidenum">
               <a:rPr lang="en-US" smtClean="0"/>
-              <a:t>47</a:t>
+              <a:t>46</a:t>
             </a:fld>
             <a:endParaRPr lang="en-US"/>
           </a:p>
@@ -21648,7 +21649,7 @@
 </p:sld>
 </file>
 
-<file path=ppt/slides/slide48.xml><?xml version="1.0" encoding="utf-8"?>
+<file path=ppt/slides/slide47.xml><?xml version="1.0" encoding="utf-8"?>
 <p:sld xmlns:a="http://schemas.openxmlformats.org/drawingml/2006/main" xmlns:r="http://schemas.openxmlformats.org/officeDocument/2006/relationships" xmlns:p="http://schemas.openxmlformats.org/presentationml/2006/main">
   <p:cSld>
     <p:bg>
@@ -21689,7 +21690,12 @@
             <p:ph type="title"/>
           </p:nvPr>
         </p:nvSpPr>
-        <p:spPr/>
+        <p:spPr>
+          <a:xfrm>
+            <a:off x="838200" y="0"/>
+            <a:ext cx="10515600" cy="1325563"/>
+          </a:xfrm>
+        </p:spPr>
         <p:txBody>
           <a:bodyPr anchor="b">
             <a:normAutofit/>
@@ -21697,8 +21703,16 @@
           <a:lstStyle/>
           <a:p>
             <a:r>
-              <a:rPr lang="en-US" sz="3400"/>
-              <a:t>4. SpiderFoot Tools</a:t>
+              <a:rPr lang="en-US" sz="3400" dirty="0"/>
+              <a:t>4. </a:t>
+            </a:r>
+            <a:r>
+              <a:rPr lang="en-US" sz="3400" dirty="0" err="1"/>
+              <a:t>SpiderFoot</a:t>
+            </a:r>
+            <a:r>
+              <a:rPr lang="en-US" sz="3400" dirty="0"/>
+              <a:t> Tools</a:t>
             </a:r>
           </a:p>
         </p:txBody>
@@ -21719,133 +21733,140 @@
             <p:ph idx="1"/>
           </p:nvPr>
         </p:nvSpPr>
-        <p:spPr/>
+        <p:spPr>
+          <a:xfrm>
+            <a:off x="540745" y="1325562"/>
+            <a:ext cx="11159168" cy="5030787"/>
+          </a:xfrm>
+        </p:spPr>
         <p:txBody>
           <a:bodyPr>
-            <a:normAutofit/>
+            <a:normAutofit fontScale="92500" lnSpcReduction="10000"/>
           </a:bodyPr>
           <a:lstStyle/>
           <a:p>
-            <a:pPr marL="0" indent="0">
+            <a:pPr marL="0" indent="0" algn="just">
               <a:buNone/>
             </a:pPr>
             <a:r>
-              <a:rPr lang="en-US" sz="1800" b="1" dirty="0" err="1"/>
+              <a:rPr lang="en-US" b="1" dirty="0" err="1"/>
               <a:t>SpiderFoot</a:t>
             </a:r>
             <a:r>
-              <a:rPr lang="en-US" sz="1800" dirty="0"/>
+              <a:rPr lang="en-US" dirty="0"/>
               <a:t> is an open-source reconnaissance tool designed to automate the process of gathering intelligence about a target, whether it’s an individual, organization, or network.</a:t>
             </a:r>
           </a:p>
           <a:p>
-            <a:r>
-              <a:rPr lang="en-US" sz="1800" dirty="0"/>
+            <a:pPr algn="just"/>
+            <a:r>
+              <a:rPr lang="en-US" dirty="0"/>
               <a:t> It collects and correlates data from multiple open sources and APIs to provide a comprehensive view of the target’s digital footprint.</a:t>
             </a:r>
           </a:p>
           <a:p>
-            <a:pPr marL="0" indent="0">
+            <a:pPr marL="0" indent="0" algn="just">
               <a:buNone/>
             </a:pPr>
             <a:r>
-              <a:rPr lang="en-US" sz="1800" b="1" dirty="0"/>
+              <a:rPr lang="en-US" b="1" dirty="0"/>
               <a:t>Data Sources:</a:t>
             </a:r>
           </a:p>
           <a:p>
-            <a:r>
-              <a:rPr lang="en-US" sz="1600" dirty="0" err="1"/>
+            <a:pPr algn="just"/>
+            <a:r>
+              <a:rPr lang="en-US" sz="2400" dirty="0" err="1"/>
               <a:t>SpiderFoot</a:t>
             </a:r>
             <a:r>
-              <a:rPr lang="en-US" sz="1600" dirty="0"/>
+              <a:rPr lang="en-US" sz="2400" dirty="0"/>
               <a:t> integrates with a wide range of sources, including:</a:t>
             </a:r>
           </a:p>
           <a:p>
-            <a:pPr>
+            <a:pPr algn="just">
               <a:buFont typeface="Arial" panose="020B0604020202020204" pitchFamily="34" charset="0"/>
               <a:buChar char="•"/>
             </a:pPr>
             <a:r>
-              <a:rPr lang="en-US" sz="1600" b="1" dirty="0"/>
+              <a:rPr lang="en-US" sz="2400" b="1" dirty="0"/>
               <a:t>DNS and WHOIS</a:t>
             </a:r>
             <a:r>
-              <a:rPr lang="en-US" sz="1600" dirty="0"/>
+              <a:rPr lang="en-US" sz="2400" dirty="0"/>
               <a:t>: For domain and IP intelligence.</a:t>
             </a:r>
           </a:p>
           <a:p>
-            <a:pPr>
+            <a:pPr algn="just">
               <a:buFont typeface="Arial" panose="020B0604020202020204" pitchFamily="34" charset="0"/>
               <a:buChar char="•"/>
             </a:pPr>
             <a:r>
-              <a:rPr lang="en-US" sz="1600" b="1" dirty="0"/>
+              <a:rPr lang="en-US" sz="2400" b="1" dirty="0"/>
               <a:t>Search Engines</a:t>
             </a:r>
             <a:r>
-              <a:rPr lang="en-US" sz="1600" dirty="0"/>
+              <a:rPr lang="en-US" sz="2400" dirty="0"/>
               <a:t>: Google, Bing, and other search APIs.</a:t>
             </a:r>
           </a:p>
           <a:p>
-            <a:pPr>
+            <a:pPr algn="just">
               <a:buFont typeface="Arial" panose="020B0604020202020204" pitchFamily="34" charset="0"/>
               <a:buChar char="•"/>
             </a:pPr>
             <a:r>
-              <a:rPr lang="en-US" sz="1600" b="1" dirty="0"/>
+              <a:rPr lang="en-US" sz="2400" b="1" dirty="0"/>
               <a:t>Threat Intelligence Platforms</a:t>
             </a:r>
             <a:r>
-              <a:rPr lang="en-US" sz="1600" dirty="0"/>
+              <a:rPr lang="en-US" sz="2400" dirty="0"/>
               <a:t>: </a:t>
             </a:r>
             <a:r>
-              <a:rPr lang="en-US" sz="1600" dirty="0" err="1"/>
+              <a:rPr lang="en-US" sz="2400" dirty="0" err="1"/>
               <a:t>VirusTotal</a:t>
             </a:r>
             <a:r>
-              <a:rPr lang="en-US" sz="1600" dirty="0"/>
+              <a:rPr lang="en-US" sz="2400" dirty="0"/>
               <a:t>, AlienVault, and more.</a:t>
             </a:r>
           </a:p>
           <a:p>
-            <a:pPr>
+            <a:pPr algn="just">
               <a:buFont typeface="Arial" panose="020B0604020202020204" pitchFamily="34" charset="0"/>
               <a:buChar char="•"/>
             </a:pPr>
             <a:r>
-              <a:rPr lang="en-US" sz="1600" b="1" dirty="0"/>
+              <a:rPr lang="en-US" sz="2400" b="1" dirty="0"/>
               <a:t>Dark Web Sources</a:t>
             </a:r>
             <a:r>
-              <a:rPr lang="en-US" sz="1600" dirty="0"/>
+              <a:rPr lang="en-US" sz="2400" dirty="0"/>
               <a:t>: Tor and related services.</a:t>
             </a:r>
           </a:p>
           <a:p>
-            <a:pPr>
+            <a:pPr algn="just">
               <a:buFont typeface="Arial" panose="020B0604020202020204" pitchFamily="34" charset="0"/>
               <a:buChar char="•"/>
             </a:pPr>
             <a:r>
-              <a:rPr lang="en-US" sz="1600" b="1" dirty="0"/>
+              <a:rPr lang="en-US" sz="2400" b="1" dirty="0"/>
               <a:t>Public Data Breaches</a:t>
             </a:r>
             <a:r>
-              <a:rPr lang="en-US" sz="1600" dirty="0"/>
+              <a:rPr lang="en-US" sz="2400" dirty="0"/>
               <a:t>: Leaks and compromised credential databases.</a:t>
             </a:r>
           </a:p>
           <a:p>
-            <a:pPr marL="0" indent="0">
+            <a:pPr marL="0" indent="0" algn="just">
               <a:buNone/>
             </a:pPr>
-            <a:endParaRPr lang="en-US" sz="1800" dirty="0"/>
+            <a:endParaRPr lang="en-US" dirty="0"/>
           </a:p>
         </p:txBody>
       </p:sp>
@@ -21872,7 +21893,7 @@
           <a:p>
             <a:fld id="{CEEDF3A4-9E04-435A-AB3C-4BCD61EBBCA9}" type="slidenum">
               <a:rPr lang="en-US" smtClean="0"/>
-              <a:t>48</a:t>
+              <a:t>47</a:t>
             </a:fld>
             <a:endParaRPr lang="en-US"/>
           </a:p>
@@ -21891,7 +21912,7 @@
 </p:sld>
 </file>
 
-<file path=ppt/slides/slide49.xml><?xml version="1.0" encoding="utf-8"?>
+<file path=ppt/slides/slide48.xml><?xml version="1.0" encoding="utf-8"?>
 <p:sld xmlns:a="http://schemas.openxmlformats.org/drawingml/2006/main" xmlns:r="http://schemas.openxmlformats.org/officeDocument/2006/relationships" xmlns:p="http://schemas.openxmlformats.org/presentationml/2006/main">
   <p:cSld>
     <p:bg>
@@ -25128,12 +25149,28 @@
           <a:lstStyle/>
           <a:p>
             <a:r>
-              <a:rPr lang="en-US" sz="3600">
+              <a:rPr lang="en-US" sz="3600" dirty="0">
                 <a:solidFill>
                   <a:schemeClr val="tx2"/>
                 </a:solidFill>
               </a:rPr>
-              <a:t>How SpiderFoot Works</a:t>
+              <a:t>How </a:t>
+            </a:r>
+            <a:r>
+              <a:rPr lang="en-US" sz="3600" dirty="0" err="1">
+                <a:solidFill>
+                  <a:schemeClr val="tx2"/>
+                </a:solidFill>
+              </a:rPr>
+              <a:t>SpiderFoot</a:t>
+            </a:r>
+            <a:r>
+              <a:rPr lang="en-US" sz="3600" dirty="0">
+                <a:solidFill>
+                  <a:schemeClr val="tx2"/>
+                </a:solidFill>
+              </a:rPr>
+              <a:t> Works</a:t>
             </a:r>
           </a:p>
         </p:txBody>
@@ -25156,8 +25193,8 @@
         </p:nvSpPr>
         <p:spPr bwMode="auto">
           <a:xfrm>
-            <a:off x="6172200" y="804672"/>
-            <a:ext cx="5221224" cy="5230368"/>
+            <a:off x="5402709" y="220777"/>
+            <a:ext cx="6418390" cy="6135571"/>
           </a:xfrm>
           <a:prstGeom prst="rect">
             <a:avLst/>
@@ -25200,7 +25237,7 @@
           </a:bodyPr>
           <a:lstStyle/>
           <a:p>
-            <a:pPr marL="0" marR="0" lvl="0" indent="0" defTabSz="914400" rtl="0" eaLnBrk="0" fontAlgn="base" latinLnBrk="0" hangingPunct="0">
+            <a:pPr marL="0" marR="0" lvl="0" indent="0" algn="just" defTabSz="914400" rtl="0" eaLnBrk="0" fontAlgn="base" latinLnBrk="0" hangingPunct="0">
               <a:spcBef>
                 <a:spcPct val="0"/>
               </a:spcBef>
@@ -25213,7 +25250,7 @@
               <a:tabLst/>
             </a:pPr>
             <a:r>
-              <a:rPr kumimoji="0" lang="en-US" altLang="en-US" sz="1800" b="1" i="0" u="none" strike="noStrike" cap="none" normalizeH="0" baseline="0" dirty="0">
+              <a:rPr kumimoji="0" lang="en-US" altLang="en-US" b="1" i="0" u="none" strike="noStrike" cap="none" normalizeH="0" baseline="0" dirty="0">
                 <a:ln>
                   <a:noFill/>
                 </a:ln>
@@ -25226,7 +25263,7 @@
               <a:t>1.Input</a:t>
             </a:r>
             <a:r>
-              <a:rPr kumimoji="0" lang="en-US" altLang="en-US" sz="1800" b="0" i="0" u="none" strike="noStrike" cap="none" normalizeH="0" baseline="0" dirty="0">
+              <a:rPr kumimoji="0" lang="en-US" altLang="en-US" b="0" i="0" u="none" strike="noStrike" cap="none" normalizeH="0" baseline="0" dirty="0">
                 <a:ln>
                   <a:noFill/>
                 </a:ln>
@@ -25240,7 +25277,7 @@
             </a:r>
           </a:p>
           <a:p>
-            <a:pPr marL="0" marR="0" lvl="0" indent="0" defTabSz="914400" rtl="0" eaLnBrk="0" fontAlgn="base" latinLnBrk="0" hangingPunct="0">
+            <a:pPr marL="0" marR="0" lvl="0" indent="0" algn="just" defTabSz="914400" rtl="0" eaLnBrk="0" fontAlgn="base" latinLnBrk="0" hangingPunct="0">
               <a:spcBef>
                 <a:spcPct val="0"/>
               </a:spcBef>
@@ -25253,7 +25290,7 @@
               <a:tabLst/>
             </a:pPr>
             <a:r>
-              <a:rPr kumimoji="0" lang="en-US" altLang="en-US" sz="1800" b="1" i="0" u="none" strike="noStrike" cap="none" normalizeH="0" baseline="0" dirty="0">
+              <a:rPr kumimoji="0" lang="en-US" altLang="en-US" b="1" i="0" u="none" strike="noStrike" cap="none" normalizeH="0" baseline="0" dirty="0">
                 <a:ln>
                   <a:noFill/>
                 </a:ln>
@@ -25266,7 +25303,7 @@
               <a:t>2. Modules</a:t>
             </a:r>
             <a:r>
-              <a:rPr kumimoji="0" lang="en-US" altLang="en-US" sz="1800" b="0" i="0" u="none" strike="noStrike" cap="none" normalizeH="0" baseline="0" dirty="0">
+              <a:rPr kumimoji="0" lang="en-US" altLang="en-US" b="0" i="0" u="none" strike="noStrike" cap="none" normalizeH="0" baseline="0" dirty="0">
                 <a:ln>
                   <a:noFill/>
                 </a:ln>
@@ -25280,7 +25317,7 @@
             </a:r>
           </a:p>
           <a:p>
-            <a:pPr marL="0" marR="0" lvl="0" indent="0" defTabSz="914400" rtl="0" eaLnBrk="0" fontAlgn="base" latinLnBrk="0" hangingPunct="0">
+            <a:pPr marL="0" marR="0" lvl="0" indent="0" algn="just" defTabSz="914400" rtl="0" eaLnBrk="0" fontAlgn="base" latinLnBrk="0" hangingPunct="0">
               <a:spcBef>
                 <a:spcPct val="0"/>
               </a:spcBef>
@@ -25293,7 +25330,7 @@
               <a:tabLst/>
             </a:pPr>
             <a:r>
-              <a:rPr kumimoji="0" lang="en-US" altLang="en-US" sz="1800" b="1" i="0" u="none" strike="noStrike" cap="none" normalizeH="0" baseline="0" dirty="0">
+              <a:rPr kumimoji="0" lang="en-US" altLang="en-US" b="1" i="0" u="none" strike="noStrike" cap="none" normalizeH="0" baseline="0" dirty="0">
                 <a:ln>
                   <a:noFill/>
                 </a:ln>
@@ -25306,7 +25343,7 @@
               <a:t>3. Analysis</a:t>
             </a:r>
             <a:r>
-              <a:rPr kumimoji="0" lang="en-US" altLang="en-US" sz="1800" b="0" i="0" u="none" strike="noStrike" cap="none" normalizeH="0" baseline="0" dirty="0">
+              <a:rPr kumimoji="0" lang="en-US" altLang="en-US" b="0" i="0" u="none" strike="noStrike" cap="none" normalizeH="0" baseline="0" dirty="0">
                 <a:ln>
                   <a:noFill/>
                 </a:ln>
@@ -25320,7 +25357,7 @@
             </a:r>
           </a:p>
           <a:p>
-            <a:pPr marL="0" marR="0" lvl="0" indent="0" defTabSz="914400" rtl="0" eaLnBrk="0" fontAlgn="base" latinLnBrk="0" hangingPunct="0">
+            <a:pPr marL="0" marR="0" lvl="0" indent="0" algn="just" defTabSz="914400" rtl="0" eaLnBrk="0" fontAlgn="base" latinLnBrk="0" hangingPunct="0">
               <a:spcBef>
                 <a:spcPct val="0"/>
               </a:spcBef>
@@ -25334,7 +25371,7 @@
               <a:tabLst/>
             </a:pPr>
             <a:r>
-              <a:rPr kumimoji="0" lang="en-US" altLang="en-US" sz="1800" b="0" i="0" u="none" strike="noStrike" cap="none" normalizeH="0" baseline="0" dirty="0">
+              <a:rPr kumimoji="0" lang="en-US" altLang="en-US" b="0" i="0" u="none" strike="noStrike" cap="none" normalizeH="0" baseline="0" dirty="0">
                 <a:ln>
                   <a:noFill/>
                 </a:ln>
@@ -25348,7 +25385,7 @@
             </a:r>
           </a:p>
           <a:p>
-            <a:pPr marL="0" marR="0" lvl="0" indent="0" defTabSz="914400" rtl="0" eaLnBrk="0" fontAlgn="base" latinLnBrk="0" hangingPunct="0">
+            <a:pPr marL="0" marR="0" lvl="0" indent="0" algn="just" defTabSz="914400" rtl="0" eaLnBrk="0" fontAlgn="base" latinLnBrk="0" hangingPunct="0">
               <a:spcBef>
                 <a:spcPct val="0"/>
               </a:spcBef>
@@ -25362,7 +25399,7 @@
               <a:tabLst/>
             </a:pPr>
             <a:r>
-              <a:rPr kumimoji="0" lang="en-US" altLang="en-US" sz="1800" b="0" i="0" u="none" strike="noStrike" cap="none" normalizeH="0" baseline="0" dirty="0">
+              <a:rPr kumimoji="0" lang="en-US" altLang="en-US" b="0" i="0" u="none" strike="noStrike" cap="none" normalizeH="0" baseline="0" dirty="0">
                 <a:ln>
                   <a:noFill/>
                 </a:ln>
@@ -25376,7 +25413,7 @@
             </a:r>
           </a:p>
           <a:p>
-            <a:pPr marL="0" marR="0" lvl="0" indent="0" defTabSz="914400" rtl="0" eaLnBrk="0" fontAlgn="base" latinLnBrk="0" hangingPunct="0">
+            <a:pPr marL="0" marR="0" lvl="0" indent="0" algn="just" defTabSz="914400" rtl="0" eaLnBrk="0" fontAlgn="base" latinLnBrk="0" hangingPunct="0">
               <a:spcBef>
                 <a:spcPct val="0"/>
               </a:spcBef>
@@ -25389,7 +25426,7 @@
               <a:tabLst/>
             </a:pPr>
             <a:r>
-              <a:rPr kumimoji="0" lang="en-US" altLang="en-US" sz="1800" b="1" i="0" u="none" strike="noStrike" cap="none" normalizeH="0" baseline="0" dirty="0">
+              <a:rPr kumimoji="0" lang="en-US" altLang="en-US" b="1" i="0" u="none" strike="noStrike" cap="none" normalizeH="0" baseline="0" dirty="0">
                 <a:ln>
                   <a:noFill/>
                 </a:ln>
@@ -25402,7 +25439,7 @@
               <a:t>4. Output</a:t>
             </a:r>
             <a:r>
-              <a:rPr kumimoji="0" lang="en-US" altLang="en-US" sz="1800" b="0" i="0" u="none" strike="noStrike" cap="none" normalizeH="0" baseline="0" dirty="0">
+              <a:rPr kumimoji="0" lang="en-US" altLang="en-US" b="0" i="0" u="none" strike="noStrike" cap="none" normalizeH="0" baseline="0" dirty="0">
                 <a:ln>
                   <a:noFill/>
                 </a:ln>
@@ -25440,7 +25477,7 @@
           <a:p>
             <a:fld id="{CEEDF3A4-9E04-435A-AB3C-4BCD61EBBCA9}" type="slidenum">
               <a:rPr lang="en-US" smtClean="0"/>
-              <a:t>49</a:t>
+              <a:t>48</a:t>
             </a:fld>
             <a:endParaRPr lang="en-US"/>
           </a:p>
@@ -25450,6 +25487,186 @@
     <p:extLst>
       <p:ext uri="{BB962C8B-B14F-4D97-AF65-F5344CB8AC3E}">
         <p14:creationId xmlns:p14="http://schemas.microsoft.com/office/powerpoint/2010/main" val="3833341155"/>
+      </p:ext>
+    </p:extLst>
+  </p:cSld>
+  <p:clrMapOvr>
+    <a:masterClrMapping/>
+  </p:clrMapOvr>
+</p:sld>
+</file>
+
+<file path=ppt/slides/slide49.xml><?xml version="1.0" encoding="utf-8"?>
+<p:sld xmlns:a="http://schemas.openxmlformats.org/drawingml/2006/main" xmlns:r="http://schemas.openxmlformats.org/officeDocument/2006/relationships" xmlns:p="http://schemas.openxmlformats.org/presentationml/2006/main">
+  <p:cSld>
+    <p:spTree>
+      <p:nvGrpSpPr>
+        <p:cNvPr id="1" name=""/>
+        <p:cNvGrpSpPr/>
+        <p:nvPr/>
+      </p:nvGrpSpPr>
+      <p:grpSpPr>
+        <a:xfrm>
+          <a:off x="0" y="0"/>
+          <a:ext cx="0" cy="0"/>
+          <a:chOff x="0" y="0"/>
+          <a:chExt cx="0" cy="0"/>
+        </a:xfrm>
+      </p:grpSpPr>
+      <p:sp>
+        <p:nvSpPr>
+          <p:cNvPr id="2" name="Title 1">
+            <a:extLst>
+              <a:ext uri="{FF2B5EF4-FFF2-40B4-BE49-F238E27FC236}">
+                <a16:creationId xmlns:a16="http://schemas.microsoft.com/office/drawing/2014/main" id="{B01898FE-28C6-3CB8-024F-C89FC6EDDF4F}"/>
+              </a:ext>
+            </a:extLst>
+          </p:cNvPr>
+          <p:cNvSpPr>
+            <a:spLocks noGrp="1"/>
+          </p:cNvSpPr>
+          <p:nvPr>
+            <p:ph type="title"/>
+          </p:nvPr>
+        </p:nvSpPr>
+        <p:spPr/>
+        <p:txBody>
+          <a:bodyPr/>
+          <a:lstStyle/>
+          <a:p>
+            <a:r>
+              <a:rPr lang="en-US" dirty="0"/>
+              <a:t>Particular Use Case</a:t>
+            </a:r>
+          </a:p>
+        </p:txBody>
+      </p:sp>
+      <p:sp>
+        <p:nvSpPr>
+          <p:cNvPr id="3" name="Content Placeholder 2">
+            <a:extLst>
+              <a:ext uri="{FF2B5EF4-FFF2-40B4-BE49-F238E27FC236}">
+                <a16:creationId xmlns:a16="http://schemas.microsoft.com/office/drawing/2014/main" id="{6BF4BB4A-59D2-FA28-1843-380A395D9609}"/>
+              </a:ext>
+            </a:extLst>
+          </p:cNvPr>
+          <p:cNvSpPr>
+            <a:spLocks noGrp="1"/>
+          </p:cNvSpPr>
+          <p:nvPr>
+            <p:ph idx="1"/>
+          </p:nvPr>
+        </p:nvSpPr>
+        <p:spPr/>
+        <p:txBody>
+          <a:bodyPr>
+            <a:normAutofit/>
+          </a:bodyPr>
+          <a:lstStyle/>
+          <a:p>
+            <a:pPr marL="0" indent="0" algn="just">
+              <a:buNone/>
+            </a:pPr>
+            <a:r>
+              <a:rPr lang="en-US" sz="3600" dirty="0"/>
+              <a:t>Suppose you want to analyze a target domain, </a:t>
+            </a:r>
+            <a:r>
+              <a:rPr lang="en-US" sz="3600" b="1" dirty="0"/>
+              <a:t>example.com</a:t>
+            </a:r>
+            <a:r>
+              <a:rPr lang="en-US" sz="3600" dirty="0"/>
+              <a:t>. By running </a:t>
+            </a:r>
+            <a:r>
+              <a:rPr lang="en-US" sz="3600" dirty="0" err="1"/>
+              <a:t>SpiderFoot</a:t>
+            </a:r>
+            <a:r>
+              <a:rPr lang="en-US" sz="3600" dirty="0"/>
+              <a:t>, you can:</a:t>
+            </a:r>
+          </a:p>
+          <a:p>
+            <a:pPr lvl="1" algn="just">
+              <a:buFont typeface="+mj-lt"/>
+              <a:buAutoNum type="arabicPeriod"/>
+            </a:pPr>
+            <a:r>
+              <a:rPr lang="en-US" sz="3200" dirty="0"/>
+              <a:t>Identify subdomains (e.g., mail.example.com).</a:t>
+            </a:r>
+          </a:p>
+          <a:p>
+            <a:pPr lvl="1" algn="just">
+              <a:buFont typeface="+mj-lt"/>
+              <a:buAutoNum type="arabicPeriod"/>
+            </a:pPr>
+            <a:r>
+              <a:rPr lang="en-US" sz="3200" dirty="0"/>
+              <a:t>Discover associated IP addresses and geolocation.</a:t>
+            </a:r>
+          </a:p>
+          <a:p>
+            <a:pPr lvl="1" algn="just">
+              <a:buFont typeface="+mj-lt"/>
+              <a:buAutoNum type="arabicPeriod"/>
+            </a:pPr>
+            <a:r>
+              <a:rPr lang="en-US" sz="3200" dirty="0"/>
+              <a:t>Check for known vulnerabilities or past breaches linked to the domain.</a:t>
+            </a:r>
+          </a:p>
+          <a:p>
+            <a:pPr lvl="1" algn="just">
+              <a:buFont typeface="+mj-lt"/>
+              <a:buAutoNum type="arabicPeriod"/>
+            </a:pPr>
+            <a:r>
+              <a:rPr lang="en-US" sz="3200" dirty="0"/>
+              <a:t>Monitor DNS changes or potential threat activities.</a:t>
+            </a:r>
+          </a:p>
+          <a:p>
+            <a:pPr algn="just"/>
+            <a:endParaRPr lang="en-US" sz="3600" dirty="0"/>
+          </a:p>
+        </p:txBody>
+      </p:sp>
+      <p:sp>
+        <p:nvSpPr>
+          <p:cNvPr id="4" name="Slide Number Placeholder 3">
+            <a:extLst>
+              <a:ext uri="{FF2B5EF4-FFF2-40B4-BE49-F238E27FC236}">
+                <a16:creationId xmlns:a16="http://schemas.microsoft.com/office/drawing/2014/main" id="{C2CFC901-0EB0-343D-7C56-A94B20FCFC3E}"/>
+              </a:ext>
+            </a:extLst>
+          </p:cNvPr>
+          <p:cNvSpPr>
+            <a:spLocks noGrp="1"/>
+          </p:cNvSpPr>
+          <p:nvPr>
+            <p:ph type="sldNum" sz="quarter" idx="12"/>
+          </p:nvPr>
+        </p:nvSpPr>
+        <p:spPr/>
+        <p:txBody>
+          <a:bodyPr/>
+          <a:lstStyle/>
+          <a:p>
+            <a:fld id="{CEEDF3A4-9E04-435A-AB3C-4BCD61EBBCA9}" type="slidenum">
+              <a:rPr lang="en-US" smtClean="0"/>
+              <a:t>49</a:t>
+            </a:fld>
+            <a:endParaRPr lang="en-US"/>
+          </a:p>
+        </p:txBody>
+      </p:sp>
+    </p:spTree>
+    <p:extLst>
+      <p:ext uri="{BB962C8B-B14F-4D97-AF65-F5344CB8AC3E}">
+        <p14:creationId xmlns:p14="http://schemas.microsoft.com/office/powerpoint/2010/main" val="4081004983"/>
       </p:ext>
     </p:extLst>
   </p:cSld>
@@ -25684,282 +25901,6 @@
           <p:cNvPr id="2" name="Title 1">
             <a:extLst>
               <a:ext uri="{FF2B5EF4-FFF2-40B4-BE49-F238E27FC236}">
-                <a16:creationId xmlns:a16="http://schemas.microsoft.com/office/drawing/2014/main" id="{B01898FE-28C6-3CB8-024F-C89FC6EDDF4F}"/>
-              </a:ext>
-            </a:extLst>
-          </p:cNvPr>
-          <p:cNvSpPr>
-            <a:spLocks noGrp="1"/>
-          </p:cNvSpPr>
-          <p:nvPr>
-            <p:ph type="title"/>
-          </p:nvPr>
-        </p:nvSpPr>
-        <p:spPr/>
-        <p:txBody>
-          <a:bodyPr/>
-          <a:lstStyle/>
-          <a:p>
-            <a:r>
-              <a:rPr lang="en-US" dirty="0"/>
-              <a:t>Particular Use Case</a:t>
-            </a:r>
-          </a:p>
-        </p:txBody>
-      </p:sp>
-      <p:sp>
-        <p:nvSpPr>
-          <p:cNvPr id="3" name="Content Placeholder 2">
-            <a:extLst>
-              <a:ext uri="{FF2B5EF4-FFF2-40B4-BE49-F238E27FC236}">
-                <a16:creationId xmlns:a16="http://schemas.microsoft.com/office/drawing/2014/main" id="{6BF4BB4A-59D2-FA28-1843-380A395D9609}"/>
-              </a:ext>
-            </a:extLst>
-          </p:cNvPr>
-          <p:cNvSpPr>
-            <a:spLocks noGrp="1"/>
-          </p:cNvSpPr>
-          <p:nvPr>
-            <p:ph idx="1"/>
-          </p:nvPr>
-        </p:nvSpPr>
-        <p:spPr/>
-        <p:txBody>
-          <a:bodyPr/>
-          <a:lstStyle/>
-          <a:p>
-            <a:pPr marL="0" indent="0">
-              <a:buNone/>
-            </a:pPr>
-            <a:r>
-              <a:rPr lang="en-US" dirty="0"/>
-              <a:t>Suppose you want to analyze a target domain, </a:t>
-            </a:r>
-            <a:r>
-              <a:rPr lang="en-US" b="1" dirty="0"/>
-              <a:t>example.com</a:t>
-            </a:r>
-            <a:r>
-              <a:rPr lang="en-US" dirty="0"/>
-              <a:t>. By running </a:t>
-            </a:r>
-            <a:r>
-              <a:rPr lang="en-US" dirty="0" err="1"/>
-              <a:t>SpiderFoot</a:t>
-            </a:r>
-            <a:r>
-              <a:rPr lang="en-US" dirty="0"/>
-              <a:t>, you can:</a:t>
-            </a:r>
-          </a:p>
-          <a:p>
-            <a:pPr lvl="1">
-              <a:buFont typeface="+mj-lt"/>
-              <a:buAutoNum type="arabicPeriod"/>
-            </a:pPr>
-            <a:r>
-              <a:rPr lang="en-US" dirty="0"/>
-              <a:t>Identify subdomains (e.g., mail.example.com).</a:t>
-            </a:r>
-          </a:p>
-          <a:p>
-            <a:pPr lvl="1">
-              <a:buFont typeface="+mj-lt"/>
-              <a:buAutoNum type="arabicPeriod"/>
-            </a:pPr>
-            <a:r>
-              <a:rPr lang="en-US" dirty="0"/>
-              <a:t>Discover associated IP addresses and geolocation.</a:t>
-            </a:r>
-          </a:p>
-          <a:p>
-            <a:pPr lvl="1">
-              <a:buFont typeface="+mj-lt"/>
-              <a:buAutoNum type="arabicPeriod"/>
-            </a:pPr>
-            <a:r>
-              <a:rPr lang="en-US" dirty="0"/>
-              <a:t>Check for known vulnerabilities or past breaches linked to the domain.</a:t>
-            </a:r>
-          </a:p>
-          <a:p>
-            <a:pPr lvl="1">
-              <a:buFont typeface="+mj-lt"/>
-              <a:buAutoNum type="arabicPeriod"/>
-            </a:pPr>
-            <a:r>
-              <a:rPr lang="en-US" dirty="0"/>
-              <a:t>Monitor DNS changes or potential threat activities.</a:t>
-            </a:r>
-          </a:p>
-          <a:p>
-            <a:endParaRPr lang="en-US" dirty="0"/>
-          </a:p>
-        </p:txBody>
-      </p:sp>
-      <p:sp>
-        <p:nvSpPr>
-          <p:cNvPr id="4" name="Slide Number Placeholder 3">
-            <a:extLst>
-              <a:ext uri="{FF2B5EF4-FFF2-40B4-BE49-F238E27FC236}">
-                <a16:creationId xmlns:a16="http://schemas.microsoft.com/office/drawing/2014/main" id="{C2CFC901-0EB0-343D-7C56-A94B20FCFC3E}"/>
-              </a:ext>
-            </a:extLst>
-          </p:cNvPr>
-          <p:cNvSpPr>
-            <a:spLocks noGrp="1"/>
-          </p:cNvSpPr>
-          <p:nvPr>
-            <p:ph type="sldNum" sz="quarter" idx="12"/>
-          </p:nvPr>
-        </p:nvSpPr>
-        <p:spPr/>
-        <p:txBody>
-          <a:bodyPr/>
-          <a:lstStyle/>
-          <a:p>
-            <a:fld id="{CEEDF3A4-9E04-435A-AB3C-4BCD61EBBCA9}" type="slidenum">
-              <a:rPr lang="en-US" smtClean="0"/>
-              <a:t>50</a:t>
-            </a:fld>
-            <a:endParaRPr lang="en-US"/>
-          </a:p>
-        </p:txBody>
-      </p:sp>
-    </p:spTree>
-    <p:extLst>
-      <p:ext uri="{BB962C8B-B14F-4D97-AF65-F5344CB8AC3E}">
-        <p14:creationId xmlns:p14="http://schemas.microsoft.com/office/powerpoint/2010/main" val="4081004983"/>
-      </p:ext>
-    </p:extLst>
-  </p:cSld>
-  <p:clrMapOvr>
-    <a:masterClrMapping/>
-  </p:clrMapOvr>
-</p:sld>
-</file>
-
-<file path=ppt/slides/slide51.xml><?xml version="1.0" encoding="utf-8"?>
-<p:sld xmlns:a="http://schemas.openxmlformats.org/drawingml/2006/main" xmlns:r="http://schemas.openxmlformats.org/officeDocument/2006/relationships" xmlns:p="http://schemas.openxmlformats.org/presentationml/2006/main">
-  <p:cSld>
-    <p:bg>
-      <p:bgPr>
-        <a:solidFill>
-          <a:schemeClr val="bg1"/>
-        </a:solidFill>
-        <a:effectLst/>
-      </p:bgPr>
-    </p:bg>
-    <p:spTree>
-      <p:nvGrpSpPr>
-        <p:cNvPr id="1" name=""/>
-        <p:cNvGrpSpPr/>
-        <p:nvPr/>
-      </p:nvGrpSpPr>
-      <p:grpSpPr>
-        <a:xfrm>
-          <a:off x="0" y="0"/>
-          <a:ext cx="0" cy="0"/>
-          <a:chOff x="0" y="0"/>
-          <a:chExt cx="0" cy="0"/>
-        </a:xfrm>
-      </p:grpSpPr>
-      <p:pic>
-        <p:nvPicPr>
-          <p:cNvPr id="5" name="Content Placeholder 4">
-            <a:extLst>
-              <a:ext uri="{FF2B5EF4-FFF2-40B4-BE49-F238E27FC236}">
-                <a16:creationId xmlns:a16="http://schemas.microsoft.com/office/drawing/2014/main" id="{1A7167D1-25F0-BBAE-2010-FD0862ACD37E}"/>
-              </a:ext>
-            </a:extLst>
-          </p:cNvPr>
-          <p:cNvPicPr>
-            <a:picLocks noGrp="1" noChangeAspect="1"/>
-          </p:cNvPicPr>
-          <p:nvPr>
-            <p:ph idx="1"/>
-          </p:nvPr>
-        </p:nvPicPr>
-        <p:blipFill>
-          <a:blip r:embed="rId2"/>
-          <a:stretch>
-            <a:fillRect/>
-          </a:stretch>
-        </p:blipFill>
-        <p:spPr>
-          <a:xfrm>
-            <a:off x="2875964" y="643466"/>
-            <a:ext cx="6440072" cy="5571067"/>
-          </a:xfrm>
-          <a:prstGeom prst="rect">
-            <a:avLst/>
-          </a:prstGeom>
-        </p:spPr>
-      </p:pic>
-      <p:sp>
-        <p:nvSpPr>
-          <p:cNvPr id="6" name="Slide Number Placeholder 5">
-            <a:extLst>
-              <a:ext uri="{FF2B5EF4-FFF2-40B4-BE49-F238E27FC236}">
-                <a16:creationId xmlns:a16="http://schemas.microsoft.com/office/drawing/2014/main" id="{C6575A50-53CF-BB7B-D0F6-06FEF1119B92}"/>
-              </a:ext>
-            </a:extLst>
-          </p:cNvPr>
-          <p:cNvSpPr>
-            <a:spLocks noGrp="1"/>
-          </p:cNvSpPr>
-          <p:nvPr>
-            <p:ph type="sldNum" sz="quarter" idx="12"/>
-          </p:nvPr>
-        </p:nvSpPr>
-        <p:spPr/>
-        <p:txBody>
-          <a:bodyPr/>
-          <a:lstStyle/>
-          <a:p>
-            <a:fld id="{CEEDF3A4-9E04-435A-AB3C-4BCD61EBBCA9}" type="slidenum">
-              <a:rPr lang="en-US" smtClean="0"/>
-              <a:t>51</a:t>
-            </a:fld>
-            <a:endParaRPr lang="en-US"/>
-          </a:p>
-        </p:txBody>
-      </p:sp>
-    </p:spTree>
-    <p:extLst>
-      <p:ext uri="{BB962C8B-B14F-4D97-AF65-F5344CB8AC3E}">
-        <p14:creationId xmlns:p14="http://schemas.microsoft.com/office/powerpoint/2010/main" val="1310750551"/>
-      </p:ext>
-    </p:extLst>
-  </p:cSld>
-  <p:clrMapOvr>
-    <a:masterClrMapping/>
-  </p:clrMapOvr>
-</p:sld>
-</file>
-
-<file path=ppt/slides/slide52.xml><?xml version="1.0" encoding="utf-8"?>
-<p:sld xmlns:a="http://schemas.openxmlformats.org/drawingml/2006/main" xmlns:r="http://schemas.openxmlformats.org/officeDocument/2006/relationships" xmlns:p="http://schemas.openxmlformats.org/presentationml/2006/main">
-  <p:cSld>
-    <p:spTree>
-      <p:nvGrpSpPr>
-        <p:cNvPr id="1" name=""/>
-        <p:cNvGrpSpPr/>
-        <p:nvPr/>
-      </p:nvGrpSpPr>
-      <p:grpSpPr>
-        <a:xfrm>
-          <a:off x="0" y="0"/>
-          <a:ext cx="0" cy="0"/>
-          <a:chOff x="0" y="0"/>
-          <a:chExt cx="0" cy="0"/>
-        </a:xfrm>
-      </p:grpSpPr>
-      <p:sp>
-        <p:nvSpPr>
-          <p:cNvPr id="2" name="Title 1">
-            <a:extLst>
-              <a:ext uri="{FF2B5EF4-FFF2-40B4-BE49-F238E27FC236}">
                 <a16:creationId xmlns:a16="http://schemas.microsoft.com/office/drawing/2014/main" id="{1A3BCBBF-01B4-BA8B-1C9F-4DBC5653DA3F}"/>
               </a:ext>
             </a:extLst>
@@ -25971,7 +25912,12 @@
             <p:ph type="title"/>
           </p:nvPr>
         </p:nvSpPr>
-        <p:spPr/>
+        <p:spPr>
+          <a:xfrm>
+            <a:off x="838200" y="0"/>
+            <a:ext cx="10515600" cy="1325563"/>
+          </a:xfrm>
+        </p:spPr>
         <p:txBody>
           <a:bodyPr/>
           <a:lstStyle/>
@@ -25999,10 +25945,15 @@
             <p:ph idx="1"/>
           </p:nvPr>
         </p:nvSpPr>
-        <p:spPr/>
+        <p:spPr>
+          <a:xfrm>
+            <a:off x="584812" y="1253330"/>
+            <a:ext cx="11026966" cy="5103019"/>
+          </a:xfrm>
+        </p:spPr>
         <p:txBody>
           <a:bodyPr>
-            <a:normAutofit fontScale="92500" lnSpcReduction="20000"/>
+            <a:normAutofit lnSpcReduction="10000"/>
           </a:bodyPr>
           <a:lstStyle/>
           <a:p>
@@ -26138,7 +26089,7 @@
           <a:p>
             <a:fld id="{CEEDF3A4-9E04-435A-AB3C-4BCD61EBBCA9}" type="slidenum">
               <a:rPr lang="en-US" smtClean="0"/>
-              <a:t>52</a:t>
+              <a:t>50</a:t>
             </a:fld>
             <a:endParaRPr lang="en-US"/>
           </a:p>
@@ -26157,7 +26108,7 @@
 </p:sld>
 </file>
 
-<file path=ppt/slides/slide53.xml><?xml version="1.0" encoding="utf-8"?>
+<file path=ppt/slides/slide51.xml><?xml version="1.0" encoding="utf-8"?>
 <p:sld xmlns:a="http://schemas.openxmlformats.org/drawingml/2006/main" xmlns:r="http://schemas.openxmlformats.org/officeDocument/2006/relationships" xmlns:p="http://schemas.openxmlformats.org/presentationml/2006/main">
   <p:cSld>
     <p:spTree>
@@ -26190,7 +26141,12 @@
             <p:ph type="title"/>
           </p:nvPr>
         </p:nvSpPr>
-        <p:spPr/>
+        <p:spPr>
+          <a:xfrm>
+            <a:off x="838200" y="18255"/>
+            <a:ext cx="10515600" cy="1325563"/>
+          </a:xfrm>
+        </p:spPr>
         <p:txBody>
           <a:bodyPr/>
           <a:lstStyle/>
@@ -26218,10 +26174,15 @@
             <p:ph idx="1"/>
           </p:nvPr>
         </p:nvSpPr>
-        <p:spPr/>
+        <p:spPr>
+          <a:xfrm>
+            <a:off x="328936" y="1153596"/>
+            <a:ext cx="11580298" cy="5202754"/>
+          </a:xfrm>
+        </p:spPr>
         <p:txBody>
           <a:bodyPr>
-            <a:normAutofit fontScale="62500" lnSpcReduction="20000"/>
+            <a:normAutofit fontScale="85000" lnSpcReduction="20000"/>
           </a:bodyPr>
           <a:lstStyle/>
           <a:p>
@@ -26525,7 +26486,7 @@
           <a:p>
             <a:fld id="{CEEDF3A4-9E04-435A-AB3C-4BCD61EBBCA9}" type="slidenum">
               <a:rPr lang="en-US" smtClean="0"/>
-              <a:t>53</a:t>
+              <a:t>51</a:t>
             </a:fld>
             <a:endParaRPr lang="en-US"/>
           </a:p>
@@ -26544,7 +26505,7 @@
 </p:sld>
 </file>
 
-<file path=ppt/slides/slide54.xml><?xml version="1.0" encoding="utf-8"?>
+<file path=ppt/slides/slide52.xml><?xml version="1.0" encoding="utf-8"?>
 <p:sld xmlns:a="http://schemas.openxmlformats.org/drawingml/2006/main" xmlns:r="http://schemas.openxmlformats.org/officeDocument/2006/relationships" xmlns:p="http://schemas.openxmlformats.org/presentationml/2006/main">
   <p:cSld>
     <p:spTree>
@@ -26605,7 +26566,12 @@
             <p:ph idx="1"/>
           </p:nvPr>
         </p:nvSpPr>
-        <p:spPr/>
+        <p:spPr>
+          <a:xfrm>
+            <a:off x="518710" y="1429018"/>
+            <a:ext cx="11170186" cy="4927332"/>
+          </a:xfrm>
+        </p:spPr>
         <p:txBody>
           <a:bodyPr>
             <a:normAutofit lnSpcReduction="10000"/>
@@ -26616,29 +26582,29 @@
               <a:buNone/>
             </a:pPr>
             <a:r>
-              <a:rPr lang="en-US" dirty="0"/>
+              <a:rPr lang="en-US" sz="3200" dirty="0"/>
               <a:t>1. </a:t>
             </a:r>
             <a:r>
-              <a:rPr lang="en-US" b="1" dirty="0"/>
+              <a:rPr lang="en-US" sz="3200" b="1" dirty="0"/>
               <a:t>Scanning</a:t>
             </a:r>
             <a:r>
-              <a:rPr lang="en-US" dirty="0"/>
+              <a:rPr lang="en-US" sz="3200" dirty="0"/>
               <a:t>:</a:t>
             </a:r>
           </a:p>
           <a:p>
             <a:pPr lvl="1"/>
             <a:r>
-              <a:rPr lang="en-US" dirty="0"/>
+              <a:rPr lang="en-US" sz="2800" dirty="0"/>
               <a:t>Shodan actively scans the internet using common ports and protocols (e.g., HTTP, FTP, Telnet, SSH).</a:t>
             </a:r>
           </a:p>
           <a:p>
             <a:pPr lvl="1"/>
             <a:r>
-              <a:rPr lang="en-US" dirty="0"/>
+              <a:rPr lang="en-US" sz="2800" dirty="0"/>
               <a:t>It collects data such as banners, which reveal service details like software version, operating system, or device type.</a:t>
             </a:r>
           </a:p>
@@ -26647,22 +26613,22 @@
               <a:buNone/>
             </a:pPr>
             <a:r>
-              <a:rPr lang="en-US" dirty="0"/>
+              <a:rPr lang="en-US" sz="3200" dirty="0"/>
               <a:t>2. </a:t>
             </a:r>
             <a:r>
-              <a:rPr lang="en-US" b="1" dirty="0"/>
+              <a:rPr lang="en-US" sz="3200" b="1" dirty="0"/>
               <a:t>Indexing</a:t>
             </a:r>
             <a:r>
-              <a:rPr lang="en-US" dirty="0"/>
+              <a:rPr lang="en-US" sz="3200" dirty="0"/>
               <a:t>:</a:t>
             </a:r>
           </a:p>
           <a:p>
             <a:pPr lvl="1"/>
             <a:r>
-              <a:rPr lang="en-US" dirty="0"/>
+              <a:rPr lang="en-US" sz="2800" dirty="0"/>
               <a:t>The collected data is indexed and made searchable on Shodan’s platform.</a:t>
             </a:r>
           </a:p>
@@ -26671,29 +26637,29 @@
               <a:buNone/>
             </a:pPr>
             <a:r>
-              <a:rPr lang="en-US" dirty="0"/>
+              <a:rPr lang="en-US" sz="3200" dirty="0"/>
               <a:t>3. </a:t>
             </a:r>
             <a:r>
-              <a:rPr lang="en-US" b="1" dirty="0"/>
+              <a:rPr lang="en-US" sz="3200" b="1" dirty="0"/>
               <a:t>Searching</a:t>
             </a:r>
             <a:r>
-              <a:rPr lang="en-US" dirty="0"/>
+              <a:rPr lang="en-US" sz="3200" dirty="0"/>
               <a:t>:</a:t>
             </a:r>
           </a:p>
           <a:p>
             <a:pPr lvl="1"/>
             <a:r>
-              <a:rPr lang="en-US" dirty="0"/>
+              <a:rPr lang="en-US" sz="2800" dirty="0"/>
               <a:t>Users can search for devices using specific filters or keywords.</a:t>
             </a:r>
           </a:p>
           <a:p>
             <a:pPr lvl="1"/>
             <a:r>
-              <a:rPr lang="en-US" dirty="0"/>
+              <a:rPr lang="en-US" sz="2800" dirty="0"/>
               <a:t>Results include IP addresses, ports, device types, and geographic locations.</a:t>
             </a:r>
           </a:p>
@@ -26701,7 +26667,7 @@
             <a:pPr marL="0" indent="0">
               <a:buNone/>
             </a:pPr>
-            <a:endParaRPr lang="en-US" dirty="0"/>
+            <a:endParaRPr lang="en-US" sz="3200" dirty="0"/>
           </a:p>
         </p:txBody>
       </p:sp>
@@ -26728,7 +26694,7 @@
           <a:p>
             <a:fld id="{CEEDF3A4-9E04-435A-AB3C-4BCD61EBBCA9}" type="slidenum">
               <a:rPr lang="en-US" smtClean="0"/>
-              <a:t>54</a:t>
+              <a:t>52</a:t>
             </a:fld>
             <a:endParaRPr lang="en-US"/>
           </a:p>
@@ -26766,31 +26732,6 @@
       </p:grpSpPr>
       <p:sp>
         <p:nvSpPr>
-          <p:cNvPr id="2" name="Title 1">
-            <a:extLst>
-              <a:ext uri="{FF2B5EF4-FFF2-40B4-BE49-F238E27FC236}">
-                <a16:creationId xmlns:a16="http://schemas.microsoft.com/office/drawing/2014/main" id="{7F3DA5FD-5786-6E76-92B5-541C9EDDF53E}"/>
-              </a:ext>
-            </a:extLst>
-          </p:cNvPr>
-          <p:cNvSpPr>
-            <a:spLocks noGrp="1"/>
-          </p:cNvSpPr>
-          <p:nvPr>
-            <p:ph type="title"/>
-          </p:nvPr>
-        </p:nvSpPr>
-        <p:spPr/>
-        <p:txBody>
-          <a:bodyPr/>
-          <a:lstStyle/>
-          <a:p>
-            <a:endParaRPr lang="en-US" dirty="0"/>
-          </a:p>
-        </p:txBody>
-      </p:sp>
-      <p:sp>
-        <p:nvSpPr>
           <p:cNvPr id="3" name="Content Placeholder 2">
             <a:extLst>
               <a:ext uri="{FF2B5EF4-FFF2-40B4-BE49-F238E27FC236}">
@@ -26805,13 +26746,20 @@
             <p:ph idx="1"/>
           </p:nvPr>
         </p:nvSpPr>
-        <p:spPr/>
+        <p:spPr>
+          <a:xfrm>
+            <a:off x="838200" y="867158"/>
+            <a:ext cx="10515600" cy="4351338"/>
+          </a:xfrm>
+        </p:spPr>
         <p:txBody>
-          <a:bodyPr/>
+          <a:bodyPr>
+            <a:normAutofit/>
+          </a:bodyPr>
           <a:lstStyle/>
           <a:p>
             <a:r>
-              <a:rPr lang="en-US" b="1" dirty="0"/>
+              <a:rPr lang="en-US" sz="3200" b="1" dirty="0"/>
               <a:t>1.3 Website Mirroring</a:t>
             </a:r>
           </a:p>
@@ -26820,7 +26768,7 @@
               <a:buNone/>
             </a:pPr>
             <a:r>
-              <a:rPr lang="en-US" dirty="0"/>
+              <a:rPr lang="en-US" sz="2800" dirty="0"/>
               <a:t>Copying the entire content of a target’s website to analyze offline.</a:t>
             </a:r>
           </a:p>
@@ -26829,22 +26777,22 @@
               <a:buNone/>
             </a:pPr>
             <a:r>
-              <a:rPr lang="en-US" b="1" dirty="0"/>
+              <a:rPr lang="en-US" sz="2800" b="1" dirty="0"/>
               <a:t>Tools:</a:t>
             </a:r>
           </a:p>
           <a:p>
             <a:pPr lvl="1"/>
             <a:r>
-              <a:rPr lang="en-US" dirty="0" err="1"/>
+              <a:rPr lang="en-US" sz="2800" dirty="0" err="1"/>
               <a:t>HTTrack</a:t>
             </a:r>
-            <a:endParaRPr lang="en-US" dirty="0"/>
+            <a:endParaRPr lang="en-US" sz="2800" dirty="0"/>
           </a:p>
           <a:p>
             <a:pPr lvl="1"/>
             <a:r>
-              <a:rPr lang="en-US" dirty="0"/>
+              <a:rPr lang="en-US" sz="2800" dirty="0"/>
               <a:t>Wget</a:t>
             </a:r>
           </a:p>
@@ -26852,10 +26800,10 @@
             <a:pPr marL="457200" lvl="1" indent="0">
               <a:buNone/>
             </a:pPr>
-            <a:endParaRPr lang="en-US" b="1" dirty="0"/>
-          </a:p>
-          <a:p>
-            <a:endParaRPr lang="en-US" dirty="0"/>
+            <a:endParaRPr lang="en-US" sz="2800" b="1" dirty="0"/>
+          </a:p>
+          <a:p>
+            <a:endParaRPr lang="en-US" sz="3200" dirty="0"/>
           </a:p>
         </p:txBody>
       </p:sp>
@@ -27095,31 +27043,6 @@
       </p:grpSpPr>
       <p:sp>
         <p:nvSpPr>
-          <p:cNvPr id="2" name="Title 1">
-            <a:extLst>
-              <a:ext uri="{FF2B5EF4-FFF2-40B4-BE49-F238E27FC236}">
-                <a16:creationId xmlns:a16="http://schemas.microsoft.com/office/drawing/2014/main" id="{4DE8CB5C-FD7A-D6E2-4DC5-23DCC4E955E7}"/>
-              </a:ext>
-            </a:extLst>
-          </p:cNvPr>
-          <p:cNvSpPr>
-            <a:spLocks noGrp="1"/>
-          </p:cNvSpPr>
-          <p:nvPr>
-            <p:ph type="title"/>
-          </p:nvPr>
-        </p:nvSpPr>
-        <p:spPr/>
-        <p:txBody>
-          <a:bodyPr/>
-          <a:lstStyle/>
-          <a:p>
-            <a:endParaRPr lang="en-US"/>
-          </a:p>
-        </p:txBody>
-      </p:sp>
-      <p:sp>
-        <p:nvSpPr>
           <p:cNvPr id="3" name="Content Placeholder 2">
             <a:extLst>
               <a:ext uri="{FF2B5EF4-FFF2-40B4-BE49-F238E27FC236}">
@@ -27134,16 +27057,23 @@
             <p:ph idx="1"/>
           </p:nvPr>
         </p:nvSpPr>
-        <p:spPr/>
+        <p:spPr>
+          <a:xfrm>
+            <a:off x="838200" y="988343"/>
+            <a:ext cx="10515600" cy="4351338"/>
+          </a:xfrm>
+        </p:spPr>
         <p:txBody>
-          <a:bodyPr/>
+          <a:bodyPr>
+            <a:normAutofit/>
+          </a:bodyPr>
           <a:lstStyle/>
           <a:p>
             <a:pPr marL="0" indent="0">
               <a:buNone/>
             </a:pPr>
             <a:r>
-              <a:rPr lang="en-US" b="1" dirty="0"/>
+              <a:rPr lang="en-US" sz="3200" b="1" dirty="0"/>
               <a:t>2.2 Ping Sweeping</a:t>
             </a:r>
           </a:p>
@@ -27152,7 +27082,7 @@
               <a:buNone/>
             </a:pPr>
             <a:r>
-              <a:rPr lang="en-US" dirty="0"/>
+              <a:rPr lang="en-US" sz="2800" dirty="0"/>
               <a:t>Sending ICMP echo requests to identify live hosts on a network.</a:t>
             </a:r>
           </a:p>
@@ -27161,22 +27091,22 @@
               <a:buNone/>
             </a:pPr>
             <a:r>
-              <a:rPr lang="en-US" b="1" dirty="0"/>
+              <a:rPr lang="en-US" sz="2800" b="1" dirty="0"/>
               <a:t>Tools:</a:t>
             </a:r>
           </a:p>
           <a:p>
             <a:pPr lvl="2"/>
             <a:r>
-              <a:rPr lang="en-US" dirty="0" err="1"/>
+              <a:rPr lang="en-US" sz="2400" dirty="0" err="1"/>
               <a:t>Fping</a:t>
             </a:r>
-            <a:endParaRPr lang="en-US" dirty="0"/>
+            <a:endParaRPr lang="en-US" sz="2400" dirty="0"/>
           </a:p>
           <a:p>
             <a:pPr lvl="2"/>
             <a:r>
-              <a:rPr lang="en-US" dirty="0"/>
+              <a:rPr lang="en-US" sz="2400" dirty="0"/>
               <a:t>Angry IP Scanner</a:t>
             </a:r>
           </a:p>
@@ -27185,7 +27115,7 @@
               <a:buNone/>
             </a:pPr>
             <a:r>
-              <a:rPr lang="en-US" b="1" dirty="0"/>
+              <a:rPr lang="en-US" sz="2800" b="1" dirty="0"/>
               <a:t>Purpose:</a:t>
             </a:r>
           </a:p>
@@ -27194,7 +27124,7 @@
               <a:buNone/>
             </a:pPr>
             <a:r>
-              <a:rPr lang="en-US" dirty="0"/>
+              <a:rPr lang="en-US" sz="2400" dirty="0"/>
               <a:t>Make an inventory of active devices in a subnet. i.e. identifying and listing all devices that are actively communicating  or reachable withing a specific network or subnet.</a:t>
             </a:r>
           </a:p>
@@ -27202,19 +27132,19 @@
             <a:pPr marL="457200" lvl="1" indent="0">
               <a:buNone/>
             </a:pPr>
-            <a:endParaRPr lang="en-US" b="1" dirty="0"/>
+            <a:endParaRPr lang="en-US" sz="2800" b="1" dirty="0"/>
           </a:p>
           <a:p>
             <a:pPr marL="0" indent="0">
               <a:buNone/>
             </a:pPr>
-            <a:endParaRPr lang="en-US" dirty="0"/>
+            <a:endParaRPr lang="en-US" sz="3200" dirty="0"/>
           </a:p>
           <a:p>
             <a:pPr marL="0" indent="0">
               <a:buNone/>
             </a:pPr>
-            <a:endParaRPr lang="en-US" dirty="0"/>
+            <a:endParaRPr lang="en-US" sz="3200" dirty="0"/>
           </a:p>
         </p:txBody>
       </p:sp>
@@ -27279,31 +27209,6 @@
       </p:grpSpPr>
       <p:sp>
         <p:nvSpPr>
-          <p:cNvPr id="2" name="Title 1">
-            <a:extLst>
-              <a:ext uri="{FF2B5EF4-FFF2-40B4-BE49-F238E27FC236}">
-                <a16:creationId xmlns:a16="http://schemas.microsoft.com/office/drawing/2014/main" id="{FA09F7FF-FF68-5C6C-FCC5-1A33B0D28FAE}"/>
-              </a:ext>
-            </a:extLst>
-          </p:cNvPr>
-          <p:cNvSpPr>
-            <a:spLocks noGrp="1"/>
-          </p:cNvSpPr>
-          <p:nvPr>
-            <p:ph type="title"/>
-          </p:nvPr>
-        </p:nvSpPr>
-        <p:spPr/>
-        <p:txBody>
-          <a:bodyPr/>
-          <a:lstStyle/>
-          <a:p>
-            <a:endParaRPr lang="en-US"/>
-          </a:p>
-        </p:txBody>
-      </p:sp>
-      <p:sp>
-        <p:nvSpPr>
           <p:cNvPr id="3" name="Content Placeholder 2">
             <a:extLst>
               <a:ext uri="{FF2B5EF4-FFF2-40B4-BE49-F238E27FC236}">
@@ -27318,90 +27223,97 @@
             <p:ph idx="1"/>
           </p:nvPr>
         </p:nvSpPr>
-        <p:spPr/>
+        <p:spPr>
+          <a:xfrm>
+            <a:off x="838200" y="999360"/>
+            <a:ext cx="10515600" cy="4351338"/>
+          </a:xfrm>
+        </p:spPr>
         <p:txBody>
-          <a:bodyPr/>
+          <a:bodyPr>
+            <a:normAutofit lnSpcReduction="10000"/>
+          </a:bodyPr>
           <a:lstStyle/>
           <a:p>
             <a:pPr marL="0" indent="0">
               <a:buNone/>
             </a:pPr>
             <a:r>
-              <a:rPr lang="en-US" b="1" dirty="0"/>
+              <a:rPr lang="en-US" sz="3200" b="1" dirty="0"/>
               <a:t>2.3 Banner Grabbing</a:t>
             </a:r>
           </a:p>
           <a:p>
             <a:r>
-              <a:rPr lang="en-US" dirty="0"/>
+              <a:rPr lang="en-US" sz="3200" dirty="0"/>
               <a:t>Retrieving software version and service details from open ports.</a:t>
             </a:r>
           </a:p>
           <a:p>
             <a:pPr lvl="1"/>
             <a:r>
-              <a:rPr lang="en-US" b="1" dirty="0"/>
+              <a:rPr lang="en-US" sz="2800" b="1" dirty="0"/>
               <a:t>Tools:</a:t>
             </a:r>
           </a:p>
           <a:p>
             <a:pPr lvl="2"/>
             <a:r>
-              <a:rPr lang="en-US" dirty="0"/>
+              <a:rPr lang="en-US" sz="2400" dirty="0"/>
               <a:t>Telnet</a:t>
             </a:r>
           </a:p>
           <a:p>
             <a:pPr lvl="2"/>
             <a:r>
-              <a:rPr lang="en-US" dirty="0" err="1"/>
+              <a:rPr lang="en-US" sz="2400" dirty="0" err="1"/>
               <a:t>Netcat</a:t>
             </a:r>
-            <a:endParaRPr lang="en-US" dirty="0"/>
+            <a:endParaRPr lang="en-US" sz="2400" dirty="0"/>
           </a:p>
           <a:p>
             <a:pPr lvl="2"/>
             <a:r>
-              <a:rPr lang="en-US" dirty="0"/>
+              <a:rPr lang="en-US" sz="2400" dirty="0"/>
               <a:t>Nmap (–</a:t>
             </a:r>
             <a:r>
-              <a:rPr lang="en-US" dirty="0" err="1"/>
+              <a:rPr lang="en-US" sz="2400" dirty="0" err="1"/>
               <a:t>sV</a:t>
             </a:r>
             <a:r>
-              <a:rPr lang="en-US" dirty="0"/>
+              <a:rPr lang="en-US" sz="2400" dirty="0"/>
               <a:t> flag)</a:t>
             </a:r>
           </a:p>
           <a:p>
             <a:pPr lvl="1"/>
             <a:r>
-              <a:rPr lang="en-US" b="1" dirty="0"/>
+              <a:rPr lang="en-US" sz="2800" b="1" dirty="0"/>
               <a:t>Purpose:</a:t>
             </a:r>
           </a:p>
           <a:p>
             <a:pPr lvl="2"/>
             <a:r>
-              <a:rPr lang="en-US" dirty="0"/>
+              <a:rPr lang="en-US" sz="2400" dirty="0"/>
               <a:t>Identifying software running on services.</a:t>
             </a:r>
           </a:p>
           <a:p>
             <a:pPr lvl="2"/>
             <a:r>
-              <a:rPr lang="en-US" dirty="0"/>
+              <a:rPr lang="en-US" sz="2400" dirty="0"/>
               <a:t>Detecting outdated or vulnerable versions.</a:t>
             </a:r>
           </a:p>
           <a:p>
             <a:pPr lvl="1"/>
-            <a:endParaRPr lang="en-US" dirty="0"/>
+            <a:endParaRPr lang="en-US" sz="2800" dirty="0"/>
           </a:p>
           <a:p>
             <a:pPr lvl="1"/>
-            <a:endParaRPr lang="en-US" dirty="0"/>
+            <a:endParaRPr lang="en-US" sz="2800" dirty="0"/>
           </a:p>
         </p:txBody>
       </p:sp>
